--- a/function/素材/BL-01～BL05 TERASOLUNA Batch Framework for Java ver3.x本体説明書の図.pptx
+++ b/function/素材/BL-01～BL05 TERASOLUNA Batch Framework for Java ver3.x本体説明書の図.pptx
@@ -109,6 +109,22 @@
       </a:defRPr>
     </a:lvl9pPr>
   </p:defaultTextStyle>
+  <p:extLst>
+    <p:ext uri="{EFAFB233-063F-42B5-8137-9DF3F51BA10A}">
+      <p15:sldGuideLst xmlns:p15="http://schemas.microsoft.com/office/powerpoint/2012/main">
+        <p15:guide id="1" orient="horz" pos="2160">
+          <p15:clr>
+            <a:srgbClr val="A4A3A4"/>
+          </p15:clr>
+        </p15:guide>
+        <p15:guide id="2" pos="2880">
+          <p15:clr>
+            <a:srgbClr val="A4A3A4"/>
+          </p15:clr>
+        </p15:guide>
+      </p15:sldGuideLst>
+    </p:ext>
+  </p:extLst>
 </p:presentation>
 </file>
 
@@ -194,7 +210,7 @@
           <a:p>
             <a:fld id="{C5C6E172-D878-4286-ACAF-9C12F4A7F772}" type="datetimeFigureOut">
               <a:rPr kumimoji="1" lang="ja-JP" altLang="en-US" smtClean="0"/>
-              <a:t>2015/12/10</a:t>
+              <a:t>2015/12/15</a:t>
             </a:fld>
             <a:endParaRPr kumimoji="1" lang="ja-JP" altLang="en-US"/>
           </a:p>
@@ -683,6 +699,11 @@
         </p:txBody>
       </p:sp>
     </p:spTree>
+    <p:extLst>
+      <p:ext uri="{BB962C8B-B14F-4D97-AF65-F5344CB8AC3E}">
+        <p14:creationId xmlns:p14="http://schemas.microsoft.com/office/powerpoint/2010/main" val="2385049517"/>
+      </p:ext>
+    </p:extLst>
   </p:cSld>
   <p:clrMapOvr>
     <a:masterClrMapping/>
@@ -871,7 +892,7 @@
           <a:p>
             <a:fld id="{E90ED720-0104-4369-84BC-D37694168613}" type="datetimeFigureOut">
               <a:rPr kumimoji="1" lang="ja-JP" altLang="en-US" smtClean="0"/>
-              <a:t>2015/12/10</a:t>
+              <a:t>2015/12/15</a:t>
             </a:fld>
             <a:endParaRPr kumimoji="1" lang="ja-JP" altLang="en-US"/>
           </a:p>
@@ -1068,7 +1089,7 @@
           <a:p>
             <a:fld id="{E90ED720-0104-4369-84BC-D37694168613}" type="datetimeFigureOut">
               <a:rPr kumimoji="1" lang="ja-JP" altLang="en-US" smtClean="0"/>
-              <a:t>2015/12/10</a:t>
+              <a:t>2015/12/15</a:t>
             </a:fld>
             <a:endParaRPr kumimoji="1" lang="ja-JP" altLang="en-US"/>
           </a:p>
@@ -1275,7 +1296,7 @@
           <a:p>
             <a:fld id="{E90ED720-0104-4369-84BC-D37694168613}" type="datetimeFigureOut">
               <a:rPr kumimoji="1" lang="ja-JP" altLang="en-US" smtClean="0"/>
-              <a:t>2015/12/10</a:t>
+              <a:t>2015/12/15</a:t>
             </a:fld>
             <a:endParaRPr kumimoji="1" lang="ja-JP" altLang="en-US"/>
           </a:p>
@@ -1472,7 +1493,7 @@
           <a:p>
             <a:fld id="{E90ED720-0104-4369-84BC-D37694168613}" type="datetimeFigureOut">
               <a:rPr kumimoji="1" lang="ja-JP" altLang="en-US" smtClean="0"/>
-              <a:t>2015/12/10</a:t>
+              <a:t>2015/12/15</a:t>
             </a:fld>
             <a:endParaRPr kumimoji="1" lang="ja-JP" altLang="en-US"/>
           </a:p>
@@ -1713,7 +1734,7 @@
           <a:p>
             <a:fld id="{E90ED720-0104-4369-84BC-D37694168613}" type="datetimeFigureOut">
               <a:rPr kumimoji="1" lang="ja-JP" altLang="en-US" smtClean="0"/>
-              <a:t>2015/12/10</a:t>
+              <a:t>2015/12/15</a:t>
             </a:fld>
             <a:endParaRPr kumimoji="1" lang="ja-JP" altLang="en-US"/>
           </a:p>
@@ -2060,7 +2081,7 @@
           <a:p>
             <a:fld id="{E90ED720-0104-4369-84BC-D37694168613}" type="datetimeFigureOut">
               <a:rPr kumimoji="1" lang="ja-JP" altLang="en-US" smtClean="0"/>
-              <a:t>2015/12/10</a:t>
+              <a:t>2015/12/15</a:t>
             </a:fld>
             <a:endParaRPr kumimoji="1" lang="ja-JP" altLang="en-US"/>
           </a:p>
@@ -2541,7 +2562,7 @@
           <a:p>
             <a:fld id="{E90ED720-0104-4369-84BC-D37694168613}" type="datetimeFigureOut">
               <a:rPr kumimoji="1" lang="ja-JP" altLang="en-US" smtClean="0"/>
-              <a:t>2015/12/10</a:t>
+              <a:t>2015/12/15</a:t>
             </a:fld>
             <a:endParaRPr kumimoji="1" lang="ja-JP" altLang="en-US"/>
           </a:p>
@@ -2654,7 +2675,7 @@
           <a:p>
             <a:fld id="{E90ED720-0104-4369-84BC-D37694168613}" type="datetimeFigureOut">
               <a:rPr kumimoji="1" lang="ja-JP" altLang="en-US" smtClean="0"/>
-              <a:t>2015/12/10</a:t>
+              <a:t>2015/12/15</a:t>
             </a:fld>
             <a:endParaRPr kumimoji="1" lang="ja-JP" altLang="en-US"/>
           </a:p>
@@ -2744,7 +2765,7 @@
           <a:p>
             <a:fld id="{E90ED720-0104-4369-84BC-D37694168613}" type="datetimeFigureOut">
               <a:rPr kumimoji="1" lang="ja-JP" altLang="en-US" smtClean="0"/>
-              <a:t>2015/12/10</a:t>
+              <a:t>2015/12/15</a:t>
             </a:fld>
             <a:endParaRPr kumimoji="1" lang="ja-JP" altLang="en-US"/>
           </a:p>
@@ -3048,7 +3069,7 @@
           <a:p>
             <a:fld id="{E90ED720-0104-4369-84BC-D37694168613}" type="datetimeFigureOut">
               <a:rPr kumimoji="1" lang="ja-JP" altLang="en-US" smtClean="0"/>
-              <a:t>2015/12/10</a:t>
+              <a:t>2015/12/15</a:t>
             </a:fld>
             <a:endParaRPr kumimoji="1" lang="ja-JP" altLang="en-US"/>
           </a:p>
@@ -3296,7 +3317,7 @@
           <a:p>
             <a:fld id="{E90ED720-0104-4369-84BC-D37694168613}" type="datetimeFigureOut">
               <a:rPr kumimoji="1" lang="ja-JP" altLang="en-US" smtClean="0"/>
-              <a:t>2015/12/10</a:t>
+              <a:t>2015/12/15</a:t>
             </a:fld>
             <a:endParaRPr kumimoji="1" lang="ja-JP" altLang="en-US"/>
           </a:p>
@@ -3536,7 +3557,7 @@
           <a:p>
             <a:fld id="{E90ED720-0104-4369-84BC-D37694168613}" type="datetimeFigureOut">
               <a:rPr kumimoji="1" lang="ja-JP" altLang="en-US" smtClean="0"/>
-              <a:t>2015/12/10</a:t>
+              <a:t>2015/12/15</a:t>
             </a:fld>
             <a:endParaRPr kumimoji="1" lang="ja-JP" altLang="en-US"/>
           </a:p>
@@ -13520,7 +13541,7 @@
           <a:graphicData uri="http://schemas.openxmlformats.org/presentationml/2006/ole">
             <mc:AlternateContent xmlns:mc="http://schemas.openxmlformats.org/markup-compatibility/2006">
               <mc:Choice xmlns:v="urn:schemas-microsoft-com:vml" Requires="v">
-                <p:oleObj spid="_x0000_s1027" name="Visio" r:id="rId3" imgW="1046607" imgH="1232154" progId="Visio.Drawing.11">
+                <p:oleObj spid="_x0000_s1029" name="Visio" r:id="rId3" imgW="1046607" imgH="1232154" progId="Visio.Drawing.11">
                   <p:embed/>
                 </p:oleObj>
               </mc:Choice>
@@ -18267,12 +18288,16 @@
           <a:p>
             <a:pPr eaLnBrk="1" hangingPunct="1"/>
             <a:r>
-              <a:rPr kumimoji="1" lang="en-US" altLang="ja-JP" sz="1000">
+              <a:rPr kumimoji="1" lang="en-US" altLang="ja-JP" sz="1000" dirty="0" err="1" smtClean="0">
                 <a:latin typeface="Arial" charset="0"/>
                 <a:ea typeface="ＭＳ Ｐゴシック" charset="-128"/>
               </a:rPr>
-              <a:t>JobExecutorTemplate</a:t>
-            </a:r>
+              <a:t>AsyncJobWorker</a:t>
+            </a:r>
+            <a:endParaRPr kumimoji="1" lang="en-US" altLang="ja-JP" sz="1000" dirty="0">
+              <a:latin typeface="Arial" charset="0"/>
+              <a:ea typeface="ＭＳ Ｐゴシック" charset="-128"/>
+            </a:endParaRPr>
           </a:p>
         </p:txBody>
       </p:sp>

--- a/function/素材/BL-01～BL05 TERASOLUNA Batch Framework for Java ver3.x本体説明書の図.pptx
+++ b/function/素材/BL-01～BL05 TERASOLUNA Batch Framework for Java ver3.x本体説明書の図.pptx
@@ -5,12 +5,15 @@
     <p:sldMasterId id="2147483648" r:id="rId1"/>
   </p:sldMasterIdLst>
   <p:notesMasterIdLst>
-    <p:notesMasterId r:id="rId5"/>
+    <p:notesMasterId r:id="rId8"/>
   </p:notesMasterIdLst>
   <p:sldIdLst>
     <p:sldId id="257" r:id="rId2"/>
     <p:sldId id="258" r:id="rId3"/>
     <p:sldId id="259" r:id="rId4"/>
+    <p:sldId id="260" r:id="rId5"/>
+    <p:sldId id="261" r:id="rId6"/>
+    <p:sldId id="262" r:id="rId7"/>
   </p:sldIdLst>
   <p:sldSz cx="9144000" cy="6858000" type="screen4x3"/>
   <p:notesSz cx="6858000" cy="9144000"/>
@@ -177,7 +180,7 @@
             </a:lvl1pPr>
           </a:lstStyle>
           <a:p>
-            <a:endParaRPr kumimoji="1" lang="ja-JP" altLang="en-US"/>
+            <a:endParaRPr kumimoji="1" lang="ja-JP" altLang="en-US" dirty="0"/>
           </a:p>
         </p:txBody>
       </p:sp>
@@ -210,9 +213,9 @@
           <a:p>
             <a:fld id="{C5C6E172-D878-4286-ACAF-9C12F4A7F772}" type="datetimeFigureOut">
               <a:rPr kumimoji="1" lang="ja-JP" altLang="en-US" smtClean="0"/>
-              <a:t>2015/12/15</a:t>
+              <a:t>2015/12/22</a:t>
             </a:fld>
-            <a:endParaRPr kumimoji="1" lang="ja-JP" altLang="en-US"/>
+            <a:endParaRPr kumimoji="1" lang="ja-JP" altLang="en-US" dirty="0"/>
           </a:p>
         </p:txBody>
       </p:sp>
@@ -245,7 +248,7 @@
           <a:bodyPr vert="horz" lIns="91440" tIns="45720" rIns="91440" bIns="45720" rtlCol="0" anchor="ctr"/>
           <a:lstStyle/>
           <a:p>
-            <a:endParaRPr lang="ja-JP" altLang="en-US"/>
+            <a:endParaRPr lang="ja-JP" altLang="en-US" dirty="0"/>
           </a:p>
         </p:txBody>
       </p:sp>
@@ -368,7 +371,7 @@
             </a:lvl1pPr>
           </a:lstStyle>
           <a:p>
-            <a:endParaRPr kumimoji="1" lang="ja-JP" altLang="en-US"/>
+            <a:endParaRPr kumimoji="1" lang="ja-JP" altLang="en-US" dirty="0"/>
           </a:p>
         </p:txBody>
       </p:sp>
@@ -403,7 +406,7 @@
               <a:rPr kumimoji="1" lang="ja-JP" altLang="en-US" smtClean="0"/>
               <a:t>‹#›</a:t>
             </a:fld>
-            <a:endParaRPr kumimoji="1" lang="ja-JP" altLang="en-US"/>
+            <a:endParaRPr kumimoji="1" lang="ja-JP" altLang="en-US" dirty="0"/>
           </a:p>
         </p:txBody>
       </p:sp>
@@ -656,7 +659,7 @@
               <a:pPr eaLnBrk="1" hangingPunct="1"/>
               <a:t>1</a:t>
             </a:fld>
-            <a:endParaRPr lang="en-US" altLang="ja-JP" sz="1200" b="0">
+            <a:endParaRPr lang="en-US" altLang="ja-JP" sz="1200" b="0" dirty="0">
               <a:ea typeface="ＭＳ Ｐゴシック" pitchFamily="50" charset="-128"/>
             </a:endParaRPr>
           </a:p>
@@ -694,7 +697,7 @@
           <a:lstStyle/>
           <a:p>
             <a:pPr eaLnBrk="1" hangingPunct="1"/>
-            <a:endParaRPr lang="ja-JP" altLang="ja-JP" smtClean="0"/>
+            <a:endParaRPr lang="ja-JP" altLang="ja-JP" dirty="0" smtClean="0"/>
           </a:p>
         </p:txBody>
       </p:sp>
@@ -702,6 +705,90 @@
     <p:extLst>
       <p:ext uri="{BB962C8B-B14F-4D97-AF65-F5344CB8AC3E}">
         <p14:creationId xmlns:p14="http://schemas.microsoft.com/office/powerpoint/2010/main" val="2385049517"/>
+      </p:ext>
+    </p:extLst>
+  </p:cSld>
+  <p:clrMapOvr>
+    <a:masterClrMapping/>
+  </p:clrMapOvr>
+</p:notes>
+</file>
+
+<file path=ppt/notesSlides/notesSlide2.xml><?xml version="1.0" encoding="utf-8"?>
+<p:notes xmlns:a="http://schemas.openxmlformats.org/drawingml/2006/main" xmlns:r="http://schemas.openxmlformats.org/officeDocument/2006/relationships" xmlns:p="http://schemas.openxmlformats.org/presentationml/2006/main">
+  <p:cSld>
+    <p:spTree>
+      <p:nvGrpSpPr>
+        <p:cNvPr id="1" name=""/>
+        <p:cNvGrpSpPr/>
+        <p:nvPr/>
+      </p:nvGrpSpPr>
+      <p:grpSpPr>
+        <a:xfrm>
+          <a:off x="0" y="0"/>
+          <a:ext cx="0" cy="0"/>
+          <a:chOff x="0" y="0"/>
+          <a:chExt cx="0" cy="0"/>
+        </a:xfrm>
+      </p:grpSpPr>
+      <p:sp>
+        <p:nvSpPr>
+          <p:cNvPr id="2" name="スライド イメージ プレースホルダー 1"/>
+          <p:cNvSpPr>
+            <a:spLocks noGrp="1" noRot="1" noChangeAspect="1"/>
+          </p:cNvSpPr>
+          <p:nvPr>
+            <p:ph type="sldImg"/>
+          </p:nvPr>
+        </p:nvSpPr>
+        <p:spPr/>
+      </p:sp>
+      <p:sp>
+        <p:nvSpPr>
+          <p:cNvPr id="3" name="ノート プレースホルダー 2"/>
+          <p:cNvSpPr>
+            <a:spLocks noGrp="1"/>
+          </p:cNvSpPr>
+          <p:nvPr>
+            <p:ph type="body" idx="1"/>
+          </p:nvPr>
+        </p:nvSpPr>
+        <p:spPr/>
+        <p:txBody>
+          <a:bodyPr/>
+          <a:lstStyle/>
+          <a:p>
+            <a:endParaRPr kumimoji="1" lang="ja-JP" altLang="en-US" dirty="0"/>
+          </a:p>
+        </p:txBody>
+      </p:sp>
+      <p:sp>
+        <p:nvSpPr>
+          <p:cNvPr id="4" name="スライド番号プレースホルダー 3"/>
+          <p:cNvSpPr>
+            <a:spLocks noGrp="1"/>
+          </p:cNvSpPr>
+          <p:nvPr>
+            <p:ph type="sldNum" sz="quarter" idx="10"/>
+          </p:nvPr>
+        </p:nvSpPr>
+        <p:spPr/>
+        <p:txBody>
+          <a:bodyPr/>
+          <a:lstStyle/>
+          <a:p>
+            <a:fld id="{DD7AB480-DA01-4882-8C24-AA781CDE3B44}" type="slidenum">
+              <a:rPr kumimoji="1" lang="ja-JP" altLang="en-US" smtClean="0"/>
+              <a:t>3</a:t>
+            </a:fld>
+            <a:endParaRPr kumimoji="1" lang="ja-JP" altLang="en-US" dirty="0"/>
+          </a:p>
+        </p:txBody>
+      </p:sp>
+    </p:spTree>
+    <p:extLst>
+      <p:ext uri="{BB962C8B-B14F-4D97-AF65-F5344CB8AC3E}">
+        <p14:creationId xmlns:p14="http://schemas.microsoft.com/office/powerpoint/2010/main" val="485706054"/>
       </p:ext>
     </p:extLst>
   </p:cSld>
@@ -892,9 +979,9 @@
           <a:p>
             <a:fld id="{E90ED720-0104-4369-84BC-D37694168613}" type="datetimeFigureOut">
               <a:rPr kumimoji="1" lang="ja-JP" altLang="en-US" smtClean="0"/>
-              <a:t>2015/12/15</a:t>
+              <a:t>2015/12/22</a:t>
             </a:fld>
-            <a:endParaRPr kumimoji="1" lang="ja-JP" altLang="en-US"/>
+            <a:endParaRPr kumimoji="1" lang="ja-JP" altLang="en-US" dirty="0"/>
           </a:p>
         </p:txBody>
       </p:sp>
@@ -913,7 +1000,7 @@
           <a:bodyPr/>
           <a:lstStyle/>
           <a:p>
-            <a:endParaRPr kumimoji="1" lang="ja-JP" altLang="en-US"/>
+            <a:endParaRPr kumimoji="1" lang="ja-JP" altLang="en-US" dirty="0"/>
           </a:p>
         </p:txBody>
       </p:sp>
@@ -936,7 +1023,7 @@
               <a:rPr kumimoji="1" lang="ja-JP" altLang="en-US" smtClean="0"/>
               <a:t>‹#›</a:t>
             </a:fld>
-            <a:endParaRPr kumimoji="1" lang="ja-JP" altLang="en-US"/>
+            <a:endParaRPr kumimoji="1" lang="ja-JP" altLang="en-US" dirty="0"/>
           </a:p>
         </p:txBody>
       </p:sp>
@@ -1089,9 +1176,9 @@
           <a:p>
             <a:fld id="{E90ED720-0104-4369-84BC-D37694168613}" type="datetimeFigureOut">
               <a:rPr kumimoji="1" lang="ja-JP" altLang="en-US" smtClean="0"/>
-              <a:t>2015/12/15</a:t>
+              <a:t>2015/12/22</a:t>
             </a:fld>
-            <a:endParaRPr kumimoji="1" lang="ja-JP" altLang="en-US"/>
+            <a:endParaRPr kumimoji="1" lang="ja-JP" altLang="en-US" dirty="0"/>
           </a:p>
         </p:txBody>
       </p:sp>
@@ -1110,7 +1197,7 @@
           <a:bodyPr/>
           <a:lstStyle/>
           <a:p>
-            <a:endParaRPr kumimoji="1" lang="ja-JP" altLang="en-US"/>
+            <a:endParaRPr kumimoji="1" lang="ja-JP" altLang="en-US" dirty="0"/>
           </a:p>
         </p:txBody>
       </p:sp>
@@ -1133,7 +1220,7 @@
               <a:rPr kumimoji="1" lang="ja-JP" altLang="en-US" smtClean="0"/>
               <a:t>‹#›</a:t>
             </a:fld>
-            <a:endParaRPr kumimoji="1" lang="ja-JP" altLang="en-US"/>
+            <a:endParaRPr kumimoji="1" lang="ja-JP" altLang="en-US" dirty="0"/>
           </a:p>
         </p:txBody>
       </p:sp>
@@ -1296,9 +1383,9 @@
           <a:p>
             <a:fld id="{E90ED720-0104-4369-84BC-D37694168613}" type="datetimeFigureOut">
               <a:rPr kumimoji="1" lang="ja-JP" altLang="en-US" smtClean="0"/>
-              <a:t>2015/12/15</a:t>
+              <a:t>2015/12/22</a:t>
             </a:fld>
-            <a:endParaRPr kumimoji="1" lang="ja-JP" altLang="en-US"/>
+            <a:endParaRPr kumimoji="1" lang="ja-JP" altLang="en-US" dirty="0"/>
           </a:p>
         </p:txBody>
       </p:sp>
@@ -1317,7 +1404,7 @@
           <a:bodyPr/>
           <a:lstStyle/>
           <a:p>
-            <a:endParaRPr kumimoji="1" lang="ja-JP" altLang="en-US"/>
+            <a:endParaRPr kumimoji="1" lang="ja-JP" altLang="en-US" dirty="0"/>
           </a:p>
         </p:txBody>
       </p:sp>
@@ -1340,7 +1427,7 @@
               <a:rPr kumimoji="1" lang="ja-JP" altLang="en-US" smtClean="0"/>
               <a:t>‹#›</a:t>
             </a:fld>
-            <a:endParaRPr kumimoji="1" lang="ja-JP" altLang="en-US"/>
+            <a:endParaRPr kumimoji="1" lang="ja-JP" altLang="en-US" dirty="0"/>
           </a:p>
         </p:txBody>
       </p:sp>
@@ -1493,9 +1580,9 @@
           <a:p>
             <a:fld id="{E90ED720-0104-4369-84BC-D37694168613}" type="datetimeFigureOut">
               <a:rPr kumimoji="1" lang="ja-JP" altLang="en-US" smtClean="0"/>
-              <a:t>2015/12/15</a:t>
+              <a:t>2015/12/22</a:t>
             </a:fld>
-            <a:endParaRPr kumimoji="1" lang="ja-JP" altLang="en-US"/>
+            <a:endParaRPr kumimoji="1" lang="ja-JP" altLang="en-US" dirty="0"/>
           </a:p>
         </p:txBody>
       </p:sp>
@@ -1514,7 +1601,7 @@
           <a:bodyPr/>
           <a:lstStyle/>
           <a:p>
-            <a:endParaRPr kumimoji="1" lang="ja-JP" altLang="en-US"/>
+            <a:endParaRPr kumimoji="1" lang="ja-JP" altLang="en-US" dirty="0"/>
           </a:p>
         </p:txBody>
       </p:sp>
@@ -1537,7 +1624,7 @@
               <a:rPr kumimoji="1" lang="ja-JP" altLang="en-US" smtClean="0"/>
               <a:t>‹#›</a:t>
             </a:fld>
-            <a:endParaRPr kumimoji="1" lang="ja-JP" altLang="en-US"/>
+            <a:endParaRPr kumimoji="1" lang="ja-JP" altLang="en-US" dirty="0"/>
           </a:p>
         </p:txBody>
       </p:sp>
@@ -1734,9 +1821,9 @@
           <a:p>
             <a:fld id="{E90ED720-0104-4369-84BC-D37694168613}" type="datetimeFigureOut">
               <a:rPr kumimoji="1" lang="ja-JP" altLang="en-US" smtClean="0"/>
-              <a:t>2015/12/15</a:t>
+              <a:t>2015/12/22</a:t>
             </a:fld>
-            <a:endParaRPr kumimoji="1" lang="ja-JP" altLang="en-US"/>
+            <a:endParaRPr kumimoji="1" lang="ja-JP" altLang="en-US" dirty="0"/>
           </a:p>
         </p:txBody>
       </p:sp>
@@ -1755,7 +1842,7 @@
           <a:bodyPr/>
           <a:lstStyle/>
           <a:p>
-            <a:endParaRPr kumimoji="1" lang="ja-JP" altLang="en-US"/>
+            <a:endParaRPr kumimoji="1" lang="ja-JP" altLang="en-US" dirty="0"/>
           </a:p>
         </p:txBody>
       </p:sp>
@@ -1778,7 +1865,7 @@
               <a:rPr kumimoji="1" lang="ja-JP" altLang="en-US" smtClean="0"/>
               <a:t>‹#›</a:t>
             </a:fld>
-            <a:endParaRPr kumimoji="1" lang="ja-JP" altLang="en-US"/>
+            <a:endParaRPr kumimoji="1" lang="ja-JP" altLang="en-US" dirty="0"/>
           </a:p>
         </p:txBody>
       </p:sp>
@@ -2081,9 +2168,9 @@
           <a:p>
             <a:fld id="{E90ED720-0104-4369-84BC-D37694168613}" type="datetimeFigureOut">
               <a:rPr kumimoji="1" lang="ja-JP" altLang="en-US" smtClean="0"/>
-              <a:t>2015/12/15</a:t>
+              <a:t>2015/12/22</a:t>
             </a:fld>
-            <a:endParaRPr kumimoji="1" lang="ja-JP" altLang="en-US"/>
+            <a:endParaRPr kumimoji="1" lang="ja-JP" altLang="en-US" dirty="0"/>
           </a:p>
         </p:txBody>
       </p:sp>
@@ -2102,7 +2189,7 @@
           <a:bodyPr/>
           <a:lstStyle/>
           <a:p>
-            <a:endParaRPr kumimoji="1" lang="ja-JP" altLang="en-US"/>
+            <a:endParaRPr kumimoji="1" lang="ja-JP" altLang="en-US" dirty="0"/>
           </a:p>
         </p:txBody>
       </p:sp>
@@ -2125,7 +2212,7 @@
               <a:rPr kumimoji="1" lang="ja-JP" altLang="en-US" smtClean="0"/>
               <a:t>‹#›</a:t>
             </a:fld>
-            <a:endParaRPr kumimoji="1" lang="ja-JP" altLang="en-US"/>
+            <a:endParaRPr kumimoji="1" lang="ja-JP" altLang="en-US" dirty="0"/>
           </a:p>
         </p:txBody>
       </p:sp>
@@ -2562,9 +2649,9 @@
           <a:p>
             <a:fld id="{E90ED720-0104-4369-84BC-D37694168613}" type="datetimeFigureOut">
               <a:rPr kumimoji="1" lang="ja-JP" altLang="en-US" smtClean="0"/>
-              <a:t>2015/12/15</a:t>
+              <a:t>2015/12/22</a:t>
             </a:fld>
-            <a:endParaRPr kumimoji="1" lang="ja-JP" altLang="en-US"/>
+            <a:endParaRPr kumimoji="1" lang="ja-JP" altLang="en-US" dirty="0"/>
           </a:p>
         </p:txBody>
       </p:sp>
@@ -2583,7 +2670,7 @@
           <a:bodyPr/>
           <a:lstStyle/>
           <a:p>
-            <a:endParaRPr kumimoji="1" lang="ja-JP" altLang="en-US"/>
+            <a:endParaRPr kumimoji="1" lang="ja-JP" altLang="en-US" dirty="0"/>
           </a:p>
         </p:txBody>
       </p:sp>
@@ -2606,7 +2693,7 @@
               <a:rPr kumimoji="1" lang="ja-JP" altLang="en-US" smtClean="0"/>
               <a:t>‹#›</a:t>
             </a:fld>
-            <a:endParaRPr kumimoji="1" lang="ja-JP" altLang="en-US"/>
+            <a:endParaRPr kumimoji="1" lang="ja-JP" altLang="en-US" dirty="0"/>
           </a:p>
         </p:txBody>
       </p:sp>
@@ -2675,9 +2762,9 @@
           <a:p>
             <a:fld id="{E90ED720-0104-4369-84BC-D37694168613}" type="datetimeFigureOut">
               <a:rPr kumimoji="1" lang="ja-JP" altLang="en-US" smtClean="0"/>
-              <a:t>2015/12/15</a:t>
+              <a:t>2015/12/22</a:t>
             </a:fld>
-            <a:endParaRPr kumimoji="1" lang="ja-JP" altLang="en-US"/>
+            <a:endParaRPr kumimoji="1" lang="ja-JP" altLang="en-US" dirty="0"/>
           </a:p>
         </p:txBody>
       </p:sp>
@@ -2696,7 +2783,7 @@
           <a:bodyPr/>
           <a:lstStyle/>
           <a:p>
-            <a:endParaRPr kumimoji="1" lang="ja-JP" altLang="en-US"/>
+            <a:endParaRPr kumimoji="1" lang="ja-JP" altLang="en-US" dirty="0"/>
           </a:p>
         </p:txBody>
       </p:sp>
@@ -2719,7 +2806,7 @@
               <a:rPr kumimoji="1" lang="ja-JP" altLang="en-US" smtClean="0"/>
               <a:t>‹#›</a:t>
             </a:fld>
-            <a:endParaRPr kumimoji="1" lang="ja-JP" altLang="en-US"/>
+            <a:endParaRPr kumimoji="1" lang="ja-JP" altLang="en-US" dirty="0"/>
           </a:p>
         </p:txBody>
       </p:sp>
@@ -2765,9 +2852,9 @@
           <a:p>
             <a:fld id="{E90ED720-0104-4369-84BC-D37694168613}" type="datetimeFigureOut">
               <a:rPr kumimoji="1" lang="ja-JP" altLang="en-US" smtClean="0"/>
-              <a:t>2015/12/15</a:t>
+              <a:t>2015/12/22</a:t>
             </a:fld>
-            <a:endParaRPr kumimoji="1" lang="ja-JP" altLang="en-US"/>
+            <a:endParaRPr kumimoji="1" lang="ja-JP" altLang="en-US" dirty="0"/>
           </a:p>
         </p:txBody>
       </p:sp>
@@ -2786,7 +2873,7 @@
           <a:bodyPr/>
           <a:lstStyle/>
           <a:p>
-            <a:endParaRPr kumimoji="1" lang="ja-JP" altLang="en-US"/>
+            <a:endParaRPr kumimoji="1" lang="ja-JP" altLang="en-US" dirty="0"/>
           </a:p>
         </p:txBody>
       </p:sp>
@@ -2809,7 +2896,7 @@
               <a:rPr kumimoji="1" lang="ja-JP" altLang="en-US" smtClean="0"/>
               <a:t>‹#›</a:t>
             </a:fld>
-            <a:endParaRPr kumimoji="1" lang="ja-JP" altLang="en-US"/>
+            <a:endParaRPr kumimoji="1" lang="ja-JP" altLang="en-US" dirty="0"/>
           </a:p>
         </p:txBody>
       </p:sp>
@@ -3069,9 +3156,9 @@
           <a:p>
             <a:fld id="{E90ED720-0104-4369-84BC-D37694168613}" type="datetimeFigureOut">
               <a:rPr kumimoji="1" lang="ja-JP" altLang="en-US" smtClean="0"/>
-              <a:t>2015/12/15</a:t>
+              <a:t>2015/12/22</a:t>
             </a:fld>
-            <a:endParaRPr kumimoji="1" lang="ja-JP" altLang="en-US"/>
+            <a:endParaRPr kumimoji="1" lang="ja-JP" altLang="en-US" dirty="0"/>
           </a:p>
         </p:txBody>
       </p:sp>
@@ -3090,7 +3177,7 @@
           <a:bodyPr/>
           <a:lstStyle/>
           <a:p>
-            <a:endParaRPr kumimoji="1" lang="ja-JP" altLang="en-US"/>
+            <a:endParaRPr kumimoji="1" lang="ja-JP" altLang="en-US" dirty="0"/>
           </a:p>
         </p:txBody>
       </p:sp>
@@ -3113,7 +3200,7 @@
               <a:rPr kumimoji="1" lang="ja-JP" altLang="en-US" smtClean="0"/>
               <a:t>‹#›</a:t>
             </a:fld>
-            <a:endParaRPr kumimoji="1" lang="ja-JP" altLang="en-US"/>
+            <a:endParaRPr kumimoji="1" lang="ja-JP" altLang="en-US" dirty="0"/>
           </a:p>
         </p:txBody>
       </p:sp>
@@ -3231,7 +3318,7 @@
             </a:lvl9pPr>
           </a:lstStyle>
           <a:p>
-            <a:endParaRPr kumimoji="1" lang="ja-JP" altLang="en-US"/>
+            <a:endParaRPr kumimoji="1" lang="ja-JP" altLang="en-US" dirty="0"/>
           </a:p>
         </p:txBody>
       </p:sp>
@@ -3317,9 +3404,9 @@
           <a:p>
             <a:fld id="{E90ED720-0104-4369-84BC-D37694168613}" type="datetimeFigureOut">
               <a:rPr kumimoji="1" lang="ja-JP" altLang="en-US" smtClean="0"/>
-              <a:t>2015/12/15</a:t>
+              <a:t>2015/12/22</a:t>
             </a:fld>
-            <a:endParaRPr kumimoji="1" lang="ja-JP" altLang="en-US"/>
+            <a:endParaRPr kumimoji="1" lang="ja-JP" altLang="en-US" dirty="0"/>
           </a:p>
         </p:txBody>
       </p:sp>
@@ -3338,7 +3425,7 @@
           <a:bodyPr/>
           <a:lstStyle/>
           <a:p>
-            <a:endParaRPr kumimoji="1" lang="ja-JP" altLang="en-US"/>
+            <a:endParaRPr kumimoji="1" lang="ja-JP" altLang="en-US" dirty="0"/>
           </a:p>
         </p:txBody>
       </p:sp>
@@ -3361,7 +3448,7 @@
               <a:rPr kumimoji="1" lang="ja-JP" altLang="en-US" smtClean="0"/>
               <a:t>‹#›</a:t>
             </a:fld>
-            <a:endParaRPr kumimoji="1" lang="ja-JP" altLang="en-US"/>
+            <a:endParaRPr kumimoji="1" lang="ja-JP" altLang="en-US" dirty="0"/>
           </a:p>
         </p:txBody>
       </p:sp>
@@ -3557,9 +3644,9 @@
           <a:p>
             <a:fld id="{E90ED720-0104-4369-84BC-D37694168613}" type="datetimeFigureOut">
               <a:rPr kumimoji="1" lang="ja-JP" altLang="en-US" smtClean="0"/>
-              <a:t>2015/12/15</a:t>
+              <a:t>2015/12/22</a:t>
             </a:fld>
-            <a:endParaRPr kumimoji="1" lang="ja-JP" altLang="en-US"/>
+            <a:endParaRPr kumimoji="1" lang="ja-JP" altLang="en-US" dirty="0"/>
           </a:p>
         </p:txBody>
       </p:sp>
@@ -3596,7 +3683,7 @@
             </a:lvl1pPr>
           </a:lstStyle>
           <a:p>
-            <a:endParaRPr kumimoji="1" lang="ja-JP" altLang="en-US"/>
+            <a:endParaRPr kumimoji="1" lang="ja-JP" altLang="en-US" dirty="0"/>
           </a:p>
         </p:txBody>
       </p:sp>
@@ -3637,7 +3724,7 @@
               <a:rPr kumimoji="1" lang="ja-JP" altLang="en-US" smtClean="0"/>
               <a:t>‹#›</a:t>
             </a:fld>
-            <a:endParaRPr kumimoji="1" lang="ja-JP" altLang="en-US"/>
+            <a:endParaRPr kumimoji="1" lang="ja-JP" altLang="en-US" dirty="0"/>
           </a:p>
         </p:txBody>
       </p:sp>
@@ -4075,7 +4162,7 @@
           </a:lstStyle>
           <a:p>
             <a:pPr eaLnBrk="1" hangingPunct="1"/>
-            <a:endParaRPr lang="ja-JP" altLang="en-US"/>
+            <a:endParaRPr lang="ja-JP" altLang="en-US" dirty="0"/>
           </a:p>
         </p:txBody>
       </p:sp>
@@ -4218,7 +4305,7 @@
           </a:lstStyle>
           <a:p>
             <a:pPr eaLnBrk="1" hangingPunct="1"/>
-            <a:endParaRPr lang="ja-JP" altLang="en-US"/>
+            <a:endParaRPr lang="ja-JP" altLang="en-US" dirty="0"/>
           </a:p>
         </p:txBody>
       </p:sp>
@@ -4361,7 +4448,7 @@
           </a:lstStyle>
           <a:p>
             <a:pPr eaLnBrk="1" hangingPunct="1"/>
-            <a:endParaRPr lang="ja-JP" altLang="en-US"/>
+            <a:endParaRPr lang="ja-JP" altLang="en-US" dirty="0"/>
           </a:p>
         </p:txBody>
       </p:sp>
@@ -4513,7 +4600,7 @@
           </a:lstStyle>
           <a:p>
             <a:pPr eaLnBrk="1" hangingPunct="1"/>
-            <a:endParaRPr lang="ja-JP" altLang="en-US"/>
+            <a:endParaRPr lang="ja-JP" altLang="en-US" dirty="0"/>
           </a:p>
         </p:txBody>
       </p:sp>
@@ -4672,7 +4759,7 @@
           <a:p>
             <a:pPr algn="ctr" eaLnBrk="1" hangingPunct="1"/>
             <a:r>
-              <a:rPr kumimoji="1" lang="en-US" altLang="ja-JP" sz="1400" b="0">
+              <a:rPr kumimoji="1" lang="en-US" altLang="ja-JP" sz="1400" b="0" dirty="0">
                 <a:latin typeface="HGPｺﾞｼｯｸE" pitchFamily="50" charset="-128"/>
                 <a:ea typeface="HGPｺﾞｼｯｸE" pitchFamily="50" charset="-128"/>
               </a:rPr>
@@ -4720,7 +4807,7 @@
           </a:bodyPr>
           <a:lstStyle/>
           <a:p>
-            <a:endParaRPr lang="ja-JP" altLang="en-US"/>
+            <a:endParaRPr lang="ja-JP" altLang="en-US" dirty="0"/>
           </a:p>
         </p:txBody>
       </p:sp>
@@ -4866,7 +4953,7 @@
           <a:p>
             <a:pPr algn="ctr" eaLnBrk="1" hangingPunct="1"/>
             <a:r>
-              <a:rPr kumimoji="1" lang="en-US" altLang="ja-JP" sz="1200" b="0">
+              <a:rPr kumimoji="1" lang="en-US" altLang="ja-JP" sz="1200" b="0" dirty="0">
                 <a:solidFill>
                   <a:schemeClr val="bg1"/>
                 </a:solidFill>
@@ -5038,7 +5125,7 @@
             </a:lstStyle>
             <a:p>
               <a:pPr eaLnBrk="1" hangingPunct="1"/>
-              <a:endParaRPr lang="ja-JP" altLang="en-US"/>
+              <a:endParaRPr lang="ja-JP" altLang="en-US" dirty="0"/>
             </a:p>
           </p:txBody>
         </p:sp>
@@ -5365,7 +5452,7 @@
           </a:lstStyle>
           <a:p>
             <a:pPr eaLnBrk="1" hangingPunct="1"/>
-            <a:endParaRPr lang="ja-JP" altLang="en-US"/>
+            <a:endParaRPr lang="ja-JP" altLang="en-US" dirty="0"/>
           </a:p>
         </p:txBody>
       </p:sp>
@@ -5680,7 +5767,7 @@
           </a:lstStyle>
           <a:p>
             <a:pPr eaLnBrk="1" hangingPunct="1"/>
-            <a:endParaRPr lang="ja-JP" altLang="en-US"/>
+            <a:endParaRPr lang="ja-JP" altLang="en-US" dirty="0"/>
           </a:p>
         </p:txBody>
       </p:sp>
@@ -5836,7 +5923,7 @@
           <a:p>
             <a:pPr algn="ctr" eaLnBrk="1" hangingPunct="1"/>
             <a:r>
-              <a:rPr kumimoji="1" lang="en-US" altLang="ja-JP" sz="1400" b="0">
+              <a:rPr kumimoji="1" lang="en-US" altLang="ja-JP" sz="1400" b="0" dirty="0">
                 <a:solidFill>
                   <a:schemeClr val="bg1"/>
                 </a:solidFill>
@@ -5887,7 +5974,7 @@
           </a:bodyPr>
           <a:lstStyle/>
           <a:p>
-            <a:endParaRPr lang="ja-JP" altLang="en-US"/>
+            <a:endParaRPr lang="ja-JP" altLang="en-US" dirty="0"/>
           </a:p>
         </p:txBody>
       </p:sp>
@@ -6043,7 +6130,7 @@
           <a:p>
             <a:pPr algn="ctr" eaLnBrk="1" hangingPunct="1"/>
             <a:r>
-              <a:rPr kumimoji="1" lang="en-US" altLang="ja-JP" sz="1400" b="0">
+              <a:rPr kumimoji="1" lang="en-US" altLang="ja-JP" sz="1400" b="0" dirty="0">
                 <a:solidFill>
                   <a:schemeClr val="bg1"/>
                 </a:solidFill>
@@ -6056,7 +6143,7 @@
           <a:p>
             <a:pPr algn="ctr" eaLnBrk="1" hangingPunct="1"/>
             <a:r>
-              <a:rPr kumimoji="1" lang="en-US" altLang="ja-JP" sz="1400" b="0">
+              <a:rPr kumimoji="1" lang="en-US" altLang="ja-JP" sz="1400" b="0" dirty="0">
                 <a:solidFill>
                   <a:schemeClr val="bg1"/>
                 </a:solidFill>
@@ -6212,7 +6299,7 @@
           <a:p>
             <a:pPr algn="ctr" eaLnBrk="1" hangingPunct="1"/>
             <a:r>
-              <a:rPr kumimoji="1" lang="ja-JP" altLang="en-US" sz="1000" b="0">
+              <a:rPr kumimoji="1" lang="ja-JP" altLang="en-US" sz="1000" b="0" dirty="0">
                 <a:latin typeface="HGPｺﾞｼｯｸE" pitchFamily="50" charset="-128"/>
                 <a:ea typeface="HGPｺﾞｼｯｸE" pitchFamily="50" charset="-128"/>
               </a:rPr>
@@ -6260,7 +6347,7 @@
           </a:bodyPr>
           <a:lstStyle/>
           <a:p>
-            <a:endParaRPr lang="ja-JP" altLang="en-US"/>
+            <a:endParaRPr lang="ja-JP" altLang="en-US" dirty="0"/>
           </a:p>
         </p:txBody>
       </p:sp>
@@ -6303,7 +6390,7 @@
           </a:bodyPr>
           <a:lstStyle/>
           <a:p>
-            <a:endParaRPr lang="ja-JP" altLang="en-US"/>
+            <a:endParaRPr lang="ja-JP" altLang="en-US" dirty="0"/>
           </a:p>
         </p:txBody>
       </p:sp>
@@ -6467,7 +6554,7 @@
             </a:lstStyle>
             <a:p>
               <a:pPr eaLnBrk="1" hangingPunct="1"/>
-              <a:endParaRPr lang="ja-JP" altLang="en-US"/>
+              <a:endParaRPr lang="ja-JP" altLang="en-US" dirty="0"/>
             </a:p>
           </p:txBody>
         </p:sp>
@@ -6626,7 +6713,7 @@
             <a:p>
               <a:pPr algn="ctr" eaLnBrk="1" hangingPunct="1"/>
               <a:r>
-                <a:rPr kumimoji="1" lang="en-US" altLang="ja-JP" sz="1600" b="0" i="1" dirty="0" err="1">
+                <a:rPr kumimoji="1" lang="en-US" altLang="ja-JP" sz="1600" b="0" i="1" dirty="0">
                   <a:solidFill>
                     <a:schemeClr val="bg1"/>
                   </a:solidFill>
@@ -6635,13 +6722,6 @@
                 </a:rPr>
                 <a:t>batch.properties</a:t>
               </a:r>
-              <a:endParaRPr kumimoji="1" lang="en-US" altLang="ja-JP" sz="1600" b="0" i="1" dirty="0">
-                <a:solidFill>
-                  <a:schemeClr val="bg1"/>
-                </a:solidFill>
-                <a:latin typeface="HGPｺﾞｼｯｸE" pitchFamily="50" charset="-128"/>
-                <a:ea typeface="HGPｺﾞｼｯｸE" pitchFamily="50" charset="-128"/>
-              </a:endParaRPr>
             </a:p>
           </p:txBody>
         </p:sp>
@@ -6790,7 +6870,7 @@
           </a:lstStyle>
           <a:p>
             <a:pPr eaLnBrk="1" hangingPunct="1"/>
-            <a:endParaRPr lang="ja-JP" altLang="en-US"/>
+            <a:endParaRPr lang="ja-JP" altLang="en-US" dirty="0"/>
           </a:p>
         </p:txBody>
       </p:sp>
@@ -6949,7 +7029,7 @@
           <a:p>
             <a:pPr algn="ctr" eaLnBrk="1" hangingPunct="1"/>
             <a:r>
-              <a:rPr kumimoji="1" lang="ja-JP" altLang="en-US" sz="1600" b="0" i="1">
+              <a:rPr kumimoji="1" lang="ja-JP" altLang="en-US" sz="1600" b="0" i="1" dirty="0">
                 <a:solidFill>
                   <a:schemeClr val="bg1"/>
                 </a:solidFill>
@@ -6959,7 +7039,7 @@
               <a:t>ジョブ</a:t>
             </a:r>
             <a:r>
-              <a:rPr kumimoji="1" lang="en-US" altLang="ja-JP" sz="1600" b="0" i="1">
+              <a:rPr kumimoji="1" lang="en-US" altLang="ja-JP" sz="1600" b="0" i="1" dirty="0">
                 <a:solidFill>
                   <a:schemeClr val="bg1"/>
                 </a:solidFill>
@@ -6969,7 +7049,7 @@
               <a:t>Bean</a:t>
             </a:r>
             <a:r>
-              <a:rPr kumimoji="1" lang="ja-JP" altLang="en-US" sz="1600" b="0" i="1">
+              <a:rPr kumimoji="1" lang="ja-JP" altLang="en-US" sz="1600" b="0" i="1" dirty="0">
                 <a:solidFill>
                   <a:schemeClr val="bg1"/>
                 </a:solidFill>
@@ -6979,7 +7059,7 @@
               <a:t>定義</a:t>
             </a:r>
             <a:r>
-              <a:rPr kumimoji="1" lang="en-US" altLang="ja-JP" sz="1600" b="0" i="1">
+              <a:rPr kumimoji="1" lang="en-US" altLang="ja-JP" sz="1600" b="0" i="1" dirty="0">
                 <a:solidFill>
                   <a:schemeClr val="bg1"/>
                 </a:solidFill>
@@ -7137,7 +7217,7 @@
           </a:lstStyle>
           <a:p>
             <a:pPr eaLnBrk="1" hangingPunct="1"/>
-            <a:endParaRPr lang="ja-JP" altLang="en-US"/>
+            <a:endParaRPr lang="ja-JP" altLang="en-US" dirty="0"/>
           </a:p>
         </p:txBody>
       </p:sp>
@@ -7457,7 +7537,7 @@
                 <a:spcPct val="20000"/>
               </a:spcBef>
             </a:pPr>
-            <a:endParaRPr kumimoji="1" lang="ja-JP" altLang="ja-JP" sz="1200" b="0">
+            <a:endParaRPr kumimoji="1" lang="ja-JP" altLang="ja-JP" sz="1200" b="0" dirty="0">
               <a:latin typeface="HGPｺﾞｼｯｸE" pitchFamily="50" charset="-128"/>
               <a:ea typeface="HGPｺﾞｼｯｸE" pitchFamily="50" charset="-128"/>
             </a:endParaRPr>
@@ -7605,7 +7685,7 @@
           </a:lstStyle>
           <a:p>
             <a:pPr algn="ctr" eaLnBrk="1" hangingPunct="1"/>
-            <a:endParaRPr kumimoji="1" lang="ja-JP" altLang="ja-JP" sz="1200" b="0">
+            <a:endParaRPr kumimoji="1" lang="ja-JP" altLang="ja-JP" sz="1200" b="0" dirty="0">
               <a:latin typeface="HGPｺﾞｼｯｸE" pitchFamily="50" charset="-128"/>
               <a:ea typeface="HGPｺﾞｼｯｸE" pitchFamily="50" charset="-128"/>
             </a:endParaRPr>
@@ -7932,7 +8012,7 @@
           </a:lstStyle>
           <a:p>
             <a:pPr eaLnBrk="1" hangingPunct="1"/>
-            <a:endParaRPr lang="ja-JP" altLang="en-US"/>
+            <a:endParaRPr lang="ja-JP" altLang="en-US" dirty="0"/>
           </a:p>
         </p:txBody>
       </p:sp>
@@ -8154,7 +8234,7 @@
           <a:bodyPr wrap="none" lIns="90000" tIns="46800" rIns="90000" bIns="46800" anchor="ctr"/>
           <a:lstStyle/>
           <a:p>
-            <a:endParaRPr lang="ja-JP" altLang="en-US"/>
+            <a:endParaRPr lang="ja-JP" altLang="en-US" dirty="0"/>
           </a:p>
         </p:txBody>
       </p:sp>
@@ -8300,7 +8380,7 @@
           <a:p>
             <a:pPr algn="ctr" eaLnBrk="1" hangingPunct="1"/>
             <a:r>
-              <a:rPr kumimoji="1" lang="en-US" altLang="ja-JP" sz="1600" b="0">
+              <a:rPr kumimoji="1" lang="en-US" altLang="ja-JP" sz="1600" b="0" dirty="0">
                 <a:solidFill>
                   <a:schemeClr val="tx2"/>
                 </a:solidFill>
@@ -8454,7 +8534,7 @@
           <a:p>
             <a:pPr algn="ctr" eaLnBrk="1" hangingPunct="1"/>
             <a:r>
-              <a:rPr kumimoji="1" lang="ja-JP" altLang="en-US" sz="800" b="0">
+              <a:rPr kumimoji="1" lang="ja-JP" altLang="en-US" sz="800" b="0" dirty="0">
                 <a:solidFill>
                   <a:schemeClr val="tx2"/>
                 </a:solidFill>
@@ -8467,7 +8547,7 @@
           <a:p>
             <a:pPr algn="ctr" eaLnBrk="1" hangingPunct="1"/>
             <a:r>
-              <a:rPr kumimoji="1" lang="ja-JP" altLang="en-US" sz="800" b="0">
+              <a:rPr kumimoji="1" lang="ja-JP" altLang="en-US" sz="800" b="0" dirty="0">
                 <a:solidFill>
                   <a:schemeClr val="tx2"/>
                 </a:solidFill>
@@ -8621,7 +8701,7 @@
           <a:p>
             <a:pPr algn="ctr" eaLnBrk="1" hangingPunct="1"/>
             <a:r>
-              <a:rPr kumimoji="1" lang="ja-JP" altLang="en-US" sz="1400" b="0">
+              <a:rPr kumimoji="1" lang="ja-JP" altLang="en-US" sz="1400" b="0" dirty="0">
                 <a:solidFill>
                   <a:schemeClr val="tx2"/>
                 </a:solidFill>
@@ -8672,7 +8752,7 @@
           </a:bodyPr>
           <a:lstStyle/>
           <a:p>
-            <a:endParaRPr lang="ja-JP" altLang="en-US"/>
+            <a:endParaRPr lang="ja-JP" altLang="en-US" dirty="0"/>
           </a:p>
         </p:txBody>
       </p:sp>
@@ -8797,7 +8877,7 @@
           </a:bodyPr>
           <a:lstStyle/>
           <a:p>
-            <a:endParaRPr lang="ja-JP" altLang="en-US"/>
+            <a:endParaRPr lang="ja-JP" altLang="en-US" dirty="0"/>
           </a:p>
         </p:txBody>
       </p:sp>
@@ -8840,7 +8920,7 @@
           </a:bodyPr>
           <a:lstStyle/>
           <a:p>
-            <a:endParaRPr lang="ja-JP" altLang="en-US"/>
+            <a:endParaRPr lang="ja-JP" altLang="en-US" dirty="0"/>
           </a:p>
         </p:txBody>
       </p:sp>
@@ -8883,7 +8963,7 @@
           </a:bodyPr>
           <a:lstStyle/>
           <a:p>
-            <a:endParaRPr lang="ja-JP" altLang="en-US"/>
+            <a:endParaRPr lang="ja-JP" altLang="en-US" dirty="0"/>
           </a:p>
         </p:txBody>
       </p:sp>
@@ -8926,7 +9006,7 @@
           </a:bodyPr>
           <a:lstStyle/>
           <a:p>
-            <a:endParaRPr lang="ja-JP" altLang="en-US"/>
+            <a:endParaRPr lang="ja-JP" altLang="en-US" dirty="0"/>
           </a:p>
         </p:txBody>
       </p:sp>
@@ -8969,7 +9049,7 @@
           </a:bodyPr>
           <a:lstStyle/>
           <a:p>
-            <a:endParaRPr lang="ja-JP" altLang="en-US"/>
+            <a:endParaRPr lang="ja-JP" altLang="en-US" dirty="0"/>
           </a:p>
         </p:txBody>
       </p:sp>
@@ -9012,7 +9092,7 @@
           </a:bodyPr>
           <a:lstStyle/>
           <a:p>
-            <a:endParaRPr lang="ja-JP" altLang="en-US"/>
+            <a:endParaRPr lang="ja-JP" altLang="en-US" dirty="0"/>
           </a:p>
         </p:txBody>
       </p:sp>
@@ -9055,7 +9135,7 @@
           </a:bodyPr>
           <a:lstStyle/>
           <a:p>
-            <a:endParaRPr lang="ja-JP" altLang="en-US"/>
+            <a:endParaRPr lang="ja-JP" altLang="en-US" dirty="0"/>
           </a:p>
         </p:txBody>
       </p:sp>
@@ -9098,7 +9178,7 @@
           </a:bodyPr>
           <a:lstStyle/>
           <a:p>
-            <a:endParaRPr lang="ja-JP" altLang="en-US"/>
+            <a:endParaRPr lang="ja-JP" altLang="en-US" dirty="0"/>
           </a:p>
         </p:txBody>
       </p:sp>
@@ -9551,7 +9631,7 @@
               <a:buNone/>
             </a:pPr>
             <a:r>
-              <a:rPr lang="ja-JP" altLang="en-US" smtClean="0"/>
+              <a:rPr lang="ja-JP" altLang="en-US" dirty="0" smtClean="0"/>
               <a:t> </a:t>
             </a:r>
           </a:p>
@@ -9706,20 +9786,20 @@
           <a:p>
             <a:pPr eaLnBrk="1" hangingPunct="1"/>
             <a:r>
-              <a:rPr kumimoji="1" lang="en-US" altLang="ja-JP" sz="1000">
+              <a:rPr kumimoji="1" lang="en-US" altLang="ja-JP" sz="1000" dirty="0">
                 <a:latin typeface="Arial" charset="0"/>
                 <a:ea typeface="ＭＳ Ｐゴシック" charset="-128"/>
               </a:rPr>
               <a:t>Sync</a:t>
             </a:r>
             <a:r>
-              <a:rPr kumimoji="1" lang="en-US" altLang="en-US" sz="1000">
+              <a:rPr kumimoji="1" lang="en-US" altLang="en-US" sz="1000" dirty="0">
                 <a:latin typeface="Arial" charset="0"/>
                 <a:ea typeface="ＭＳ Ｐゴシック" charset="-128"/>
               </a:rPr>
               <a:t>BatchExecutor</a:t>
             </a:r>
-            <a:endParaRPr kumimoji="1" lang="en-US" altLang="ja-JP" sz="1000">
+            <a:endParaRPr kumimoji="1" lang="en-US" altLang="ja-JP" sz="1000" dirty="0">
               <a:latin typeface="Arial" charset="0"/>
               <a:ea typeface="ＭＳ Ｐゴシック" charset="-128"/>
             </a:endParaRPr>
@@ -9875,38 +9955,45 @@
           <a:p>
             <a:pPr eaLnBrk="1" hangingPunct="1"/>
             <a:r>
-              <a:rPr kumimoji="1" lang="en-US" altLang="ja-JP" sz="1000">
+              <a:rPr kumimoji="1" lang="en-US" altLang="ja-JP" sz="1000" dirty="0">
                 <a:latin typeface="Arial" charset="0"/>
                 <a:ea typeface="ＭＳ Ｐゴシック" charset="-128"/>
               </a:rPr>
               <a:t>cron</a:t>
             </a:r>
             <a:r>
-              <a:rPr kumimoji="1" lang="ja-JP" altLang="en-US" sz="1000">
+              <a:rPr kumimoji="1" lang="ja-JP" altLang="en-US" sz="1000" dirty="0">
                 <a:latin typeface="Arial" charset="0"/>
                 <a:ea typeface="ＭＳ Ｐゴシック" charset="-128"/>
               </a:rPr>
-              <a:t>、ジョブスケジューラ、手動など </a:t>
+              <a:t>、</a:t>
+            </a:r>
+            <a:r>
+              <a:rPr kumimoji="1" lang="ja-JP" altLang="en-US" sz="1000" dirty="0">
+                <a:latin typeface="Arial" charset="0"/>
+                <a:ea typeface="ＭＳ Ｐゴシック" charset="-128"/>
+              </a:rPr>
+              <a:t>ジョブスケジューラ、手動など </a:t>
             </a:r>
           </a:p>
           <a:p>
             <a:pPr eaLnBrk="1" hangingPunct="1"/>
             <a:r>
-              <a:rPr kumimoji="1" lang="en-US" altLang="ja-JP" sz="1000">
+              <a:rPr kumimoji="1" lang="en-US" altLang="ja-JP" sz="1000" dirty="0">
                 <a:latin typeface="Arial" charset="0"/>
                 <a:ea typeface="ＭＳ Ｐゴシック" charset="-128"/>
               </a:rPr>
               <a:t>(</a:t>
             </a:r>
             <a:r>
-              <a:rPr kumimoji="1" lang="ja-JP" altLang="en-US" sz="1000">
+              <a:rPr kumimoji="1" lang="ja-JP" altLang="en-US" sz="1000" dirty="0">
                 <a:latin typeface="Arial" charset="0"/>
                 <a:ea typeface="ＭＳ Ｐゴシック" charset="-128"/>
               </a:rPr>
               <a:t>一定間隔、定時、任意タイミング</a:t>
             </a:r>
             <a:r>
-              <a:rPr kumimoji="1" lang="en-US" altLang="ja-JP" sz="1000">
+              <a:rPr kumimoji="1" lang="en-US" altLang="ja-JP" sz="1000" dirty="0">
                 <a:latin typeface="Arial" charset="0"/>
                 <a:ea typeface="ＭＳ Ｐゴシック" charset="-128"/>
               </a:rPr>
@@ -9925,8 +10012,221 @@
         </p:nvSpPr>
         <p:spPr bwMode="gray">
           <a:xfrm>
-            <a:off x="3382963" y="2727325"/>
-            <a:ext cx="2155825" cy="377825"/>
+            <a:off x="3382963" y="2725998"/>
+            <a:ext cx="2344430" cy="380480"/>
+          </a:xfrm>
+          <a:prstGeom prst="rect">
+            <a:avLst/>
+          </a:prstGeom>
+          <a:noFill/>
+          <a:ln>
+            <a:noFill/>
+          </a:ln>
+          <a:effectLst/>
+          <a:extLst>
+            <a:ext uri="{909E8E84-426E-40DD-AFC4-6F175D3DCCD1}">
+              <a14:hiddenFill xmlns:a14="http://schemas.microsoft.com/office/drawing/2010/main">
+                <a:solidFill>
+                  <a:srgbClr val="3366CC"/>
+                </a:solidFill>
+              </a14:hiddenFill>
+            </a:ext>
+            <a:ext uri="{91240B29-F687-4F45-9708-019B960494DF}">
+              <a14:hiddenLine xmlns:a14="http://schemas.microsoft.com/office/drawing/2010/main" w="28575" algn="ctr">
+                <a:solidFill>
+                  <a:srgbClr val="3366CC"/>
+                </a:solidFill>
+                <a:prstDash val="sysDot"/>
+                <a:miter lim="800000"/>
+                <a:headEnd/>
+                <a:tailEnd/>
+              </a14:hiddenLine>
+            </a:ext>
+            <a:ext uri="{AF507438-7753-43E0-B8FC-AC1667EBCBE1}">
+              <a14:hiddenEffects xmlns:a14="http://schemas.microsoft.com/office/drawing/2010/main">
+                <a:effectLst>
+                  <a:outerShdw dist="35921" dir="2700000" algn="ctr" rotWithShape="0">
+                    <a:schemeClr val="bg2"/>
+                  </a:outerShdw>
+                </a:effectLst>
+              </a14:hiddenEffects>
+            </a:ext>
+          </a:extLst>
+        </p:spPr>
+        <p:txBody>
+          <a:bodyPr wrap="square" lIns="36000" tIns="36000" rIns="36000" bIns="36000" anchor="ctr">
+            <a:spAutoFit/>
+          </a:bodyPr>
+          <a:lstStyle>
+            <a:lvl1pPr eaLnBrk="0" hangingPunct="0">
+              <a:defRPr sz="900" b="1">
+                <a:solidFill>
+                  <a:schemeClr val="tx1"/>
+                </a:solidFill>
+                <a:latin typeface="Times New Roman" pitchFamily="18" charset="0"/>
+                <a:ea typeface="ＭＳ Ｐ明朝" charset="-128"/>
+              </a:defRPr>
+            </a:lvl1pPr>
+            <a:lvl2pPr marL="742950" indent="-285750" eaLnBrk="0" hangingPunct="0">
+              <a:defRPr sz="900" b="1">
+                <a:solidFill>
+                  <a:schemeClr val="tx1"/>
+                </a:solidFill>
+                <a:latin typeface="Times New Roman" pitchFamily="18" charset="0"/>
+                <a:ea typeface="ＭＳ Ｐ明朝" charset="-128"/>
+              </a:defRPr>
+            </a:lvl2pPr>
+            <a:lvl3pPr marL="1143000" indent="-228600" eaLnBrk="0" hangingPunct="0">
+              <a:defRPr sz="900" b="1">
+                <a:solidFill>
+                  <a:schemeClr val="tx1"/>
+                </a:solidFill>
+                <a:latin typeface="Times New Roman" pitchFamily="18" charset="0"/>
+                <a:ea typeface="ＭＳ Ｐ明朝" charset="-128"/>
+              </a:defRPr>
+            </a:lvl3pPr>
+            <a:lvl4pPr marL="1600200" indent="-228600" eaLnBrk="0" hangingPunct="0">
+              <a:defRPr sz="900" b="1">
+                <a:solidFill>
+                  <a:schemeClr val="tx1"/>
+                </a:solidFill>
+                <a:latin typeface="Times New Roman" pitchFamily="18" charset="0"/>
+                <a:ea typeface="ＭＳ Ｐ明朝" charset="-128"/>
+              </a:defRPr>
+            </a:lvl4pPr>
+            <a:lvl5pPr marL="2057400" indent="-228600" eaLnBrk="0" hangingPunct="0">
+              <a:defRPr sz="900" b="1">
+                <a:solidFill>
+                  <a:schemeClr val="tx1"/>
+                </a:solidFill>
+                <a:latin typeface="Times New Roman" pitchFamily="18" charset="0"/>
+                <a:ea typeface="ＭＳ Ｐ明朝" charset="-128"/>
+              </a:defRPr>
+            </a:lvl5pPr>
+            <a:lvl6pPr marL="2514600" indent="-228600" algn="ctr" eaLnBrk="0" fontAlgn="base" hangingPunct="0">
+              <a:spcBef>
+                <a:spcPct val="0"/>
+              </a:spcBef>
+              <a:spcAft>
+                <a:spcPct val="0"/>
+              </a:spcAft>
+              <a:defRPr sz="900" b="1">
+                <a:solidFill>
+                  <a:schemeClr val="tx1"/>
+                </a:solidFill>
+                <a:latin typeface="Times New Roman" pitchFamily="18" charset="0"/>
+                <a:ea typeface="ＭＳ Ｐ明朝" charset="-128"/>
+              </a:defRPr>
+            </a:lvl6pPr>
+            <a:lvl7pPr marL="2971800" indent="-228600" algn="ctr" eaLnBrk="0" fontAlgn="base" hangingPunct="0">
+              <a:spcBef>
+                <a:spcPct val="0"/>
+              </a:spcBef>
+              <a:spcAft>
+                <a:spcPct val="0"/>
+              </a:spcAft>
+              <a:defRPr sz="900" b="1">
+                <a:solidFill>
+                  <a:schemeClr val="tx1"/>
+                </a:solidFill>
+                <a:latin typeface="Times New Roman" pitchFamily="18" charset="0"/>
+                <a:ea typeface="ＭＳ Ｐ明朝" charset="-128"/>
+              </a:defRPr>
+            </a:lvl7pPr>
+            <a:lvl8pPr marL="3429000" indent="-228600" algn="ctr" eaLnBrk="0" fontAlgn="base" hangingPunct="0">
+              <a:spcBef>
+                <a:spcPct val="0"/>
+              </a:spcBef>
+              <a:spcAft>
+                <a:spcPct val="0"/>
+              </a:spcAft>
+              <a:defRPr sz="900" b="1">
+                <a:solidFill>
+                  <a:schemeClr val="tx1"/>
+                </a:solidFill>
+                <a:latin typeface="Times New Roman" pitchFamily="18" charset="0"/>
+                <a:ea typeface="ＭＳ Ｐ明朝" charset="-128"/>
+              </a:defRPr>
+            </a:lvl8pPr>
+            <a:lvl9pPr marL="3886200" indent="-228600" algn="ctr" eaLnBrk="0" fontAlgn="base" hangingPunct="0">
+              <a:spcBef>
+                <a:spcPct val="0"/>
+              </a:spcBef>
+              <a:spcAft>
+                <a:spcPct val="0"/>
+              </a:spcAft>
+              <a:defRPr sz="900" b="1">
+                <a:solidFill>
+                  <a:schemeClr val="tx1"/>
+                </a:solidFill>
+                <a:latin typeface="Times New Roman" pitchFamily="18" charset="0"/>
+                <a:ea typeface="ＭＳ Ｐ明朝" charset="-128"/>
+              </a:defRPr>
+            </a:lvl9pPr>
+          </a:lstStyle>
+          <a:p>
+            <a:pPr eaLnBrk="1" hangingPunct="1"/>
+            <a:r>
+              <a:rPr kumimoji="1" lang="ja-JP" altLang="en-US" sz="1000" dirty="0">
+                <a:latin typeface="Arial" charset="0"/>
+                <a:ea typeface="ＭＳ Ｐゴシック" charset="-128"/>
+              </a:rPr>
+              <a:t>①起動するジョブ業務コードと引数を指定して</a:t>
+            </a:r>
+            <a:r>
+              <a:rPr kumimoji="1" lang="ja-JP" altLang="en-US" sz="1000" dirty="0" smtClean="0">
+                <a:latin typeface="Arial" charset="0"/>
+                <a:ea typeface="ＭＳ Ｐゴシック" charset="-128"/>
+              </a:rPr>
+              <a:t>、</a:t>
+            </a:r>
+            <a:r>
+              <a:rPr lang="en-US" altLang="ja-JP" sz="1000" dirty="0" smtClean="0">
+                <a:latin typeface="Arial" charset="0"/>
+                <a:ea typeface="ＭＳ Ｐゴシック" charset="-128"/>
+              </a:rPr>
+              <a:t>SyncBatchExecuto</a:t>
+            </a:r>
+            <a:r>
+              <a:rPr lang="en-US" altLang="ja-JP" sz="1000" dirty="0">
+                <a:latin typeface="Arial" charset="0"/>
+                <a:ea typeface="ＭＳ Ｐゴシック" charset="-128"/>
+              </a:rPr>
+              <a:t>r</a:t>
+            </a:r>
+            <a:r>
+              <a:rPr kumimoji="1" lang="ja-JP" altLang="en-US" sz="1000" dirty="0" smtClean="0">
+                <a:latin typeface="Arial" charset="0"/>
+                <a:ea typeface="ＭＳ Ｐゴシック" charset="-128"/>
+              </a:rPr>
+              <a:t>を</a:t>
+            </a:r>
+            <a:r>
+              <a:rPr kumimoji="1" lang="ja-JP" altLang="en-US" sz="1000" dirty="0" smtClean="0">
+                <a:latin typeface="Arial" charset="0"/>
+                <a:ea typeface="ＭＳ Ｐゴシック" charset="-128"/>
+              </a:rPr>
+              <a:t>実行する</a:t>
+            </a:r>
+            <a:endParaRPr kumimoji="1" lang="ja-JP" altLang="en-US" sz="1000" dirty="0">
+              <a:latin typeface="Arial" charset="0"/>
+              <a:ea typeface="ＭＳ Ｐゴシック" charset="-128"/>
+            </a:endParaRPr>
+          </a:p>
+        </p:txBody>
+      </p:sp>
+      <p:sp>
+        <p:nvSpPr>
+          <p:cNvPr id="18439" name="Rectangle 14"/>
+          <p:cNvSpPr>
+            <a:spLocks noChangeArrowheads="1"/>
+          </p:cNvSpPr>
+          <p:nvPr/>
+        </p:nvSpPr>
+        <p:spPr bwMode="gray">
+          <a:xfrm>
+            <a:off x="1464469" y="4781854"/>
+            <a:ext cx="2163762" cy="380480"/>
           </a:xfrm>
           <a:prstGeom prst="rect">
             <a:avLst/>
@@ -10080,181 +10380,7 @@
           <a:p>
             <a:pPr eaLnBrk="1" hangingPunct="1"/>
             <a:r>
-              <a:rPr kumimoji="1" lang="ja-JP" altLang="en-US" sz="1000">
-                <a:latin typeface="Arial" charset="0"/>
-                <a:ea typeface="ＭＳ Ｐゴシック" charset="-128"/>
-              </a:rPr>
-              <a:t>①起動するジョブ業務コードと引数を指定して、バッチエグゼキュータを実行</a:t>
-            </a:r>
-          </a:p>
-        </p:txBody>
-      </p:sp>
-      <p:sp>
-        <p:nvSpPr>
-          <p:cNvPr id="18439" name="Rectangle 14"/>
-          <p:cNvSpPr>
-            <a:spLocks noChangeArrowheads="1"/>
-          </p:cNvSpPr>
-          <p:nvPr/>
-        </p:nvSpPr>
-        <p:spPr bwMode="gray">
-          <a:xfrm>
-            <a:off x="1611313" y="4776788"/>
-            <a:ext cx="2163762" cy="377825"/>
-          </a:xfrm>
-          <a:prstGeom prst="rect">
-            <a:avLst/>
-          </a:prstGeom>
-          <a:noFill/>
-          <a:ln>
-            <a:noFill/>
-          </a:ln>
-          <a:effectLst/>
-          <a:extLst>
-            <a:ext uri="{909E8E84-426E-40DD-AFC4-6F175D3DCCD1}">
-              <a14:hiddenFill xmlns:a14="http://schemas.microsoft.com/office/drawing/2010/main">
-                <a:solidFill>
-                  <a:srgbClr val="3366CC"/>
-                </a:solidFill>
-              </a14:hiddenFill>
-            </a:ext>
-            <a:ext uri="{91240B29-F687-4F45-9708-019B960494DF}">
-              <a14:hiddenLine xmlns:a14="http://schemas.microsoft.com/office/drawing/2010/main" w="28575" algn="ctr">
-                <a:solidFill>
-                  <a:srgbClr val="3366CC"/>
-                </a:solidFill>
-                <a:prstDash val="sysDot"/>
-                <a:miter lim="800000"/>
-                <a:headEnd/>
-                <a:tailEnd/>
-              </a14:hiddenLine>
-            </a:ext>
-            <a:ext uri="{AF507438-7753-43E0-B8FC-AC1667EBCBE1}">
-              <a14:hiddenEffects xmlns:a14="http://schemas.microsoft.com/office/drawing/2010/main">
-                <a:effectLst>
-                  <a:outerShdw dist="35921" dir="2700000" algn="ctr" rotWithShape="0">
-                    <a:schemeClr val="bg2"/>
-                  </a:outerShdw>
-                </a:effectLst>
-              </a14:hiddenEffects>
-            </a:ext>
-          </a:extLst>
-        </p:spPr>
-        <p:txBody>
-          <a:bodyPr lIns="36000" tIns="36000" rIns="36000" bIns="36000" anchor="ctr">
-            <a:spAutoFit/>
-          </a:bodyPr>
-          <a:lstStyle>
-            <a:lvl1pPr eaLnBrk="0" hangingPunct="0">
-              <a:defRPr sz="900" b="1">
-                <a:solidFill>
-                  <a:schemeClr val="tx1"/>
-                </a:solidFill>
-                <a:latin typeface="Times New Roman" pitchFamily="18" charset="0"/>
-                <a:ea typeface="ＭＳ Ｐ明朝" charset="-128"/>
-              </a:defRPr>
-            </a:lvl1pPr>
-            <a:lvl2pPr marL="742950" indent="-285750" eaLnBrk="0" hangingPunct="0">
-              <a:defRPr sz="900" b="1">
-                <a:solidFill>
-                  <a:schemeClr val="tx1"/>
-                </a:solidFill>
-                <a:latin typeface="Times New Roman" pitchFamily="18" charset="0"/>
-                <a:ea typeface="ＭＳ Ｐ明朝" charset="-128"/>
-              </a:defRPr>
-            </a:lvl2pPr>
-            <a:lvl3pPr marL="1143000" indent="-228600" eaLnBrk="0" hangingPunct="0">
-              <a:defRPr sz="900" b="1">
-                <a:solidFill>
-                  <a:schemeClr val="tx1"/>
-                </a:solidFill>
-                <a:latin typeface="Times New Roman" pitchFamily="18" charset="0"/>
-                <a:ea typeface="ＭＳ Ｐ明朝" charset="-128"/>
-              </a:defRPr>
-            </a:lvl3pPr>
-            <a:lvl4pPr marL="1600200" indent="-228600" eaLnBrk="0" hangingPunct="0">
-              <a:defRPr sz="900" b="1">
-                <a:solidFill>
-                  <a:schemeClr val="tx1"/>
-                </a:solidFill>
-                <a:latin typeface="Times New Roman" pitchFamily="18" charset="0"/>
-                <a:ea typeface="ＭＳ Ｐ明朝" charset="-128"/>
-              </a:defRPr>
-            </a:lvl4pPr>
-            <a:lvl5pPr marL="2057400" indent="-228600" eaLnBrk="0" hangingPunct="0">
-              <a:defRPr sz="900" b="1">
-                <a:solidFill>
-                  <a:schemeClr val="tx1"/>
-                </a:solidFill>
-                <a:latin typeface="Times New Roman" pitchFamily="18" charset="0"/>
-                <a:ea typeface="ＭＳ Ｐ明朝" charset="-128"/>
-              </a:defRPr>
-            </a:lvl5pPr>
-            <a:lvl6pPr marL="2514600" indent="-228600" algn="ctr" eaLnBrk="0" fontAlgn="base" hangingPunct="0">
-              <a:spcBef>
-                <a:spcPct val="0"/>
-              </a:spcBef>
-              <a:spcAft>
-                <a:spcPct val="0"/>
-              </a:spcAft>
-              <a:defRPr sz="900" b="1">
-                <a:solidFill>
-                  <a:schemeClr val="tx1"/>
-                </a:solidFill>
-                <a:latin typeface="Times New Roman" pitchFamily="18" charset="0"/>
-                <a:ea typeface="ＭＳ Ｐ明朝" charset="-128"/>
-              </a:defRPr>
-            </a:lvl6pPr>
-            <a:lvl7pPr marL="2971800" indent="-228600" algn="ctr" eaLnBrk="0" fontAlgn="base" hangingPunct="0">
-              <a:spcBef>
-                <a:spcPct val="0"/>
-              </a:spcBef>
-              <a:spcAft>
-                <a:spcPct val="0"/>
-              </a:spcAft>
-              <a:defRPr sz="900" b="1">
-                <a:solidFill>
-                  <a:schemeClr val="tx1"/>
-                </a:solidFill>
-                <a:latin typeface="Times New Roman" pitchFamily="18" charset="0"/>
-                <a:ea typeface="ＭＳ Ｐ明朝" charset="-128"/>
-              </a:defRPr>
-            </a:lvl7pPr>
-            <a:lvl8pPr marL="3429000" indent="-228600" algn="ctr" eaLnBrk="0" fontAlgn="base" hangingPunct="0">
-              <a:spcBef>
-                <a:spcPct val="0"/>
-              </a:spcBef>
-              <a:spcAft>
-                <a:spcPct val="0"/>
-              </a:spcAft>
-              <a:defRPr sz="900" b="1">
-                <a:solidFill>
-                  <a:schemeClr val="tx1"/>
-                </a:solidFill>
-                <a:latin typeface="Times New Roman" pitchFamily="18" charset="0"/>
-                <a:ea typeface="ＭＳ Ｐ明朝" charset="-128"/>
-              </a:defRPr>
-            </a:lvl8pPr>
-            <a:lvl9pPr marL="3886200" indent="-228600" algn="ctr" eaLnBrk="0" fontAlgn="base" hangingPunct="0">
-              <a:spcBef>
-                <a:spcPct val="0"/>
-              </a:spcBef>
-              <a:spcAft>
-                <a:spcPct val="0"/>
-              </a:spcAft>
-              <a:defRPr sz="900" b="1">
-                <a:solidFill>
-                  <a:schemeClr val="tx1"/>
-                </a:solidFill>
-                <a:latin typeface="Times New Roman" pitchFamily="18" charset="0"/>
-                <a:ea typeface="ＭＳ Ｐ明朝" charset="-128"/>
-              </a:defRPr>
-            </a:lvl9pPr>
-          </a:lstStyle>
-          <a:p>
-            <a:pPr eaLnBrk="1" hangingPunct="1"/>
-            <a:r>
-              <a:rPr kumimoji="1" lang="ja-JP" altLang="en-US" sz="1000">
+              <a:rPr kumimoji="1" lang="ja-JP" altLang="en-US" sz="1000" dirty="0">
                 <a:latin typeface="Arial" charset="0"/>
                 <a:ea typeface="ＭＳ Ｐゴシック" charset="-128"/>
               </a:rPr>
@@ -10264,20 +10390,27 @@
           <a:p>
             <a:pPr eaLnBrk="1" hangingPunct="1"/>
             <a:r>
-              <a:rPr kumimoji="1" lang="en-US" altLang="ja-JP" sz="1000">
+              <a:rPr kumimoji="1" lang="en-US" altLang="ja-JP" sz="1000" dirty="0">
                 <a:latin typeface="Arial" charset="0"/>
                 <a:ea typeface="ＭＳ Ｐゴシック" charset="-128"/>
               </a:rPr>
               <a:t>Bean</a:t>
             </a:r>
             <a:r>
-              <a:rPr kumimoji="1" lang="ja-JP" altLang="en-US" sz="1000">
+              <a:rPr kumimoji="1" lang="ja-JP" altLang="en-US" sz="1000" dirty="0">
                 <a:latin typeface="Arial" charset="0"/>
                 <a:ea typeface="ＭＳ Ｐゴシック" charset="-128"/>
               </a:rPr>
-              <a:t>定義ファイルを読み込み</a:t>
-            </a:r>
-            <a:endParaRPr kumimoji="1" lang="en-US" altLang="ja-JP" sz="1000">
+              <a:t>定義ファイルを</a:t>
+            </a:r>
+            <a:r>
+              <a:rPr kumimoji="1" lang="ja-JP" altLang="en-US" sz="1000" dirty="0" smtClean="0">
+                <a:latin typeface="Arial" charset="0"/>
+                <a:ea typeface="ＭＳ Ｐゴシック" charset="-128"/>
+              </a:rPr>
+              <a:t>読み込む</a:t>
+            </a:r>
+            <a:endParaRPr kumimoji="1" lang="en-US" altLang="ja-JP" sz="1000" dirty="0">
               <a:latin typeface="Arial" charset="0"/>
               <a:ea typeface="ＭＳ Ｐゴシック" charset="-128"/>
             </a:endParaRPr>
@@ -10434,7 +10567,7 @@
           <a:p>
             <a:pPr eaLnBrk="1" hangingPunct="1"/>
             <a:r>
-              <a:rPr kumimoji="1" lang="ja-JP" altLang="en-US" sz="1000">
+              <a:rPr kumimoji="1" lang="ja-JP" altLang="en-US" sz="1000" dirty="0">
                 <a:latin typeface="Arial" charset="0"/>
                 <a:ea typeface="ＭＳ Ｐゴシック" charset="-128"/>
               </a:rPr>
@@ -10592,7 +10725,7 @@
           <a:p>
             <a:pPr eaLnBrk="1" hangingPunct="1"/>
             <a:r>
-              <a:rPr kumimoji="1" lang="ja-JP" altLang="en-US" sz="1000">
+              <a:rPr kumimoji="1" lang="ja-JP" altLang="en-US" sz="1000" dirty="0">
                 <a:latin typeface="Arial" charset="0"/>
                 <a:ea typeface="ＭＳ Ｐゴシック" charset="-128"/>
               </a:rPr>
@@ -10766,7 +10899,7 @@
           <a:p>
             <a:pPr eaLnBrk="1" hangingPunct="1"/>
             <a:r>
-              <a:rPr kumimoji="1" lang="ja-JP" altLang="en-US" sz="1000">
+              <a:rPr kumimoji="1" lang="ja-JP" altLang="en-US" sz="1000" dirty="0">
                 <a:latin typeface="Arial" charset="0"/>
                 <a:ea typeface="ＭＳ Ｐゴシック" charset="-128"/>
               </a:rPr>
@@ -10776,7 +10909,7 @@
           <a:p>
             <a:pPr eaLnBrk="1" hangingPunct="1"/>
             <a:r>
-              <a:rPr kumimoji="1" lang="ja-JP" altLang="en-US" sz="1000">
+              <a:rPr kumimoji="1" lang="ja-JP" altLang="en-US" sz="1000" dirty="0">
                 <a:latin typeface="Arial" charset="0"/>
                 <a:ea typeface="ＭＳ Ｐゴシック" charset="-128"/>
               </a:rPr>
@@ -10935,7 +11068,7 @@
           <a:p>
             <a:pPr eaLnBrk="1" hangingPunct="1"/>
             <a:r>
-              <a:rPr kumimoji="1" lang="ja-JP" altLang="en-US" sz="1000">
+              <a:rPr kumimoji="1" lang="ja-JP" altLang="en-US" sz="1000" dirty="0">
                 <a:latin typeface="Arial" charset="0"/>
                 <a:ea typeface="ＭＳ Ｐゴシック" charset="-128"/>
               </a:rPr>
@@ -11091,14 +11224,14 @@
           <a:p>
             <a:pPr eaLnBrk="1" hangingPunct="1"/>
             <a:r>
-              <a:rPr kumimoji="1" lang="en-US" altLang="ja-JP" sz="1000">
+              <a:rPr kumimoji="1" lang="en-US" altLang="ja-JP" sz="1000" dirty="0">
                 <a:latin typeface="Arial" charset="0"/>
                 <a:ea typeface="ＭＳ Ｐゴシック" charset="-128"/>
               </a:rPr>
               <a:t>Bean</a:t>
             </a:r>
             <a:r>
-              <a:rPr kumimoji="1" lang="ja-JP" altLang="en-US" sz="1000">
+              <a:rPr kumimoji="1" lang="ja-JP" altLang="en-US" sz="1000" dirty="0">
                 <a:latin typeface="Arial" charset="0"/>
                 <a:ea typeface="ＭＳ Ｐゴシック" charset="-128"/>
               </a:rPr>
@@ -11258,7 +11391,7 @@
           <a:p>
             <a:pPr eaLnBrk="1" hangingPunct="1"/>
             <a:r>
-              <a:rPr kumimoji="1" lang="ja-JP" altLang="en-US" sz="1000">
+              <a:rPr kumimoji="1" lang="ja-JP" altLang="en-US" sz="1000" dirty="0">
                 <a:latin typeface="Arial" charset="0"/>
                 <a:ea typeface="ＭＳ Ｐゴシック" charset="-128"/>
               </a:rPr>
@@ -11490,7 +11623,7 @@
               <a:buNone/>
             </a:pPr>
             <a:r>
-              <a:rPr kumimoji="0" lang="en-US" altLang="ja-JP" sz="1000" i="1"/>
+              <a:rPr kumimoji="0" lang="en-US" altLang="ja-JP" sz="1000" i="1" dirty="0"/>
               <a:t>Copyright (c) 2011 NTT DATA Corporation.</a:t>
             </a:r>
           </a:p>
@@ -11530,7 +11663,7 @@
               <a:defRPr/>
             </a:pPr>
             <a:r>
-              <a:rPr lang="en-US" altLang="ja-JP" sz="1200" b="0">
+              <a:rPr lang="en-US" altLang="ja-JP" sz="1200" b="0" dirty="0">
                 <a:latin typeface="+mn-lt"/>
                 <a:ea typeface="+mn-ea"/>
               </a:rPr>
@@ -11550,7 +11683,7 @@
               <a:t>2</a:t>
             </a:fld>
             <a:r>
-              <a:rPr lang="en-US" altLang="ja-JP" sz="1200" b="0">
+              <a:rPr lang="en-US" altLang="ja-JP" sz="1200" b="0" dirty="0">
                 <a:latin typeface="+mn-lt"/>
                 <a:ea typeface="+mn-ea"/>
               </a:rPr>
@@ -11713,14 +11846,14 @@
           <a:p>
             <a:pPr eaLnBrk="1" hangingPunct="1"/>
             <a:r>
-              <a:rPr lang="en-US" altLang="ja-JP" sz="1600">
+              <a:rPr lang="en-US" altLang="ja-JP" sz="1600" dirty="0">
                 <a:latin typeface="Arial" charset="0"/>
                 <a:ea typeface="ＭＳ Ｐゴシック" charset="-128"/>
               </a:rPr>
               <a:t>SyncBatchExecutor</a:t>
             </a:r>
             <a:r>
-              <a:rPr lang="ja-JP" altLang="en-US" sz="1600">
+              <a:rPr lang="ja-JP" altLang="en-US" sz="1600" dirty="0">
                 <a:latin typeface="Arial" charset="0"/>
                 <a:ea typeface="ＭＳ Ｐゴシック" charset="-128"/>
               </a:rPr>
@@ -11878,7 +12011,7 @@
           </a:lstStyle>
           <a:p>
             <a:pPr eaLnBrk="1" hangingPunct="1"/>
-            <a:endParaRPr kumimoji="1" lang="ja-JP" altLang="en-US" sz="1000">
+            <a:endParaRPr kumimoji="1" lang="ja-JP" altLang="en-US" sz="1000" dirty="0">
               <a:latin typeface="Arial" charset="0"/>
               <a:ea typeface="ＭＳ Ｐゴシック" charset="-128"/>
             </a:endParaRPr>
@@ -12034,7 +12167,7 @@
           </a:lstStyle>
           <a:p>
             <a:pPr eaLnBrk="1" hangingPunct="1"/>
-            <a:endParaRPr kumimoji="1" lang="ja-JP" altLang="en-US" sz="1000">
+            <a:endParaRPr kumimoji="1" lang="ja-JP" altLang="en-US" sz="1000" dirty="0">
               <a:latin typeface="Arial" charset="0"/>
               <a:ea typeface="ＭＳ Ｐゴシック" charset="-128"/>
             </a:endParaRPr>
@@ -12216,7 +12349,7 @@
           <a:p>
             <a:pPr algn="r" eaLnBrk="1" hangingPunct="1"/>
             <a:r>
-              <a:rPr kumimoji="1" lang="ja-JP" altLang="en-US" sz="1000">
+              <a:rPr kumimoji="1" lang="ja-JP" altLang="en-US" sz="1000" dirty="0">
                 <a:ea typeface="ＭＳ Ｐゴシック" charset="-128"/>
               </a:rPr>
               <a:t>結果</a:t>
@@ -12399,7 +12532,7 @@
           <a:p>
             <a:pPr algn="r" eaLnBrk="1" hangingPunct="1"/>
             <a:r>
-              <a:rPr kumimoji="1" lang="ja-JP" altLang="en-US" sz="1000">
+              <a:rPr kumimoji="1" lang="ja-JP" altLang="en-US" sz="1000" dirty="0">
                 <a:ea typeface="ＭＳ Ｐゴシック" charset="-128"/>
               </a:rPr>
               <a:t>実行</a:t>
@@ -12417,8 +12550,8 @@
         </p:nvSpPr>
         <p:spPr bwMode="gray">
           <a:xfrm>
-            <a:off x="4256088" y="4665663"/>
-            <a:ext cx="2089150" cy="225425"/>
+            <a:off x="4256088" y="4588136"/>
+            <a:ext cx="2089150" cy="380480"/>
           </a:xfrm>
           <a:prstGeom prst="rect">
             <a:avLst/>
@@ -12572,13 +12705,41 @@
           <a:p>
             <a:pPr eaLnBrk="1" hangingPunct="1"/>
             <a:r>
-              <a:rPr kumimoji="1" lang="ja-JP" altLang="en-US" sz="1000">
+              <a:rPr kumimoji="1" lang="ja-JP" altLang="en-US" sz="1000" dirty="0" smtClean="0">
                 <a:latin typeface="Arial" charset="0"/>
                 <a:ea typeface="ＭＳ Ｐゴシック" charset="-128"/>
               </a:rPr>
-              <a:t>④戻り値もしくは例外が返される</a:t>
-            </a:r>
-            <a:endParaRPr kumimoji="1" lang="en-US" altLang="ja-JP" sz="1000">
+              <a:t>④実行結果ステータスとして戻り値</a:t>
+            </a:r>
+            <a:r>
+              <a:rPr lang="ja-JP" altLang="en-US" sz="1000" dirty="0" smtClean="0">
+                <a:latin typeface="Arial" charset="0"/>
+                <a:ea typeface="ＭＳ Ｐゴシック" charset="-128"/>
+              </a:rPr>
+              <a:t>また</a:t>
+            </a:r>
+            <a:r>
+              <a:rPr kumimoji="1" lang="ja-JP" altLang="en-US" sz="1000" dirty="0" smtClean="0">
+                <a:latin typeface="Arial" charset="0"/>
+                <a:ea typeface="ＭＳ Ｐゴシック" charset="-128"/>
+              </a:rPr>
+              <a:t>は</a:t>
+            </a:r>
+            <a:r>
+              <a:rPr kumimoji="1" lang="ja-JP" altLang="en-US" sz="1000" dirty="0" smtClean="0">
+                <a:latin typeface="Arial" charset="0"/>
+                <a:ea typeface="ＭＳ Ｐゴシック" charset="-128"/>
+              </a:rPr>
+              <a:t>例外</a:t>
+            </a:r>
+            <a:r>
+              <a:rPr lang="ja-JP" altLang="en-US" sz="1000" dirty="0" smtClean="0">
+                <a:latin typeface="Arial" charset="0"/>
+                <a:ea typeface="ＭＳ Ｐゴシック" charset="-128"/>
+              </a:rPr>
+              <a:t>を返す</a:t>
+            </a:r>
+            <a:endParaRPr kumimoji="1" lang="en-US" altLang="ja-JP" sz="1000" dirty="0">
               <a:latin typeface="Arial" charset="0"/>
               <a:ea typeface="ＭＳ Ｐゴシック" charset="-128"/>
             </a:endParaRPr>
@@ -12595,8 +12756,8 @@
         </p:nvSpPr>
         <p:spPr bwMode="gray">
           <a:xfrm>
-            <a:off x="411163" y="2733675"/>
-            <a:ext cx="1787525" cy="377825"/>
+            <a:off x="411163" y="2655404"/>
+            <a:ext cx="1787525" cy="534368"/>
           </a:xfrm>
           <a:prstGeom prst="rect">
             <a:avLst/>
@@ -12750,29 +12911,103 @@
           <a:p>
             <a:pPr eaLnBrk="1" hangingPunct="1"/>
             <a:r>
-              <a:rPr kumimoji="1" lang="ja-JP" altLang="en-US" sz="1000">
+              <a:rPr kumimoji="1" lang="ja-JP" altLang="en-US" sz="1000" dirty="0">
                 <a:latin typeface="Arial" charset="0"/>
                 <a:ea typeface="ＭＳ Ｐゴシック" charset="-128"/>
               </a:rPr>
-              <a:t>⑤実行結果ステータスが</a:t>
-            </a:r>
-          </a:p>
-          <a:p>
-            <a:pPr eaLnBrk="1" hangingPunct="1"/>
-            <a:r>
-              <a:rPr kumimoji="1" lang="en-US" altLang="ja-JP" sz="1000">
+              <a:t>⑤実行結果</a:t>
+            </a:r>
+            <a:r>
+              <a:rPr kumimoji="1" lang="ja-JP" altLang="en-US" sz="1000" dirty="0" smtClean="0">
                 <a:latin typeface="Arial" charset="0"/>
                 <a:ea typeface="ＭＳ Ｐゴシック" charset="-128"/>
               </a:rPr>
-              <a:t>exit</a:t>
-            </a:r>
-            <a:r>
-              <a:rPr kumimoji="1" lang="ja-JP" altLang="en-US" sz="1000">
+              <a:t>ステータスを</a:t>
+            </a:r>
+            <a:endParaRPr kumimoji="1" lang="ja-JP" altLang="en-US" sz="1000" dirty="0">
+              <a:latin typeface="Arial" charset="0"/>
+              <a:ea typeface="ＭＳ Ｐゴシック" charset="-128"/>
+            </a:endParaRPr>
+          </a:p>
+          <a:p>
+            <a:pPr eaLnBrk="1" hangingPunct="1"/>
+            <a:r>
+              <a:rPr lang="ja-JP" altLang="en-US" sz="1000" dirty="0" smtClean="0">
                 <a:latin typeface="Arial" charset="0"/>
                 <a:ea typeface="ＭＳ Ｐゴシック" charset="-128"/>
               </a:rPr>
-              <a:t>コードとして設定される</a:t>
-            </a:r>
+              <a:t>ジョブ終了</a:t>
+            </a:r>
+            <a:r>
+              <a:rPr kumimoji="1" lang="ja-JP" altLang="en-US" sz="1000" dirty="0" smtClean="0">
+                <a:latin typeface="Arial" charset="0"/>
+                <a:ea typeface="ＭＳ Ｐゴシック" charset="-128"/>
+              </a:rPr>
+              <a:t>コード</a:t>
+            </a:r>
+            <a:r>
+              <a:rPr kumimoji="1" lang="en-US" altLang="ja-JP" sz="1000" dirty="0" smtClean="0">
+                <a:latin typeface="Arial" charset="0"/>
+                <a:ea typeface="ＭＳ Ｐゴシック" charset="-128"/>
+              </a:rPr>
+              <a:t>(exit</a:t>
+            </a:r>
+            <a:r>
+              <a:rPr kumimoji="1" lang="ja-JP" altLang="en-US" sz="1000" dirty="0" smtClean="0">
+                <a:latin typeface="Arial" charset="0"/>
+                <a:ea typeface="ＭＳ Ｐゴシック" charset="-128"/>
+              </a:rPr>
+              <a:t>コード</a:t>
+            </a:r>
+            <a:r>
+              <a:rPr kumimoji="1" lang="en-US" altLang="ja-JP" sz="1000" dirty="0" smtClean="0">
+                <a:latin typeface="Arial" charset="0"/>
+                <a:ea typeface="ＭＳ Ｐゴシック" charset="-128"/>
+              </a:rPr>
+              <a:t>)</a:t>
+            </a:r>
+          </a:p>
+          <a:p>
+            <a:pPr eaLnBrk="1" hangingPunct="1"/>
+            <a:r>
+              <a:rPr kumimoji="1" lang="ja-JP" altLang="en-US" sz="1000" dirty="0" smtClean="0">
+                <a:latin typeface="Arial" charset="0"/>
+                <a:ea typeface="ＭＳ Ｐゴシック" charset="-128"/>
+              </a:rPr>
+              <a:t>と</a:t>
+            </a:r>
+            <a:r>
+              <a:rPr kumimoji="1" lang="ja-JP" altLang="en-US" sz="1000" dirty="0">
+                <a:latin typeface="Arial" charset="0"/>
+                <a:ea typeface="ＭＳ Ｐゴシック" charset="-128"/>
+              </a:rPr>
+              <a:t>して</a:t>
+            </a:r>
+            <a:r>
+              <a:rPr kumimoji="1" lang="ja-JP" altLang="en-US" sz="1000" dirty="0" smtClean="0">
+                <a:latin typeface="Arial" charset="0"/>
+                <a:ea typeface="ＭＳ Ｐゴシック" charset="-128"/>
+              </a:rPr>
+              <a:t>設定</a:t>
+            </a:r>
+            <a:r>
+              <a:rPr lang="ja-JP" altLang="en-US" sz="1000" dirty="0" smtClean="0">
+                <a:latin typeface="Arial" charset="0"/>
+                <a:ea typeface="ＭＳ Ｐゴシック" charset="-128"/>
+              </a:rPr>
+              <a:t>す</a:t>
+            </a:r>
+            <a:r>
+              <a:rPr lang="ja-JP" altLang="en-US" sz="1000" dirty="0">
+                <a:latin typeface="Arial" charset="0"/>
+                <a:ea typeface="ＭＳ Ｐゴシック" charset="-128"/>
+              </a:rPr>
+              <a:t>る</a:t>
+            </a:r>
+            <a:endParaRPr kumimoji="1" lang="ja-JP" altLang="en-US" sz="1000" dirty="0">
+              <a:latin typeface="Arial" charset="0"/>
+              <a:ea typeface="ＭＳ Ｐゴシック" charset="-128"/>
+            </a:endParaRPr>
           </a:p>
         </p:txBody>
       </p:sp>
@@ -12931,7 +13166,7 @@
           </a:lstStyle>
           <a:p>
             <a:pPr eaLnBrk="1" hangingPunct="1"/>
-            <a:endParaRPr lang="ja-JP" altLang="en-US"/>
+            <a:endParaRPr lang="ja-JP" altLang="en-US" dirty="0"/>
           </a:p>
         </p:txBody>
       </p:sp>
@@ -13110,7 +13345,7 @@
           <a:p>
             <a:pPr algn="r" eaLnBrk="1" hangingPunct="1"/>
             <a:r>
-              <a:rPr kumimoji="1" lang="ja-JP" altLang="en-US" sz="1000">
+              <a:rPr kumimoji="1" lang="ja-JP" altLang="en-US" sz="1000" dirty="0">
                 <a:ea typeface="ＭＳ Ｐゴシック" charset="-128"/>
               </a:rPr>
               <a:t>読み込み</a:t>
@@ -13128,6 +13363,13 @@
   <p:clrMapOvr>
     <a:masterClrMapping/>
   </p:clrMapOvr>
+  <p:timing>
+    <p:tnLst>
+      <p:par>
+        <p:cTn id="1" dur="indefinite" restart="never" nodeType="tmRoot"/>
+      </p:par>
+    </p:tnLst>
+  </p:timing>
 </p:sld>
 </file>
 
@@ -13158,7 +13400,12 @@
             <p:ph type="body" idx="1"/>
           </p:nvPr>
         </p:nvSpPr>
-        <p:spPr/>
+        <p:spPr>
+          <a:xfrm>
+            <a:off x="103188" y="1542525"/>
+            <a:ext cx="8229600" cy="4525963"/>
+          </a:xfrm>
+        </p:spPr>
         <p:txBody>
           <a:bodyPr/>
           <a:lstStyle/>
@@ -13168,7 +13415,7 @@
               <a:buNone/>
             </a:pPr>
             <a:r>
-              <a:rPr lang="ja-JP" altLang="en-US" smtClean="0"/>
+              <a:rPr lang="ja-JP" altLang="en-US" dirty="0" smtClean="0"/>
               <a:t> </a:t>
             </a:r>
           </a:p>
@@ -13184,8 +13431,8 @@
         </p:nvSpPr>
         <p:spPr bwMode="auto">
           <a:xfrm>
-            <a:off x="2806700" y="3292475"/>
-            <a:ext cx="1439863" cy="649288"/>
+            <a:off x="2806700" y="2936240"/>
+            <a:ext cx="1623221" cy="649288"/>
           </a:xfrm>
           <a:prstGeom prst="roundRect">
             <a:avLst>
@@ -13321,22 +13568,43 @@
             </a:lvl9pPr>
           </a:lstStyle>
           <a:p>
-            <a:pPr eaLnBrk="1" hangingPunct="1"/>
-            <a:r>
-              <a:rPr kumimoji="1" lang="en-US" altLang="ja-JP" sz="1000">
+            <a:pPr algn="ctr" eaLnBrk="1" hangingPunct="1"/>
+            <a:r>
+              <a:rPr kumimoji="1" lang="en-US" altLang="ja-JP" sz="1000" dirty="0" smtClean="0">
                 <a:latin typeface="Arial" charset="0"/>
                 <a:ea typeface="ＭＳ Ｐゴシック" charset="-128"/>
               </a:rPr>
-              <a:t>Async</a:t>
-            </a:r>
-            <a:r>
-              <a:rPr kumimoji="1" lang="en-US" altLang="en-US" sz="1000">
+              <a:t>JobOperator</a:t>
+            </a:r>
+            <a:endParaRPr kumimoji="1" lang="en-US" altLang="ja-JP" sz="1000" dirty="0" smtClean="0">
+              <a:latin typeface="Arial" charset="0"/>
+              <a:ea typeface="ＭＳ Ｐゴシック" charset="-128"/>
+            </a:endParaRPr>
+          </a:p>
+          <a:p>
+            <a:pPr algn="ctr" eaLnBrk="1" hangingPunct="1"/>
+            <a:r>
+              <a:rPr lang="en-US" altLang="ja-JP" sz="1000" dirty="0" smtClean="0">
                 <a:latin typeface="Arial" charset="0"/>
                 <a:ea typeface="ＭＳ Ｐゴシック" charset="-128"/>
               </a:rPr>
-              <a:t>BatchExecutor</a:t>
-            </a:r>
-            <a:endParaRPr kumimoji="1" lang="en-US" altLang="ja-JP" sz="1000">
+              <a:t>(</a:t>
+            </a:r>
+            <a:r>
+              <a:rPr lang="en-US" altLang="ja-JP" sz="1000" dirty="0" smtClean="0">
+                <a:latin typeface="Arial" charset="0"/>
+                <a:ea typeface="ＭＳ Ｐゴシック" charset="-128"/>
+              </a:rPr>
+              <a:t>AsyncJobOperatorImpl</a:t>
+            </a:r>
+            <a:r>
+              <a:rPr lang="en-US" altLang="ja-JP" sz="1000" dirty="0" smtClean="0">
+                <a:latin typeface="Arial" charset="0"/>
+                <a:ea typeface="ＭＳ Ｐゴシック" charset="-128"/>
+              </a:rPr>
+              <a:t>)</a:t>
+            </a:r>
+            <a:endParaRPr kumimoji="1" lang="en-US" altLang="ja-JP" sz="1000" dirty="0">
               <a:latin typeface="Arial" charset="0"/>
               <a:ea typeface="ＭＳ Ｐゴシック" charset="-128"/>
             </a:endParaRPr>
@@ -13353,7 +13621,7 @@
         </p:nvSpPr>
         <p:spPr bwMode="auto">
           <a:xfrm>
-            <a:off x="471488" y="1714500"/>
+            <a:off x="471488" y="1772816"/>
             <a:ext cx="1878012" cy="503238"/>
           </a:xfrm>
           <a:prstGeom prst="roundRect">
@@ -13492,7 +13760,7 @@
           <a:p>
             <a:pPr eaLnBrk="1" hangingPunct="1"/>
             <a:r>
-              <a:rPr kumimoji="1" lang="ja-JP" altLang="en-US" sz="1000">
+              <a:rPr kumimoji="1" lang="ja-JP" altLang="en-US" sz="1000" dirty="0">
                 <a:latin typeface="Arial" charset="0"/>
                 <a:ea typeface="ＭＳ Ｐゴシック" charset="-128"/>
               </a:rPr>
@@ -13502,21 +13770,21 @@
           <a:p>
             <a:pPr eaLnBrk="1" hangingPunct="1"/>
             <a:r>
-              <a:rPr kumimoji="1" lang="en-US" altLang="ja-JP" sz="1000">
+              <a:rPr kumimoji="1" lang="en-US" altLang="ja-JP" sz="1000" dirty="0">
                 <a:latin typeface="Arial" charset="0"/>
                 <a:ea typeface="ＭＳ Ｐゴシック" charset="-128"/>
               </a:rPr>
               <a:t>(</a:t>
             </a:r>
             <a:r>
-              <a:rPr kumimoji="1" lang="ja-JP" altLang="en-US" sz="1000">
+              <a:rPr kumimoji="1" lang="ja-JP" altLang="en-US" sz="1000" dirty="0">
                 <a:latin typeface="Arial" charset="0"/>
                 <a:ea typeface="ＭＳ Ｐゴシック" charset="-128"/>
               </a:rPr>
               <a:t>任意タイミング</a:t>
             </a:r>
             <a:r>
-              <a:rPr kumimoji="1" lang="en-US" altLang="ja-JP" sz="1000">
+              <a:rPr kumimoji="1" lang="en-US" altLang="ja-JP" sz="1000" dirty="0">
                 <a:latin typeface="Arial" charset="0"/>
                 <a:ea typeface="ＭＳ Ｐゴシック" charset="-128"/>
               </a:rPr>
@@ -13531,22 +13799,28 @@
           <p:cNvGraphicFramePr>
             <a:graphicFrameLocks noChangeAspect="1"/>
           </p:cNvGraphicFramePr>
-          <p:nvPr/>
+          <p:nvPr>
+            <p:extLst>
+              <p:ext uri="{D42A27DB-BD31-4B8C-83A1-F6EECF244321}">
+                <p14:modId xmlns:p14="http://schemas.microsoft.com/office/powerpoint/2010/main" val="1887990171"/>
+              </p:ext>
+            </p:extLst>
+          </p:nvPr>
         </p:nvGraphicFramePr>
         <p:xfrm>
-          <a:off x="4298950" y="1389063"/>
+          <a:off x="4217988" y="1628825"/>
           <a:ext cx="1368425" cy="730250"/>
         </p:xfrm>
         <a:graphic>
           <a:graphicData uri="http://schemas.openxmlformats.org/presentationml/2006/ole">
             <mc:AlternateContent xmlns:mc="http://schemas.openxmlformats.org/markup-compatibility/2006">
               <mc:Choice xmlns:v="urn:schemas-microsoft-com:vml" Requires="v">
-                <p:oleObj spid="_x0000_s1029" name="Visio" r:id="rId3" imgW="1046607" imgH="1232154" progId="Visio.Drawing.11">
+                <p:oleObj spid="_x0000_s1082" name="Visio" r:id="rId4" imgW="1028666" imgH="1219320" progId="Visio.Drawing.11">
                   <p:embed/>
                 </p:oleObj>
               </mc:Choice>
               <mc:Fallback>
-                <p:oleObj name="Visio" r:id="rId3" imgW="1046607" imgH="1232154" progId="Visio.Drawing.11">
+                <p:oleObj name="Visio" r:id="rId4" imgW="1028666" imgH="1219320" progId="Visio.Drawing.11">
                   <p:embed/>
                   <p:pic>
                     <p:nvPicPr>
@@ -13557,13 +13831,7 @@
                       <p:nvPr/>
                     </p:nvPicPr>
                     <p:blipFill>
-                      <a:blip r:embed="rId4">
-                        <a:extLst>
-                          <a:ext uri="{28A0092B-C50C-407E-A947-70E740481C1C}">
-                            <a14:useLocalDpi xmlns:a14="http://schemas.microsoft.com/office/drawing/2010/main" val="0"/>
-                          </a:ext>
-                        </a:extLst>
-                      </a:blip>
+                      <a:blip r:embed="rId5"/>
                       <a:srcRect/>
                       <a:stretch>
                         <a:fillRect/>
@@ -13571,7 +13839,7 @@
                     </p:blipFill>
                     <p:spPr bwMode="auto">
                       <a:xfrm>
-                        <a:off x="4298950" y="1389063"/>
+                        <a:off x="4217988" y="1628825"/>
                         <a:ext cx="1368425" cy="730250"/>
                       </a:xfrm>
                       <a:prstGeom prst="rect">
@@ -13582,36 +13850,7 @@
                         <a:noFill/>
                       </a:ln>
                       <a:effectLst/>
-                      <a:extLst>
-                        <a:ext uri="{909E8E84-426E-40DD-AFC4-6F175D3DCCD1}">
-                          <a14:hiddenFill xmlns:a14="http://schemas.microsoft.com/office/drawing/2010/main">
-                            <a:solidFill>
-                              <a:schemeClr val="accent1"/>
-                            </a:solidFill>
-                          </a14:hiddenFill>
-                        </a:ext>
-                        <a:ext uri="{91240B29-F687-4F45-9708-019B960494DF}">
-                          <a14:hiddenLine xmlns:a14="http://schemas.microsoft.com/office/drawing/2010/main" w="12700" algn="ctr">
-                            <a:solidFill>
-                              <a:schemeClr val="tx1"/>
-                            </a:solidFill>
-                            <a:miter lim="800000"/>
-                            <a:headEnd/>
-                            <a:tailEnd/>
-                          </a14:hiddenLine>
-                        </a:ext>
-                        <a:ext uri="{AF507438-7753-43E0-B8FC-AC1667EBCBE1}">
-                          <a14:hiddenEffects xmlns:a14="http://schemas.microsoft.com/office/drawing/2010/main">
-                            <a:effectLst>
-                              <a:outerShdw dist="107763" dir="2700000" algn="ctr" rotWithShape="0">
-                                <a:schemeClr val="bg2">
-                                  <a:alpha val="50000"/>
-                                </a:schemeClr>
-                              </a:outerShdw>
-                            </a:effectLst>
-                          </a14:hiddenEffects>
-                        </a:ext>
-                      </a:extLst>
+                      <a:extLst/>
                     </p:spPr>
                   </p:pic>
                 </p:oleObj>
@@ -13630,8 +13869,214 @@
         </p:nvSpPr>
         <p:spPr bwMode="gray">
           <a:xfrm>
-            <a:off x="4456113" y="1466850"/>
-            <a:ext cx="936625" cy="225425"/>
+            <a:off x="4482561" y="1628753"/>
+            <a:ext cx="714375" cy="380480"/>
+          </a:xfrm>
+          <a:prstGeom prst="rect">
+            <a:avLst/>
+          </a:prstGeom>
+          <a:noFill/>
+          <a:ln>
+            <a:noFill/>
+          </a:ln>
+          <a:effectLst/>
+          <a:extLst>
+            <a:ext uri="{909E8E84-426E-40DD-AFC4-6F175D3DCCD1}">
+              <a14:hiddenFill xmlns:a14="http://schemas.microsoft.com/office/drawing/2010/main">
+                <a:solidFill>
+                  <a:srgbClr val="3366CC"/>
+                </a:solidFill>
+              </a14:hiddenFill>
+            </a:ext>
+            <a:ext uri="{91240B29-F687-4F45-9708-019B960494DF}">
+              <a14:hiddenLine xmlns:a14="http://schemas.microsoft.com/office/drawing/2010/main" w="28575" algn="ctr">
+                <a:solidFill>
+                  <a:srgbClr val="3366CC"/>
+                </a:solidFill>
+                <a:prstDash val="sysDot"/>
+                <a:miter lim="800000"/>
+                <a:headEnd/>
+                <a:tailEnd/>
+              </a14:hiddenLine>
+            </a:ext>
+            <a:ext uri="{AF507438-7753-43E0-B8FC-AC1667EBCBE1}">
+              <a14:hiddenEffects xmlns:a14="http://schemas.microsoft.com/office/drawing/2010/main">
+                <a:effectLst>
+                  <a:outerShdw dist="35921" dir="2700000" algn="ctr" rotWithShape="0">
+                    <a:schemeClr val="bg2"/>
+                  </a:outerShdw>
+                </a:effectLst>
+              </a14:hiddenEffects>
+            </a:ext>
+          </a:extLst>
+        </p:spPr>
+        <p:txBody>
+          <a:bodyPr wrap="square" lIns="36000" tIns="36000" rIns="36000" bIns="36000" anchor="ctr">
+            <a:spAutoFit/>
+          </a:bodyPr>
+          <a:lstStyle>
+            <a:lvl1pPr eaLnBrk="0" hangingPunct="0">
+              <a:defRPr sz="900" b="1">
+                <a:solidFill>
+                  <a:schemeClr val="tx1"/>
+                </a:solidFill>
+                <a:latin typeface="Times New Roman" pitchFamily="18" charset="0"/>
+                <a:ea typeface="ＭＳ Ｐ明朝" charset="-128"/>
+              </a:defRPr>
+            </a:lvl1pPr>
+            <a:lvl2pPr marL="742950" indent="-285750" eaLnBrk="0" hangingPunct="0">
+              <a:defRPr sz="900" b="1">
+                <a:solidFill>
+                  <a:schemeClr val="tx1"/>
+                </a:solidFill>
+                <a:latin typeface="Times New Roman" pitchFamily="18" charset="0"/>
+                <a:ea typeface="ＭＳ Ｐ明朝" charset="-128"/>
+              </a:defRPr>
+            </a:lvl2pPr>
+            <a:lvl3pPr marL="1143000" indent="-228600" eaLnBrk="0" hangingPunct="0">
+              <a:defRPr sz="900" b="1">
+                <a:solidFill>
+                  <a:schemeClr val="tx1"/>
+                </a:solidFill>
+                <a:latin typeface="Times New Roman" pitchFamily="18" charset="0"/>
+                <a:ea typeface="ＭＳ Ｐ明朝" charset="-128"/>
+              </a:defRPr>
+            </a:lvl3pPr>
+            <a:lvl4pPr marL="1600200" indent="-228600" eaLnBrk="0" hangingPunct="0">
+              <a:defRPr sz="900" b="1">
+                <a:solidFill>
+                  <a:schemeClr val="tx1"/>
+                </a:solidFill>
+                <a:latin typeface="Times New Roman" pitchFamily="18" charset="0"/>
+                <a:ea typeface="ＭＳ Ｐ明朝" charset="-128"/>
+              </a:defRPr>
+            </a:lvl4pPr>
+            <a:lvl5pPr marL="2057400" indent="-228600" eaLnBrk="0" hangingPunct="0">
+              <a:defRPr sz="900" b="1">
+                <a:solidFill>
+                  <a:schemeClr val="tx1"/>
+                </a:solidFill>
+                <a:latin typeface="Times New Roman" pitchFamily="18" charset="0"/>
+                <a:ea typeface="ＭＳ Ｐ明朝" charset="-128"/>
+              </a:defRPr>
+            </a:lvl5pPr>
+            <a:lvl6pPr marL="2514600" indent="-228600" algn="ctr" eaLnBrk="0" fontAlgn="base" hangingPunct="0">
+              <a:spcBef>
+                <a:spcPct val="0"/>
+              </a:spcBef>
+              <a:spcAft>
+                <a:spcPct val="0"/>
+              </a:spcAft>
+              <a:defRPr sz="900" b="1">
+                <a:solidFill>
+                  <a:schemeClr val="tx1"/>
+                </a:solidFill>
+                <a:latin typeface="Times New Roman" pitchFamily="18" charset="0"/>
+                <a:ea typeface="ＭＳ Ｐ明朝" charset="-128"/>
+              </a:defRPr>
+            </a:lvl6pPr>
+            <a:lvl7pPr marL="2971800" indent="-228600" algn="ctr" eaLnBrk="0" fontAlgn="base" hangingPunct="0">
+              <a:spcBef>
+                <a:spcPct val="0"/>
+              </a:spcBef>
+              <a:spcAft>
+                <a:spcPct val="0"/>
+              </a:spcAft>
+              <a:defRPr sz="900" b="1">
+                <a:solidFill>
+                  <a:schemeClr val="tx1"/>
+                </a:solidFill>
+                <a:latin typeface="Times New Roman" pitchFamily="18" charset="0"/>
+                <a:ea typeface="ＭＳ Ｐ明朝" charset="-128"/>
+              </a:defRPr>
+            </a:lvl7pPr>
+            <a:lvl8pPr marL="3429000" indent="-228600" algn="ctr" eaLnBrk="0" fontAlgn="base" hangingPunct="0">
+              <a:spcBef>
+                <a:spcPct val="0"/>
+              </a:spcBef>
+              <a:spcAft>
+                <a:spcPct val="0"/>
+              </a:spcAft>
+              <a:defRPr sz="900" b="1">
+                <a:solidFill>
+                  <a:schemeClr val="tx1"/>
+                </a:solidFill>
+                <a:latin typeface="Times New Roman" pitchFamily="18" charset="0"/>
+                <a:ea typeface="ＭＳ Ｐ明朝" charset="-128"/>
+              </a:defRPr>
+            </a:lvl8pPr>
+            <a:lvl9pPr marL="3886200" indent="-228600" algn="ctr" eaLnBrk="0" fontAlgn="base" hangingPunct="0">
+              <a:spcBef>
+                <a:spcPct val="0"/>
+              </a:spcBef>
+              <a:spcAft>
+                <a:spcPct val="0"/>
+              </a:spcAft>
+              <a:defRPr sz="900" b="1">
+                <a:solidFill>
+                  <a:schemeClr val="tx1"/>
+                </a:solidFill>
+                <a:latin typeface="Times New Roman" pitchFamily="18" charset="0"/>
+                <a:ea typeface="ＭＳ Ｐ明朝" charset="-128"/>
+              </a:defRPr>
+            </a:lvl9pPr>
+          </a:lstStyle>
+          <a:p>
+            <a:pPr algn="ctr" eaLnBrk="1" hangingPunct="1"/>
+            <a:r>
+              <a:rPr kumimoji="1" lang="ja-JP" altLang="en-US" sz="1000" dirty="0">
+                <a:latin typeface="Arial" charset="0"/>
+                <a:ea typeface="ＭＳ Ｐゴシック" charset="-128"/>
+              </a:rPr>
+              <a:t>ジョブ</a:t>
+            </a:r>
+            <a:r>
+              <a:rPr kumimoji="1" lang="ja-JP" altLang="en-US" sz="1000" dirty="0" smtClean="0">
+                <a:latin typeface="Arial" charset="0"/>
+                <a:ea typeface="ＭＳ Ｐゴシック" charset="-128"/>
+              </a:rPr>
+              <a:t>管理</a:t>
+            </a:r>
+            <a:endParaRPr kumimoji="1" lang="en-US" altLang="ja-JP" sz="1000" dirty="0" smtClean="0">
+              <a:latin typeface="Arial" charset="0"/>
+              <a:ea typeface="ＭＳ Ｐゴシック" charset="-128"/>
+            </a:endParaRPr>
+          </a:p>
+          <a:p>
+            <a:pPr algn="ctr" eaLnBrk="1" hangingPunct="1"/>
+            <a:r>
+              <a:rPr lang="ja-JP" altLang="en-US" sz="1000" dirty="0" smtClean="0">
+                <a:latin typeface="Arial" charset="0"/>
+                <a:ea typeface="ＭＳ Ｐゴシック" charset="-128"/>
+              </a:rPr>
+              <a:t>テーブル</a:t>
+            </a:r>
+            <a:r>
+              <a:rPr kumimoji="1" lang="ja-JP" altLang="en-US" sz="1000" dirty="0" smtClean="0">
+                <a:latin typeface="Arial" charset="0"/>
+                <a:ea typeface="ＭＳ Ｐゴシック" charset="-128"/>
+              </a:rPr>
+              <a:t> </a:t>
+            </a:r>
+            <a:endParaRPr kumimoji="1" lang="ja-JP" altLang="en-US" sz="1000" dirty="0">
+              <a:latin typeface="Arial" charset="0"/>
+              <a:ea typeface="ＭＳ Ｐゴシック" charset="-128"/>
+            </a:endParaRPr>
+          </a:p>
+        </p:txBody>
+      </p:sp>
+      <p:sp>
+        <p:nvSpPr>
+          <p:cNvPr id="19464" name="Rectangle 9"/>
+          <p:cNvSpPr>
+            <a:spLocks noChangeArrowheads="1"/>
+          </p:cNvSpPr>
+          <p:nvPr/>
+        </p:nvSpPr>
+        <p:spPr bwMode="gray">
+          <a:xfrm>
+            <a:off x="440469" y="1409744"/>
+            <a:ext cx="1798638" cy="380480"/>
           </a:xfrm>
           <a:prstGeom prst="rect">
             <a:avLst/>
@@ -13785,18 +14230,50 @@
           <a:p>
             <a:pPr eaLnBrk="1" hangingPunct="1"/>
             <a:r>
-              <a:rPr kumimoji="1" lang="ja-JP" altLang="en-US" sz="1000">
+              <a:rPr kumimoji="1" lang="ja-JP" altLang="en-US" sz="1000" dirty="0" smtClean="0">
                 <a:latin typeface="Arial" charset="0"/>
                 <a:ea typeface="ＭＳ Ｐゴシック" charset="-128"/>
               </a:rPr>
-              <a:t>ジョブ管理情報 </a:t>
-            </a:r>
+              <a:t>①</a:t>
+            </a:r>
+            <a:r>
+              <a:rPr lang="en-US" altLang="ja-JP" sz="1000" dirty="0" smtClean="0">
+                <a:latin typeface="Arial" charset="0"/>
+                <a:ea typeface="ＭＳ Ｐゴシック" charset="-128"/>
+              </a:rPr>
+              <a:t>AsyncBatchExecuto</a:t>
+            </a:r>
+            <a:r>
+              <a:rPr lang="en-US" altLang="ja-JP" sz="1000" dirty="0">
+                <a:latin typeface="Arial" charset="0"/>
+                <a:ea typeface="ＭＳ Ｐゴシック" charset="-128"/>
+              </a:rPr>
+              <a:t>r</a:t>
+            </a:r>
+            <a:r>
+              <a:rPr kumimoji="1" lang="ja-JP" altLang="en-US" sz="1000" dirty="0" smtClean="0">
+                <a:latin typeface="Arial" charset="0"/>
+                <a:ea typeface="ＭＳ Ｐゴシック" charset="-128"/>
+              </a:rPr>
+              <a:t>を</a:t>
+            </a:r>
+            <a:r>
+              <a:rPr kumimoji="1" lang="ja-JP" altLang="en-US" sz="1000" dirty="0" smtClean="0">
+                <a:latin typeface="Arial" charset="0"/>
+                <a:ea typeface="ＭＳ Ｐゴシック" charset="-128"/>
+              </a:rPr>
+              <a:t>実行する</a:t>
+            </a:r>
+            <a:endParaRPr kumimoji="1" lang="ja-JP" altLang="en-US" sz="1000" dirty="0">
+              <a:latin typeface="Arial" charset="0"/>
+              <a:ea typeface="ＭＳ Ｐゴシック" charset="-128"/>
+            </a:endParaRPr>
           </a:p>
         </p:txBody>
       </p:sp>
       <p:sp>
         <p:nvSpPr>
-          <p:cNvPr id="19464" name="Rectangle 9"/>
+          <p:cNvPr id="19465" name="Rectangle 11"/>
           <p:cNvSpPr>
             <a:spLocks noChangeArrowheads="1"/>
           </p:cNvSpPr>
@@ -13804,8 +14281,8 @@
         </p:nvSpPr>
         <p:spPr bwMode="gray">
           <a:xfrm>
-            <a:off x="358775" y="2263775"/>
-            <a:ext cx="1798638" cy="225425"/>
+            <a:off x="5376801" y="2115697"/>
+            <a:ext cx="1655762" cy="377825"/>
           </a:xfrm>
           <a:prstGeom prst="rect">
             <a:avLst/>
@@ -13959,186 +14436,23 @@
           <a:p>
             <a:pPr eaLnBrk="1" hangingPunct="1"/>
             <a:r>
-              <a:rPr kumimoji="1" lang="ja-JP" altLang="en-US" sz="1000">
+              <a:rPr kumimoji="1" lang="ja-JP" altLang="en-US" sz="1000" dirty="0">
                 <a:latin typeface="Arial" charset="0"/>
                 <a:ea typeface="ＭＳ Ｐゴシック" charset="-128"/>
               </a:rPr>
-              <a:t>①バッチエグゼキュータを実行</a:t>
-            </a:r>
-          </a:p>
-        </p:txBody>
-      </p:sp>
-      <p:sp>
-        <p:nvSpPr>
-          <p:cNvPr id="19465" name="Rectangle 11"/>
-          <p:cNvSpPr>
-            <a:spLocks noChangeArrowheads="1"/>
-          </p:cNvSpPr>
-          <p:nvPr/>
-        </p:nvSpPr>
-        <p:spPr bwMode="gray">
-          <a:xfrm>
-            <a:off x="2693988" y="1601788"/>
-            <a:ext cx="1655762" cy="377825"/>
-          </a:xfrm>
-          <a:prstGeom prst="rect">
-            <a:avLst/>
-          </a:prstGeom>
-          <a:noFill/>
-          <a:ln>
-            <a:noFill/>
-          </a:ln>
-          <a:effectLst/>
-          <a:extLst>
-            <a:ext uri="{909E8E84-426E-40DD-AFC4-6F175D3DCCD1}">
-              <a14:hiddenFill xmlns:a14="http://schemas.microsoft.com/office/drawing/2010/main">
-                <a:solidFill>
-                  <a:srgbClr val="3366CC"/>
-                </a:solidFill>
-              </a14:hiddenFill>
-            </a:ext>
-            <a:ext uri="{91240B29-F687-4F45-9708-019B960494DF}">
-              <a14:hiddenLine xmlns:a14="http://schemas.microsoft.com/office/drawing/2010/main" w="28575" algn="ctr">
-                <a:solidFill>
-                  <a:srgbClr val="3366CC"/>
-                </a:solidFill>
-                <a:prstDash val="sysDot"/>
-                <a:miter lim="800000"/>
-                <a:headEnd/>
-                <a:tailEnd/>
-              </a14:hiddenLine>
-            </a:ext>
-            <a:ext uri="{AF507438-7753-43E0-B8FC-AC1667EBCBE1}">
-              <a14:hiddenEffects xmlns:a14="http://schemas.microsoft.com/office/drawing/2010/main">
-                <a:effectLst>
-                  <a:outerShdw dist="35921" dir="2700000" algn="ctr" rotWithShape="0">
-                    <a:schemeClr val="bg2"/>
-                  </a:outerShdw>
-                </a:effectLst>
-              </a14:hiddenEffects>
-            </a:ext>
-          </a:extLst>
-        </p:spPr>
-        <p:txBody>
-          <a:bodyPr lIns="36000" tIns="36000" rIns="36000" bIns="36000" anchor="ctr">
-            <a:spAutoFit/>
-          </a:bodyPr>
-          <a:lstStyle>
-            <a:lvl1pPr eaLnBrk="0" hangingPunct="0">
-              <a:defRPr sz="900" b="1">
-                <a:solidFill>
-                  <a:schemeClr val="tx1"/>
-                </a:solidFill>
-                <a:latin typeface="Times New Roman" pitchFamily="18" charset="0"/>
-                <a:ea typeface="ＭＳ Ｐ明朝" charset="-128"/>
-              </a:defRPr>
-            </a:lvl1pPr>
-            <a:lvl2pPr marL="742950" indent="-285750" eaLnBrk="0" hangingPunct="0">
-              <a:defRPr sz="900" b="1">
-                <a:solidFill>
-                  <a:schemeClr val="tx1"/>
-                </a:solidFill>
-                <a:latin typeface="Times New Roman" pitchFamily="18" charset="0"/>
-                <a:ea typeface="ＭＳ Ｐ明朝" charset="-128"/>
-              </a:defRPr>
-            </a:lvl2pPr>
-            <a:lvl3pPr marL="1143000" indent="-228600" eaLnBrk="0" hangingPunct="0">
-              <a:defRPr sz="900" b="1">
-                <a:solidFill>
-                  <a:schemeClr val="tx1"/>
-                </a:solidFill>
-                <a:latin typeface="Times New Roman" pitchFamily="18" charset="0"/>
-                <a:ea typeface="ＭＳ Ｐ明朝" charset="-128"/>
-              </a:defRPr>
-            </a:lvl3pPr>
-            <a:lvl4pPr marL="1600200" indent="-228600" eaLnBrk="0" hangingPunct="0">
-              <a:defRPr sz="900" b="1">
-                <a:solidFill>
-                  <a:schemeClr val="tx1"/>
-                </a:solidFill>
-                <a:latin typeface="Times New Roman" pitchFamily="18" charset="0"/>
-                <a:ea typeface="ＭＳ Ｐ明朝" charset="-128"/>
-              </a:defRPr>
-            </a:lvl4pPr>
-            <a:lvl5pPr marL="2057400" indent="-228600" eaLnBrk="0" hangingPunct="0">
-              <a:defRPr sz="900" b="1">
-                <a:solidFill>
-                  <a:schemeClr val="tx1"/>
-                </a:solidFill>
-                <a:latin typeface="Times New Roman" pitchFamily="18" charset="0"/>
-                <a:ea typeface="ＭＳ Ｐ明朝" charset="-128"/>
-              </a:defRPr>
-            </a:lvl5pPr>
-            <a:lvl6pPr marL="2514600" indent="-228600" algn="ctr" eaLnBrk="0" fontAlgn="base" hangingPunct="0">
-              <a:spcBef>
-                <a:spcPct val="0"/>
-              </a:spcBef>
-              <a:spcAft>
-                <a:spcPct val="0"/>
-              </a:spcAft>
-              <a:defRPr sz="900" b="1">
-                <a:solidFill>
-                  <a:schemeClr val="tx1"/>
-                </a:solidFill>
-                <a:latin typeface="Times New Roman" pitchFamily="18" charset="0"/>
-                <a:ea typeface="ＭＳ Ｐ明朝" charset="-128"/>
-              </a:defRPr>
-            </a:lvl6pPr>
-            <a:lvl7pPr marL="2971800" indent="-228600" algn="ctr" eaLnBrk="0" fontAlgn="base" hangingPunct="0">
-              <a:spcBef>
-                <a:spcPct val="0"/>
-              </a:spcBef>
-              <a:spcAft>
-                <a:spcPct val="0"/>
-              </a:spcAft>
-              <a:defRPr sz="900" b="1">
-                <a:solidFill>
-                  <a:schemeClr val="tx1"/>
-                </a:solidFill>
-                <a:latin typeface="Times New Roman" pitchFamily="18" charset="0"/>
-                <a:ea typeface="ＭＳ Ｐ明朝" charset="-128"/>
-              </a:defRPr>
-            </a:lvl7pPr>
-            <a:lvl8pPr marL="3429000" indent="-228600" algn="ctr" eaLnBrk="0" fontAlgn="base" hangingPunct="0">
-              <a:spcBef>
-                <a:spcPct val="0"/>
-              </a:spcBef>
-              <a:spcAft>
-                <a:spcPct val="0"/>
-              </a:spcAft>
-              <a:defRPr sz="900" b="1">
-                <a:solidFill>
-                  <a:schemeClr val="tx1"/>
-                </a:solidFill>
-                <a:latin typeface="Times New Roman" pitchFamily="18" charset="0"/>
-                <a:ea typeface="ＭＳ Ｐ明朝" charset="-128"/>
-              </a:defRPr>
-            </a:lvl8pPr>
-            <a:lvl9pPr marL="3886200" indent="-228600" algn="ctr" eaLnBrk="0" fontAlgn="base" hangingPunct="0">
-              <a:spcBef>
-                <a:spcPct val="0"/>
-              </a:spcBef>
-              <a:spcAft>
-                <a:spcPct val="0"/>
-              </a:spcAft>
-              <a:defRPr sz="900" b="1">
-                <a:solidFill>
-                  <a:schemeClr val="tx1"/>
-                </a:solidFill>
-                <a:latin typeface="Times New Roman" pitchFamily="18" charset="0"/>
-                <a:ea typeface="ＭＳ Ｐ明朝" charset="-128"/>
-              </a:defRPr>
-            </a:lvl9pPr>
-          </a:lstStyle>
-          <a:p>
-            <a:pPr eaLnBrk="1" hangingPunct="1"/>
-            <a:r>
-              <a:rPr kumimoji="1" lang="ja-JP" altLang="en-US" sz="1000">
+              <a:t>②処理対象のジョブレコードを一件ずつ</a:t>
+            </a:r>
+            <a:r>
+              <a:rPr kumimoji="1" lang="ja-JP" altLang="en-US" sz="1000" dirty="0" smtClean="0">
                 <a:latin typeface="Arial" charset="0"/>
                 <a:ea typeface="ＭＳ Ｐゴシック" charset="-128"/>
               </a:rPr>
-              <a:t>②処理対象のジョブレコードを一件ずつ取得</a:t>
-            </a:r>
+              <a:t>取得する</a:t>
+            </a:r>
+            <a:endParaRPr kumimoji="1" lang="ja-JP" altLang="en-US" sz="1000" dirty="0">
+              <a:latin typeface="Arial" charset="0"/>
+              <a:ea typeface="ＭＳ Ｐゴシック" charset="-128"/>
+            </a:endParaRPr>
           </a:p>
         </p:txBody>
       </p:sp>
@@ -14151,8 +14465,8 @@
           <p:nvPr/>
         </p:nvSpPr>
         <p:spPr bwMode="auto">
-          <a:xfrm rot="-5400000">
-            <a:off x="5402263" y="4327525"/>
+          <a:xfrm rot="16200000">
+            <a:off x="5402263" y="4471541"/>
             <a:ext cx="504825" cy="1222375"/>
           </a:xfrm>
           <a:prstGeom prst="downArrow">
@@ -14291,13 +14605,10 @@
           </a:lstStyle>
           <a:p>
             <a:pPr eaLnBrk="1" hangingPunct="1"/>
-            <a:r>
-              <a:rPr kumimoji="1" lang="ja-JP" altLang="en-US" sz="1000">
-                <a:latin typeface="Arial" charset="0"/>
-                <a:ea typeface="ＭＳ Ｐゴシック" charset="-128"/>
-              </a:rPr>
-              <a:t>実行</a:t>
-            </a:r>
+            <a:endParaRPr kumimoji="1" lang="ja-JP" altLang="en-US" sz="1000" dirty="0">
+              <a:latin typeface="Arial" charset="0"/>
+              <a:ea typeface="ＭＳ Ｐゴシック" charset="-128"/>
+            </a:endParaRPr>
           </a:p>
         </p:txBody>
       </p:sp>
@@ -14311,7 +14622,7 @@
         </p:nvSpPr>
         <p:spPr bwMode="auto">
           <a:xfrm>
-            <a:off x="6411913" y="4757738"/>
+            <a:off x="6411913" y="4901754"/>
             <a:ext cx="1728787" cy="649287"/>
           </a:xfrm>
           <a:prstGeom prst="roundRect">
@@ -14449,13 +14760,10 @@
           </a:lstStyle>
           <a:p>
             <a:pPr eaLnBrk="1" hangingPunct="1"/>
-            <a:r>
-              <a:rPr kumimoji="1" lang="ja-JP" altLang="en-US" sz="1000">
-                <a:latin typeface="Arial" charset="0"/>
-                <a:ea typeface="ＭＳ Ｐゴシック" charset="-128"/>
-              </a:rPr>
-              <a:t>ビジネスロジック実装クラス</a:t>
-            </a:r>
+            <a:endParaRPr kumimoji="1" lang="ja-JP" altLang="en-US" sz="1000" dirty="0">
+              <a:latin typeface="Arial" charset="0"/>
+              <a:ea typeface="ＭＳ Ｐゴシック" charset="-128"/>
+            </a:endParaRPr>
           </a:p>
         </p:txBody>
       </p:sp>
@@ -14469,7 +14777,7 @@
         </p:nvSpPr>
         <p:spPr bwMode="gray">
           <a:xfrm>
-            <a:off x="5002213" y="4319588"/>
+            <a:off x="5002213" y="4463604"/>
             <a:ext cx="2089150" cy="377825"/>
           </a:xfrm>
           <a:prstGeom prst="rect">
@@ -14624,7 +14932,7 @@
           <a:p>
             <a:pPr eaLnBrk="1" hangingPunct="1"/>
             <a:r>
-              <a:rPr kumimoji="1" lang="ja-JP" altLang="en-US" sz="1000">
+              <a:rPr kumimoji="1" lang="ja-JP" altLang="en-US" sz="1000" dirty="0">
                 <a:latin typeface="Arial" charset="0"/>
                 <a:ea typeface="ＭＳ Ｐゴシック" charset="-128"/>
               </a:rPr>
@@ -14634,7 +14942,7 @@
           <a:p>
             <a:pPr eaLnBrk="1" hangingPunct="1"/>
             <a:r>
-              <a:rPr kumimoji="1" lang="ja-JP" altLang="en-US" sz="1000">
+              <a:rPr kumimoji="1" lang="ja-JP" altLang="en-US" sz="1000" dirty="0">
                 <a:latin typeface="Arial" charset="0"/>
                 <a:ea typeface="ＭＳ Ｐゴシック" charset="-128"/>
               </a:rPr>
@@ -14653,8 +14961,8 @@
         </p:nvSpPr>
         <p:spPr bwMode="gray">
           <a:xfrm>
-            <a:off x="4965700" y="3317875"/>
-            <a:ext cx="1979613" cy="377825"/>
+            <a:off x="4965700" y="3501814"/>
+            <a:ext cx="1979613" cy="534368"/>
           </a:xfrm>
           <a:prstGeom prst="rect">
             <a:avLst/>
@@ -14808,14 +15116,14 @@
           <a:p>
             <a:pPr algn="l" eaLnBrk="1" hangingPunct="1"/>
             <a:r>
-              <a:rPr kumimoji="1" lang="en-US" altLang="ja-JP" sz="1000">
+              <a:rPr kumimoji="1" lang="en-US" altLang="ja-JP" sz="1000" dirty="0">
                 <a:latin typeface="Arial" charset="0"/>
                 <a:ea typeface="ＭＳ Ｐゴシック" charset="-128"/>
               </a:rPr>
               <a:t>⑧</a:t>
             </a:r>
             <a:r>
-              <a:rPr kumimoji="1" lang="ja-JP" altLang="en-US" sz="1000">
+              <a:rPr kumimoji="1" lang="ja-JP" altLang="en-US" sz="1000" dirty="0">
                 <a:latin typeface="Arial" charset="0"/>
                 <a:ea typeface="ＭＳ Ｐゴシック" charset="-128"/>
               </a:rPr>
@@ -14825,40 +15133,51 @@
           <a:p>
             <a:pPr algn="l" eaLnBrk="1" hangingPunct="1"/>
             <a:r>
-              <a:rPr kumimoji="1" lang="ja-JP" altLang="en-US" sz="1000">
+              <a:rPr kumimoji="1" lang="ja-JP" altLang="en-US" sz="1000" dirty="0">
                 <a:latin typeface="Arial" charset="0"/>
                 <a:ea typeface="ＭＳ Ｐゴシック" charset="-128"/>
               </a:rPr>
               <a:t>ジョブステータスを</a:t>
             </a:r>
             <a:r>
-              <a:rPr kumimoji="1" lang="en-US" altLang="ja-JP" sz="1000">
+              <a:rPr kumimoji="1" lang="en-US" altLang="ja-JP" sz="1000" dirty="0">
                 <a:latin typeface="Arial" charset="0"/>
                 <a:ea typeface="ＭＳ Ｐゴシック" charset="-128"/>
               </a:rPr>
               <a:t>『</a:t>
             </a:r>
             <a:r>
-              <a:rPr kumimoji="1" lang="ja-JP" altLang="en-US" sz="1000">
+              <a:rPr kumimoji="1" lang="ja-JP" altLang="en-US" sz="1000" dirty="0">
                 <a:latin typeface="Arial" charset="0"/>
                 <a:ea typeface="ＭＳ Ｐゴシック" charset="-128"/>
               </a:rPr>
               <a:t>処理済</a:t>
             </a:r>
             <a:r>
-              <a:rPr kumimoji="1" lang="en-US" altLang="ja-JP" sz="1000">
+              <a:rPr kumimoji="1" lang="en-US" altLang="ja-JP" sz="1000" dirty="0">
                 <a:latin typeface="Arial" charset="0"/>
                 <a:ea typeface="ＭＳ Ｐゴシック" charset="-128"/>
               </a:rPr>
               <a:t>』</a:t>
             </a:r>
             <a:r>
-              <a:rPr kumimoji="1" lang="ja-JP" altLang="en-US" sz="1000">
+              <a:rPr kumimoji="1" lang="ja-JP" altLang="en-US" sz="1000" dirty="0">
                 <a:latin typeface="Arial" charset="0"/>
                 <a:ea typeface="ＭＳ Ｐゴシック" charset="-128"/>
               </a:rPr>
-              <a:t>に更新</a:t>
-            </a:r>
+              <a:t>に</a:t>
+            </a:r>
+            <a:r>
+              <a:rPr kumimoji="1" lang="ja-JP" altLang="en-US" sz="1000" dirty="0" smtClean="0">
+                <a:latin typeface="Arial" charset="0"/>
+                <a:ea typeface="ＭＳ Ｐゴシック" charset="-128"/>
+              </a:rPr>
+              <a:t>更新する</a:t>
+            </a:r>
+            <a:endParaRPr kumimoji="1" lang="ja-JP" altLang="en-US" sz="1000" dirty="0">
+              <a:latin typeface="Arial" charset="0"/>
+              <a:ea typeface="ＭＳ Ｐゴシック" charset="-128"/>
+            </a:endParaRPr>
           </a:p>
         </p:txBody>
       </p:sp>
@@ -14872,7 +15191,7 @@
         </p:nvSpPr>
         <p:spPr bwMode="auto">
           <a:xfrm>
-            <a:off x="5045075" y="5118100"/>
+            <a:off x="5045075" y="5262116"/>
             <a:ext cx="1152525" cy="431800"/>
           </a:xfrm>
           <a:prstGeom prst="leftArrow">
@@ -15012,7 +15331,7 @@
           <a:p>
             <a:pPr eaLnBrk="1" hangingPunct="1"/>
             <a:r>
-              <a:rPr kumimoji="1" lang="ja-JP" altLang="en-US" sz="1000">
+              <a:rPr kumimoji="1" lang="ja-JP" altLang="en-US" sz="1000" dirty="0">
                 <a:latin typeface="Arial" charset="0"/>
                 <a:ea typeface="ＭＳ Ｐゴシック" charset="-128"/>
               </a:rPr>
@@ -15031,7 +15350,7 @@
         </p:nvSpPr>
         <p:spPr bwMode="auto">
           <a:xfrm>
-            <a:off x="401638" y="4764088"/>
+            <a:off x="401638" y="4908104"/>
             <a:ext cx="1370012" cy="606425"/>
           </a:xfrm>
           <a:prstGeom prst="rect">
@@ -15167,24 +15486,7 @@
           </a:lstStyle>
           <a:p>
             <a:pPr eaLnBrk="1" hangingPunct="1"/>
-            <a:r>
-              <a:rPr kumimoji="1" lang="en-US" altLang="ja-JP" sz="1000">
-                <a:latin typeface="Arial" charset="0"/>
-                <a:ea typeface="ＭＳ Ｐゴシック" charset="-128"/>
-              </a:rPr>
-              <a:t>Bean</a:t>
-            </a:r>
-            <a:r>
-              <a:rPr kumimoji="1" lang="ja-JP" altLang="en-US" sz="1000">
-                <a:latin typeface="Arial" charset="0"/>
-                <a:ea typeface="ＭＳ Ｐゴシック" charset="-128"/>
-              </a:rPr>
-              <a:t>定義ファイル</a:t>
-            </a:r>
-          </a:p>
-          <a:p>
-            <a:pPr eaLnBrk="1" hangingPunct="1"/>
-            <a:endParaRPr kumimoji="1" lang="ja-JP" altLang="en-US" sz="1000">
+            <a:endParaRPr kumimoji="1" lang="ja-JP" altLang="en-US" sz="1000" dirty="0">
               <a:latin typeface="Arial" charset="0"/>
               <a:ea typeface="ＭＳ Ｐゴシック" charset="-128"/>
             </a:endParaRPr>
@@ -15244,7 +15546,7 @@
               <a:buSzPct val="80000"/>
               <a:buFont typeface="Wingdings" pitchFamily="2" charset="2"/>
               <a:buBlip>
-                <a:blip r:embed="rId5"/>
+                <a:blip r:embed="rId6"/>
               </a:buBlip>
               <a:defRPr kumimoji="1" sz="3200">
                 <a:solidFill>
@@ -15414,7 +15716,7 @@
               <a:buNone/>
             </a:pPr>
             <a:r>
-              <a:rPr kumimoji="0" lang="en-US" altLang="ja-JP" sz="1000" i="1"/>
+              <a:rPr kumimoji="0" lang="en-US" altLang="ja-JP" sz="1000" i="1" dirty="0"/>
               <a:t>Copyright (c) 2011 NTT DATA Corporation.</a:t>
             </a:r>
           </a:p>
@@ -15430,7 +15732,7 @@
         </p:nvSpPr>
         <p:spPr bwMode="auto">
           <a:xfrm>
-            <a:off x="4048125" y="6400800"/>
+            <a:off x="3935660" y="6400800"/>
             <a:ext cx="741363" cy="304800"/>
           </a:xfrm>
           <a:prstGeom prst="rect">
@@ -15454,7 +15756,7 @@
               <a:defRPr/>
             </a:pPr>
             <a:r>
-              <a:rPr lang="en-US" altLang="ja-JP" sz="1200" b="0">
+              <a:rPr lang="en-US" altLang="ja-JP" sz="1200" b="0" dirty="0">
                 <a:latin typeface="+mn-lt"/>
                 <a:ea typeface="+mn-ea"/>
               </a:rPr>
@@ -15474,7 +15776,7 @@
               <a:t>3</a:t>
             </a:fld>
             <a:r>
-              <a:rPr lang="en-US" altLang="ja-JP" sz="1200" b="0">
+              <a:rPr lang="en-US" altLang="ja-JP" sz="1200" b="0" dirty="0">
                 <a:latin typeface="+mn-lt"/>
                 <a:ea typeface="+mn-ea"/>
               </a:rPr>
@@ -15493,7 +15795,7 @@
         </p:nvSpPr>
         <p:spPr bwMode="auto">
           <a:xfrm>
-            <a:off x="550863" y="1027113"/>
+            <a:off x="550863" y="548680"/>
             <a:ext cx="3287712" cy="365125"/>
           </a:xfrm>
           <a:prstGeom prst="roundRect">
@@ -15637,14 +15939,14 @@
           <a:p>
             <a:pPr eaLnBrk="1" hangingPunct="1"/>
             <a:r>
-              <a:rPr kumimoji="1" lang="en-US" altLang="ja-JP" sz="1600">
+              <a:rPr kumimoji="1" lang="en-US" altLang="ja-JP" sz="1600" dirty="0">
                 <a:latin typeface="Arial" charset="0"/>
                 <a:ea typeface="ＭＳ Ｐゴシック" charset="-128"/>
               </a:rPr>
               <a:t>AsyncBatchExecutor</a:t>
             </a:r>
             <a:r>
-              <a:rPr kumimoji="1" lang="ja-JP" altLang="en-US" sz="1600">
+              <a:rPr kumimoji="1" lang="ja-JP" altLang="en-US" sz="1600" dirty="0">
                 <a:latin typeface="Arial" charset="0"/>
                 <a:ea typeface="ＭＳ Ｐゴシック" charset="-128"/>
               </a:rPr>
@@ -15663,8 +15965,8 @@
         </p:nvSpPr>
         <p:spPr bwMode="auto">
           <a:xfrm>
-            <a:off x="1990725" y="4881563"/>
-            <a:ext cx="1509713" cy="439737"/>
+            <a:off x="1999560" y="5000627"/>
+            <a:ext cx="1387683" cy="439737"/>
           </a:xfrm>
           <a:prstGeom prst="curvedRightArrow">
             <a:avLst>
@@ -15808,7 +16110,7 @@
           </a:lstStyle>
           <a:p>
             <a:pPr eaLnBrk="1" hangingPunct="1"/>
-            <a:endParaRPr lang="ja-JP" altLang="en-US"/>
+            <a:endParaRPr lang="ja-JP" altLang="en-US" dirty="0"/>
           </a:p>
         </p:txBody>
       </p:sp>
@@ -15822,7 +16124,7 @@
         </p:nvSpPr>
         <p:spPr bwMode="auto">
           <a:xfrm>
-            <a:off x="2446338" y="4946650"/>
+            <a:off x="2446338" y="5090666"/>
             <a:ext cx="688975" cy="244475"/>
           </a:xfrm>
           <a:prstGeom prst="rect">
@@ -15987,7 +16289,7 @@
           <a:p>
             <a:pPr algn="r" eaLnBrk="1" hangingPunct="1"/>
             <a:r>
-              <a:rPr kumimoji="1" lang="ja-JP" altLang="en-US" sz="1000">
+              <a:rPr kumimoji="1" lang="ja-JP" altLang="en-US" sz="1000" dirty="0">
                 <a:ea typeface="ＭＳ Ｐゴシック" charset="-128"/>
               </a:rPr>
               <a:t>読み込み</a:t>
@@ -16005,7 +16307,7 @@
         </p:nvSpPr>
         <p:spPr bwMode="gray">
           <a:xfrm>
-            <a:off x="1579563" y="4464050"/>
+            <a:off x="1579563" y="4608066"/>
             <a:ext cx="2163762" cy="377825"/>
           </a:xfrm>
           <a:prstGeom prst="rect">
@@ -16160,30 +16462,51 @@
           <a:p>
             <a:pPr eaLnBrk="1" hangingPunct="1"/>
             <a:r>
-              <a:rPr kumimoji="1" lang="ja-JP" altLang="en-US" sz="1000">
+              <a:rPr lang="ja-JP" altLang="en-US" sz="1000" dirty="0">
                 <a:latin typeface="Arial" charset="0"/>
                 <a:ea typeface="ＭＳ Ｐゴシック" charset="-128"/>
               </a:rPr>
-              <a:t>⑤ジョブ業務コードに対応する</a:t>
+              <a:t>⑤</a:t>
+            </a:r>
+            <a:r>
+              <a:rPr kumimoji="1" lang="ja-JP" altLang="en-US" sz="1000" dirty="0" smtClean="0">
+                <a:latin typeface="Arial" charset="0"/>
+                <a:ea typeface="ＭＳ Ｐゴシック" charset="-128"/>
+              </a:rPr>
+              <a:t>ジョブ</a:t>
+            </a:r>
+            <a:r>
+              <a:rPr kumimoji="1" lang="ja-JP" altLang="en-US" sz="1000" dirty="0">
+                <a:latin typeface="Arial" charset="0"/>
+                <a:ea typeface="ＭＳ Ｐゴシック" charset="-128"/>
+              </a:rPr>
+              <a:t>業務コードに対応する</a:t>
             </a:r>
           </a:p>
           <a:p>
             <a:pPr eaLnBrk="1" hangingPunct="1"/>
             <a:r>
-              <a:rPr kumimoji="1" lang="en-US" altLang="ja-JP" sz="1000">
+              <a:rPr kumimoji="1" lang="en-US" altLang="ja-JP" sz="1000" dirty="0">
                 <a:latin typeface="Arial" charset="0"/>
                 <a:ea typeface="ＭＳ Ｐゴシック" charset="-128"/>
               </a:rPr>
               <a:t>Bean</a:t>
             </a:r>
             <a:r>
-              <a:rPr kumimoji="1" lang="ja-JP" altLang="en-US" sz="1000">
+              <a:rPr kumimoji="1" lang="ja-JP" altLang="en-US" sz="1000" dirty="0">
                 <a:latin typeface="Arial" charset="0"/>
                 <a:ea typeface="ＭＳ Ｐゴシック" charset="-128"/>
               </a:rPr>
-              <a:t>定義ファイルを読み込み</a:t>
-            </a:r>
-            <a:endParaRPr kumimoji="1" lang="en-US" altLang="ja-JP" sz="1000">
+              <a:t>定義ファイルを</a:t>
+            </a:r>
+            <a:r>
+              <a:rPr kumimoji="1" lang="ja-JP" altLang="en-US" sz="1000" dirty="0" smtClean="0">
+                <a:latin typeface="Arial" charset="0"/>
+                <a:ea typeface="ＭＳ Ｐゴシック" charset="-128"/>
+              </a:rPr>
+              <a:t>読み込む</a:t>
+            </a:r>
+            <a:endParaRPr kumimoji="1" lang="en-US" altLang="ja-JP" sz="1000" dirty="0">
               <a:latin typeface="Arial" charset="0"/>
               <a:ea typeface="ＭＳ Ｐゴシック" charset="-128"/>
             </a:endParaRPr>
@@ -16200,8 +16523,8 @@
         </p:nvSpPr>
         <p:spPr bwMode="auto">
           <a:xfrm rot="1628034">
-            <a:off x="3825875" y="1881188"/>
-            <a:ext cx="407988" cy="1387475"/>
+            <a:off x="4035057" y="2070356"/>
+            <a:ext cx="403650" cy="866610"/>
           </a:xfrm>
           <a:prstGeom prst="curvedDownArrow">
             <a:avLst>
@@ -16345,7 +16668,7 @@
           </a:lstStyle>
           <a:p>
             <a:pPr eaLnBrk="1" hangingPunct="1"/>
-            <a:endParaRPr lang="ja-JP" altLang="en-US"/>
+            <a:endParaRPr lang="ja-JP" altLang="en-US" dirty="0"/>
           </a:p>
         </p:txBody>
       </p:sp>
@@ -16359,7 +16682,7 @@
         </p:nvSpPr>
         <p:spPr bwMode="auto">
           <a:xfrm>
-            <a:off x="3663950" y="2303463"/>
+            <a:off x="3849771" y="2729701"/>
             <a:ext cx="688975" cy="244475"/>
           </a:xfrm>
           <a:prstGeom prst="rect">
@@ -16524,7 +16847,7 @@
           <a:p>
             <a:pPr algn="r" eaLnBrk="1" hangingPunct="1"/>
             <a:r>
-              <a:rPr kumimoji="1" lang="ja-JP" altLang="en-US" sz="1000">
+              <a:rPr kumimoji="1" lang="ja-JP" altLang="en-US" sz="1000" dirty="0">
                 <a:ea typeface="ＭＳ Ｐゴシック" charset="-128"/>
               </a:rPr>
               <a:t>読み込み</a:t>
@@ -16542,7 +16865,7 @@
         </p:nvSpPr>
         <p:spPr bwMode="auto">
           <a:xfrm>
-            <a:off x="3549650" y="4770438"/>
+            <a:off x="3437185" y="4914454"/>
             <a:ext cx="1439863" cy="649287"/>
           </a:xfrm>
           <a:prstGeom prst="roundRect">
@@ -16680,352 +17003,10 @@
           </a:lstStyle>
           <a:p>
             <a:pPr eaLnBrk="1" hangingPunct="1"/>
-            <a:r>
-              <a:rPr kumimoji="1" lang="en-US" altLang="ja-JP" sz="1000">
-                <a:latin typeface="Arial" charset="0"/>
-                <a:ea typeface="ＭＳ Ｐゴシック" charset="-128"/>
-              </a:rPr>
-              <a:t>BatchServant</a:t>
-            </a:r>
-          </a:p>
-        </p:txBody>
-      </p:sp>
-      <p:sp>
-        <p:nvSpPr>
-          <p:cNvPr id="19481" name="AutoShape 36"/>
-          <p:cNvSpPr>
-            <a:spLocks noChangeArrowheads="1"/>
-          </p:cNvSpPr>
-          <p:nvPr/>
-        </p:nvSpPr>
-        <p:spPr bwMode="auto">
-          <a:xfrm rot="-2164809">
-            <a:off x="3451225" y="3954463"/>
-            <a:ext cx="720725" cy="804862"/>
-          </a:xfrm>
-          <a:prstGeom prst="downArrow">
-            <a:avLst>
-              <a:gd name="adj1" fmla="val 50000"/>
-              <a:gd name="adj2" fmla="val 27918"/>
-            </a:avLst>
-          </a:prstGeom>
-          <a:solidFill>
-            <a:schemeClr val="bg1"/>
-          </a:solidFill>
-          <a:ln w="12700" algn="ctr">
-            <a:solidFill>
-              <a:schemeClr val="tx1"/>
-            </a:solidFill>
-            <a:miter lim="800000"/>
-            <a:headEnd/>
-            <a:tailEnd/>
-          </a:ln>
-          <a:effectLst>
-            <a:outerShdw dist="107763" dir="2700000" algn="ctr" rotWithShape="0">
-              <a:schemeClr val="bg2">
-                <a:alpha val="50000"/>
-              </a:schemeClr>
-            </a:outerShdw>
-          </a:effectLst>
-        </p:spPr>
-        <p:txBody>
-          <a:bodyPr wrap="none" anchor="ctr"/>
-          <a:lstStyle>
-            <a:lvl1pPr eaLnBrk="0" hangingPunct="0">
-              <a:defRPr sz="900" b="1">
-                <a:solidFill>
-                  <a:schemeClr val="tx1"/>
-                </a:solidFill>
-                <a:latin typeface="Times New Roman" pitchFamily="18" charset="0"/>
-                <a:ea typeface="ＭＳ Ｐ明朝" charset="-128"/>
-              </a:defRPr>
-            </a:lvl1pPr>
-            <a:lvl2pPr marL="742950" indent="-285750" eaLnBrk="0" hangingPunct="0">
-              <a:defRPr sz="900" b="1">
-                <a:solidFill>
-                  <a:schemeClr val="tx1"/>
-                </a:solidFill>
-                <a:latin typeface="Times New Roman" pitchFamily="18" charset="0"/>
-                <a:ea typeface="ＭＳ Ｐ明朝" charset="-128"/>
-              </a:defRPr>
-            </a:lvl2pPr>
-            <a:lvl3pPr marL="1143000" indent="-228600" eaLnBrk="0" hangingPunct="0">
-              <a:defRPr sz="900" b="1">
-                <a:solidFill>
-                  <a:schemeClr val="tx1"/>
-                </a:solidFill>
-                <a:latin typeface="Times New Roman" pitchFamily="18" charset="0"/>
-                <a:ea typeface="ＭＳ Ｐ明朝" charset="-128"/>
-              </a:defRPr>
-            </a:lvl3pPr>
-            <a:lvl4pPr marL="1600200" indent="-228600" eaLnBrk="0" hangingPunct="0">
-              <a:defRPr sz="900" b="1">
-                <a:solidFill>
-                  <a:schemeClr val="tx1"/>
-                </a:solidFill>
-                <a:latin typeface="Times New Roman" pitchFamily="18" charset="0"/>
-                <a:ea typeface="ＭＳ Ｐ明朝" charset="-128"/>
-              </a:defRPr>
-            </a:lvl4pPr>
-            <a:lvl5pPr marL="2057400" indent="-228600" eaLnBrk="0" hangingPunct="0">
-              <a:defRPr sz="900" b="1">
-                <a:solidFill>
-                  <a:schemeClr val="tx1"/>
-                </a:solidFill>
-                <a:latin typeface="Times New Roman" pitchFamily="18" charset="0"/>
-                <a:ea typeface="ＭＳ Ｐ明朝" charset="-128"/>
-              </a:defRPr>
-            </a:lvl5pPr>
-            <a:lvl6pPr marL="2514600" indent="-228600" algn="ctr" eaLnBrk="0" fontAlgn="base" hangingPunct="0">
-              <a:spcBef>
-                <a:spcPct val="0"/>
-              </a:spcBef>
-              <a:spcAft>
-                <a:spcPct val="0"/>
-              </a:spcAft>
-              <a:defRPr sz="900" b="1">
-                <a:solidFill>
-                  <a:schemeClr val="tx1"/>
-                </a:solidFill>
-                <a:latin typeface="Times New Roman" pitchFamily="18" charset="0"/>
-                <a:ea typeface="ＭＳ Ｐ明朝" charset="-128"/>
-              </a:defRPr>
-            </a:lvl6pPr>
-            <a:lvl7pPr marL="2971800" indent="-228600" algn="ctr" eaLnBrk="0" fontAlgn="base" hangingPunct="0">
-              <a:spcBef>
-                <a:spcPct val="0"/>
-              </a:spcBef>
-              <a:spcAft>
-                <a:spcPct val="0"/>
-              </a:spcAft>
-              <a:defRPr sz="900" b="1">
-                <a:solidFill>
-                  <a:schemeClr val="tx1"/>
-                </a:solidFill>
-                <a:latin typeface="Times New Roman" pitchFamily="18" charset="0"/>
-                <a:ea typeface="ＭＳ Ｐ明朝" charset="-128"/>
-              </a:defRPr>
-            </a:lvl7pPr>
-            <a:lvl8pPr marL="3429000" indent="-228600" algn="ctr" eaLnBrk="0" fontAlgn="base" hangingPunct="0">
-              <a:spcBef>
-                <a:spcPct val="0"/>
-              </a:spcBef>
-              <a:spcAft>
-                <a:spcPct val="0"/>
-              </a:spcAft>
-              <a:defRPr sz="900" b="1">
-                <a:solidFill>
-                  <a:schemeClr val="tx1"/>
-                </a:solidFill>
-                <a:latin typeface="Times New Roman" pitchFamily="18" charset="0"/>
-                <a:ea typeface="ＭＳ Ｐ明朝" charset="-128"/>
-              </a:defRPr>
-            </a:lvl8pPr>
-            <a:lvl9pPr marL="3886200" indent="-228600" algn="ctr" eaLnBrk="0" fontAlgn="base" hangingPunct="0">
-              <a:spcBef>
-                <a:spcPct val="0"/>
-              </a:spcBef>
-              <a:spcAft>
-                <a:spcPct val="0"/>
-              </a:spcAft>
-              <a:defRPr sz="900" b="1">
-                <a:solidFill>
-                  <a:schemeClr val="tx1"/>
-                </a:solidFill>
-                <a:latin typeface="Times New Roman" pitchFamily="18" charset="0"/>
-                <a:ea typeface="ＭＳ Ｐ明朝" charset="-128"/>
-              </a:defRPr>
-            </a:lvl9pPr>
-          </a:lstStyle>
-          <a:p>
-            <a:pPr eaLnBrk="1" hangingPunct="1"/>
-            <a:endParaRPr kumimoji="1" lang="ja-JP" altLang="en-US" sz="1000">
+            <a:endParaRPr kumimoji="1" lang="en-US" altLang="ja-JP" sz="1000" dirty="0">
               <a:latin typeface="Arial" charset="0"/>
               <a:ea typeface="ＭＳ Ｐゴシック" charset="-128"/>
             </a:endParaRPr>
-          </a:p>
-        </p:txBody>
-      </p:sp>
-      <p:sp>
-        <p:nvSpPr>
-          <p:cNvPr id="19482" name="Rectangle 37"/>
-          <p:cNvSpPr>
-            <a:spLocks noChangeArrowheads="1"/>
-          </p:cNvSpPr>
-          <p:nvPr/>
-        </p:nvSpPr>
-        <p:spPr bwMode="auto">
-          <a:xfrm>
-            <a:off x="3481388" y="4206875"/>
-            <a:ext cx="688975" cy="244475"/>
-          </a:xfrm>
-          <a:prstGeom prst="rect">
-            <a:avLst/>
-          </a:prstGeom>
-          <a:noFill/>
-          <a:ln>
-            <a:noFill/>
-          </a:ln>
-          <a:effectLst/>
-          <a:extLst>
-            <a:ext uri="{909E8E84-426E-40DD-AFC4-6F175D3DCCD1}">
-              <a14:hiddenFill xmlns:a14="http://schemas.microsoft.com/office/drawing/2010/main">
-                <a:gradFill rotWithShape="1">
-                  <a:gsLst>
-                    <a:gs pos="0">
-                      <a:srgbClr val="000076"/>
-                    </a:gs>
-                    <a:gs pos="50000">
-                      <a:srgbClr val="0000FF"/>
-                    </a:gs>
-                    <a:gs pos="100000">
-                      <a:srgbClr val="000076"/>
-                    </a:gs>
-                  </a:gsLst>
-                  <a:lin ang="5400000" scaled="1"/>
-                </a:gradFill>
-              </a14:hiddenFill>
-            </a:ext>
-            <a:ext uri="{91240B29-F687-4F45-9708-019B960494DF}">
-              <a14:hiddenLine xmlns:a14="http://schemas.microsoft.com/office/drawing/2010/main" w="9525">
-                <a:solidFill>
-                  <a:schemeClr val="tx1"/>
-                </a:solidFill>
-                <a:miter lim="800000"/>
-                <a:headEnd/>
-                <a:tailEnd/>
-              </a14:hiddenLine>
-            </a:ext>
-            <a:ext uri="{AF507438-7753-43E0-B8FC-AC1667EBCBE1}">
-              <a14:hiddenEffects xmlns:a14="http://schemas.microsoft.com/office/drawing/2010/main">
-                <a:effectLst>
-                  <a:outerShdw dist="35921" dir="2700000" algn="ctr" rotWithShape="0">
-                    <a:schemeClr val="bg2"/>
-                  </a:outerShdw>
-                </a:effectLst>
-              </a14:hiddenEffects>
-            </a:ext>
-          </a:extLst>
-        </p:spPr>
-        <p:txBody>
-          <a:bodyPr wrap="none" lIns="90000" tIns="46800" rIns="90000" bIns="46800">
-            <a:spAutoFit/>
-          </a:bodyPr>
-          <a:lstStyle>
-            <a:lvl1pPr eaLnBrk="0" hangingPunct="0">
-              <a:defRPr sz="900" b="1">
-                <a:solidFill>
-                  <a:schemeClr val="tx1"/>
-                </a:solidFill>
-                <a:latin typeface="Times New Roman" pitchFamily="18" charset="0"/>
-                <a:ea typeface="ＭＳ Ｐ明朝" charset="-128"/>
-              </a:defRPr>
-            </a:lvl1pPr>
-            <a:lvl2pPr marL="742950" indent="-285750" eaLnBrk="0" hangingPunct="0">
-              <a:defRPr sz="900" b="1">
-                <a:solidFill>
-                  <a:schemeClr val="tx1"/>
-                </a:solidFill>
-                <a:latin typeface="Times New Roman" pitchFamily="18" charset="0"/>
-                <a:ea typeface="ＭＳ Ｐ明朝" charset="-128"/>
-              </a:defRPr>
-            </a:lvl2pPr>
-            <a:lvl3pPr marL="1143000" indent="-228600" eaLnBrk="0" hangingPunct="0">
-              <a:defRPr sz="900" b="1">
-                <a:solidFill>
-                  <a:schemeClr val="tx1"/>
-                </a:solidFill>
-                <a:latin typeface="Times New Roman" pitchFamily="18" charset="0"/>
-                <a:ea typeface="ＭＳ Ｐ明朝" charset="-128"/>
-              </a:defRPr>
-            </a:lvl3pPr>
-            <a:lvl4pPr marL="1600200" indent="-228600" eaLnBrk="0" hangingPunct="0">
-              <a:defRPr sz="900" b="1">
-                <a:solidFill>
-                  <a:schemeClr val="tx1"/>
-                </a:solidFill>
-                <a:latin typeface="Times New Roman" pitchFamily="18" charset="0"/>
-                <a:ea typeface="ＭＳ Ｐ明朝" charset="-128"/>
-              </a:defRPr>
-            </a:lvl4pPr>
-            <a:lvl5pPr marL="2057400" indent="-228600" eaLnBrk="0" hangingPunct="0">
-              <a:defRPr sz="900" b="1">
-                <a:solidFill>
-                  <a:schemeClr val="tx1"/>
-                </a:solidFill>
-                <a:latin typeface="Times New Roman" pitchFamily="18" charset="0"/>
-                <a:ea typeface="ＭＳ Ｐ明朝" charset="-128"/>
-              </a:defRPr>
-            </a:lvl5pPr>
-            <a:lvl6pPr marL="2514600" indent="-228600" algn="ctr" eaLnBrk="0" fontAlgn="base" hangingPunct="0">
-              <a:spcBef>
-                <a:spcPct val="0"/>
-              </a:spcBef>
-              <a:spcAft>
-                <a:spcPct val="0"/>
-              </a:spcAft>
-              <a:defRPr sz="900" b="1">
-                <a:solidFill>
-                  <a:schemeClr val="tx1"/>
-                </a:solidFill>
-                <a:latin typeface="Times New Roman" pitchFamily="18" charset="0"/>
-                <a:ea typeface="ＭＳ Ｐ明朝" charset="-128"/>
-              </a:defRPr>
-            </a:lvl6pPr>
-            <a:lvl7pPr marL="2971800" indent="-228600" algn="ctr" eaLnBrk="0" fontAlgn="base" hangingPunct="0">
-              <a:spcBef>
-                <a:spcPct val="0"/>
-              </a:spcBef>
-              <a:spcAft>
-                <a:spcPct val="0"/>
-              </a:spcAft>
-              <a:defRPr sz="900" b="1">
-                <a:solidFill>
-                  <a:schemeClr val="tx1"/>
-                </a:solidFill>
-                <a:latin typeface="Times New Roman" pitchFamily="18" charset="0"/>
-                <a:ea typeface="ＭＳ Ｐ明朝" charset="-128"/>
-              </a:defRPr>
-            </a:lvl7pPr>
-            <a:lvl8pPr marL="3429000" indent="-228600" algn="ctr" eaLnBrk="0" fontAlgn="base" hangingPunct="0">
-              <a:spcBef>
-                <a:spcPct val="0"/>
-              </a:spcBef>
-              <a:spcAft>
-                <a:spcPct val="0"/>
-              </a:spcAft>
-              <a:defRPr sz="900" b="1">
-                <a:solidFill>
-                  <a:schemeClr val="tx1"/>
-                </a:solidFill>
-                <a:latin typeface="Times New Roman" pitchFamily="18" charset="0"/>
-                <a:ea typeface="ＭＳ Ｐ明朝" charset="-128"/>
-              </a:defRPr>
-            </a:lvl8pPr>
-            <a:lvl9pPr marL="3886200" indent="-228600" algn="ctr" eaLnBrk="0" fontAlgn="base" hangingPunct="0">
-              <a:spcBef>
-                <a:spcPct val="0"/>
-              </a:spcBef>
-              <a:spcAft>
-                <a:spcPct val="0"/>
-              </a:spcAft>
-              <a:defRPr sz="900" b="1">
-                <a:solidFill>
-                  <a:schemeClr val="tx1"/>
-                </a:solidFill>
-                <a:latin typeface="Times New Roman" pitchFamily="18" charset="0"/>
-                <a:ea typeface="ＭＳ Ｐ明朝" charset="-128"/>
-              </a:defRPr>
-            </a:lvl9pPr>
-          </a:lstStyle>
-          <a:p>
-            <a:pPr algn="r" eaLnBrk="1" hangingPunct="1"/>
-            <a:r>
-              <a:rPr kumimoji="1" lang="ja-JP" altLang="en-US" sz="1000">
-                <a:ea typeface="ＭＳ Ｐゴシック" charset="-128"/>
-              </a:rPr>
-              <a:t>処理委譲</a:t>
-            </a:r>
           </a:p>
         </p:txBody>
       </p:sp>
@@ -17038,8 +17019,8 @@
           <p:nvPr/>
         </p:nvSpPr>
         <p:spPr bwMode="auto">
-          <a:xfrm rot="-5400000">
-            <a:off x="5456238" y="4392613"/>
+          <a:xfrm rot="16200000">
+            <a:off x="5456238" y="4536629"/>
             <a:ext cx="504825" cy="1222375"/>
           </a:xfrm>
           <a:prstGeom prst="downArrow">
@@ -17178,13 +17159,10 @@
           </a:lstStyle>
           <a:p>
             <a:pPr eaLnBrk="1" hangingPunct="1"/>
-            <a:r>
-              <a:rPr kumimoji="1" lang="ja-JP" altLang="en-US" sz="1000">
-                <a:latin typeface="Arial" charset="0"/>
-                <a:ea typeface="ＭＳ Ｐゴシック" charset="-128"/>
-              </a:rPr>
-              <a:t>実行</a:t>
-            </a:r>
+            <a:endParaRPr kumimoji="1" lang="ja-JP" altLang="en-US" sz="1000" dirty="0">
+              <a:latin typeface="Arial" charset="0"/>
+              <a:ea typeface="ＭＳ Ｐゴシック" charset="-128"/>
+            </a:endParaRPr>
           </a:p>
         </p:txBody>
       </p:sp>
@@ -17198,7 +17176,7 @@
         </p:nvSpPr>
         <p:spPr bwMode="auto">
           <a:xfrm>
-            <a:off x="6465888" y="4822825"/>
+            <a:off x="6465888" y="4966841"/>
             <a:ext cx="1728787" cy="649288"/>
           </a:xfrm>
           <a:prstGeom prst="roundRect">
@@ -17336,13 +17314,10 @@
           </a:lstStyle>
           <a:p>
             <a:pPr eaLnBrk="1" hangingPunct="1"/>
-            <a:r>
-              <a:rPr kumimoji="1" lang="ja-JP" altLang="en-US" sz="1000">
-                <a:latin typeface="Arial" charset="0"/>
-                <a:ea typeface="ＭＳ Ｐゴシック" charset="-128"/>
-              </a:rPr>
-              <a:t>ビジネスロジック実装クラス</a:t>
-            </a:r>
+            <a:endParaRPr kumimoji="1" lang="ja-JP" altLang="en-US" sz="1000" dirty="0">
+              <a:latin typeface="Arial" charset="0"/>
+              <a:ea typeface="ＭＳ Ｐゴシック" charset="-128"/>
+            </a:endParaRPr>
           </a:p>
         </p:txBody>
       </p:sp>
@@ -17356,7 +17331,7 @@
         </p:nvSpPr>
         <p:spPr bwMode="auto">
           <a:xfrm>
-            <a:off x="5099050" y="5183188"/>
+            <a:off x="5099050" y="5327204"/>
             <a:ext cx="1152525" cy="431800"/>
           </a:xfrm>
           <a:prstGeom prst="leftArrow">
@@ -17496,7 +17471,7 @@
           <a:p>
             <a:pPr eaLnBrk="1" hangingPunct="1"/>
             <a:r>
-              <a:rPr kumimoji="1" lang="ja-JP" altLang="en-US" sz="1000">
+              <a:rPr kumimoji="1" lang="ja-JP" altLang="en-US" sz="1000" dirty="0">
                 <a:latin typeface="Arial" charset="0"/>
                 <a:ea typeface="ＭＳ Ｐゴシック" charset="-128"/>
               </a:rPr>
@@ -17515,7 +17490,7 @@
         </p:nvSpPr>
         <p:spPr bwMode="auto">
           <a:xfrm>
-            <a:off x="3603625" y="4835525"/>
+            <a:off x="3491160" y="4979541"/>
             <a:ext cx="1439863" cy="649288"/>
           </a:xfrm>
           <a:prstGeom prst="roundRect">
@@ -17653,13 +17628,10 @@
           </a:lstStyle>
           <a:p>
             <a:pPr eaLnBrk="1" hangingPunct="1"/>
-            <a:r>
-              <a:rPr kumimoji="1" lang="en-US" altLang="ja-JP" sz="1000">
-                <a:latin typeface="Arial" charset="0"/>
-                <a:ea typeface="ＭＳ Ｐゴシック" charset="-128"/>
-              </a:rPr>
-              <a:t>BatchServant</a:t>
-            </a:r>
+            <a:endParaRPr kumimoji="1" lang="en-US" altLang="ja-JP" sz="1000" dirty="0">
+              <a:latin typeface="Arial" charset="0"/>
+              <a:ea typeface="ＭＳ Ｐゴシック" charset="-128"/>
+            </a:endParaRPr>
           </a:p>
         </p:txBody>
       </p:sp>
@@ -17672,8 +17644,8 @@
           <p:nvPr/>
         </p:nvSpPr>
         <p:spPr bwMode="auto">
-          <a:xfrm rot="-5400000">
-            <a:off x="5529263" y="4456113"/>
+          <a:xfrm rot="16200000">
+            <a:off x="5529263" y="4600129"/>
             <a:ext cx="504825" cy="1222375"/>
           </a:xfrm>
           <a:prstGeom prst="downArrow">
@@ -17813,7 +17785,7 @@
           <a:p>
             <a:pPr eaLnBrk="1" hangingPunct="1"/>
             <a:r>
-              <a:rPr kumimoji="1" lang="ja-JP" altLang="en-US" sz="1000">
+              <a:rPr kumimoji="1" lang="ja-JP" altLang="en-US" sz="1000" dirty="0">
                 <a:latin typeface="Arial" charset="0"/>
                 <a:ea typeface="ＭＳ Ｐゴシック" charset="-128"/>
               </a:rPr>
@@ -17832,7 +17804,7 @@
         </p:nvSpPr>
         <p:spPr bwMode="auto">
           <a:xfrm>
-            <a:off x="6538913" y="4886325"/>
+            <a:off x="6538913" y="5030341"/>
             <a:ext cx="1728787" cy="649288"/>
           </a:xfrm>
           <a:prstGeom prst="roundRect">
@@ -17971,7 +17943,7 @@
           <a:p>
             <a:pPr eaLnBrk="1" hangingPunct="1"/>
             <a:r>
-              <a:rPr kumimoji="1" lang="ja-JP" altLang="en-US" sz="1000">
+              <a:rPr kumimoji="1" lang="ja-JP" altLang="en-US" sz="1000" dirty="0">
                 <a:latin typeface="Arial" charset="0"/>
                 <a:ea typeface="ＭＳ Ｐゴシック" charset="-128"/>
               </a:rPr>
@@ -17990,7 +17962,7 @@
         </p:nvSpPr>
         <p:spPr bwMode="auto">
           <a:xfrm>
-            <a:off x="5172075" y="5246688"/>
+            <a:off x="5172075" y="5390704"/>
             <a:ext cx="1152525" cy="431800"/>
           </a:xfrm>
           <a:prstGeom prst="leftArrow">
@@ -18130,7 +18102,7 @@
           <a:p>
             <a:pPr eaLnBrk="1" hangingPunct="1"/>
             <a:r>
-              <a:rPr kumimoji="1" lang="ja-JP" altLang="en-US" sz="1000">
+              <a:rPr kumimoji="1" lang="ja-JP" altLang="en-US" sz="1000" dirty="0">
                 <a:latin typeface="Arial" charset="0"/>
                 <a:ea typeface="ＭＳ Ｐゴシック" charset="-128"/>
               </a:rPr>
@@ -18149,7 +18121,7 @@
         </p:nvSpPr>
         <p:spPr bwMode="auto">
           <a:xfrm>
-            <a:off x="3676650" y="4899025"/>
+            <a:off x="3564185" y="5043041"/>
             <a:ext cx="1439863" cy="649288"/>
           </a:xfrm>
           <a:prstGeom prst="roundRect">
@@ -18288,7 +18260,7 @@
           <a:p>
             <a:pPr eaLnBrk="1" hangingPunct="1"/>
             <a:r>
-              <a:rPr kumimoji="1" lang="en-US" altLang="ja-JP" sz="1000" dirty="0" err="1" smtClean="0">
+              <a:rPr kumimoji="1" lang="en-US" altLang="ja-JP" sz="1000" dirty="0" smtClean="0">
                 <a:latin typeface="Arial" charset="0"/>
                 <a:ea typeface="ＭＳ Ｐゴシック" charset="-128"/>
               </a:rPr>
@@ -18311,7 +18283,7 @@
         </p:nvSpPr>
         <p:spPr bwMode="auto">
           <a:xfrm>
-            <a:off x="7164388" y="4233863"/>
+            <a:off x="7164388" y="4377879"/>
             <a:ext cx="1638300" cy="417512"/>
           </a:xfrm>
           <a:prstGeom prst="wedgeRoundRectCallout">
@@ -18452,7 +18424,7 @@
           <a:p>
             <a:pPr eaLnBrk="1" hangingPunct="1"/>
             <a:r>
-              <a:rPr kumimoji="1" lang="ja-JP" altLang="en-US" sz="1000">
+              <a:rPr kumimoji="1" lang="ja-JP" altLang="en-US" sz="1000" dirty="0">
                 <a:latin typeface="Arial" charset="0"/>
                 <a:ea typeface="ＭＳ Ｐゴシック" charset="-128"/>
               </a:rPr>
@@ -18462,7 +18434,7 @@
           <a:p>
             <a:pPr eaLnBrk="1" hangingPunct="1"/>
             <a:r>
-              <a:rPr kumimoji="1" lang="ja-JP" altLang="en-US" sz="1000">
+              <a:rPr kumimoji="1" lang="ja-JP" altLang="en-US" sz="1000" dirty="0">
                 <a:latin typeface="Arial" charset="0"/>
                 <a:ea typeface="ＭＳ Ｐゴシック" charset="-128"/>
               </a:rPr>
@@ -18481,7 +18453,7 @@
         </p:nvSpPr>
         <p:spPr bwMode="gray">
           <a:xfrm>
-            <a:off x="4878388" y="5707063"/>
+            <a:off x="4878388" y="5851079"/>
             <a:ext cx="2089150" cy="225425"/>
           </a:xfrm>
           <a:prstGeom prst="rect">
@@ -18636,13 +18608,48 @@
           <a:p>
             <a:pPr eaLnBrk="1" hangingPunct="1"/>
             <a:r>
-              <a:rPr kumimoji="1" lang="ja-JP" altLang="en-US" sz="1000">
+              <a:rPr kumimoji="1" lang="ja-JP" altLang="en-US" sz="1000" dirty="0">
                 <a:latin typeface="Arial" charset="0"/>
                 <a:ea typeface="ＭＳ Ｐゴシック" charset="-128"/>
               </a:rPr>
-              <a:t>⑦戻り値もしくは例外が返される</a:t>
-            </a:r>
-            <a:endParaRPr kumimoji="1" lang="en-US" altLang="ja-JP" sz="1000">
+              <a:t>⑦</a:t>
+            </a:r>
+            <a:r>
+              <a:rPr kumimoji="1" lang="ja-JP" altLang="en-US" sz="1000" dirty="0" smtClean="0">
+                <a:latin typeface="Arial" charset="0"/>
+                <a:ea typeface="ＭＳ Ｐゴシック" charset="-128"/>
+              </a:rPr>
+              <a:t>戻り値</a:t>
+            </a:r>
+            <a:r>
+              <a:rPr lang="ja-JP" altLang="en-US" sz="1000" dirty="0" smtClean="0">
+                <a:latin typeface="Arial" charset="0"/>
+                <a:ea typeface="ＭＳ Ｐゴシック" charset="-128"/>
+              </a:rPr>
+              <a:t>また</a:t>
+            </a:r>
+            <a:r>
+              <a:rPr lang="ja-JP" altLang="en-US" sz="1000" dirty="0">
+                <a:latin typeface="Arial" charset="0"/>
+                <a:ea typeface="ＭＳ Ｐゴシック" charset="-128"/>
+              </a:rPr>
+              <a:t>は</a:t>
+            </a:r>
+            <a:r>
+              <a:rPr kumimoji="1" lang="ja-JP" altLang="en-US" sz="1000" dirty="0" smtClean="0">
+                <a:latin typeface="Arial" charset="0"/>
+                <a:ea typeface="ＭＳ Ｐゴシック" charset="-128"/>
+              </a:rPr>
+              <a:t>例外</a:t>
+            </a:r>
+            <a:r>
+              <a:rPr kumimoji="1" lang="ja-JP" altLang="en-US" sz="1000" dirty="0">
+                <a:latin typeface="Arial" charset="0"/>
+                <a:ea typeface="ＭＳ Ｐゴシック" charset="-128"/>
+              </a:rPr>
+              <a:t>が返される</a:t>
+            </a:r>
+            <a:endParaRPr kumimoji="1" lang="en-US" altLang="ja-JP" sz="1000" dirty="0">
               <a:latin typeface="Arial" charset="0"/>
               <a:ea typeface="ＭＳ Ｐゴシック" charset="-128"/>
             </a:endParaRPr>
@@ -18658,8 +18665,8 @@
           <p:nvPr/>
         </p:nvSpPr>
         <p:spPr bwMode="auto">
-          <a:xfrm rot="-2054942">
-            <a:off x="3417888" y="5294313"/>
+          <a:xfrm rot="19545058">
+            <a:off x="3305423" y="5438329"/>
             <a:ext cx="209550" cy="357187"/>
           </a:xfrm>
           <a:prstGeom prst="leftBrace">
@@ -18819,7 +18826,7 @@
           </a:lstStyle>
           <a:p>
             <a:pPr eaLnBrk="1" hangingPunct="1"/>
-            <a:endParaRPr lang="ja-JP" altLang="en-US"/>
+            <a:endParaRPr lang="ja-JP" altLang="en-US" dirty="0"/>
           </a:p>
         </p:txBody>
       </p:sp>
@@ -18833,7 +18840,7 @@
         </p:nvSpPr>
         <p:spPr bwMode="auto">
           <a:xfrm>
-            <a:off x="2844800" y="5559425"/>
+            <a:off x="2844800" y="5703441"/>
             <a:ext cx="969963" cy="244475"/>
           </a:xfrm>
           <a:prstGeom prst="rect">
@@ -18998,7 +19005,7 @@
           <a:p>
             <a:pPr algn="r" eaLnBrk="1" hangingPunct="1"/>
             <a:r>
-              <a:rPr kumimoji="1" lang="ja-JP" altLang="en-US" sz="1000">
+              <a:rPr kumimoji="1" lang="ja-JP" altLang="en-US" sz="1000" dirty="0">
                 <a:ea typeface="ＭＳ Ｐゴシック" charset="-128"/>
               </a:rPr>
               <a:t>処理スレッド数</a:t>
@@ -19016,7 +19023,7 @@
         </p:nvSpPr>
         <p:spPr bwMode="auto">
           <a:xfrm>
-            <a:off x="465138" y="4835525"/>
+            <a:off x="465138" y="4979541"/>
             <a:ext cx="1370012" cy="606425"/>
           </a:xfrm>
           <a:prstGeom prst="rect">
@@ -19152,23 +19159,6 @@
           </a:lstStyle>
           <a:p>
             <a:pPr eaLnBrk="1" hangingPunct="1"/>
-            <a:r>
-              <a:rPr kumimoji="1" lang="en-US" altLang="ja-JP" sz="1000" dirty="0">
-                <a:latin typeface="Arial" charset="0"/>
-                <a:ea typeface="ＭＳ Ｐゴシック" charset="-128"/>
-              </a:rPr>
-              <a:t>Bean</a:t>
-            </a:r>
-            <a:r>
-              <a:rPr kumimoji="1" lang="ja-JP" altLang="en-US" sz="1000" dirty="0">
-                <a:latin typeface="Arial" charset="0"/>
-                <a:ea typeface="ＭＳ Ｐゴシック" charset="-128"/>
-              </a:rPr>
-              <a:t>定義ファイル</a:t>
-            </a:r>
-          </a:p>
-          <a:p>
-            <a:pPr eaLnBrk="1" hangingPunct="1"/>
             <a:endParaRPr kumimoji="1" lang="ja-JP" altLang="en-US" sz="1000" dirty="0">
               <a:latin typeface="Arial" charset="0"/>
               <a:ea typeface="ＭＳ Ｐゴシック" charset="-128"/>
@@ -19186,7 +19176,7 @@
         </p:nvSpPr>
         <p:spPr bwMode="auto">
           <a:xfrm>
-            <a:off x="547688" y="4906963"/>
+            <a:off x="547688" y="5050979"/>
             <a:ext cx="1370012" cy="606425"/>
           </a:xfrm>
           <a:prstGeom prst="rect">
@@ -19323,14 +19313,14 @@
           <a:p>
             <a:pPr eaLnBrk="1" hangingPunct="1"/>
             <a:r>
-              <a:rPr kumimoji="1" lang="en-US" altLang="ja-JP" sz="1000">
+              <a:rPr kumimoji="1" lang="en-US" altLang="ja-JP" sz="1000" dirty="0">
                 <a:latin typeface="Arial" charset="0"/>
                 <a:ea typeface="ＭＳ Ｐゴシック" charset="-128"/>
               </a:rPr>
               <a:t>Bean</a:t>
             </a:r>
             <a:r>
-              <a:rPr kumimoji="1" lang="ja-JP" altLang="en-US" sz="1000">
+              <a:rPr kumimoji="1" lang="ja-JP" altLang="en-US" sz="1000" dirty="0">
                 <a:latin typeface="Arial" charset="0"/>
                 <a:ea typeface="ＭＳ Ｐゴシック" charset="-128"/>
               </a:rPr>
@@ -19349,7 +19339,7 @@
         </p:nvSpPr>
         <p:spPr bwMode="gray">
           <a:xfrm>
-            <a:off x="1290638" y="4000500"/>
+            <a:off x="493033" y="4005047"/>
             <a:ext cx="2128837" cy="225425"/>
           </a:xfrm>
           <a:prstGeom prst="rect">
@@ -19504,13 +19494,27 @@
           <a:p>
             <a:pPr eaLnBrk="1" hangingPunct="1"/>
             <a:r>
-              <a:rPr kumimoji="1" lang="ja-JP" altLang="en-US" sz="1000">
+              <a:rPr lang="ja-JP" altLang="en-US" sz="1000" dirty="0">
                 <a:latin typeface="Arial" charset="0"/>
                 <a:ea typeface="ＭＳ Ｐゴシック" charset="-128"/>
               </a:rPr>
-              <a:t>④空き処理スレッドに処理を委譲する</a:t>
-            </a:r>
-            <a:endParaRPr kumimoji="1" lang="en-US" altLang="ja-JP" sz="1000">
+              <a:t>③</a:t>
+            </a:r>
+            <a:r>
+              <a:rPr kumimoji="1" lang="ja-JP" altLang="en-US" sz="1000" dirty="0" smtClean="0">
+                <a:latin typeface="Arial" charset="0"/>
+                <a:ea typeface="ＭＳ Ｐゴシック" charset="-128"/>
+              </a:rPr>
+              <a:t>空き</a:t>
+            </a:r>
+            <a:r>
+              <a:rPr kumimoji="1" lang="ja-JP" altLang="en-US" sz="1000" dirty="0">
+                <a:latin typeface="Arial" charset="0"/>
+                <a:ea typeface="ＭＳ Ｐゴシック" charset="-128"/>
+              </a:rPr>
+              <a:t>処理スレッドに処理を委譲する</a:t>
+            </a:r>
+            <a:endParaRPr kumimoji="1" lang="en-US" altLang="ja-JP" sz="1000" dirty="0">
               <a:latin typeface="Arial" charset="0"/>
               <a:ea typeface="ＭＳ Ｐゴシック" charset="-128"/>
             </a:endParaRPr>
@@ -19526,9 +19530,9 @@
           <p:nvPr/>
         </p:nvSpPr>
         <p:spPr bwMode="auto">
-          <a:xfrm>
-            <a:off x="2368550" y="3365500"/>
-            <a:ext cx="438150" cy="539750"/>
+          <a:xfrm rot="2161616">
+            <a:off x="2592304" y="2603544"/>
+            <a:ext cx="347999" cy="336461"/>
           </a:xfrm>
           <a:prstGeom prst="curvedRightArrow">
             <a:avLst>
@@ -19672,7 +19676,7 @@
           </a:lstStyle>
           <a:p>
             <a:pPr eaLnBrk="1" hangingPunct="1"/>
-            <a:endParaRPr lang="ja-JP" altLang="en-US"/>
+            <a:endParaRPr lang="ja-JP" altLang="en-US" dirty="0"/>
           </a:p>
         </p:txBody>
       </p:sp>
@@ -19686,7 +19690,7 @@
         </p:nvSpPr>
         <p:spPr bwMode="auto">
           <a:xfrm>
-            <a:off x="2397125" y="3473450"/>
+            <a:off x="2760398" y="2705811"/>
             <a:ext cx="434975" cy="244475"/>
           </a:xfrm>
           <a:prstGeom prst="rect">
@@ -19851,7 +19855,7 @@
           <a:p>
             <a:pPr algn="r" eaLnBrk="1" hangingPunct="1"/>
             <a:r>
-              <a:rPr kumimoji="1" lang="ja-JP" altLang="en-US" sz="1000">
+              <a:rPr kumimoji="1" lang="ja-JP" altLang="en-US" sz="1000" dirty="0">
                 <a:ea typeface="ＭＳ Ｐゴシック" charset="-128"/>
               </a:rPr>
               <a:t>常駐</a:t>
@@ -19868,9 +19872,9 @@
           <p:nvPr/>
         </p:nvSpPr>
         <p:spPr bwMode="auto">
-          <a:xfrm rot="-2164809">
-            <a:off x="2311400" y="2155825"/>
-            <a:ext cx="720725" cy="1222375"/>
+          <a:xfrm>
+            <a:off x="1086644" y="2468203"/>
+            <a:ext cx="720725" cy="389298"/>
           </a:xfrm>
           <a:prstGeom prst="downArrow">
             <a:avLst>
@@ -20009,7 +20013,7 @@
           <a:p>
             <a:pPr eaLnBrk="1" hangingPunct="1"/>
             <a:r>
-              <a:rPr kumimoji="1" lang="ja-JP" altLang="en-US" sz="1000">
+              <a:rPr kumimoji="1" lang="ja-JP" altLang="en-US" sz="1000" dirty="0">
                 <a:latin typeface="Arial" charset="0"/>
                 <a:ea typeface="ＭＳ Ｐゴシック" charset="-128"/>
               </a:rPr>
@@ -20027,9 +20031,9 @@
           <p:nvPr/>
         </p:nvSpPr>
         <p:spPr bwMode="auto">
-          <a:xfrm rot="1420703">
-            <a:off x="4359275" y="1881188"/>
-            <a:ext cx="133350" cy="1450975"/>
+          <a:xfrm>
+            <a:off x="4592332" y="2147225"/>
+            <a:ext cx="104897" cy="2743415"/>
           </a:xfrm>
           <a:prstGeom prst="upArrow">
             <a:avLst>
@@ -20172,165 +20176,7 @@
           </a:lstStyle>
           <a:p>
             <a:pPr eaLnBrk="1" hangingPunct="1"/>
-            <a:endParaRPr lang="ja-JP" altLang="en-US"/>
-          </a:p>
-        </p:txBody>
-      </p:sp>
-      <p:sp>
-        <p:nvSpPr>
-          <p:cNvPr id="19502" name="AutoShape 72"/>
-          <p:cNvSpPr>
-            <a:spLocks noChangeArrowheads="1"/>
-          </p:cNvSpPr>
-          <p:nvPr/>
-        </p:nvSpPr>
-        <p:spPr bwMode="auto">
-          <a:xfrm>
-            <a:off x="4843463" y="1908175"/>
-            <a:ext cx="133350" cy="2868613"/>
-          </a:xfrm>
-          <a:prstGeom prst="upArrow">
-            <a:avLst>
-              <a:gd name="adj1" fmla="val 50000"/>
-              <a:gd name="adj2" fmla="val 537798"/>
-            </a:avLst>
-          </a:prstGeom>
-          <a:solidFill>
-            <a:schemeClr val="bg1"/>
-          </a:solidFill>
-          <a:ln w="9525">
-            <a:solidFill>
-              <a:schemeClr val="tx1"/>
-            </a:solidFill>
-            <a:miter lim="800000"/>
-            <a:headEnd/>
-            <a:tailEnd/>
-          </a:ln>
-          <a:effectLst/>
-          <a:extLst>
-            <a:ext uri="{AF507438-7753-43E0-B8FC-AC1667EBCBE1}">
-              <a14:hiddenEffects xmlns:a14="http://schemas.microsoft.com/office/drawing/2010/main">
-                <a:effectLst>
-                  <a:outerShdw dist="35921" dir="2700000" algn="ctr" rotWithShape="0">
-                    <a:schemeClr val="bg2"/>
-                  </a:outerShdw>
-                </a:effectLst>
-              </a14:hiddenEffects>
-            </a:ext>
-          </a:extLst>
-        </p:spPr>
-        <p:txBody>
-          <a:bodyPr wrap="none" lIns="90000" tIns="46800" rIns="90000" bIns="46800" anchor="ctr"/>
-          <a:lstStyle>
-            <a:lvl1pPr eaLnBrk="0" hangingPunct="0">
-              <a:defRPr sz="900" b="1">
-                <a:solidFill>
-                  <a:schemeClr val="tx1"/>
-                </a:solidFill>
-                <a:latin typeface="Times New Roman" pitchFamily="18" charset="0"/>
-                <a:ea typeface="ＭＳ Ｐ明朝" charset="-128"/>
-              </a:defRPr>
-            </a:lvl1pPr>
-            <a:lvl2pPr marL="742950" indent="-285750" eaLnBrk="0" hangingPunct="0">
-              <a:defRPr sz="900" b="1">
-                <a:solidFill>
-                  <a:schemeClr val="tx1"/>
-                </a:solidFill>
-                <a:latin typeface="Times New Roman" pitchFamily="18" charset="0"/>
-                <a:ea typeface="ＭＳ Ｐ明朝" charset="-128"/>
-              </a:defRPr>
-            </a:lvl2pPr>
-            <a:lvl3pPr marL="1143000" indent="-228600" eaLnBrk="0" hangingPunct="0">
-              <a:defRPr sz="900" b="1">
-                <a:solidFill>
-                  <a:schemeClr val="tx1"/>
-                </a:solidFill>
-                <a:latin typeface="Times New Roman" pitchFamily="18" charset="0"/>
-                <a:ea typeface="ＭＳ Ｐ明朝" charset="-128"/>
-              </a:defRPr>
-            </a:lvl3pPr>
-            <a:lvl4pPr marL="1600200" indent="-228600" eaLnBrk="0" hangingPunct="0">
-              <a:defRPr sz="900" b="1">
-                <a:solidFill>
-                  <a:schemeClr val="tx1"/>
-                </a:solidFill>
-                <a:latin typeface="Times New Roman" pitchFamily="18" charset="0"/>
-                <a:ea typeface="ＭＳ Ｐ明朝" charset="-128"/>
-              </a:defRPr>
-            </a:lvl4pPr>
-            <a:lvl5pPr marL="2057400" indent="-228600" eaLnBrk="0" hangingPunct="0">
-              <a:defRPr sz="900" b="1">
-                <a:solidFill>
-                  <a:schemeClr val="tx1"/>
-                </a:solidFill>
-                <a:latin typeface="Times New Roman" pitchFamily="18" charset="0"/>
-                <a:ea typeface="ＭＳ Ｐ明朝" charset="-128"/>
-              </a:defRPr>
-            </a:lvl5pPr>
-            <a:lvl6pPr marL="2514600" indent="-228600" algn="ctr" eaLnBrk="0" fontAlgn="base" hangingPunct="0">
-              <a:spcBef>
-                <a:spcPct val="0"/>
-              </a:spcBef>
-              <a:spcAft>
-                <a:spcPct val="0"/>
-              </a:spcAft>
-              <a:defRPr sz="900" b="1">
-                <a:solidFill>
-                  <a:schemeClr val="tx1"/>
-                </a:solidFill>
-                <a:latin typeface="Times New Roman" pitchFamily="18" charset="0"/>
-                <a:ea typeface="ＭＳ Ｐ明朝" charset="-128"/>
-              </a:defRPr>
-            </a:lvl6pPr>
-            <a:lvl7pPr marL="2971800" indent="-228600" algn="ctr" eaLnBrk="0" fontAlgn="base" hangingPunct="0">
-              <a:spcBef>
-                <a:spcPct val="0"/>
-              </a:spcBef>
-              <a:spcAft>
-                <a:spcPct val="0"/>
-              </a:spcAft>
-              <a:defRPr sz="900" b="1">
-                <a:solidFill>
-                  <a:schemeClr val="tx1"/>
-                </a:solidFill>
-                <a:latin typeface="Times New Roman" pitchFamily="18" charset="0"/>
-                <a:ea typeface="ＭＳ Ｐ明朝" charset="-128"/>
-              </a:defRPr>
-            </a:lvl7pPr>
-            <a:lvl8pPr marL="3429000" indent="-228600" algn="ctr" eaLnBrk="0" fontAlgn="base" hangingPunct="0">
-              <a:spcBef>
-                <a:spcPct val="0"/>
-              </a:spcBef>
-              <a:spcAft>
-                <a:spcPct val="0"/>
-              </a:spcAft>
-              <a:defRPr sz="900" b="1">
-                <a:solidFill>
-                  <a:schemeClr val="tx1"/>
-                </a:solidFill>
-                <a:latin typeface="Times New Roman" pitchFamily="18" charset="0"/>
-                <a:ea typeface="ＭＳ Ｐ明朝" charset="-128"/>
-              </a:defRPr>
-            </a:lvl8pPr>
-            <a:lvl9pPr marL="3886200" indent="-228600" algn="ctr" eaLnBrk="0" fontAlgn="base" hangingPunct="0">
-              <a:spcBef>
-                <a:spcPct val="0"/>
-              </a:spcBef>
-              <a:spcAft>
-                <a:spcPct val="0"/>
-              </a:spcAft>
-              <a:defRPr sz="900" b="1">
-                <a:solidFill>
-                  <a:schemeClr val="tx1"/>
-                </a:solidFill>
-                <a:latin typeface="Times New Roman" pitchFamily="18" charset="0"/>
-                <a:ea typeface="ＭＳ Ｐ明朝" charset="-128"/>
-              </a:defRPr>
-            </a:lvl9pPr>
-          </a:lstStyle>
-          <a:p>
-            <a:pPr eaLnBrk="1" hangingPunct="1"/>
-            <a:endParaRPr lang="ja-JP" altLang="en-US"/>
+            <a:endParaRPr lang="ja-JP" altLang="en-US" dirty="0"/>
           </a:p>
         </p:txBody>
       </p:sp>
@@ -20344,7 +20190,7 @@
         </p:nvSpPr>
         <p:spPr bwMode="gray">
           <a:xfrm>
-            <a:off x="5568950" y="2432050"/>
+            <a:off x="5568950" y="2694260"/>
             <a:ext cx="1273175" cy="377825"/>
           </a:xfrm>
           <a:prstGeom prst="rect">
@@ -20499,46 +20345,71 @@
           <a:p>
             <a:pPr algn="l" eaLnBrk="1" hangingPunct="1"/>
             <a:r>
-              <a:rPr kumimoji="1" lang="ja-JP" altLang="en-US" sz="1000">
+              <a:rPr lang="ja-JP" altLang="en-US" sz="1000" dirty="0">
                 <a:latin typeface="Arial" charset="0"/>
                 <a:ea typeface="ＭＳ Ｐゴシック" charset="-128"/>
               </a:rPr>
-              <a:t>③ジョブステータスを</a:t>
+              <a:t>④</a:t>
+            </a:r>
+            <a:r>
+              <a:rPr kumimoji="1" lang="ja-JP" altLang="en-US" sz="1000" dirty="0" smtClean="0">
+                <a:latin typeface="Arial" charset="0"/>
+                <a:ea typeface="ＭＳ Ｐゴシック" charset="-128"/>
+              </a:rPr>
+              <a:t>ジョブステータス</a:t>
+            </a:r>
+            <a:r>
+              <a:rPr kumimoji="1" lang="ja-JP" altLang="en-US" sz="1000" dirty="0">
+                <a:latin typeface="Arial" charset="0"/>
+                <a:ea typeface="ＭＳ Ｐゴシック" charset="-128"/>
+              </a:rPr>
+              <a:t>を</a:t>
             </a:r>
           </a:p>
           <a:p>
             <a:pPr algn="l" eaLnBrk="1" hangingPunct="1"/>
             <a:r>
-              <a:rPr kumimoji="1" lang="en-US" altLang="ja-JP" sz="1000">
+              <a:rPr kumimoji="1" lang="en-US" altLang="ja-JP" sz="1000" dirty="0">
                 <a:latin typeface="Arial" charset="0"/>
                 <a:ea typeface="ＭＳ Ｐゴシック" charset="-128"/>
               </a:rPr>
               <a:t>『</a:t>
             </a:r>
             <a:r>
-              <a:rPr kumimoji="1" lang="ja-JP" altLang="en-US" sz="1000">
+              <a:rPr kumimoji="1" lang="ja-JP" altLang="en-US" sz="1000" dirty="0">
                 <a:latin typeface="Arial" charset="0"/>
                 <a:ea typeface="ＭＳ Ｐゴシック" charset="-128"/>
               </a:rPr>
               <a:t>実行中</a:t>
             </a:r>
             <a:r>
-              <a:rPr kumimoji="1" lang="en-US" altLang="ja-JP"/>
+              <a:rPr kumimoji="1" lang="en-US" altLang="ja-JP" dirty="0"/>
               <a:t>』</a:t>
             </a:r>
             <a:r>
-              <a:rPr kumimoji="1" lang="ja-JP" altLang="en-US" sz="1000">
+              <a:rPr kumimoji="1" lang="ja-JP" altLang="en-US" sz="1000" dirty="0">
                 <a:latin typeface="Arial" charset="0"/>
                 <a:ea typeface="ＭＳ Ｐゴシック" charset="-128"/>
               </a:rPr>
-              <a:t>に更新</a:t>
-            </a:r>
+              <a:t>に</a:t>
+            </a:r>
+            <a:r>
+              <a:rPr kumimoji="1" lang="ja-JP" altLang="en-US" sz="1000" dirty="0" smtClean="0">
+                <a:latin typeface="Arial" charset="0"/>
+                <a:ea typeface="ＭＳ Ｐゴシック" charset="-128"/>
+              </a:rPr>
+              <a:t>更新する</a:t>
+            </a:r>
+            <a:endParaRPr kumimoji="1" lang="ja-JP" altLang="en-US" sz="1000" dirty="0">
+              <a:latin typeface="Arial" charset="0"/>
+              <a:ea typeface="ＭＳ Ｐゴシック" charset="-128"/>
+            </a:endParaRPr>
           </a:p>
         </p:txBody>
       </p:sp>
       <p:sp>
         <p:nvSpPr>
-          <p:cNvPr id="19504" name="Line 73"/>
+          <p:cNvPr id="49" name="Line 73"/>
           <p:cNvSpPr>
             <a:spLocks noChangeShapeType="1"/>
           </p:cNvSpPr>
@@ -20546,8 +20417,8 @@
         </p:nvSpPr>
         <p:spPr bwMode="auto">
           <a:xfrm flipV="1">
-            <a:off x="4279900" y="2562225"/>
-            <a:ext cx="1306513" cy="381000"/>
+            <a:off x="4809309" y="3926160"/>
+            <a:ext cx="960182" cy="419100"/>
           </a:xfrm>
           <a:prstGeom prst="line">
             <a:avLst/>
@@ -20583,7 +20454,1841 @@
           <a:bodyPr wrap="none" lIns="90000" tIns="46800" rIns="90000" bIns="46800" anchor="ctr"/>
           <a:lstStyle/>
           <a:p>
-            <a:endParaRPr lang="ja-JP" altLang="en-US"/>
+            <a:endParaRPr lang="ja-JP" altLang="en-US" dirty="0"/>
+          </a:p>
+        </p:txBody>
+      </p:sp>
+      <p:sp>
+        <p:nvSpPr>
+          <p:cNvPr id="96" name="AutoShape 5"/>
+          <p:cNvSpPr>
+            <a:spLocks noChangeArrowheads="1"/>
+          </p:cNvSpPr>
+          <p:nvPr/>
+        </p:nvSpPr>
+        <p:spPr bwMode="auto">
+          <a:xfrm rot="16200000">
+            <a:off x="2185366" y="3039425"/>
+            <a:ext cx="720725" cy="469033"/>
+          </a:xfrm>
+          <a:prstGeom prst="downArrow">
+            <a:avLst>
+              <a:gd name="adj1" fmla="val 50000"/>
+              <a:gd name="adj2" fmla="val 42401"/>
+            </a:avLst>
+          </a:prstGeom>
+          <a:solidFill>
+            <a:schemeClr val="bg1"/>
+          </a:solidFill>
+          <a:ln w="12700" algn="ctr">
+            <a:solidFill>
+              <a:schemeClr val="tx1"/>
+            </a:solidFill>
+            <a:miter lim="800000"/>
+            <a:headEnd/>
+            <a:tailEnd/>
+          </a:ln>
+          <a:effectLst>
+            <a:outerShdw dist="107763" dir="2700000" algn="ctr" rotWithShape="0">
+              <a:schemeClr val="bg2">
+                <a:alpha val="50000"/>
+              </a:schemeClr>
+            </a:outerShdw>
+          </a:effectLst>
+        </p:spPr>
+        <p:txBody>
+          <a:bodyPr vert="vert" wrap="none" anchor="ctr"/>
+          <a:lstStyle>
+            <a:lvl1pPr eaLnBrk="0" hangingPunct="0">
+              <a:defRPr sz="900" b="1">
+                <a:solidFill>
+                  <a:schemeClr val="tx1"/>
+                </a:solidFill>
+                <a:latin typeface="Times New Roman" pitchFamily="18" charset="0"/>
+                <a:ea typeface="ＭＳ Ｐ明朝" charset="-128"/>
+              </a:defRPr>
+            </a:lvl1pPr>
+            <a:lvl2pPr marL="742950" indent="-285750" eaLnBrk="0" hangingPunct="0">
+              <a:defRPr sz="900" b="1">
+                <a:solidFill>
+                  <a:schemeClr val="tx1"/>
+                </a:solidFill>
+                <a:latin typeface="Times New Roman" pitchFamily="18" charset="0"/>
+                <a:ea typeface="ＭＳ Ｐ明朝" charset="-128"/>
+              </a:defRPr>
+            </a:lvl2pPr>
+            <a:lvl3pPr marL="1143000" indent="-228600" eaLnBrk="0" hangingPunct="0">
+              <a:defRPr sz="900" b="1">
+                <a:solidFill>
+                  <a:schemeClr val="tx1"/>
+                </a:solidFill>
+                <a:latin typeface="Times New Roman" pitchFamily="18" charset="0"/>
+                <a:ea typeface="ＭＳ Ｐ明朝" charset="-128"/>
+              </a:defRPr>
+            </a:lvl3pPr>
+            <a:lvl4pPr marL="1600200" indent="-228600" eaLnBrk="0" hangingPunct="0">
+              <a:defRPr sz="900" b="1">
+                <a:solidFill>
+                  <a:schemeClr val="tx1"/>
+                </a:solidFill>
+                <a:latin typeface="Times New Roman" pitchFamily="18" charset="0"/>
+                <a:ea typeface="ＭＳ Ｐ明朝" charset="-128"/>
+              </a:defRPr>
+            </a:lvl4pPr>
+            <a:lvl5pPr marL="2057400" indent="-228600" eaLnBrk="0" hangingPunct="0">
+              <a:defRPr sz="900" b="1">
+                <a:solidFill>
+                  <a:schemeClr val="tx1"/>
+                </a:solidFill>
+                <a:latin typeface="Times New Roman" pitchFamily="18" charset="0"/>
+                <a:ea typeface="ＭＳ Ｐ明朝" charset="-128"/>
+              </a:defRPr>
+            </a:lvl5pPr>
+            <a:lvl6pPr marL="2514600" indent="-228600" algn="ctr" eaLnBrk="0" fontAlgn="base" hangingPunct="0">
+              <a:spcBef>
+                <a:spcPct val="0"/>
+              </a:spcBef>
+              <a:spcAft>
+                <a:spcPct val="0"/>
+              </a:spcAft>
+              <a:defRPr sz="900" b="1">
+                <a:solidFill>
+                  <a:schemeClr val="tx1"/>
+                </a:solidFill>
+                <a:latin typeface="Times New Roman" pitchFamily="18" charset="0"/>
+                <a:ea typeface="ＭＳ Ｐ明朝" charset="-128"/>
+              </a:defRPr>
+            </a:lvl6pPr>
+            <a:lvl7pPr marL="2971800" indent="-228600" algn="ctr" eaLnBrk="0" fontAlgn="base" hangingPunct="0">
+              <a:spcBef>
+                <a:spcPct val="0"/>
+              </a:spcBef>
+              <a:spcAft>
+                <a:spcPct val="0"/>
+              </a:spcAft>
+              <a:defRPr sz="900" b="1">
+                <a:solidFill>
+                  <a:schemeClr val="tx1"/>
+                </a:solidFill>
+                <a:latin typeface="Times New Roman" pitchFamily="18" charset="0"/>
+                <a:ea typeface="ＭＳ Ｐ明朝" charset="-128"/>
+              </a:defRPr>
+            </a:lvl7pPr>
+            <a:lvl8pPr marL="3429000" indent="-228600" algn="ctr" eaLnBrk="0" fontAlgn="base" hangingPunct="0">
+              <a:spcBef>
+                <a:spcPct val="0"/>
+              </a:spcBef>
+              <a:spcAft>
+                <a:spcPct val="0"/>
+              </a:spcAft>
+              <a:defRPr sz="900" b="1">
+                <a:solidFill>
+                  <a:schemeClr val="tx1"/>
+                </a:solidFill>
+                <a:latin typeface="Times New Roman" pitchFamily="18" charset="0"/>
+                <a:ea typeface="ＭＳ Ｐ明朝" charset="-128"/>
+              </a:defRPr>
+            </a:lvl8pPr>
+            <a:lvl9pPr marL="3886200" indent="-228600" algn="ctr" eaLnBrk="0" fontAlgn="base" hangingPunct="0">
+              <a:spcBef>
+                <a:spcPct val="0"/>
+              </a:spcBef>
+              <a:spcAft>
+                <a:spcPct val="0"/>
+              </a:spcAft>
+              <a:defRPr sz="900" b="1">
+                <a:solidFill>
+                  <a:schemeClr val="tx1"/>
+                </a:solidFill>
+                <a:latin typeface="Times New Roman" pitchFamily="18" charset="0"/>
+                <a:ea typeface="ＭＳ Ｐ明朝" charset="-128"/>
+              </a:defRPr>
+            </a:lvl9pPr>
+          </a:lstStyle>
+          <a:p>
+            <a:pPr eaLnBrk="1" hangingPunct="1"/>
+            <a:r>
+              <a:rPr kumimoji="1" lang="ja-JP" altLang="en-US" sz="1000" dirty="0">
+                <a:latin typeface="Arial" charset="0"/>
+                <a:ea typeface="ＭＳ Ｐゴシック" charset="-128"/>
+              </a:rPr>
+              <a:t>実行</a:t>
+            </a:r>
+          </a:p>
+        </p:txBody>
+      </p:sp>
+      <p:sp>
+        <p:nvSpPr>
+          <p:cNvPr id="97" name="AutoShape 4"/>
+          <p:cNvSpPr>
+            <a:spLocks noChangeAspect="1" noChangeArrowheads="1"/>
+          </p:cNvSpPr>
+          <p:nvPr/>
+        </p:nvSpPr>
+        <p:spPr bwMode="auto">
+          <a:xfrm>
+            <a:off x="766180" y="2932064"/>
+            <a:ext cx="1439863" cy="649288"/>
+          </a:xfrm>
+          <a:prstGeom prst="roundRect">
+            <a:avLst>
+              <a:gd name="adj" fmla="val 16667"/>
+            </a:avLst>
+          </a:prstGeom>
+          <a:solidFill>
+            <a:srgbClr val="FFFF99"/>
+          </a:solidFill>
+          <a:ln w="12700">
+            <a:solidFill>
+              <a:srgbClr val="FF9900"/>
+            </a:solidFill>
+            <a:round/>
+            <a:headEnd/>
+            <a:tailEnd/>
+          </a:ln>
+          <a:effectLst>
+            <a:outerShdw dist="107763" dir="2700000" algn="ctr" rotWithShape="0">
+              <a:schemeClr val="bg2">
+                <a:alpha val="50000"/>
+              </a:schemeClr>
+            </a:outerShdw>
+          </a:effectLst>
+        </p:spPr>
+        <p:txBody>
+          <a:bodyPr wrap="none" anchor="ctr" anchorCtr="1"/>
+          <a:lstStyle>
+            <a:lvl1pPr eaLnBrk="0" hangingPunct="0">
+              <a:defRPr sz="900" b="1">
+                <a:solidFill>
+                  <a:schemeClr val="tx1"/>
+                </a:solidFill>
+                <a:latin typeface="Times New Roman" pitchFamily="18" charset="0"/>
+                <a:ea typeface="ＭＳ Ｐ明朝" charset="-128"/>
+              </a:defRPr>
+            </a:lvl1pPr>
+            <a:lvl2pPr marL="742950" indent="-285750" eaLnBrk="0" hangingPunct="0">
+              <a:defRPr sz="900" b="1">
+                <a:solidFill>
+                  <a:schemeClr val="tx1"/>
+                </a:solidFill>
+                <a:latin typeface="Times New Roman" pitchFamily="18" charset="0"/>
+                <a:ea typeface="ＭＳ Ｐ明朝" charset="-128"/>
+              </a:defRPr>
+            </a:lvl2pPr>
+            <a:lvl3pPr marL="1143000" indent="-228600" eaLnBrk="0" hangingPunct="0">
+              <a:defRPr sz="900" b="1">
+                <a:solidFill>
+                  <a:schemeClr val="tx1"/>
+                </a:solidFill>
+                <a:latin typeface="Times New Roman" pitchFamily="18" charset="0"/>
+                <a:ea typeface="ＭＳ Ｐ明朝" charset="-128"/>
+              </a:defRPr>
+            </a:lvl3pPr>
+            <a:lvl4pPr marL="1600200" indent="-228600" eaLnBrk="0" hangingPunct="0">
+              <a:defRPr sz="900" b="1">
+                <a:solidFill>
+                  <a:schemeClr val="tx1"/>
+                </a:solidFill>
+                <a:latin typeface="Times New Roman" pitchFamily="18" charset="0"/>
+                <a:ea typeface="ＭＳ Ｐ明朝" charset="-128"/>
+              </a:defRPr>
+            </a:lvl4pPr>
+            <a:lvl5pPr marL="2057400" indent="-228600" eaLnBrk="0" hangingPunct="0">
+              <a:defRPr sz="900" b="1">
+                <a:solidFill>
+                  <a:schemeClr val="tx1"/>
+                </a:solidFill>
+                <a:latin typeface="Times New Roman" pitchFamily="18" charset="0"/>
+                <a:ea typeface="ＭＳ Ｐ明朝" charset="-128"/>
+              </a:defRPr>
+            </a:lvl5pPr>
+            <a:lvl6pPr marL="2514600" indent="-228600" algn="ctr" eaLnBrk="0" fontAlgn="base" hangingPunct="0">
+              <a:spcBef>
+                <a:spcPct val="0"/>
+              </a:spcBef>
+              <a:spcAft>
+                <a:spcPct val="0"/>
+              </a:spcAft>
+              <a:defRPr sz="900" b="1">
+                <a:solidFill>
+                  <a:schemeClr val="tx1"/>
+                </a:solidFill>
+                <a:latin typeface="Times New Roman" pitchFamily="18" charset="0"/>
+                <a:ea typeface="ＭＳ Ｐ明朝" charset="-128"/>
+              </a:defRPr>
+            </a:lvl6pPr>
+            <a:lvl7pPr marL="2971800" indent="-228600" algn="ctr" eaLnBrk="0" fontAlgn="base" hangingPunct="0">
+              <a:spcBef>
+                <a:spcPct val="0"/>
+              </a:spcBef>
+              <a:spcAft>
+                <a:spcPct val="0"/>
+              </a:spcAft>
+              <a:defRPr sz="900" b="1">
+                <a:solidFill>
+                  <a:schemeClr val="tx1"/>
+                </a:solidFill>
+                <a:latin typeface="Times New Roman" pitchFamily="18" charset="0"/>
+                <a:ea typeface="ＭＳ Ｐ明朝" charset="-128"/>
+              </a:defRPr>
+            </a:lvl7pPr>
+            <a:lvl8pPr marL="3429000" indent="-228600" algn="ctr" eaLnBrk="0" fontAlgn="base" hangingPunct="0">
+              <a:spcBef>
+                <a:spcPct val="0"/>
+              </a:spcBef>
+              <a:spcAft>
+                <a:spcPct val="0"/>
+              </a:spcAft>
+              <a:defRPr sz="900" b="1">
+                <a:solidFill>
+                  <a:schemeClr val="tx1"/>
+                </a:solidFill>
+                <a:latin typeface="Times New Roman" pitchFamily="18" charset="0"/>
+                <a:ea typeface="ＭＳ Ｐ明朝" charset="-128"/>
+              </a:defRPr>
+            </a:lvl8pPr>
+            <a:lvl9pPr marL="3886200" indent="-228600" algn="ctr" eaLnBrk="0" fontAlgn="base" hangingPunct="0">
+              <a:spcBef>
+                <a:spcPct val="0"/>
+              </a:spcBef>
+              <a:spcAft>
+                <a:spcPct val="0"/>
+              </a:spcAft>
+              <a:defRPr sz="900" b="1">
+                <a:solidFill>
+                  <a:schemeClr val="tx1"/>
+                </a:solidFill>
+                <a:latin typeface="Times New Roman" pitchFamily="18" charset="0"/>
+                <a:ea typeface="ＭＳ Ｐ明朝" charset="-128"/>
+              </a:defRPr>
+            </a:lvl9pPr>
+          </a:lstStyle>
+          <a:p>
+            <a:pPr eaLnBrk="1" hangingPunct="1"/>
+            <a:r>
+              <a:rPr kumimoji="1" lang="en-US" altLang="ja-JP" sz="1000" dirty="0">
+                <a:latin typeface="Arial" charset="0"/>
+                <a:ea typeface="ＭＳ Ｐゴシック" charset="-128"/>
+              </a:rPr>
+              <a:t>Async</a:t>
+            </a:r>
+            <a:r>
+              <a:rPr kumimoji="1" lang="en-US" altLang="en-US" sz="1000" dirty="0">
+                <a:latin typeface="Arial" charset="0"/>
+                <a:ea typeface="ＭＳ Ｐゴシック" charset="-128"/>
+              </a:rPr>
+              <a:t>BatchExecutor</a:t>
+            </a:r>
+            <a:endParaRPr kumimoji="1" lang="en-US" altLang="ja-JP" sz="1000" dirty="0">
+              <a:latin typeface="Arial" charset="0"/>
+              <a:ea typeface="ＭＳ Ｐゴシック" charset="-128"/>
+            </a:endParaRPr>
+          </a:p>
+        </p:txBody>
+      </p:sp>
+      <p:sp>
+        <p:nvSpPr>
+          <p:cNvPr id="98" name="AutoShape 4"/>
+          <p:cNvSpPr>
+            <a:spLocks noChangeAspect="1" noChangeArrowheads="1"/>
+          </p:cNvSpPr>
+          <p:nvPr/>
+        </p:nvSpPr>
+        <p:spPr bwMode="auto">
+          <a:xfrm>
+            <a:off x="2831465" y="4005064"/>
+            <a:ext cx="1598456" cy="528390"/>
+          </a:xfrm>
+          <a:prstGeom prst="roundRect">
+            <a:avLst>
+              <a:gd name="adj" fmla="val 16667"/>
+            </a:avLst>
+          </a:prstGeom>
+          <a:solidFill>
+            <a:srgbClr val="FFFF99"/>
+          </a:solidFill>
+          <a:ln w="12700">
+            <a:solidFill>
+              <a:srgbClr val="FF9900"/>
+            </a:solidFill>
+            <a:round/>
+            <a:headEnd/>
+            <a:tailEnd/>
+          </a:ln>
+          <a:effectLst>
+            <a:outerShdw dist="107763" dir="2700000" algn="ctr" rotWithShape="0">
+              <a:schemeClr val="bg2">
+                <a:alpha val="50000"/>
+              </a:schemeClr>
+            </a:outerShdw>
+          </a:effectLst>
+        </p:spPr>
+        <p:txBody>
+          <a:bodyPr wrap="none" anchor="ctr" anchorCtr="1"/>
+          <a:lstStyle>
+            <a:lvl1pPr eaLnBrk="0" hangingPunct="0">
+              <a:defRPr sz="900" b="1">
+                <a:solidFill>
+                  <a:schemeClr val="tx1"/>
+                </a:solidFill>
+                <a:latin typeface="Times New Roman" pitchFamily="18" charset="0"/>
+                <a:ea typeface="ＭＳ Ｐ明朝" charset="-128"/>
+              </a:defRPr>
+            </a:lvl1pPr>
+            <a:lvl2pPr marL="742950" indent="-285750" eaLnBrk="0" hangingPunct="0">
+              <a:defRPr sz="900" b="1">
+                <a:solidFill>
+                  <a:schemeClr val="tx1"/>
+                </a:solidFill>
+                <a:latin typeface="Times New Roman" pitchFamily="18" charset="0"/>
+                <a:ea typeface="ＭＳ Ｐ明朝" charset="-128"/>
+              </a:defRPr>
+            </a:lvl2pPr>
+            <a:lvl3pPr marL="1143000" indent="-228600" eaLnBrk="0" hangingPunct="0">
+              <a:defRPr sz="900" b="1">
+                <a:solidFill>
+                  <a:schemeClr val="tx1"/>
+                </a:solidFill>
+                <a:latin typeface="Times New Roman" pitchFamily="18" charset="0"/>
+                <a:ea typeface="ＭＳ Ｐ明朝" charset="-128"/>
+              </a:defRPr>
+            </a:lvl3pPr>
+            <a:lvl4pPr marL="1600200" indent="-228600" eaLnBrk="0" hangingPunct="0">
+              <a:defRPr sz="900" b="1">
+                <a:solidFill>
+                  <a:schemeClr val="tx1"/>
+                </a:solidFill>
+                <a:latin typeface="Times New Roman" pitchFamily="18" charset="0"/>
+                <a:ea typeface="ＭＳ Ｐ明朝" charset="-128"/>
+              </a:defRPr>
+            </a:lvl4pPr>
+            <a:lvl5pPr marL="2057400" indent="-228600" eaLnBrk="0" hangingPunct="0">
+              <a:defRPr sz="900" b="1">
+                <a:solidFill>
+                  <a:schemeClr val="tx1"/>
+                </a:solidFill>
+                <a:latin typeface="Times New Roman" pitchFamily="18" charset="0"/>
+                <a:ea typeface="ＭＳ Ｐ明朝" charset="-128"/>
+              </a:defRPr>
+            </a:lvl5pPr>
+            <a:lvl6pPr marL="2514600" indent="-228600" algn="ctr" eaLnBrk="0" fontAlgn="base" hangingPunct="0">
+              <a:spcBef>
+                <a:spcPct val="0"/>
+              </a:spcBef>
+              <a:spcAft>
+                <a:spcPct val="0"/>
+              </a:spcAft>
+              <a:defRPr sz="900" b="1">
+                <a:solidFill>
+                  <a:schemeClr val="tx1"/>
+                </a:solidFill>
+                <a:latin typeface="Times New Roman" pitchFamily="18" charset="0"/>
+                <a:ea typeface="ＭＳ Ｐ明朝" charset="-128"/>
+              </a:defRPr>
+            </a:lvl6pPr>
+            <a:lvl7pPr marL="2971800" indent="-228600" algn="ctr" eaLnBrk="0" fontAlgn="base" hangingPunct="0">
+              <a:spcBef>
+                <a:spcPct val="0"/>
+              </a:spcBef>
+              <a:spcAft>
+                <a:spcPct val="0"/>
+              </a:spcAft>
+              <a:defRPr sz="900" b="1">
+                <a:solidFill>
+                  <a:schemeClr val="tx1"/>
+                </a:solidFill>
+                <a:latin typeface="Times New Roman" pitchFamily="18" charset="0"/>
+                <a:ea typeface="ＭＳ Ｐ明朝" charset="-128"/>
+              </a:defRPr>
+            </a:lvl7pPr>
+            <a:lvl8pPr marL="3429000" indent="-228600" algn="ctr" eaLnBrk="0" fontAlgn="base" hangingPunct="0">
+              <a:spcBef>
+                <a:spcPct val="0"/>
+              </a:spcBef>
+              <a:spcAft>
+                <a:spcPct val="0"/>
+              </a:spcAft>
+              <a:defRPr sz="900" b="1">
+                <a:solidFill>
+                  <a:schemeClr val="tx1"/>
+                </a:solidFill>
+                <a:latin typeface="Times New Roman" pitchFamily="18" charset="0"/>
+                <a:ea typeface="ＭＳ Ｐ明朝" charset="-128"/>
+              </a:defRPr>
+            </a:lvl8pPr>
+            <a:lvl9pPr marL="3886200" indent="-228600" algn="ctr" eaLnBrk="0" fontAlgn="base" hangingPunct="0">
+              <a:spcBef>
+                <a:spcPct val="0"/>
+              </a:spcBef>
+              <a:spcAft>
+                <a:spcPct val="0"/>
+              </a:spcAft>
+              <a:defRPr sz="900" b="1">
+                <a:solidFill>
+                  <a:schemeClr val="tx1"/>
+                </a:solidFill>
+                <a:latin typeface="Times New Roman" pitchFamily="18" charset="0"/>
+                <a:ea typeface="ＭＳ Ｐ明朝" charset="-128"/>
+              </a:defRPr>
+            </a:lvl9pPr>
+          </a:lstStyle>
+          <a:p>
+            <a:pPr eaLnBrk="1" hangingPunct="1"/>
+            <a:r>
+              <a:rPr kumimoji="1" lang="en-US" altLang="ja-JP" sz="1000" dirty="0" smtClean="0">
+                <a:latin typeface="Arial" charset="0"/>
+                <a:ea typeface="ＭＳ Ｐゴシック" charset="-128"/>
+              </a:rPr>
+              <a:t>AsyncJobLauncher</a:t>
+            </a:r>
+            <a:endParaRPr kumimoji="1" lang="en-US" altLang="ja-JP" sz="1000" dirty="0">
+              <a:latin typeface="Arial" charset="0"/>
+              <a:ea typeface="ＭＳ Ｐゴシック" charset="-128"/>
+            </a:endParaRPr>
+          </a:p>
+        </p:txBody>
+      </p:sp>
+      <p:sp>
+        <p:nvSpPr>
+          <p:cNvPr id="99" name="AutoShape 5"/>
+          <p:cNvSpPr>
+            <a:spLocks noChangeArrowheads="1"/>
+          </p:cNvSpPr>
+          <p:nvPr/>
+        </p:nvSpPr>
+        <p:spPr bwMode="auto">
+          <a:xfrm>
+            <a:off x="3290626" y="3615749"/>
+            <a:ext cx="720725" cy="389298"/>
+          </a:xfrm>
+          <a:prstGeom prst="downArrow">
+            <a:avLst>
+              <a:gd name="adj1" fmla="val 50000"/>
+              <a:gd name="adj2" fmla="val 42401"/>
+            </a:avLst>
+          </a:prstGeom>
+          <a:solidFill>
+            <a:schemeClr val="bg1"/>
+          </a:solidFill>
+          <a:ln w="12700" algn="ctr">
+            <a:solidFill>
+              <a:schemeClr val="tx1"/>
+            </a:solidFill>
+            <a:miter lim="800000"/>
+            <a:headEnd/>
+            <a:tailEnd/>
+          </a:ln>
+          <a:effectLst>
+            <a:outerShdw dist="107763" dir="2700000" algn="ctr" rotWithShape="0">
+              <a:schemeClr val="bg2">
+                <a:alpha val="50000"/>
+              </a:schemeClr>
+            </a:outerShdw>
+          </a:effectLst>
+        </p:spPr>
+        <p:txBody>
+          <a:bodyPr wrap="none" anchor="ctr"/>
+          <a:lstStyle>
+            <a:lvl1pPr eaLnBrk="0" hangingPunct="0">
+              <a:defRPr sz="900" b="1">
+                <a:solidFill>
+                  <a:schemeClr val="tx1"/>
+                </a:solidFill>
+                <a:latin typeface="Times New Roman" pitchFamily="18" charset="0"/>
+                <a:ea typeface="ＭＳ Ｐ明朝" charset="-128"/>
+              </a:defRPr>
+            </a:lvl1pPr>
+            <a:lvl2pPr marL="742950" indent="-285750" eaLnBrk="0" hangingPunct="0">
+              <a:defRPr sz="900" b="1">
+                <a:solidFill>
+                  <a:schemeClr val="tx1"/>
+                </a:solidFill>
+                <a:latin typeface="Times New Roman" pitchFamily="18" charset="0"/>
+                <a:ea typeface="ＭＳ Ｐ明朝" charset="-128"/>
+              </a:defRPr>
+            </a:lvl2pPr>
+            <a:lvl3pPr marL="1143000" indent="-228600" eaLnBrk="0" hangingPunct="0">
+              <a:defRPr sz="900" b="1">
+                <a:solidFill>
+                  <a:schemeClr val="tx1"/>
+                </a:solidFill>
+                <a:latin typeface="Times New Roman" pitchFamily="18" charset="0"/>
+                <a:ea typeface="ＭＳ Ｐ明朝" charset="-128"/>
+              </a:defRPr>
+            </a:lvl3pPr>
+            <a:lvl4pPr marL="1600200" indent="-228600" eaLnBrk="0" hangingPunct="0">
+              <a:defRPr sz="900" b="1">
+                <a:solidFill>
+                  <a:schemeClr val="tx1"/>
+                </a:solidFill>
+                <a:latin typeface="Times New Roman" pitchFamily="18" charset="0"/>
+                <a:ea typeface="ＭＳ Ｐ明朝" charset="-128"/>
+              </a:defRPr>
+            </a:lvl4pPr>
+            <a:lvl5pPr marL="2057400" indent="-228600" eaLnBrk="0" hangingPunct="0">
+              <a:defRPr sz="900" b="1">
+                <a:solidFill>
+                  <a:schemeClr val="tx1"/>
+                </a:solidFill>
+                <a:latin typeface="Times New Roman" pitchFamily="18" charset="0"/>
+                <a:ea typeface="ＭＳ Ｐ明朝" charset="-128"/>
+              </a:defRPr>
+            </a:lvl5pPr>
+            <a:lvl6pPr marL="2514600" indent="-228600" algn="ctr" eaLnBrk="0" fontAlgn="base" hangingPunct="0">
+              <a:spcBef>
+                <a:spcPct val="0"/>
+              </a:spcBef>
+              <a:spcAft>
+                <a:spcPct val="0"/>
+              </a:spcAft>
+              <a:defRPr sz="900" b="1">
+                <a:solidFill>
+                  <a:schemeClr val="tx1"/>
+                </a:solidFill>
+                <a:latin typeface="Times New Roman" pitchFamily="18" charset="0"/>
+                <a:ea typeface="ＭＳ Ｐ明朝" charset="-128"/>
+              </a:defRPr>
+            </a:lvl6pPr>
+            <a:lvl7pPr marL="2971800" indent="-228600" algn="ctr" eaLnBrk="0" fontAlgn="base" hangingPunct="0">
+              <a:spcBef>
+                <a:spcPct val="0"/>
+              </a:spcBef>
+              <a:spcAft>
+                <a:spcPct val="0"/>
+              </a:spcAft>
+              <a:defRPr sz="900" b="1">
+                <a:solidFill>
+                  <a:schemeClr val="tx1"/>
+                </a:solidFill>
+                <a:latin typeface="Times New Roman" pitchFamily="18" charset="0"/>
+                <a:ea typeface="ＭＳ Ｐ明朝" charset="-128"/>
+              </a:defRPr>
+            </a:lvl7pPr>
+            <a:lvl8pPr marL="3429000" indent="-228600" algn="ctr" eaLnBrk="0" fontAlgn="base" hangingPunct="0">
+              <a:spcBef>
+                <a:spcPct val="0"/>
+              </a:spcBef>
+              <a:spcAft>
+                <a:spcPct val="0"/>
+              </a:spcAft>
+              <a:defRPr sz="900" b="1">
+                <a:solidFill>
+                  <a:schemeClr val="tx1"/>
+                </a:solidFill>
+                <a:latin typeface="Times New Roman" pitchFamily="18" charset="0"/>
+                <a:ea typeface="ＭＳ Ｐ明朝" charset="-128"/>
+              </a:defRPr>
+            </a:lvl8pPr>
+            <a:lvl9pPr marL="3886200" indent="-228600" algn="ctr" eaLnBrk="0" fontAlgn="base" hangingPunct="0">
+              <a:spcBef>
+                <a:spcPct val="0"/>
+              </a:spcBef>
+              <a:spcAft>
+                <a:spcPct val="0"/>
+              </a:spcAft>
+              <a:defRPr sz="900" b="1">
+                <a:solidFill>
+                  <a:schemeClr val="tx1"/>
+                </a:solidFill>
+                <a:latin typeface="Times New Roman" pitchFamily="18" charset="0"/>
+                <a:ea typeface="ＭＳ Ｐ明朝" charset="-128"/>
+              </a:defRPr>
+            </a:lvl9pPr>
+          </a:lstStyle>
+          <a:p>
+            <a:pPr algn="ctr" eaLnBrk="1" hangingPunct="1"/>
+            <a:r>
+              <a:rPr kumimoji="1" lang="ja-JP" altLang="en-US" sz="1000" dirty="0" smtClean="0">
+                <a:latin typeface="Arial" charset="0"/>
+                <a:ea typeface="ＭＳ Ｐゴシック" charset="-128"/>
+              </a:rPr>
+              <a:t>処理委譲</a:t>
+            </a:r>
+            <a:endParaRPr kumimoji="1" lang="ja-JP" altLang="en-US" sz="1000" dirty="0">
+              <a:latin typeface="Arial" charset="0"/>
+              <a:ea typeface="ＭＳ Ｐゴシック" charset="-128"/>
+            </a:endParaRPr>
+          </a:p>
+        </p:txBody>
+      </p:sp>
+      <p:sp>
+        <p:nvSpPr>
+          <p:cNvPr id="19481" name="AutoShape 36"/>
+          <p:cNvSpPr>
+            <a:spLocks noChangeArrowheads="1"/>
+          </p:cNvSpPr>
+          <p:nvPr/>
+        </p:nvSpPr>
+        <p:spPr bwMode="auto">
+          <a:xfrm rot="19435191">
+            <a:off x="3561279" y="4484401"/>
+            <a:ext cx="720725" cy="454568"/>
+          </a:xfrm>
+          <a:prstGeom prst="downArrow">
+            <a:avLst>
+              <a:gd name="adj1" fmla="val 50000"/>
+              <a:gd name="adj2" fmla="val 27918"/>
+            </a:avLst>
+          </a:prstGeom>
+          <a:solidFill>
+            <a:schemeClr val="bg1"/>
+          </a:solidFill>
+          <a:ln w="12700" algn="ctr">
+            <a:solidFill>
+              <a:schemeClr val="tx1"/>
+            </a:solidFill>
+            <a:miter lim="800000"/>
+            <a:headEnd/>
+            <a:tailEnd/>
+          </a:ln>
+          <a:effectLst>
+            <a:outerShdw dist="107763" dir="2700000" algn="ctr" rotWithShape="0">
+              <a:schemeClr val="bg2">
+                <a:alpha val="50000"/>
+              </a:schemeClr>
+            </a:outerShdw>
+          </a:effectLst>
+        </p:spPr>
+        <p:txBody>
+          <a:bodyPr wrap="none" anchor="ctr"/>
+          <a:lstStyle>
+            <a:lvl1pPr eaLnBrk="0" hangingPunct="0">
+              <a:defRPr sz="900" b="1">
+                <a:solidFill>
+                  <a:schemeClr val="tx1"/>
+                </a:solidFill>
+                <a:latin typeface="Times New Roman" pitchFamily="18" charset="0"/>
+                <a:ea typeface="ＭＳ Ｐ明朝" charset="-128"/>
+              </a:defRPr>
+            </a:lvl1pPr>
+            <a:lvl2pPr marL="742950" indent="-285750" eaLnBrk="0" hangingPunct="0">
+              <a:defRPr sz="900" b="1">
+                <a:solidFill>
+                  <a:schemeClr val="tx1"/>
+                </a:solidFill>
+                <a:latin typeface="Times New Roman" pitchFamily="18" charset="0"/>
+                <a:ea typeface="ＭＳ Ｐ明朝" charset="-128"/>
+              </a:defRPr>
+            </a:lvl2pPr>
+            <a:lvl3pPr marL="1143000" indent="-228600" eaLnBrk="0" hangingPunct="0">
+              <a:defRPr sz="900" b="1">
+                <a:solidFill>
+                  <a:schemeClr val="tx1"/>
+                </a:solidFill>
+                <a:latin typeface="Times New Roman" pitchFamily="18" charset="0"/>
+                <a:ea typeface="ＭＳ Ｐ明朝" charset="-128"/>
+              </a:defRPr>
+            </a:lvl3pPr>
+            <a:lvl4pPr marL="1600200" indent="-228600" eaLnBrk="0" hangingPunct="0">
+              <a:defRPr sz="900" b="1">
+                <a:solidFill>
+                  <a:schemeClr val="tx1"/>
+                </a:solidFill>
+                <a:latin typeface="Times New Roman" pitchFamily="18" charset="0"/>
+                <a:ea typeface="ＭＳ Ｐ明朝" charset="-128"/>
+              </a:defRPr>
+            </a:lvl4pPr>
+            <a:lvl5pPr marL="2057400" indent="-228600" eaLnBrk="0" hangingPunct="0">
+              <a:defRPr sz="900" b="1">
+                <a:solidFill>
+                  <a:schemeClr val="tx1"/>
+                </a:solidFill>
+                <a:latin typeface="Times New Roman" pitchFamily="18" charset="0"/>
+                <a:ea typeface="ＭＳ Ｐ明朝" charset="-128"/>
+              </a:defRPr>
+            </a:lvl5pPr>
+            <a:lvl6pPr marL="2514600" indent="-228600" algn="ctr" eaLnBrk="0" fontAlgn="base" hangingPunct="0">
+              <a:spcBef>
+                <a:spcPct val="0"/>
+              </a:spcBef>
+              <a:spcAft>
+                <a:spcPct val="0"/>
+              </a:spcAft>
+              <a:defRPr sz="900" b="1">
+                <a:solidFill>
+                  <a:schemeClr val="tx1"/>
+                </a:solidFill>
+                <a:latin typeface="Times New Roman" pitchFamily="18" charset="0"/>
+                <a:ea typeface="ＭＳ Ｐ明朝" charset="-128"/>
+              </a:defRPr>
+            </a:lvl6pPr>
+            <a:lvl7pPr marL="2971800" indent="-228600" algn="ctr" eaLnBrk="0" fontAlgn="base" hangingPunct="0">
+              <a:spcBef>
+                <a:spcPct val="0"/>
+              </a:spcBef>
+              <a:spcAft>
+                <a:spcPct val="0"/>
+              </a:spcAft>
+              <a:defRPr sz="900" b="1">
+                <a:solidFill>
+                  <a:schemeClr val="tx1"/>
+                </a:solidFill>
+                <a:latin typeface="Times New Roman" pitchFamily="18" charset="0"/>
+                <a:ea typeface="ＭＳ Ｐ明朝" charset="-128"/>
+              </a:defRPr>
+            </a:lvl7pPr>
+            <a:lvl8pPr marL="3429000" indent="-228600" algn="ctr" eaLnBrk="0" fontAlgn="base" hangingPunct="0">
+              <a:spcBef>
+                <a:spcPct val="0"/>
+              </a:spcBef>
+              <a:spcAft>
+                <a:spcPct val="0"/>
+              </a:spcAft>
+              <a:defRPr sz="900" b="1">
+                <a:solidFill>
+                  <a:schemeClr val="tx1"/>
+                </a:solidFill>
+                <a:latin typeface="Times New Roman" pitchFamily="18" charset="0"/>
+                <a:ea typeface="ＭＳ Ｐ明朝" charset="-128"/>
+              </a:defRPr>
+            </a:lvl8pPr>
+            <a:lvl9pPr marL="3886200" indent="-228600" algn="ctr" eaLnBrk="0" fontAlgn="base" hangingPunct="0">
+              <a:spcBef>
+                <a:spcPct val="0"/>
+              </a:spcBef>
+              <a:spcAft>
+                <a:spcPct val="0"/>
+              </a:spcAft>
+              <a:defRPr sz="900" b="1">
+                <a:solidFill>
+                  <a:schemeClr val="tx1"/>
+                </a:solidFill>
+                <a:latin typeface="Times New Roman" pitchFamily="18" charset="0"/>
+                <a:ea typeface="ＭＳ Ｐ明朝" charset="-128"/>
+              </a:defRPr>
+            </a:lvl9pPr>
+          </a:lstStyle>
+          <a:p>
+            <a:pPr eaLnBrk="1" hangingPunct="1"/>
+            <a:endParaRPr kumimoji="1" lang="ja-JP" altLang="en-US" sz="1000" dirty="0">
+              <a:latin typeface="Arial" charset="0"/>
+              <a:ea typeface="ＭＳ Ｐゴシック" charset="-128"/>
+            </a:endParaRPr>
+          </a:p>
+        </p:txBody>
+      </p:sp>
+      <p:sp>
+        <p:nvSpPr>
+          <p:cNvPr id="19482" name="Rectangle 37"/>
+          <p:cNvSpPr>
+            <a:spLocks noChangeArrowheads="1"/>
+          </p:cNvSpPr>
+          <p:nvPr/>
+        </p:nvSpPr>
+        <p:spPr bwMode="auto">
+          <a:xfrm>
+            <a:off x="3615438" y="4600129"/>
+            <a:ext cx="694719" cy="248402"/>
+          </a:xfrm>
+          <a:prstGeom prst="rect">
+            <a:avLst/>
+          </a:prstGeom>
+          <a:noFill/>
+          <a:ln>
+            <a:noFill/>
+          </a:ln>
+          <a:effectLst/>
+          <a:extLst>
+            <a:ext uri="{909E8E84-426E-40DD-AFC4-6F175D3DCCD1}">
+              <a14:hiddenFill xmlns:a14="http://schemas.microsoft.com/office/drawing/2010/main">
+                <a:gradFill rotWithShape="1">
+                  <a:gsLst>
+                    <a:gs pos="0">
+                      <a:srgbClr val="000076"/>
+                    </a:gs>
+                    <a:gs pos="50000">
+                      <a:srgbClr val="0000FF"/>
+                    </a:gs>
+                    <a:gs pos="100000">
+                      <a:srgbClr val="000076"/>
+                    </a:gs>
+                  </a:gsLst>
+                  <a:lin ang="5400000" scaled="1"/>
+                </a:gradFill>
+              </a14:hiddenFill>
+            </a:ext>
+            <a:ext uri="{91240B29-F687-4F45-9708-019B960494DF}">
+              <a14:hiddenLine xmlns:a14="http://schemas.microsoft.com/office/drawing/2010/main" w="9525">
+                <a:solidFill>
+                  <a:schemeClr val="tx1"/>
+                </a:solidFill>
+                <a:miter lim="800000"/>
+                <a:headEnd/>
+                <a:tailEnd/>
+              </a14:hiddenLine>
+            </a:ext>
+            <a:ext uri="{AF507438-7753-43E0-B8FC-AC1667EBCBE1}">
+              <a14:hiddenEffects xmlns:a14="http://schemas.microsoft.com/office/drawing/2010/main">
+                <a:effectLst>
+                  <a:outerShdw dist="35921" dir="2700000" algn="ctr" rotWithShape="0">
+                    <a:schemeClr val="bg2"/>
+                  </a:outerShdw>
+                </a:effectLst>
+              </a14:hiddenEffects>
+            </a:ext>
+          </a:extLst>
+        </p:spPr>
+        <p:txBody>
+          <a:bodyPr wrap="none" lIns="90000" tIns="46800" rIns="90000" bIns="46800">
+            <a:spAutoFit/>
+          </a:bodyPr>
+          <a:lstStyle>
+            <a:lvl1pPr eaLnBrk="0" hangingPunct="0">
+              <a:defRPr sz="900" b="1">
+                <a:solidFill>
+                  <a:schemeClr val="tx1"/>
+                </a:solidFill>
+                <a:latin typeface="Times New Roman" pitchFamily="18" charset="0"/>
+                <a:ea typeface="ＭＳ Ｐ明朝" charset="-128"/>
+              </a:defRPr>
+            </a:lvl1pPr>
+            <a:lvl2pPr marL="742950" indent="-285750" eaLnBrk="0" hangingPunct="0">
+              <a:defRPr sz="900" b="1">
+                <a:solidFill>
+                  <a:schemeClr val="tx1"/>
+                </a:solidFill>
+                <a:latin typeface="Times New Roman" pitchFamily="18" charset="0"/>
+                <a:ea typeface="ＭＳ Ｐ明朝" charset="-128"/>
+              </a:defRPr>
+            </a:lvl2pPr>
+            <a:lvl3pPr marL="1143000" indent="-228600" eaLnBrk="0" hangingPunct="0">
+              <a:defRPr sz="900" b="1">
+                <a:solidFill>
+                  <a:schemeClr val="tx1"/>
+                </a:solidFill>
+                <a:latin typeface="Times New Roman" pitchFamily="18" charset="0"/>
+                <a:ea typeface="ＭＳ Ｐ明朝" charset="-128"/>
+              </a:defRPr>
+            </a:lvl3pPr>
+            <a:lvl4pPr marL="1600200" indent="-228600" eaLnBrk="0" hangingPunct="0">
+              <a:defRPr sz="900" b="1">
+                <a:solidFill>
+                  <a:schemeClr val="tx1"/>
+                </a:solidFill>
+                <a:latin typeface="Times New Roman" pitchFamily="18" charset="0"/>
+                <a:ea typeface="ＭＳ Ｐ明朝" charset="-128"/>
+              </a:defRPr>
+            </a:lvl4pPr>
+            <a:lvl5pPr marL="2057400" indent="-228600" eaLnBrk="0" hangingPunct="0">
+              <a:defRPr sz="900" b="1">
+                <a:solidFill>
+                  <a:schemeClr val="tx1"/>
+                </a:solidFill>
+                <a:latin typeface="Times New Roman" pitchFamily="18" charset="0"/>
+                <a:ea typeface="ＭＳ Ｐ明朝" charset="-128"/>
+              </a:defRPr>
+            </a:lvl5pPr>
+            <a:lvl6pPr marL="2514600" indent="-228600" algn="ctr" eaLnBrk="0" fontAlgn="base" hangingPunct="0">
+              <a:spcBef>
+                <a:spcPct val="0"/>
+              </a:spcBef>
+              <a:spcAft>
+                <a:spcPct val="0"/>
+              </a:spcAft>
+              <a:defRPr sz="900" b="1">
+                <a:solidFill>
+                  <a:schemeClr val="tx1"/>
+                </a:solidFill>
+                <a:latin typeface="Times New Roman" pitchFamily="18" charset="0"/>
+                <a:ea typeface="ＭＳ Ｐ明朝" charset="-128"/>
+              </a:defRPr>
+            </a:lvl6pPr>
+            <a:lvl7pPr marL="2971800" indent="-228600" algn="ctr" eaLnBrk="0" fontAlgn="base" hangingPunct="0">
+              <a:spcBef>
+                <a:spcPct val="0"/>
+              </a:spcBef>
+              <a:spcAft>
+                <a:spcPct val="0"/>
+              </a:spcAft>
+              <a:defRPr sz="900" b="1">
+                <a:solidFill>
+                  <a:schemeClr val="tx1"/>
+                </a:solidFill>
+                <a:latin typeface="Times New Roman" pitchFamily="18" charset="0"/>
+                <a:ea typeface="ＭＳ Ｐ明朝" charset="-128"/>
+              </a:defRPr>
+            </a:lvl7pPr>
+            <a:lvl8pPr marL="3429000" indent="-228600" algn="ctr" eaLnBrk="0" fontAlgn="base" hangingPunct="0">
+              <a:spcBef>
+                <a:spcPct val="0"/>
+              </a:spcBef>
+              <a:spcAft>
+                <a:spcPct val="0"/>
+              </a:spcAft>
+              <a:defRPr sz="900" b="1">
+                <a:solidFill>
+                  <a:schemeClr val="tx1"/>
+                </a:solidFill>
+                <a:latin typeface="Times New Roman" pitchFamily="18" charset="0"/>
+                <a:ea typeface="ＭＳ Ｐ明朝" charset="-128"/>
+              </a:defRPr>
+            </a:lvl8pPr>
+            <a:lvl9pPr marL="3886200" indent="-228600" algn="ctr" eaLnBrk="0" fontAlgn="base" hangingPunct="0">
+              <a:spcBef>
+                <a:spcPct val="0"/>
+              </a:spcBef>
+              <a:spcAft>
+                <a:spcPct val="0"/>
+              </a:spcAft>
+              <a:defRPr sz="900" b="1">
+                <a:solidFill>
+                  <a:schemeClr val="tx1"/>
+                </a:solidFill>
+                <a:latin typeface="Times New Roman" pitchFamily="18" charset="0"/>
+                <a:ea typeface="ＭＳ Ｐ明朝" charset="-128"/>
+              </a:defRPr>
+            </a:lvl9pPr>
+          </a:lstStyle>
+          <a:p>
+            <a:pPr algn="ctr" eaLnBrk="1" hangingPunct="1"/>
+            <a:r>
+              <a:rPr kumimoji="1" lang="ja-JP" altLang="en-US" sz="1000" dirty="0">
+                <a:ea typeface="ＭＳ Ｐゴシック" charset="-128"/>
+              </a:rPr>
+              <a:t>処理委譲</a:t>
+            </a:r>
+          </a:p>
+        </p:txBody>
+      </p:sp>
+      <p:sp>
+        <p:nvSpPr>
+          <p:cNvPr id="100" name="Line 73"/>
+          <p:cNvSpPr>
+            <a:spLocks noChangeShapeType="1"/>
+          </p:cNvSpPr>
+          <p:nvPr/>
+        </p:nvSpPr>
+        <p:spPr bwMode="auto">
+          <a:xfrm>
+            <a:off x="1835151" y="4229180"/>
+            <a:ext cx="1005919" cy="104250"/>
+          </a:xfrm>
+          <a:prstGeom prst="line">
+            <a:avLst/>
+          </a:prstGeom>
+          <a:noFill/>
+          <a:ln w="9525">
+            <a:solidFill>
+              <a:schemeClr val="tx1"/>
+            </a:solidFill>
+            <a:round/>
+            <a:headEnd/>
+            <a:tailEnd/>
+          </a:ln>
+          <a:effectLst/>
+          <a:extLst>
+            <a:ext uri="{909E8E84-426E-40DD-AFC4-6F175D3DCCD1}">
+              <a14:hiddenFill xmlns:a14="http://schemas.microsoft.com/office/drawing/2010/main">
+                <a:noFill/>
+              </a14:hiddenFill>
+            </a:ext>
+            <a:ext uri="{AF507438-7753-43E0-B8FC-AC1667EBCBE1}">
+              <a14:hiddenEffects xmlns:a14="http://schemas.microsoft.com/office/drawing/2010/main">
+                <a:effectLst>
+                  <a:outerShdw dist="35921" dir="2700000" algn="ctr" rotWithShape="0">
+                    <a:schemeClr val="bg2"/>
+                  </a:outerShdw>
+                </a:effectLst>
+              </a14:hiddenEffects>
+            </a:ext>
+          </a:extLst>
+        </p:spPr>
+        <p:txBody>
+          <a:bodyPr wrap="none" lIns="90000" tIns="46800" rIns="90000" bIns="46800" anchor="ctr"/>
+          <a:lstStyle/>
+          <a:p>
+            <a:endParaRPr lang="ja-JP" altLang="en-US" dirty="0"/>
+          </a:p>
+        </p:txBody>
+      </p:sp>
+      <p:sp>
+        <p:nvSpPr>
+          <p:cNvPr id="153" name="AutoShape 4"/>
+          <p:cNvSpPr>
+            <a:spLocks noChangeAspect="1" noChangeArrowheads="1"/>
+          </p:cNvSpPr>
+          <p:nvPr/>
+        </p:nvSpPr>
+        <p:spPr bwMode="auto">
+          <a:xfrm>
+            <a:off x="2573189" y="1758280"/>
+            <a:ext cx="1397382" cy="528390"/>
+          </a:xfrm>
+          <a:prstGeom prst="roundRect">
+            <a:avLst>
+              <a:gd name="adj" fmla="val 16667"/>
+            </a:avLst>
+          </a:prstGeom>
+          <a:solidFill>
+            <a:srgbClr val="FFFF99"/>
+          </a:solidFill>
+          <a:ln w="12700">
+            <a:solidFill>
+              <a:srgbClr val="FF9900"/>
+            </a:solidFill>
+            <a:round/>
+            <a:headEnd/>
+            <a:tailEnd/>
+          </a:ln>
+          <a:effectLst>
+            <a:outerShdw dist="107763" dir="2700000" algn="ctr" rotWithShape="0">
+              <a:schemeClr val="bg2">
+                <a:alpha val="50000"/>
+              </a:schemeClr>
+            </a:outerShdw>
+          </a:effectLst>
+        </p:spPr>
+        <p:txBody>
+          <a:bodyPr wrap="none" anchor="ctr" anchorCtr="1"/>
+          <a:lstStyle>
+            <a:lvl1pPr eaLnBrk="0" hangingPunct="0">
+              <a:defRPr sz="900" b="1">
+                <a:solidFill>
+                  <a:schemeClr val="tx1"/>
+                </a:solidFill>
+                <a:latin typeface="Times New Roman" pitchFamily="18" charset="0"/>
+                <a:ea typeface="ＭＳ Ｐ明朝" charset="-128"/>
+              </a:defRPr>
+            </a:lvl1pPr>
+            <a:lvl2pPr marL="742950" indent="-285750" eaLnBrk="0" hangingPunct="0">
+              <a:defRPr sz="900" b="1">
+                <a:solidFill>
+                  <a:schemeClr val="tx1"/>
+                </a:solidFill>
+                <a:latin typeface="Times New Roman" pitchFamily="18" charset="0"/>
+                <a:ea typeface="ＭＳ Ｐ明朝" charset="-128"/>
+              </a:defRPr>
+            </a:lvl2pPr>
+            <a:lvl3pPr marL="1143000" indent="-228600" eaLnBrk="0" hangingPunct="0">
+              <a:defRPr sz="900" b="1">
+                <a:solidFill>
+                  <a:schemeClr val="tx1"/>
+                </a:solidFill>
+                <a:latin typeface="Times New Roman" pitchFamily="18" charset="0"/>
+                <a:ea typeface="ＭＳ Ｐ明朝" charset="-128"/>
+              </a:defRPr>
+            </a:lvl3pPr>
+            <a:lvl4pPr marL="1600200" indent="-228600" eaLnBrk="0" hangingPunct="0">
+              <a:defRPr sz="900" b="1">
+                <a:solidFill>
+                  <a:schemeClr val="tx1"/>
+                </a:solidFill>
+                <a:latin typeface="Times New Roman" pitchFamily="18" charset="0"/>
+                <a:ea typeface="ＭＳ Ｐ明朝" charset="-128"/>
+              </a:defRPr>
+            </a:lvl4pPr>
+            <a:lvl5pPr marL="2057400" indent="-228600" eaLnBrk="0" hangingPunct="0">
+              <a:defRPr sz="900" b="1">
+                <a:solidFill>
+                  <a:schemeClr val="tx1"/>
+                </a:solidFill>
+                <a:latin typeface="Times New Roman" pitchFamily="18" charset="0"/>
+                <a:ea typeface="ＭＳ Ｐ明朝" charset="-128"/>
+              </a:defRPr>
+            </a:lvl5pPr>
+            <a:lvl6pPr marL="2514600" indent="-228600" algn="ctr" eaLnBrk="0" fontAlgn="base" hangingPunct="0">
+              <a:spcBef>
+                <a:spcPct val="0"/>
+              </a:spcBef>
+              <a:spcAft>
+                <a:spcPct val="0"/>
+              </a:spcAft>
+              <a:defRPr sz="900" b="1">
+                <a:solidFill>
+                  <a:schemeClr val="tx1"/>
+                </a:solidFill>
+                <a:latin typeface="Times New Roman" pitchFamily="18" charset="0"/>
+                <a:ea typeface="ＭＳ Ｐ明朝" charset="-128"/>
+              </a:defRPr>
+            </a:lvl6pPr>
+            <a:lvl7pPr marL="2971800" indent="-228600" algn="ctr" eaLnBrk="0" fontAlgn="base" hangingPunct="0">
+              <a:spcBef>
+                <a:spcPct val="0"/>
+              </a:spcBef>
+              <a:spcAft>
+                <a:spcPct val="0"/>
+              </a:spcAft>
+              <a:defRPr sz="900" b="1">
+                <a:solidFill>
+                  <a:schemeClr val="tx1"/>
+                </a:solidFill>
+                <a:latin typeface="Times New Roman" pitchFamily="18" charset="0"/>
+                <a:ea typeface="ＭＳ Ｐ明朝" charset="-128"/>
+              </a:defRPr>
+            </a:lvl7pPr>
+            <a:lvl8pPr marL="3429000" indent="-228600" algn="ctr" eaLnBrk="0" fontAlgn="base" hangingPunct="0">
+              <a:spcBef>
+                <a:spcPct val="0"/>
+              </a:spcBef>
+              <a:spcAft>
+                <a:spcPct val="0"/>
+              </a:spcAft>
+              <a:defRPr sz="900" b="1">
+                <a:solidFill>
+                  <a:schemeClr val="tx1"/>
+                </a:solidFill>
+                <a:latin typeface="Times New Roman" pitchFamily="18" charset="0"/>
+                <a:ea typeface="ＭＳ Ｐ明朝" charset="-128"/>
+              </a:defRPr>
+            </a:lvl8pPr>
+            <a:lvl9pPr marL="3886200" indent="-228600" algn="ctr" eaLnBrk="0" fontAlgn="base" hangingPunct="0">
+              <a:spcBef>
+                <a:spcPct val="0"/>
+              </a:spcBef>
+              <a:spcAft>
+                <a:spcPct val="0"/>
+              </a:spcAft>
+              <a:defRPr sz="900" b="1">
+                <a:solidFill>
+                  <a:schemeClr val="tx1"/>
+                </a:solidFill>
+                <a:latin typeface="Times New Roman" pitchFamily="18" charset="0"/>
+                <a:ea typeface="ＭＳ Ｐ明朝" charset="-128"/>
+              </a:defRPr>
+            </a:lvl9pPr>
+          </a:lstStyle>
+          <a:p>
+            <a:pPr eaLnBrk="1" hangingPunct="1"/>
+            <a:r>
+              <a:rPr kumimoji="1" lang="en-US" altLang="ja-JP" sz="1000" dirty="0" smtClean="0">
+                <a:latin typeface="Arial" charset="0"/>
+                <a:ea typeface="ＭＳ Ｐゴシック" charset="-128"/>
+              </a:rPr>
+              <a:t>AsyncBatchStopper</a:t>
+            </a:r>
+            <a:endParaRPr kumimoji="1" lang="en-US" altLang="ja-JP" sz="1000" dirty="0">
+              <a:latin typeface="Arial" charset="0"/>
+              <a:ea typeface="ＭＳ Ｐゴシック" charset="-128"/>
+            </a:endParaRPr>
+          </a:p>
+        </p:txBody>
+      </p:sp>
+      <p:sp>
+        <p:nvSpPr>
+          <p:cNvPr id="154" name="AutoShape 5"/>
+          <p:cNvSpPr>
+            <a:spLocks noChangeArrowheads="1"/>
+          </p:cNvSpPr>
+          <p:nvPr/>
+        </p:nvSpPr>
+        <p:spPr bwMode="auto">
+          <a:xfrm>
+            <a:off x="3041349" y="2339359"/>
+            <a:ext cx="720725" cy="518141"/>
+          </a:xfrm>
+          <a:prstGeom prst="downArrow">
+            <a:avLst>
+              <a:gd name="adj1" fmla="val 50000"/>
+              <a:gd name="adj2" fmla="val 42401"/>
+            </a:avLst>
+          </a:prstGeom>
+          <a:solidFill>
+            <a:schemeClr val="bg1"/>
+          </a:solidFill>
+          <a:ln w="12700" algn="ctr">
+            <a:solidFill>
+              <a:schemeClr val="tx1"/>
+            </a:solidFill>
+            <a:miter lim="800000"/>
+            <a:headEnd/>
+            <a:tailEnd/>
+          </a:ln>
+          <a:effectLst>
+            <a:outerShdw dist="107763" dir="2700000" algn="ctr" rotWithShape="0">
+              <a:schemeClr val="bg2">
+                <a:alpha val="50000"/>
+              </a:schemeClr>
+            </a:outerShdw>
+          </a:effectLst>
+        </p:spPr>
+        <p:txBody>
+          <a:bodyPr wrap="none" anchor="ctr"/>
+          <a:lstStyle>
+            <a:lvl1pPr eaLnBrk="0" hangingPunct="0">
+              <a:defRPr sz="900" b="1">
+                <a:solidFill>
+                  <a:schemeClr val="tx1"/>
+                </a:solidFill>
+                <a:latin typeface="Times New Roman" pitchFamily="18" charset="0"/>
+                <a:ea typeface="ＭＳ Ｐ明朝" charset="-128"/>
+              </a:defRPr>
+            </a:lvl1pPr>
+            <a:lvl2pPr marL="742950" indent="-285750" eaLnBrk="0" hangingPunct="0">
+              <a:defRPr sz="900" b="1">
+                <a:solidFill>
+                  <a:schemeClr val="tx1"/>
+                </a:solidFill>
+                <a:latin typeface="Times New Roman" pitchFamily="18" charset="0"/>
+                <a:ea typeface="ＭＳ Ｐ明朝" charset="-128"/>
+              </a:defRPr>
+            </a:lvl2pPr>
+            <a:lvl3pPr marL="1143000" indent="-228600" eaLnBrk="0" hangingPunct="0">
+              <a:defRPr sz="900" b="1">
+                <a:solidFill>
+                  <a:schemeClr val="tx1"/>
+                </a:solidFill>
+                <a:latin typeface="Times New Roman" pitchFamily="18" charset="0"/>
+                <a:ea typeface="ＭＳ Ｐ明朝" charset="-128"/>
+              </a:defRPr>
+            </a:lvl3pPr>
+            <a:lvl4pPr marL="1600200" indent="-228600" eaLnBrk="0" hangingPunct="0">
+              <a:defRPr sz="900" b="1">
+                <a:solidFill>
+                  <a:schemeClr val="tx1"/>
+                </a:solidFill>
+                <a:latin typeface="Times New Roman" pitchFamily="18" charset="0"/>
+                <a:ea typeface="ＭＳ Ｐ明朝" charset="-128"/>
+              </a:defRPr>
+            </a:lvl4pPr>
+            <a:lvl5pPr marL="2057400" indent="-228600" eaLnBrk="0" hangingPunct="0">
+              <a:defRPr sz="900" b="1">
+                <a:solidFill>
+                  <a:schemeClr val="tx1"/>
+                </a:solidFill>
+                <a:latin typeface="Times New Roman" pitchFamily="18" charset="0"/>
+                <a:ea typeface="ＭＳ Ｐ明朝" charset="-128"/>
+              </a:defRPr>
+            </a:lvl5pPr>
+            <a:lvl6pPr marL="2514600" indent="-228600" algn="ctr" eaLnBrk="0" fontAlgn="base" hangingPunct="0">
+              <a:spcBef>
+                <a:spcPct val="0"/>
+              </a:spcBef>
+              <a:spcAft>
+                <a:spcPct val="0"/>
+              </a:spcAft>
+              <a:defRPr sz="900" b="1">
+                <a:solidFill>
+                  <a:schemeClr val="tx1"/>
+                </a:solidFill>
+                <a:latin typeface="Times New Roman" pitchFamily="18" charset="0"/>
+                <a:ea typeface="ＭＳ Ｐ明朝" charset="-128"/>
+              </a:defRPr>
+            </a:lvl6pPr>
+            <a:lvl7pPr marL="2971800" indent="-228600" algn="ctr" eaLnBrk="0" fontAlgn="base" hangingPunct="0">
+              <a:spcBef>
+                <a:spcPct val="0"/>
+              </a:spcBef>
+              <a:spcAft>
+                <a:spcPct val="0"/>
+              </a:spcAft>
+              <a:defRPr sz="900" b="1">
+                <a:solidFill>
+                  <a:schemeClr val="tx1"/>
+                </a:solidFill>
+                <a:latin typeface="Times New Roman" pitchFamily="18" charset="0"/>
+                <a:ea typeface="ＭＳ Ｐ明朝" charset="-128"/>
+              </a:defRPr>
+            </a:lvl7pPr>
+            <a:lvl8pPr marL="3429000" indent="-228600" algn="ctr" eaLnBrk="0" fontAlgn="base" hangingPunct="0">
+              <a:spcBef>
+                <a:spcPct val="0"/>
+              </a:spcBef>
+              <a:spcAft>
+                <a:spcPct val="0"/>
+              </a:spcAft>
+              <a:defRPr sz="900" b="1">
+                <a:solidFill>
+                  <a:schemeClr val="tx1"/>
+                </a:solidFill>
+                <a:latin typeface="Times New Roman" pitchFamily="18" charset="0"/>
+                <a:ea typeface="ＭＳ Ｐ明朝" charset="-128"/>
+              </a:defRPr>
+            </a:lvl8pPr>
+            <a:lvl9pPr marL="3886200" indent="-228600" algn="ctr" eaLnBrk="0" fontAlgn="base" hangingPunct="0">
+              <a:spcBef>
+                <a:spcPct val="0"/>
+              </a:spcBef>
+              <a:spcAft>
+                <a:spcPct val="0"/>
+              </a:spcAft>
+              <a:defRPr sz="900" b="1">
+                <a:solidFill>
+                  <a:schemeClr val="tx1"/>
+                </a:solidFill>
+                <a:latin typeface="Times New Roman" pitchFamily="18" charset="0"/>
+                <a:ea typeface="ＭＳ Ｐ明朝" charset="-128"/>
+              </a:defRPr>
+            </a:lvl9pPr>
+          </a:lstStyle>
+          <a:p>
+            <a:pPr eaLnBrk="1" hangingPunct="1"/>
+            <a:r>
+              <a:rPr kumimoji="1" lang="ja-JP" altLang="en-US" sz="1000" dirty="0" smtClean="0">
+                <a:latin typeface="Arial" charset="0"/>
+                <a:ea typeface="ＭＳ Ｐゴシック" charset="-128"/>
+              </a:rPr>
+              <a:t>停止</a:t>
+            </a:r>
+            <a:endParaRPr kumimoji="1" lang="ja-JP" altLang="en-US" sz="1000" dirty="0">
+              <a:latin typeface="Arial" charset="0"/>
+              <a:ea typeface="ＭＳ Ｐゴシック" charset="-128"/>
+            </a:endParaRPr>
+          </a:p>
+        </p:txBody>
+      </p:sp>
+      <p:sp>
+        <p:nvSpPr>
+          <p:cNvPr id="157" name="AutoShape 68"/>
+          <p:cNvSpPr>
+            <a:spLocks noChangeArrowheads="1"/>
+          </p:cNvSpPr>
+          <p:nvPr/>
+        </p:nvSpPr>
+        <p:spPr bwMode="auto">
+          <a:xfrm>
+            <a:off x="4777583" y="2163138"/>
+            <a:ext cx="104897" cy="2743415"/>
+          </a:xfrm>
+          <a:prstGeom prst="upArrow">
+            <a:avLst>
+              <a:gd name="adj1" fmla="val 50000"/>
+              <a:gd name="adj2" fmla="val 272024"/>
+            </a:avLst>
+          </a:prstGeom>
+          <a:solidFill>
+            <a:schemeClr val="bg1"/>
+          </a:solidFill>
+          <a:ln w="9525">
+            <a:solidFill>
+              <a:schemeClr val="tx1"/>
+            </a:solidFill>
+            <a:miter lim="800000"/>
+            <a:headEnd/>
+            <a:tailEnd/>
+          </a:ln>
+          <a:effectLst/>
+          <a:extLst>
+            <a:ext uri="{AF507438-7753-43E0-B8FC-AC1667EBCBE1}">
+              <a14:hiddenEffects xmlns:a14="http://schemas.microsoft.com/office/drawing/2010/main">
+                <a:effectLst>
+                  <a:outerShdw dist="35921" dir="2700000" algn="ctr" rotWithShape="0">
+                    <a:schemeClr val="bg2"/>
+                  </a:outerShdw>
+                </a:effectLst>
+              </a14:hiddenEffects>
+            </a:ext>
+          </a:extLst>
+        </p:spPr>
+        <p:txBody>
+          <a:bodyPr wrap="none" lIns="90000" tIns="46800" rIns="90000" bIns="46800" anchor="ctr"/>
+          <a:lstStyle>
+            <a:lvl1pPr eaLnBrk="0" hangingPunct="0">
+              <a:defRPr sz="900" b="1">
+                <a:solidFill>
+                  <a:schemeClr val="tx1"/>
+                </a:solidFill>
+                <a:latin typeface="Times New Roman" pitchFamily="18" charset="0"/>
+                <a:ea typeface="ＭＳ Ｐ明朝" charset="-128"/>
+              </a:defRPr>
+            </a:lvl1pPr>
+            <a:lvl2pPr marL="742950" indent="-285750" eaLnBrk="0" hangingPunct="0">
+              <a:defRPr sz="900" b="1">
+                <a:solidFill>
+                  <a:schemeClr val="tx1"/>
+                </a:solidFill>
+                <a:latin typeface="Times New Roman" pitchFamily="18" charset="0"/>
+                <a:ea typeface="ＭＳ Ｐ明朝" charset="-128"/>
+              </a:defRPr>
+            </a:lvl2pPr>
+            <a:lvl3pPr marL="1143000" indent="-228600" eaLnBrk="0" hangingPunct="0">
+              <a:defRPr sz="900" b="1">
+                <a:solidFill>
+                  <a:schemeClr val="tx1"/>
+                </a:solidFill>
+                <a:latin typeface="Times New Roman" pitchFamily="18" charset="0"/>
+                <a:ea typeface="ＭＳ Ｐ明朝" charset="-128"/>
+              </a:defRPr>
+            </a:lvl3pPr>
+            <a:lvl4pPr marL="1600200" indent="-228600" eaLnBrk="0" hangingPunct="0">
+              <a:defRPr sz="900" b="1">
+                <a:solidFill>
+                  <a:schemeClr val="tx1"/>
+                </a:solidFill>
+                <a:latin typeface="Times New Roman" pitchFamily="18" charset="0"/>
+                <a:ea typeface="ＭＳ Ｐ明朝" charset="-128"/>
+              </a:defRPr>
+            </a:lvl4pPr>
+            <a:lvl5pPr marL="2057400" indent="-228600" eaLnBrk="0" hangingPunct="0">
+              <a:defRPr sz="900" b="1">
+                <a:solidFill>
+                  <a:schemeClr val="tx1"/>
+                </a:solidFill>
+                <a:latin typeface="Times New Roman" pitchFamily="18" charset="0"/>
+                <a:ea typeface="ＭＳ Ｐ明朝" charset="-128"/>
+              </a:defRPr>
+            </a:lvl5pPr>
+            <a:lvl6pPr marL="2514600" indent="-228600" algn="ctr" eaLnBrk="0" fontAlgn="base" hangingPunct="0">
+              <a:spcBef>
+                <a:spcPct val="0"/>
+              </a:spcBef>
+              <a:spcAft>
+                <a:spcPct val="0"/>
+              </a:spcAft>
+              <a:defRPr sz="900" b="1">
+                <a:solidFill>
+                  <a:schemeClr val="tx1"/>
+                </a:solidFill>
+                <a:latin typeface="Times New Roman" pitchFamily="18" charset="0"/>
+                <a:ea typeface="ＭＳ Ｐ明朝" charset="-128"/>
+              </a:defRPr>
+            </a:lvl6pPr>
+            <a:lvl7pPr marL="2971800" indent="-228600" algn="ctr" eaLnBrk="0" fontAlgn="base" hangingPunct="0">
+              <a:spcBef>
+                <a:spcPct val="0"/>
+              </a:spcBef>
+              <a:spcAft>
+                <a:spcPct val="0"/>
+              </a:spcAft>
+              <a:defRPr sz="900" b="1">
+                <a:solidFill>
+                  <a:schemeClr val="tx1"/>
+                </a:solidFill>
+                <a:latin typeface="Times New Roman" pitchFamily="18" charset="0"/>
+                <a:ea typeface="ＭＳ Ｐ明朝" charset="-128"/>
+              </a:defRPr>
+            </a:lvl7pPr>
+            <a:lvl8pPr marL="3429000" indent="-228600" algn="ctr" eaLnBrk="0" fontAlgn="base" hangingPunct="0">
+              <a:spcBef>
+                <a:spcPct val="0"/>
+              </a:spcBef>
+              <a:spcAft>
+                <a:spcPct val="0"/>
+              </a:spcAft>
+              <a:defRPr sz="900" b="1">
+                <a:solidFill>
+                  <a:schemeClr val="tx1"/>
+                </a:solidFill>
+                <a:latin typeface="Times New Roman" pitchFamily="18" charset="0"/>
+                <a:ea typeface="ＭＳ Ｐ明朝" charset="-128"/>
+              </a:defRPr>
+            </a:lvl8pPr>
+            <a:lvl9pPr marL="3886200" indent="-228600" algn="ctr" eaLnBrk="0" fontAlgn="base" hangingPunct="0">
+              <a:spcBef>
+                <a:spcPct val="0"/>
+              </a:spcBef>
+              <a:spcAft>
+                <a:spcPct val="0"/>
+              </a:spcAft>
+              <a:defRPr sz="900" b="1">
+                <a:solidFill>
+                  <a:schemeClr val="tx1"/>
+                </a:solidFill>
+                <a:latin typeface="Times New Roman" pitchFamily="18" charset="0"/>
+                <a:ea typeface="ＭＳ Ｐ明朝" charset="-128"/>
+              </a:defRPr>
+            </a:lvl9pPr>
+          </a:lstStyle>
+          <a:p>
+            <a:pPr eaLnBrk="1" hangingPunct="1"/>
+            <a:endParaRPr lang="ja-JP" altLang="en-US" dirty="0"/>
+          </a:p>
+        </p:txBody>
+      </p:sp>
+      <p:sp>
+        <p:nvSpPr>
+          <p:cNvPr id="19504" name="Line 73"/>
+          <p:cNvSpPr>
+            <a:spLocks noChangeShapeType="1"/>
+          </p:cNvSpPr>
+          <p:nvPr/>
+        </p:nvSpPr>
+        <p:spPr bwMode="auto">
+          <a:xfrm flipV="1">
+            <a:off x="4626231" y="2824435"/>
+            <a:ext cx="960182" cy="419100"/>
+          </a:xfrm>
+          <a:prstGeom prst="line">
+            <a:avLst/>
+          </a:prstGeom>
+          <a:noFill/>
+          <a:ln w="9525">
+            <a:solidFill>
+              <a:schemeClr val="tx1"/>
+            </a:solidFill>
+            <a:round/>
+            <a:headEnd/>
+            <a:tailEnd/>
+          </a:ln>
+          <a:effectLst/>
+          <a:extLst>
+            <a:ext uri="{909E8E84-426E-40DD-AFC4-6F175D3DCCD1}">
+              <a14:hiddenFill xmlns:a14="http://schemas.microsoft.com/office/drawing/2010/main">
+                <a:noFill/>
+              </a14:hiddenFill>
+            </a:ext>
+            <a:ext uri="{AF507438-7753-43E0-B8FC-AC1667EBCBE1}">
+              <a14:hiddenEffects xmlns:a14="http://schemas.microsoft.com/office/drawing/2010/main">
+                <a:effectLst>
+                  <a:outerShdw dist="35921" dir="2700000" algn="ctr" rotWithShape="0">
+                    <a:schemeClr val="bg2"/>
+                  </a:outerShdw>
+                </a:effectLst>
+              </a14:hiddenEffects>
+            </a:ext>
+          </a:extLst>
+        </p:spPr>
+        <p:txBody>
+          <a:bodyPr wrap="none" lIns="90000" tIns="46800" rIns="90000" bIns="46800" anchor="ctr"/>
+          <a:lstStyle/>
+          <a:p>
+            <a:endParaRPr lang="ja-JP" altLang="en-US" dirty="0"/>
+          </a:p>
+        </p:txBody>
+      </p:sp>
+      <p:sp>
+        <p:nvSpPr>
+          <p:cNvPr id="155" name="Line 73"/>
+          <p:cNvSpPr>
+            <a:spLocks noChangeShapeType="1"/>
+          </p:cNvSpPr>
+          <p:nvPr/>
+        </p:nvSpPr>
+        <p:spPr bwMode="auto">
+          <a:xfrm flipV="1">
+            <a:off x="4396957" y="2312288"/>
+            <a:ext cx="960182" cy="419100"/>
+          </a:xfrm>
+          <a:prstGeom prst="line">
+            <a:avLst/>
+          </a:prstGeom>
+          <a:noFill/>
+          <a:ln w="9525">
+            <a:solidFill>
+              <a:schemeClr val="tx1"/>
+            </a:solidFill>
+            <a:round/>
+            <a:headEnd/>
+            <a:tailEnd/>
+          </a:ln>
+          <a:effectLst/>
+          <a:extLst>
+            <a:ext uri="{909E8E84-426E-40DD-AFC4-6F175D3DCCD1}">
+              <a14:hiddenFill xmlns:a14="http://schemas.microsoft.com/office/drawing/2010/main">
+                <a:noFill/>
+              </a14:hiddenFill>
+            </a:ext>
+            <a:ext uri="{AF507438-7753-43E0-B8FC-AC1667EBCBE1}">
+              <a14:hiddenEffects xmlns:a14="http://schemas.microsoft.com/office/drawing/2010/main">
+                <a:effectLst>
+                  <a:outerShdw dist="35921" dir="2700000" algn="ctr" rotWithShape="0">
+                    <a:schemeClr val="bg2"/>
+                  </a:outerShdw>
+                </a:effectLst>
+              </a14:hiddenEffects>
+            </a:ext>
+          </a:extLst>
+        </p:spPr>
+        <p:txBody>
+          <a:bodyPr wrap="none" lIns="90000" tIns="46800" rIns="90000" bIns="46800" anchor="ctr"/>
+          <a:lstStyle/>
+          <a:p>
+            <a:endParaRPr lang="ja-JP" altLang="en-US" dirty="0"/>
+          </a:p>
+        </p:txBody>
+      </p:sp>
+      <p:sp>
+        <p:nvSpPr>
+          <p:cNvPr id="158" name="Rectangle 11"/>
+          <p:cNvSpPr>
+            <a:spLocks noChangeArrowheads="1"/>
+          </p:cNvSpPr>
+          <p:nvPr/>
+        </p:nvSpPr>
+        <p:spPr bwMode="gray">
+          <a:xfrm>
+            <a:off x="2355181" y="1489631"/>
+            <a:ext cx="2127380" cy="226591"/>
+          </a:xfrm>
+          <a:prstGeom prst="rect">
+            <a:avLst/>
+          </a:prstGeom>
+          <a:noFill/>
+          <a:ln>
+            <a:noFill/>
+          </a:ln>
+          <a:effectLst/>
+          <a:extLst>
+            <a:ext uri="{909E8E84-426E-40DD-AFC4-6F175D3DCCD1}">
+              <a14:hiddenFill xmlns:a14="http://schemas.microsoft.com/office/drawing/2010/main">
+                <a:solidFill>
+                  <a:srgbClr val="3366CC"/>
+                </a:solidFill>
+              </a14:hiddenFill>
+            </a:ext>
+            <a:ext uri="{91240B29-F687-4F45-9708-019B960494DF}">
+              <a14:hiddenLine xmlns:a14="http://schemas.microsoft.com/office/drawing/2010/main" w="28575" algn="ctr">
+                <a:solidFill>
+                  <a:srgbClr val="3366CC"/>
+                </a:solidFill>
+                <a:prstDash val="sysDot"/>
+                <a:miter lim="800000"/>
+                <a:headEnd/>
+                <a:tailEnd/>
+              </a14:hiddenLine>
+            </a:ext>
+            <a:ext uri="{AF507438-7753-43E0-B8FC-AC1667EBCBE1}">
+              <a14:hiddenEffects xmlns:a14="http://schemas.microsoft.com/office/drawing/2010/main">
+                <a:effectLst>
+                  <a:outerShdw dist="35921" dir="2700000" algn="ctr" rotWithShape="0">
+                    <a:schemeClr val="bg2"/>
+                  </a:outerShdw>
+                </a:effectLst>
+              </a14:hiddenEffects>
+            </a:ext>
+          </a:extLst>
+        </p:spPr>
+        <p:txBody>
+          <a:bodyPr wrap="square" lIns="36000" tIns="36000" rIns="36000" bIns="36000" anchor="ctr">
+            <a:spAutoFit/>
+          </a:bodyPr>
+          <a:lstStyle>
+            <a:lvl1pPr eaLnBrk="0" hangingPunct="0">
+              <a:defRPr sz="900" b="1">
+                <a:solidFill>
+                  <a:schemeClr val="tx1"/>
+                </a:solidFill>
+                <a:latin typeface="Times New Roman" pitchFamily="18" charset="0"/>
+                <a:ea typeface="ＭＳ Ｐ明朝" charset="-128"/>
+              </a:defRPr>
+            </a:lvl1pPr>
+            <a:lvl2pPr marL="742950" indent="-285750" eaLnBrk="0" hangingPunct="0">
+              <a:defRPr sz="900" b="1">
+                <a:solidFill>
+                  <a:schemeClr val="tx1"/>
+                </a:solidFill>
+                <a:latin typeface="Times New Roman" pitchFamily="18" charset="0"/>
+                <a:ea typeface="ＭＳ Ｐ明朝" charset="-128"/>
+              </a:defRPr>
+            </a:lvl2pPr>
+            <a:lvl3pPr marL="1143000" indent="-228600" eaLnBrk="0" hangingPunct="0">
+              <a:defRPr sz="900" b="1">
+                <a:solidFill>
+                  <a:schemeClr val="tx1"/>
+                </a:solidFill>
+                <a:latin typeface="Times New Roman" pitchFamily="18" charset="0"/>
+                <a:ea typeface="ＭＳ Ｐ明朝" charset="-128"/>
+              </a:defRPr>
+            </a:lvl3pPr>
+            <a:lvl4pPr marL="1600200" indent="-228600" eaLnBrk="0" hangingPunct="0">
+              <a:defRPr sz="900" b="1">
+                <a:solidFill>
+                  <a:schemeClr val="tx1"/>
+                </a:solidFill>
+                <a:latin typeface="Times New Roman" pitchFamily="18" charset="0"/>
+                <a:ea typeface="ＭＳ Ｐ明朝" charset="-128"/>
+              </a:defRPr>
+            </a:lvl4pPr>
+            <a:lvl5pPr marL="2057400" indent="-228600" eaLnBrk="0" hangingPunct="0">
+              <a:defRPr sz="900" b="1">
+                <a:solidFill>
+                  <a:schemeClr val="tx1"/>
+                </a:solidFill>
+                <a:latin typeface="Times New Roman" pitchFamily="18" charset="0"/>
+                <a:ea typeface="ＭＳ Ｐ明朝" charset="-128"/>
+              </a:defRPr>
+            </a:lvl5pPr>
+            <a:lvl6pPr marL="2514600" indent="-228600" algn="ctr" eaLnBrk="0" fontAlgn="base" hangingPunct="0">
+              <a:spcBef>
+                <a:spcPct val="0"/>
+              </a:spcBef>
+              <a:spcAft>
+                <a:spcPct val="0"/>
+              </a:spcAft>
+              <a:defRPr sz="900" b="1">
+                <a:solidFill>
+                  <a:schemeClr val="tx1"/>
+                </a:solidFill>
+                <a:latin typeface="Times New Roman" pitchFamily="18" charset="0"/>
+                <a:ea typeface="ＭＳ Ｐ明朝" charset="-128"/>
+              </a:defRPr>
+            </a:lvl6pPr>
+            <a:lvl7pPr marL="2971800" indent="-228600" algn="ctr" eaLnBrk="0" fontAlgn="base" hangingPunct="0">
+              <a:spcBef>
+                <a:spcPct val="0"/>
+              </a:spcBef>
+              <a:spcAft>
+                <a:spcPct val="0"/>
+              </a:spcAft>
+              <a:defRPr sz="900" b="1">
+                <a:solidFill>
+                  <a:schemeClr val="tx1"/>
+                </a:solidFill>
+                <a:latin typeface="Times New Roman" pitchFamily="18" charset="0"/>
+                <a:ea typeface="ＭＳ Ｐ明朝" charset="-128"/>
+              </a:defRPr>
+            </a:lvl7pPr>
+            <a:lvl8pPr marL="3429000" indent="-228600" algn="ctr" eaLnBrk="0" fontAlgn="base" hangingPunct="0">
+              <a:spcBef>
+                <a:spcPct val="0"/>
+              </a:spcBef>
+              <a:spcAft>
+                <a:spcPct val="0"/>
+              </a:spcAft>
+              <a:defRPr sz="900" b="1">
+                <a:solidFill>
+                  <a:schemeClr val="tx1"/>
+                </a:solidFill>
+                <a:latin typeface="Times New Roman" pitchFamily="18" charset="0"/>
+                <a:ea typeface="ＭＳ Ｐ明朝" charset="-128"/>
+              </a:defRPr>
+            </a:lvl8pPr>
+            <a:lvl9pPr marL="3886200" indent="-228600" algn="ctr" eaLnBrk="0" fontAlgn="base" hangingPunct="0">
+              <a:spcBef>
+                <a:spcPct val="0"/>
+              </a:spcBef>
+              <a:spcAft>
+                <a:spcPct val="0"/>
+              </a:spcAft>
+              <a:defRPr sz="900" b="1">
+                <a:solidFill>
+                  <a:schemeClr val="tx1"/>
+                </a:solidFill>
+                <a:latin typeface="Times New Roman" pitchFamily="18" charset="0"/>
+                <a:ea typeface="ＭＳ Ｐ明朝" charset="-128"/>
+              </a:defRPr>
+            </a:lvl9pPr>
+          </a:lstStyle>
+          <a:p>
+            <a:pPr eaLnBrk="1" hangingPunct="1"/>
+            <a:r>
+              <a:rPr lang="ja-JP" altLang="en-US" sz="1000" dirty="0" smtClean="0">
+                <a:latin typeface="Arial" charset="0"/>
+                <a:ea typeface="ＭＳ Ｐゴシック" charset="-128"/>
+              </a:rPr>
+              <a:t>⑨</a:t>
+            </a:r>
+            <a:r>
+              <a:rPr lang="en-US" altLang="ja-JP" sz="1000" dirty="0" err="1" smtClean="0">
+                <a:latin typeface="Arial" charset="0"/>
+                <a:ea typeface="ＭＳ Ｐゴシック" charset="-128"/>
+              </a:rPr>
+              <a:t>JobOperator</a:t>
+            </a:r>
+            <a:r>
+              <a:rPr lang="ja-JP" altLang="en-US" sz="1000" dirty="0" err="1" smtClean="0">
+                <a:latin typeface="Arial" charset="0"/>
+                <a:ea typeface="ＭＳ Ｐゴシック" charset="-128"/>
+              </a:rPr>
+              <a:t>を</a:t>
+            </a:r>
+            <a:r>
+              <a:rPr lang="ja-JP" altLang="en-US" sz="1000" dirty="0" err="1" smtClean="0">
+                <a:latin typeface="Arial" charset="0"/>
+                <a:ea typeface="ＭＳ Ｐゴシック" charset="-128"/>
+              </a:rPr>
+              <a:t>停</a:t>
+            </a:r>
+            <a:r>
+              <a:rPr lang="ja-JP" altLang="en-US" sz="1000" dirty="0" smtClean="0">
+                <a:latin typeface="Arial" charset="0"/>
+                <a:ea typeface="ＭＳ Ｐゴシック" charset="-128"/>
+              </a:rPr>
+              <a:t>止させる</a:t>
+            </a:r>
+            <a:endParaRPr kumimoji="1" lang="ja-JP" altLang="en-US" sz="1000" dirty="0">
+              <a:latin typeface="Arial" charset="0"/>
+              <a:ea typeface="ＭＳ Ｐゴシック" charset="-128"/>
+            </a:endParaRPr>
           </a:p>
         </p:txBody>
       </p:sp>
@@ -20591,6 +22296,3400 @@
     <p:extLst>
       <p:ext uri="{BB962C8B-B14F-4D97-AF65-F5344CB8AC3E}">
         <p14:creationId xmlns:p14="http://schemas.microsoft.com/office/powerpoint/2010/main" val="1396820450"/>
+      </p:ext>
+    </p:extLst>
+  </p:cSld>
+  <p:clrMapOvr>
+    <a:masterClrMapping/>
+  </p:clrMapOvr>
+  <p:timing>
+    <p:tnLst>
+      <p:par>
+        <p:cTn id="1" dur="indefinite" restart="never" nodeType="tmRoot"/>
+      </p:par>
+    </p:tnLst>
+  </p:timing>
+</p:sld>
+</file>
+
+<file path=ppt/slides/slide4.xml><?xml version="1.0" encoding="utf-8"?>
+<p:sld xmlns:a="http://schemas.openxmlformats.org/drawingml/2006/main" xmlns:r="http://schemas.openxmlformats.org/officeDocument/2006/relationships" xmlns:p="http://schemas.openxmlformats.org/presentationml/2006/main">
+  <p:cSld>
+    <p:spTree>
+      <p:nvGrpSpPr>
+        <p:cNvPr id="1" name=""/>
+        <p:cNvGrpSpPr/>
+        <p:nvPr/>
+      </p:nvGrpSpPr>
+      <p:grpSpPr>
+        <a:xfrm>
+          <a:off x="0" y="0"/>
+          <a:ext cx="0" cy="0"/>
+          <a:chOff x="0" y="0"/>
+          <a:chExt cx="0" cy="0"/>
+        </a:xfrm>
+      </p:grpSpPr>
+      <p:sp>
+        <p:nvSpPr>
+          <p:cNvPr id="4" name="AutoShape 6"/>
+          <p:cNvSpPr>
+            <a:spLocks noChangeAspect="1" noChangeArrowheads="1"/>
+          </p:cNvSpPr>
+          <p:nvPr/>
+        </p:nvSpPr>
+        <p:spPr bwMode="auto">
+          <a:xfrm>
+            <a:off x="3492426" y="1700809"/>
+            <a:ext cx="4948238" cy="2881684"/>
+          </a:xfrm>
+          <a:prstGeom prst="roundRect">
+            <a:avLst>
+              <a:gd name="adj" fmla="val 16667"/>
+            </a:avLst>
+          </a:prstGeom>
+          <a:solidFill>
+            <a:srgbClr val="FFFF99"/>
+          </a:solidFill>
+          <a:ln w="12700">
+            <a:solidFill>
+              <a:srgbClr val="FF9900"/>
+            </a:solidFill>
+            <a:round/>
+            <a:headEnd/>
+            <a:tailEnd/>
+          </a:ln>
+          <a:effectLst>
+            <a:outerShdw dist="107763" dir="2700000" algn="ctr" rotWithShape="0">
+              <a:schemeClr val="bg2">
+                <a:alpha val="50000"/>
+              </a:schemeClr>
+            </a:outerShdw>
+          </a:effectLst>
+        </p:spPr>
+        <p:txBody>
+          <a:bodyPr wrap="none"/>
+          <a:lstStyle/>
+          <a:p>
+            <a:r>
+              <a:rPr kumimoji="1" lang="en-US" altLang="ja-JP" sz="1000" dirty="0" smtClean="0">
+                <a:latin typeface="Arial" panose="020B0604020202020204" pitchFamily="34" charset="0"/>
+                <a:ea typeface="ＭＳ Ｐゴシック" panose="020B0600070205080204" pitchFamily="50" charset="-128"/>
+              </a:rPr>
+              <a:t>AbstructTransactionBLogic</a:t>
+            </a:r>
+            <a:endParaRPr kumimoji="1" lang="en-US" altLang="ja-JP" sz="1000" dirty="0" smtClean="0">
+              <a:latin typeface="Arial" panose="020B0604020202020204" pitchFamily="34" charset="0"/>
+              <a:ea typeface="ＭＳ Ｐゴシック" panose="020B0600070205080204" pitchFamily="50" charset="-128"/>
+            </a:endParaRPr>
+          </a:p>
+        </p:txBody>
+      </p:sp>
+      <p:sp>
+        <p:nvSpPr>
+          <p:cNvPr id="5" name="AutoShape 7"/>
+          <p:cNvSpPr>
+            <a:spLocks noChangeAspect="1" noChangeArrowheads="1"/>
+          </p:cNvSpPr>
+          <p:nvPr/>
+        </p:nvSpPr>
+        <p:spPr bwMode="auto">
+          <a:xfrm>
+            <a:off x="755576" y="2348880"/>
+            <a:ext cx="1439863" cy="1657350"/>
+          </a:xfrm>
+          <a:prstGeom prst="roundRect">
+            <a:avLst>
+              <a:gd name="adj" fmla="val 16667"/>
+            </a:avLst>
+          </a:prstGeom>
+          <a:solidFill>
+            <a:srgbClr val="FFFF99"/>
+          </a:solidFill>
+          <a:ln w="12700">
+            <a:solidFill>
+              <a:srgbClr val="FF9900"/>
+            </a:solidFill>
+            <a:round/>
+            <a:headEnd/>
+            <a:tailEnd/>
+          </a:ln>
+          <a:effectLst>
+            <a:outerShdw dist="107763" dir="2700000" algn="ctr" rotWithShape="0">
+              <a:schemeClr val="bg2">
+                <a:alpha val="50000"/>
+              </a:schemeClr>
+            </a:outerShdw>
+          </a:effectLst>
+        </p:spPr>
+        <p:txBody>
+          <a:bodyPr wrap="none"/>
+          <a:lstStyle/>
+          <a:p>
+            <a:r>
+              <a:rPr kumimoji="1" lang="en-US" altLang="en-US" sz="1000" dirty="0">
+                <a:latin typeface="Arial" panose="020B0604020202020204" pitchFamily="34" charset="0"/>
+                <a:ea typeface="ＭＳ Ｐゴシック" panose="020B0600070205080204" pitchFamily="50" charset="-128"/>
+              </a:rPr>
+              <a:t>BatchExecutor</a:t>
+            </a:r>
+            <a:endParaRPr kumimoji="1" lang="en-US" altLang="ja-JP" sz="1000" dirty="0">
+              <a:latin typeface="Arial" panose="020B0604020202020204" pitchFamily="34" charset="0"/>
+              <a:ea typeface="ＭＳ Ｐゴシック" panose="020B0600070205080204" pitchFamily="50" charset="-128"/>
+            </a:endParaRPr>
+          </a:p>
+        </p:txBody>
+      </p:sp>
+      <p:sp>
+        <p:nvSpPr>
+          <p:cNvPr id="6" name="AutoShape 8"/>
+          <p:cNvSpPr>
+            <a:spLocks noChangeAspect="1" noChangeArrowheads="1"/>
+          </p:cNvSpPr>
+          <p:nvPr/>
+        </p:nvSpPr>
+        <p:spPr bwMode="auto">
+          <a:xfrm>
+            <a:off x="6013376" y="2277442"/>
+            <a:ext cx="2203450" cy="1800225"/>
+          </a:xfrm>
+          <a:prstGeom prst="roundRect">
+            <a:avLst>
+              <a:gd name="adj" fmla="val 16667"/>
+            </a:avLst>
+          </a:prstGeom>
+          <a:solidFill>
+            <a:srgbClr val="FFFF99"/>
+          </a:solidFill>
+          <a:ln w="12700">
+            <a:solidFill>
+              <a:srgbClr val="FF9900"/>
+            </a:solidFill>
+            <a:round/>
+            <a:headEnd/>
+            <a:tailEnd/>
+          </a:ln>
+          <a:effectLst>
+            <a:outerShdw dist="107763" dir="2700000" algn="ctr" rotWithShape="0">
+              <a:schemeClr val="bg2">
+                <a:alpha val="50000"/>
+              </a:schemeClr>
+            </a:outerShdw>
+          </a:effectLst>
+        </p:spPr>
+        <p:txBody>
+          <a:bodyPr wrap="none"/>
+          <a:lstStyle/>
+          <a:p>
+            <a:r>
+              <a:rPr kumimoji="1" lang="ja-JP" altLang="en-US" sz="1000" b="0" dirty="0">
+                <a:latin typeface="Arial" panose="020B0604020202020204" pitchFamily="34" charset="0"/>
+                <a:ea typeface="ＭＳ Ｐゴシック" panose="020B0600070205080204" pitchFamily="50" charset="-128"/>
+              </a:rPr>
+              <a:t>ビジネスロジック実装クラス </a:t>
+            </a:r>
+          </a:p>
+          <a:p>
+            <a:r>
+              <a:rPr kumimoji="1" lang="en-US" altLang="ja-JP" sz="1000" b="0" dirty="0">
+                <a:latin typeface="Arial" panose="020B0604020202020204" pitchFamily="34" charset="0"/>
+                <a:ea typeface="ＭＳ Ｐゴシック" panose="020B0600070205080204" pitchFamily="50" charset="-128"/>
+              </a:rPr>
+              <a:t>AbstructTransactionBLogic</a:t>
+            </a:r>
+            <a:r>
+              <a:rPr kumimoji="1" lang="ja-JP" altLang="en-US" sz="1000" b="0" dirty="0">
+                <a:latin typeface="Arial" panose="020B0604020202020204" pitchFamily="34" charset="0"/>
+                <a:ea typeface="ＭＳ Ｐゴシック" panose="020B0600070205080204" pitchFamily="50" charset="-128"/>
+              </a:rPr>
+              <a:t>を継承し、</a:t>
+            </a:r>
+          </a:p>
+          <a:p>
+            <a:r>
+              <a:rPr kumimoji="1" lang="ja-JP" altLang="en-US" sz="1000" b="0" dirty="0">
+                <a:latin typeface="Arial" panose="020B0604020202020204" pitchFamily="34" charset="0"/>
+                <a:ea typeface="ＭＳ Ｐゴシック" panose="020B0600070205080204" pitchFamily="50" charset="-128"/>
+              </a:rPr>
+              <a:t>以下のメソッドを実装する。</a:t>
+            </a:r>
+            <a:endParaRPr kumimoji="1" lang="en-US" altLang="ja-JP" sz="1000" b="0" dirty="0">
+              <a:latin typeface="Arial" panose="020B0604020202020204" pitchFamily="34" charset="0"/>
+              <a:ea typeface="ＭＳ Ｐゴシック" panose="020B0600070205080204" pitchFamily="50" charset="-128"/>
+            </a:endParaRPr>
+          </a:p>
+          <a:p>
+            <a:endParaRPr kumimoji="1" lang="en-US" altLang="ja-JP" sz="1000" b="0" dirty="0">
+              <a:latin typeface="Arial" panose="020B0604020202020204" pitchFamily="34" charset="0"/>
+              <a:ea typeface="ＭＳ Ｐゴシック" panose="020B0600070205080204" pitchFamily="50" charset="-128"/>
+            </a:endParaRPr>
+          </a:p>
+          <a:p>
+            <a:r>
+              <a:rPr kumimoji="1" lang="en-US" altLang="ja-JP" sz="1000" b="0" dirty="0">
+                <a:latin typeface="Arial" panose="020B0604020202020204" pitchFamily="34" charset="0"/>
+                <a:ea typeface="ＭＳ Ｐゴシック" panose="020B0600070205080204" pitchFamily="50" charset="-128"/>
+              </a:rPr>
+              <a:t>doMain() </a:t>
+            </a:r>
+            <a:r>
+              <a:rPr kumimoji="1" lang="ja-JP" altLang="en-US" sz="1000" b="0" dirty="0">
+                <a:latin typeface="Arial" panose="020B0604020202020204" pitchFamily="34" charset="0"/>
+                <a:ea typeface="ＭＳ Ｐゴシック" panose="020B0600070205080204" pitchFamily="50" charset="-128"/>
+              </a:rPr>
+              <a:t>： </a:t>
+            </a:r>
+            <a:r>
+              <a:rPr lang="ja-JP" altLang="en-US" sz="1000" dirty="0">
+                <a:latin typeface="Arial" panose="020B0604020202020204" pitchFamily="34" charset="0"/>
+                <a:ea typeface="ＭＳ Ｐゴシック" panose="020B0600070205080204" pitchFamily="50" charset="-128"/>
+              </a:rPr>
+              <a:t>業務</a:t>
+            </a:r>
+            <a:r>
+              <a:rPr kumimoji="1" lang="ja-JP" altLang="en-US" sz="1000" b="0" dirty="0" smtClean="0">
+                <a:latin typeface="Arial" panose="020B0604020202020204" pitchFamily="34" charset="0"/>
+                <a:ea typeface="ＭＳ Ｐゴシック" panose="020B0600070205080204" pitchFamily="50" charset="-128"/>
+              </a:rPr>
+              <a:t>処理</a:t>
+            </a:r>
+            <a:r>
+              <a:rPr kumimoji="1" lang="ja-JP" altLang="en-US" sz="1000" b="0" dirty="0">
+                <a:latin typeface="Arial" panose="020B0604020202020204" pitchFamily="34" charset="0"/>
+                <a:ea typeface="ＭＳ Ｐゴシック" panose="020B0600070205080204" pitchFamily="50" charset="-128"/>
+              </a:rPr>
+              <a:t>を実装</a:t>
+            </a:r>
+          </a:p>
+        </p:txBody>
+      </p:sp>
+      <p:sp>
+        <p:nvSpPr>
+          <p:cNvPr id="7" name="AutoShape 9"/>
+          <p:cNvSpPr>
+            <a:spLocks noChangeAspect="1" noChangeArrowheads="1"/>
+          </p:cNvSpPr>
+          <p:nvPr/>
+        </p:nvSpPr>
+        <p:spPr bwMode="auto">
+          <a:xfrm>
+            <a:off x="3708326" y="2044080"/>
+            <a:ext cx="1222375" cy="2286000"/>
+          </a:xfrm>
+          <a:prstGeom prst="roundRect">
+            <a:avLst>
+              <a:gd name="adj" fmla="val 16667"/>
+            </a:avLst>
+          </a:prstGeom>
+          <a:solidFill>
+            <a:srgbClr val="FFFF99"/>
+          </a:solidFill>
+          <a:ln w="12700">
+            <a:solidFill>
+              <a:srgbClr val="FF9900"/>
+            </a:solidFill>
+            <a:round/>
+            <a:headEnd/>
+            <a:tailEnd/>
+          </a:ln>
+          <a:effectLst>
+            <a:outerShdw dist="107763" dir="2700000" algn="ctr" rotWithShape="0">
+              <a:schemeClr val="bg2">
+                <a:alpha val="50000"/>
+              </a:schemeClr>
+            </a:outerShdw>
+          </a:effectLst>
+        </p:spPr>
+        <p:txBody>
+          <a:bodyPr wrap="none"/>
+          <a:lstStyle/>
+          <a:p>
+            <a:r>
+              <a:rPr kumimoji="1" lang="en-US" altLang="ja-JP" sz="1000" dirty="0">
+                <a:latin typeface="Arial" panose="020B0604020202020204" pitchFamily="34" charset="0"/>
+                <a:ea typeface="ＭＳ Ｐゴシック" panose="020B0600070205080204" pitchFamily="50" charset="-128"/>
+              </a:rPr>
+              <a:t>execute() </a:t>
+            </a:r>
+          </a:p>
+        </p:txBody>
+      </p:sp>
+      <p:sp>
+        <p:nvSpPr>
+          <p:cNvPr id="8" name="AutoShape 10"/>
+          <p:cNvSpPr>
+            <a:spLocks noChangeArrowheads="1"/>
+          </p:cNvSpPr>
+          <p:nvPr/>
+        </p:nvSpPr>
+        <p:spPr bwMode="auto">
+          <a:xfrm rot="16200000">
+            <a:off x="2820914" y="1869455"/>
+            <a:ext cx="344487" cy="1449387"/>
+          </a:xfrm>
+          <a:prstGeom prst="downArrow">
+            <a:avLst>
+              <a:gd name="adj1" fmla="val 54963"/>
+              <a:gd name="adj2" fmla="val 66948"/>
+            </a:avLst>
+          </a:prstGeom>
+          <a:solidFill>
+            <a:schemeClr val="bg1"/>
+          </a:solidFill>
+          <a:ln w="12700" algn="ctr">
+            <a:solidFill>
+              <a:schemeClr val="tx1"/>
+            </a:solidFill>
+            <a:miter lim="800000"/>
+            <a:headEnd/>
+            <a:tailEnd/>
+          </a:ln>
+          <a:effectLst>
+            <a:outerShdw dist="107763" dir="2700000" algn="ctr" rotWithShape="0">
+              <a:schemeClr val="bg2">
+                <a:alpha val="50000"/>
+              </a:schemeClr>
+            </a:outerShdw>
+          </a:effectLst>
+        </p:spPr>
+        <p:txBody>
+          <a:bodyPr vert="eaVert" wrap="none" anchor="ctr"/>
+          <a:lstStyle/>
+          <a:p>
+            <a:r>
+              <a:rPr kumimoji="1" lang="ja-JP" altLang="en-US" sz="1000" dirty="0">
+                <a:latin typeface="Arial" panose="020B0604020202020204" pitchFamily="34" charset="0"/>
+                <a:ea typeface="ＭＳ Ｐゴシック" panose="020B0600070205080204" pitchFamily="50" charset="-128"/>
+              </a:rPr>
+              <a:t>実行</a:t>
+            </a:r>
+          </a:p>
+        </p:txBody>
+      </p:sp>
+      <p:sp>
+        <p:nvSpPr>
+          <p:cNvPr id="9" name="AutoShape 11"/>
+          <p:cNvSpPr>
+            <a:spLocks noChangeArrowheads="1"/>
+          </p:cNvSpPr>
+          <p:nvPr/>
+        </p:nvSpPr>
+        <p:spPr bwMode="auto">
+          <a:xfrm rot="16200000">
+            <a:off x="5337895" y="2162349"/>
+            <a:ext cx="344487" cy="863600"/>
+          </a:xfrm>
+          <a:prstGeom prst="downArrow">
+            <a:avLst>
+              <a:gd name="adj1" fmla="val 54963"/>
+              <a:gd name="adj2" fmla="val 39890"/>
+            </a:avLst>
+          </a:prstGeom>
+          <a:solidFill>
+            <a:schemeClr val="bg1"/>
+          </a:solidFill>
+          <a:ln w="12700" algn="ctr">
+            <a:solidFill>
+              <a:schemeClr val="tx1"/>
+            </a:solidFill>
+            <a:miter lim="800000"/>
+            <a:headEnd/>
+            <a:tailEnd/>
+          </a:ln>
+          <a:effectLst>
+            <a:outerShdw dist="107763" dir="2700000" algn="ctr" rotWithShape="0">
+              <a:schemeClr val="bg2">
+                <a:alpha val="50000"/>
+              </a:schemeClr>
+            </a:outerShdw>
+          </a:effectLst>
+        </p:spPr>
+        <p:txBody>
+          <a:bodyPr vert="eaVert" wrap="none" anchor="ctr"/>
+          <a:lstStyle/>
+          <a:p>
+            <a:r>
+              <a:rPr kumimoji="1" lang="ja-JP" altLang="en-US" sz="1000" dirty="0">
+                <a:latin typeface="Arial" panose="020B0604020202020204" pitchFamily="34" charset="0"/>
+                <a:ea typeface="ＭＳ Ｐゴシック" panose="020B0600070205080204" pitchFamily="50" charset="-128"/>
+              </a:rPr>
+              <a:t>実行</a:t>
+            </a:r>
+          </a:p>
+        </p:txBody>
+      </p:sp>
+      <p:sp>
+        <p:nvSpPr>
+          <p:cNvPr id="10" name="AutoShape 12"/>
+          <p:cNvSpPr>
+            <a:spLocks noChangeArrowheads="1"/>
+          </p:cNvSpPr>
+          <p:nvPr/>
+        </p:nvSpPr>
+        <p:spPr bwMode="auto">
+          <a:xfrm>
+            <a:off x="4933876" y="3644280"/>
+            <a:ext cx="1006475" cy="288925"/>
+          </a:xfrm>
+          <a:prstGeom prst="leftArrow">
+            <a:avLst>
+              <a:gd name="adj1" fmla="val 61537"/>
+              <a:gd name="adj2" fmla="val 54301"/>
+            </a:avLst>
+          </a:prstGeom>
+          <a:solidFill>
+            <a:srgbClr val="FFFFFF"/>
+          </a:solidFill>
+          <a:ln w="12700" algn="ctr">
+            <a:solidFill>
+              <a:schemeClr val="tx1"/>
+            </a:solidFill>
+            <a:miter lim="800000"/>
+            <a:headEnd/>
+            <a:tailEnd/>
+          </a:ln>
+          <a:effectLst>
+            <a:outerShdw dist="107763" dir="2700000" algn="ctr" rotWithShape="0">
+              <a:schemeClr val="bg2">
+                <a:alpha val="50000"/>
+              </a:schemeClr>
+            </a:outerShdw>
+          </a:effectLst>
+        </p:spPr>
+        <p:txBody>
+          <a:bodyPr wrap="none" anchor="ctr"/>
+          <a:lstStyle/>
+          <a:p>
+            <a:r>
+              <a:rPr kumimoji="1" lang="ja-JP" altLang="en-US" sz="1000" dirty="0">
+                <a:latin typeface="Arial" panose="020B0604020202020204" pitchFamily="34" charset="0"/>
+                <a:ea typeface="ＭＳ Ｐゴシック" panose="020B0600070205080204" pitchFamily="50" charset="-128"/>
+              </a:rPr>
+              <a:t>正常終了</a:t>
+            </a:r>
+          </a:p>
+        </p:txBody>
+      </p:sp>
+      <p:sp>
+        <p:nvSpPr>
+          <p:cNvPr id="11" name="AutoShape 13"/>
+          <p:cNvSpPr>
+            <a:spLocks noChangeArrowheads="1"/>
+          </p:cNvSpPr>
+          <p:nvPr/>
+        </p:nvSpPr>
+        <p:spPr bwMode="auto">
+          <a:xfrm>
+            <a:off x="3848026" y="2947367"/>
+            <a:ext cx="960438" cy="455613"/>
+          </a:xfrm>
+          <a:prstGeom prst="irregularSeal1">
+            <a:avLst/>
+          </a:prstGeom>
+          <a:solidFill>
+            <a:srgbClr val="C0C0C0"/>
+          </a:solidFill>
+          <a:ln w="12700" algn="ctr">
+            <a:solidFill>
+              <a:schemeClr val="tx1"/>
+            </a:solidFill>
+            <a:miter lim="800000"/>
+            <a:headEnd/>
+            <a:tailEnd/>
+          </a:ln>
+          <a:effectLst>
+            <a:outerShdw dist="107763" dir="2700000" algn="ctr" rotWithShape="0">
+              <a:schemeClr val="bg2">
+                <a:alpha val="50000"/>
+              </a:schemeClr>
+            </a:outerShdw>
+          </a:effectLst>
+        </p:spPr>
+        <p:txBody>
+          <a:bodyPr wrap="none" anchor="ctr"/>
+          <a:lstStyle/>
+          <a:p>
+            <a:endParaRPr lang="ja-JP" altLang="en-US" dirty="0"/>
+          </a:p>
+        </p:txBody>
+      </p:sp>
+      <p:sp>
+        <p:nvSpPr>
+          <p:cNvPr id="12" name="Rectangle 14"/>
+          <p:cNvSpPr>
+            <a:spLocks noChangeArrowheads="1"/>
+          </p:cNvSpPr>
+          <p:nvPr/>
+        </p:nvSpPr>
+        <p:spPr bwMode="gray">
+          <a:xfrm>
+            <a:off x="3923928" y="3056905"/>
+            <a:ext cx="931862" cy="233362"/>
+          </a:xfrm>
+          <a:prstGeom prst="rect">
+            <a:avLst/>
+          </a:prstGeom>
+          <a:noFill/>
+          <a:ln>
+            <a:noFill/>
+          </a:ln>
+          <a:effectLst/>
+          <a:extLst>
+            <a:ext uri="{909E8E84-426E-40DD-AFC4-6F175D3DCCD1}">
+              <a14:hiddenFill xmlns:a14="http://schemas.microsoft.com/office/drawing/2010/main">
+                <a:solidFill>
+                  <a:srgbClr val="3366CC"/>
+                </a:solidFill>
+              </a14:hiddenFill>
+            </a:ext>
+            <a:ext uri="{91240B29-F687-4F45-9708-019B960494DF}">
+              <a14:hiddenLine xmlns:a14="http://schemas.microsoft.com/office/drawing/2010/main" w="28575" algn="ctr">
+                <a:solidFill>
+                  <a:srgbClr val="3366CC"/>
+                </a:solidFill>
+                <a:prstDash val="sysDot"/>
+                <a:miter lim="800000"/>
+                <a:headEnd/>
+                <a:tailEnd/>
+              </a14:hiddenLine>
+            </a:ext>
+            <a:ext uri="{AF507438-7753-43E0-B8FC-AC1667EBCBE1}">
+              <a14:hiddenEffects xmlns:a14="http://schemas.microsoft.com/office/drawing/2010/main">
+                <a:effectLst>
+                  <a:outerShdw dist="35921" dir="2700000" algn="ctr" rotWithShape="0">
+                    <a:schemeClr val="bg2"/>
+                  </a:outerShdw>
+                </a:effectLst>
+              </a14:hiddenEffects>
+            </a:ext>
+          </a:extLst>
+        </p:spPr>
+        <p:txBody>
+          <a:bodyPr wrap="square" lIns="36000" tIns="36000" rIns="36000" bIns="36000" anchor="ctr">
+            <a:spAutoFit/>
+          </a:bodyPr>
+          <a:lstStyle/>
+          <a:p>
+            <a:r>
+              <a:rPr kumimoji="1" lang="ja-JP" altLang="en-US" sz="1000" dirty="0">
+                <a:latin typeface="Arial" panose="020B0604020202020204" pitchFamily="34" charset="0"/>
+                <a:ea typeface="ＭＳ Ｐゴシック" panose="020B0600070205080204" pitchFamily="50" charset="-128"/>
+              </a:rPr>
+              <a:t>ロールバック</a:t>
+            </a:r>
+          </a:p>
+        </p:txBody>
+      </p:sp>
+      <p:sp>
+        <p:nvSpPr>
+          <p:cNvPr id="13" name="AutoShape 15"/>
+          <p:cNvSpPr>
+            <a:spLocks noChangeArrowheads="1"/>
+          </p:cNvSpPr>
+          <p:nvPr/>
+        </p:nvSpPr>
+        <p:spPr bwMode="auto">
+          <a:xfrm>
+            <a:off x="3954389" y="3433142"/>
+            <a:ext cx="754062" cy="609600"/>
+          </a:xfrm>
+          <a:prstGeom prst="star5">
+            <a:avLst/>
+          </a:prstGeom>
+          <a:solidFill>
+            <a:srgbClr val="FFFFFF"/>
+          </a:solidFill>
+          <a:ln w="12700" algn="ctr">
+            <a:solidFill>
+              <a:schemeClr val="tx1"/>
+            </a:solidFill>
+            <a:miter lim="800000"/>
+            <a:headEnd/>
+            <a:tailEnd/>
+          </a:ln>
+          <a:effectLst>
+            <a:outerShdw dist="107763" dir="2700000" algn="ctr" rotWithShape="0">
+              <a:schemeClr val="bg2">
+                <a:alpha val="50000"/>
+              </a:schemeClr>
+            </a:outerShdw>
+          </a:effectLst>
+        </p:spPr>
+        <p:txBody>
+          <a:bodyPr wrap="none" anchor="ctr"/>
+          <a:lstStyle/>
+          <a:p>
+            <a:endParaRPr lang="ja-JP" altLang="en-US" dirty="0"/>
+          </a:p>
+        </p:txBody>
+      </p:sp>
+      <p:sp>
+        <p:nvSpPr>
+          <p:cNvPr id="14" name="Rectangle 16"/>
+          <p:cNvSpPr>
+            <a:spLocks noChangeArrowheads="1"/>
+          </p:cNvSpPr>
+          <p:nvPr/>
+        </p:nvSpPr>
+        <p:spPr bwMode="gray">
+          <a:xfrm>
+            <a:off x="4140920" y="3702432"/>
+            <a:ext cx="567531" cy="226591"/>
+          </a:xfrm>
+          <a:prstGeom prst="rect">
+            <a:avLst/>
+          </a:prstGeom>
+          <a:noFill/>
+          <a:ln>
+            <a:noFill/>
+          </a:ln>
+          <a:effectLst/>
+          <a:extLst>
+            <a:ext uri="{909E8E84-426E-40DD-AFC4-6F175D3DCCD1}">
+              <a14:hiddenFill xmlns:a14="http://schemas.microsoft.com/office/drawing/2010/main">
+                <a:solidFill>
+                  <a:srgbClr val="3366CC"/>
+                </a:solidFill>
+              </a14:hiddenFill>
+            </a:ext>
+            <a:ext uri="{91240B29-F687-4F45-9708-019B960494DF}">
+              <a14:hiddenLine xmlns:a14="http://schemas.microsoft.com/office/drawing/2010/main" w="28575" algn="ctr">
+                <a:solidFill>
+                  <a:srgbClr val="3366CC"/>
+                </a:solidFill>
+                <a:prstDash val="sysDot"/>
+                <a:miter lim="800000"/>
+                <a:headEnd/>
+                <a:tailEnd/>
+              </a14:hiddenLine>
+            </a:ext>
+            <a:ext uri="{AF507438-7753-43E0-B8FC-AC1667EBCBE1}">
+              <a14:hiddenEffects xmlns:a14="http://schemas.microsoft.com/office/drawing/2010/main">
+                <a:effectLst>
+                  <a:outerShdw dist="35921" dir="2700000" algn="ctr" rotWithShape="0">
+                    <a:schemeClr val="bg2"/>
+                  </a:outerShdw>
+                </a:effectLst>
+              </a14:hiddenEffects>
+            </a:ext>
+          </a:extLst>
+        </p:spPr>
+        <p:txBody>
+          <a:bodyPr wrap="square" lIns="36000" tIns="36000" rIns="36000" bIns="36000" anchor="ctr">
+            <a:spAutoFit/>
+          </a:bodyPr>
+          <a:lstStyle/>
+          <a:p>
+            <a:r>
+              <a:rPr kumimoji="1" lang="ja-JP" altLang="en-US" sz="1000" dirty="0">
+                <a:latin typeface="Arial" panose="020B0604020202020204" pitchFamily="34" charset="0"/>
+                <a:ea typeface="ＭＳ Ｐゴシック" panose="020B0600070205080204" pitchFamily="50" charset="-128"/>
+              </a:rPr>
+              <a:t>コミット</a:t>
+            </a:r>
+          </a:p>
+        </p:txBody>
+      </p:sp>
+      <p:sp>
+        <p:nvSpPr>
+          <p:cNvPr id="15" name="AutoShape 17"/>
+          <p:cNvSpPr>
+            <a:spLocks noChangeArrowheads="1"/>
+          </p:cNvSpPr>
+          <p:nvPr/>
+        </p:nvSpPr>
+        <p:spPr bwMode="auto">
+          <a:xfrm>
+            <a:off x="4933876" y="3001342"/>
+            <a:ext cx="1006475" cy="288925"/>
+          </a:xfrm>
+          <a:prstGeom prst="leftArrow">
+            <a:avLst>
+              <a:gd name="adj1" fmla="val 61537"/>
+              <a:gd name="adj2" fmla="val 54301"/>
+            </a:avLst>
+          </a:prstGeom>
+          <a:solidFill>
+            <a:srgbClr val="FFFFFF"/>
+          </a:solidFill>
+          <a:ln w="12700" algn="ctr">
+            <a:solidFill>
+              <a:schemeClr val="tx1"/>
+            </a:solidFill>
+            <a:miter lim="800000"/>
+            <a:headEnd/>
+            <a:tailEnd/>
+          </a:ln>
+          <a:effectLst>
+            <a:outerShdw dist="107763" dir="2700000" algn="ctr" rotWithShape="0">
+              <a:schemeClr val="bg2">
+                <a:alpha val="50000"/>
+              </a:schemeClr>
+            </a:outerShdw>
+          </a:effectLst>
+        </p:spPr>
+        <p:txBody>
+          <a:bodyPr wrap="none" anchor="ctr"/>
+          <a:lstStyle/>
+          <a:p>
+            <a:r>
+              <a:rPr kumimoji="1" lang="ja-JP" altLang="en-US" sz="1000" dirty="0">
+                <a:latin typeface="Arial" panose="020B0604020202020204" pitchFamily="34" charset="0"/>
+                <a:ea typeface="ＭＳ Ｐゴシック" panose="020B0600070205080204" pitchFamily="50" charset="-128"/>
+              </a:rPr>
+              <a:t>実行時例外</a:t>
+            </a:r>
+          </a:p>
+        </p:txBody>
+      </p:sp>
+      <p:sp>
+        <p:nvSpPr>
+          <p:cNvPr id="16" name="AutoShape 18"/>
+          <p:cNvSpPr>
+            <a:spLocks noChangeArrowheads="1"/>
+          </p:cNvSpPr>
+          <p:nvPr/>
+        </p:nvSpPr>
+        <p:spPr bwMode="auto">
+          <a:xfrm rot="16200000">
+            <a:off x="5235502" y="2779092"/>
+            <a:ext cx="1943100" cy="720725"/>
+          </a:xfrm>
+          <a:custGeom>
+            <a:avLst/>
+            <a:gdLst>
+              <a:gd name="G0" fmla="+- 9411 0 0"/>
+              <a:gd name="G1" fmla="+- -10128315 0 0"/>
+              <a:gd name="G2" fmla="+- 0 0 -10128315"/>
+              <a:gd name="T0" fmla="*/ 0 256 1"/>
+              <a:gd name="T1" fmla="*/ 180 256 1"/>
+              <a:gd name="G3" fmla="+- -10128315 T0 T1"/>
+              <a:gd name="T2" fmla="*/ 0 256 1"/>
+              <a:gd name="T3" fmla="*/ 90 256 1"/>
+              <a:gd name="G4" fmla="+- -10128315 T2 T3"/>
+              <a:gd name="G5" fmla="*/ G4 2 1"/>
+              <a:gd name="T4" fmla="*/ 90 256 1"/>
+              <a:gd name="T5" fmla="*/ 0 256 1"/>
+              <a:gd name="G6" fmla="+- -10128315 T4 T5"/>
+              <a:gd name="G7" fmla="*/ G6 2 1"/>
+              <a:gd name="G8" fmla="abs -10128315"/>
+              <a:gd name="T6" fmla="*/ 0 256 1"/>
+              <a:gd name="T7" fmla="*/ 90 256 1"/>
+              <a:gd name="G9" fmla="+- G8 T6 T7"/>
+              <a:gd name="G10" fmla="?: G9 G7 G5"/>
+              <a:gd name="T8" fmla="*/ 0 256 1"/>
+              <a:gd name="T9" fmla="*/ 360 256 1"/>
+              <a:gd name="G11" fmla="+- G10 T8 T9"/>
+              <a:gd name="G12" fmla="?: G10 G11 G10"/>
+              <a:gd name="T10" fmla="*/ 0 256 1"/>
+              <a:gd name="T11" fmla="*/ 360 256 1"/>
+              <a:gd name="G13" fmla="+- G12 T10 T11"/>
+              <a:gd name="G14" fmla="?: G12 G13 G12"/>
+              <a:gd name="G15" fmla="+- 0 0 G14"/>
+              <a:gd name="G16" fmla="+- 10800 0 0"/>
+              <a:gd name="G17" fmla="+- 10800 0 9411"/>
+              <a:gd name="G18" fmla="*/ 9411 1 2"/>
+              <a:gd name="G19" fmla="+- G18 5400 0"/>
+              <a:gd name="G20" fmla="cos G19 -10128315"/>
+              <a:gd name="G21" fmla="sin G19 -10128315"/>
+              <a:gd name="G22" fmla="+- G20 10800 0"/>
+              <a:gd name="G23" fmla="+- G21 10800 0"/>
+              <a:gd name="G24" fmla="+- 10800 0 G20"/>
+              <a:gd name="G25" fmla="+- 9411 10800 0"/>
+              <a:gd name="G26" fmla="?: G9 G17 G25"/>
+              <a:gd name="G27" fmla="?: G9 0 21600"/>
+              <a:gd name="G28" fmla="cos 10800 -10128315"/>
+              <a:gd name="G29" fmla="sin 10800 -10128315"/>
+              <a:gd name="G30" fmla="sin 9411 -10128315"/>
+              <a:gd name="G31" fmla="+- G28 10800 0"/>
+              <a:gd name="G32" fmla="+- G29 10800 0"/>
+              <a:gd name="G33" fmla="+- G30 10800 0"/>
+              <a:gd name="G34" fmla="?: G4 0 G31"/>
+              <a:gd name="G35" fmla="?: -10128315 G34 0"/>
+              <a:gd name="G36" fmla="?: G6 G35 G31"/>
+              <a:gd name="G37" fmla="+- 21600 0 G36"/>
+              <a:gd name="G38" fmla="?: G4 0 G33"/>
+              <a:gd name="G39" fmla="?: -10128315 G38 G32"/>
+              <a:gd name="G40" fmla="?: G6 G39 0"/>
+              <a:gd name="G41" fmla="?: G4 G32 21600"/>
+              <a:gd name="G42" fmla="?: G6 G41 G33"/>
+              <a:gd name="T12" fmla="*/ 10800 w 21600"/>
+              <a:gd name="T13" fmla="*/ 0 h 21600"/>
+              <a:gd name="T14" fmla="*/ 1674 w 21600"/>
+              <a:gd name="T15" fmla="*/ 6456 h 21600"/>
+              <a:gd name="T16" fmla="*/ 10800 w 21600"/>
+              <a:gd name="T17" fmla="*/ 1389 h 21600"/>
+              <a:gd name="T18" fmla="*/ 19926 w 21600"/>
+              <a:gd name="T19" fmla="*/ 6456 h 21600"/>
+              <a:gd name="T20" fmla="*/ G36 w 21600"/>
+              <a:gd name="T21" fmla="*/ G40 h 21600"/>
+              <a:gd name="T22" fmla="*/ G37 w 21600"/>
+              <a:gd name="T23" fmla="*/ G42 h 21600"/>
+            </a:gdLst>
+            <a:ahLst/>
+            <a:cxnLst>
+              <a:cxn ang="0">
+                <a:pos x="T12" y="T13"/>
+              </a:cxn>
+              <a:cxn ang="0">
+                <a:pos x="T14" y="T15"/>
+              </a:cxn>
+              <a:cxn ang="0">
+                <a:pos x="T16" y="T17"/>
+              </a:cxn>
+              <a:cxn ang="0">
+                <a:pos x="T18" y="T19"/>
+              </a:cxn>
+            </a:cxnLst>
+            <a:rect l="T20" t="T21" r="T22" b="T23"/>
+            <a:pathLst>
+              <a:path w="21600" h="21600">
+                <a:moveTo>
+                  <a:pt x="2302" y="6755"/>
+                </a:moveTo>
+                <a:cubicBezTo>
+                  <a:pt x="3862" y="3477"/>
+                  <a:pt x="7169" y="1389"/>
+                  <a:pt x="10800" y="1389"/>
+                </a:cubicBezTo>
+                <a:cubicBezTo>
+                  <a:pt x="14430" y="1389"/>
+                  <a:pt x="17737" y="3477"/>
+                  <a:pt x="19297" y="6755"/>
+                </a:cubicBezTo>
+                <a:lnTo>
+                  <a:pt x="20551" y="6158"/>
+                </a:lnTo>
+                <a:cubicBezTo>
+                  <a:pt x="18761" y="2396"/>
+                  <a:pt x="14966" y="0"/>
+                  <a:pt x="10799" y="0"/>
+                </a:cubicBezTo>
+                <a:cubicBezTo>
+                  <a:pt x="6633" y="0"/>
+                  <a:pt x="2838" y="2396"/>
+                  <a:pt x="1048" y="6158"/>
+                </a:cubicBezTo>
+                <a:close/>
+              </a:path>
+            </a:pathLst>
+          </a:custGeom>
+          <a:solidFill>
+            <a:srgbClr val="FF0000"/>
+          </a:solidFill>
+          <a:ln w="12700" algn="ctr">
+            <a:solidFill>
+              <a:schemeClr val="tx1"/>
+            </a:solidFill>
+            <a:miter lim="800000"/>
+            <a:headEnd/>
+            <a:tailEnd/>
+          </a:ln>
+          <a:effectLst>
+            <a:outerShdw dist="107763" dir="2700000" algn="ctr" rotWithShape="0">
+              <a:schemeClr val="bg2">
+                <a:alpha val="50000"/>
+              </a:schemeClr>
+            </a:outerShdw>
+          </a:effectLst>
+        </p:spPr>
+        <p:txBody>
+          <a:bodyPr wrap="none" anchor="ctr"/>
+          <a:lstStyle/>
+          <a:p>
+            <a:endParaRPr lang="ja-JP" altLang="en-US" dirty="0"/>
+          </a:p>
+        </p:txBody>
+      </p:sp>
+      <p:sp>
+        <p:nvSpPr>
+          <p:cNvPr id="17" name="AutoShape 19"/>
+          <p:cNvSpPr>
+            <a:spLocks noChangeArrowheads="1"/>
+          </p:cNvSpPr>
+          <p:nvPr/>
+        </p:nvSpPr>
+        <p:spPr bwMode="auto">
+          <a:xfrm>
+            <a:off x="2268464" y="3644280"/>
+            <a:ext cx="1366837" cy="288925"/>
+          </a:xfrm>
+          <a:prstGeom prst="leftArrow">
+            <a:avLst>
+              <a:gd name="adj1" fmla="val 61537"/>
+              <a:gd name="adj2" fmla="val 73743"/>
+            </a:avLst>
+          </a:prstGeom>
+          <a:solidFill>
+            <a:srgbClr val="FFFFFF"/>
+          </a:solidFill>
+          <a:ln w="12700" algn="ctr">
+            <a:solidFill>
+              <a:schemeClr val="tx1"/>
+            </a:solidFill>
+            <a:miter lim="800000"/>
+            <a:headEnd/>
+            <a:tailEnd/>
+          </a:ln>
+          <a:effectLst>
+            <a:outerShdw dist="107763" dir="2700000" algn="ctr" rotWithShape="0">
+              <a:schemeClr val="bg2">
+                <a:alpha val="50000"/>
+              </a:schemeClr>
+            </a:outerShdw>
+          </a:effectLst>
+        </p:spPr>
+        <p:txBody>
+          <a:bodyPr wrap="none" anchor="ctr"/>
+          <a:lstStyle/>
+          <a:p>
+            <a:r>
+              <a:rPr kumimoji="1" lang="ja-JP" altLang="en-US" sz="1000" dirty="0">
+                <a:latin typeface="Arial" panose="020B0604020202020204" pitchFamily="34" charset="0"/>
+                <a:ea typeface="ＭＳ Ｐゴシック" panose="020B0600070205080204" pitchFamily="50" charset="-128"/>
+              </a:rPr>
+              <a:t>正常終了</a:t>
+            </a:r>
+          </a:p>
+        </p:txBody>
+      </p:sp>
+      <p:sp>
+        <p:nvSpPr>
+          <p:cNvPr id="18" name="Oval 20"/>
+          <p:cNvSpPr>
+            <a:spLocks noChangeArrowheads="1"/>
+          </p:cNvSpPr>
+          <p:nvPr/>
+        </p:nvSpPr>
+        <p:spPr bwMode="auto">
+          <a:xfrm>
+            <a:off x="3844851" y="2347292"/>
+            <a:ext cx="963613" cy="534988"/>
+          </a:xfrm>
+          <a:prstGeom prst="ellipse">
+            <a:avLst/>
+          </a:prstGeom>
+          <a:solidFill>
+            <a:srgbClr val="FFFFFF"/>
+          </a:solidFill>
+          <a:ln w="12700" algn="ctr">
+            <a:solidFill>
+              <a:schemeClr val="tx1"/>
+            </a:solidFill>
+            <a:round/>
+            <a:headEnd/>
+            <a:tailEnd/>
+          </a:ln>
+          <a:effectLst>
+            <a:outerShdw dist="107763" dir="2700000" algn="ctr" rotWithShape="0">
+              <a:schemeClr val="bg2">
+                <a:alpha val="50000"/>
+              </a:schemeClr>
+            </a:outerShdw>
+          </a:effectLst>
+        </p:spPr>
+        <p:txBody>
+          <a:bodyPr wrap="none" anchor="ctr"/>
+          <a:lstStyle/>
+          <a:p>
+            <a:r>
+              <a:rPr kumimoji="1" lang="ja-JP" altLang="en-US" sz="1000" dirty="0">
+                <a:latin typeface="Arial" panose="020B0604020202020204" pitchFamily="34" charset="0"/>
+                <a:ea typeface="ＭＳ Ｐゴシック" panose="020B0600070205080204" pitchFamily="50" charset="-128"/>
+              </a:rPr>
+              <a:t>トランザクション </a:t>
+            </a:r>
+          </a:p>
+          <a:p>
+            <a:r>
+              <a:rPr kumimoji="1" lang="ja-JP" altLang="en-US" sz="1000" dirty="0">
+                <a:latin typeface="Arial" panose="020B0604020202020204" pitchFamily="34" charset="0"/>
+                <a:ea typeface="ＭＳ Ｐゴシック" panose="020B0600070205080204" pitchFamily="50" charset="-128"/>
+              </a:rPr>
+              <a:t>開始 </a:t>
+            </a:r>
+          </a:p>
+        </p:txBody>
+      </p:sp>
+      <p:sp>
+        <p:nvSpPr>
+          <p:cNvPr id="19" name="AutoShape 21"/>
+          <p:cNvSpPr>
+            <a:spLocks noChangeArrowheads="1"/>
+          </p:cNvSpPr>
+          <p:nvPr/>
+        </p:nvSpPr>
+        <p:spPr bwMode="auto">
+          <a:xfrm>
+            <a:off x="2246239" y="3028330"/>
+            <a:ext cx="1366837" cy="288925"/>
+          </a:xfrm>
+          <a:prstGeom prst="leftArrow">
+            <a:avLst>
+              <a:gd name="adj1" fmla="val 61537"/>
+              <a:gd name="adj2" fmla="val 73743"/>
+            </a:avLst>
+          </a:prstGeom>
+          <a:solidFill>
+            <a:srgbClr val="FFFFFF"/>
+          </a:solidFill>
+          <a:ln w="12700" algn="ctr">
+            <a:solidFill>
+              <a:schemeClr val="tx1"/>
+            </a:solidFill>
+            <a:miter lim="800000"/>
+            <a:headEnd/>
+            <a:tailEnd/>
+          </a:ln>
+          <a:effectLst>
+            <a:outerShdw dist="107763" dir="2700000" algn="ctr" rotWithShape="0">
+              <a:schemeClr val="bg2">
+                <a:alpha val="50000"/>
+              </a:schemeClr>
+            </a:outerShdw>
+          </a:effectLst>
+        </p:spPr>
+        <p:txBody>
+          <a:bodyPr wrap="none" anchor="ctr"/>
+          <a:lstStyle/>
+          <a:p>
+            <a:r>
+              <a:rPr kumimoji="1" lang="ja-JP" altLang="en-US" sz="1000" dirty="0">
+                <a:latin typeface="Arial" panose="020B0604020202020204" pitchFamily="34" charset="0"/>
+                <a:ea typeface="ＭＳ Ｐゴシック" panose="020B0600070205080204" pitchFamily="50" charset="-128"/>
+              </a:rPr>
+              <a:t>異常終了</a:t>
+            </a:r>
+          </a:p>
+        </p:txBody>
+      </p:sp>
+      <p:sp>
+        <p:nvSpPr>
+          <p:cNvPr id="20" name="AutoShape 22"/>
+          <p:cNvSpPr>
+            <a:spLocks noChangeArrowheads="1"/>
+          </p:cNvSpPr>
+          <p:nvPr/>
+        </p:nvSpPr>
+        <p:spPr bwMode="auto">
+          <a:xfrm>
+            <a:off x="1903339" y="4666630"/>
+            <a:ext cx="2309812" cy="292100"/>
+          </a:xfrm>
+          <a:prstGeom prst="wedgeRoundRectCallout">
+            <a:avLst>
+              <a:gd name="adj1" fmla="val 33505"/>
+              <a:gd name="adj2" fmla="val -177176"/>
+              <a:gd name="adj3" fmla="val 16667"/>
+            </a:avLst>
+          </a:prstGeom>
+          <a:solidFill>
+            <a:schemeClr val="bg1"/>
+          </a:solidFill>
+          <a:ln w="12700" algn="ctr">
+            <a:solidFill>
+              <a:schemeClr val="tx1"/>
+            </a:solidFill>
+            <a:miter lim="800000"/>
+            <a:headEnd/>
+            <a:tailEnd/>
+          </a:ln>
+          <a:effectLst/>
+          <a:extLst>
+            <a:ext uri="{AF507438-7753-43E0-B8FC-AC1667EBCBE1}">
+              <a14:hiddenEffects xmlns:a14="http://schemas.microsoft.com/office/drawing/2010/main">
+                <a:effectLst>
+                  <a:outerShdw dist="107763" dir="2700000" algn="ctr" rotWithShape="0">
+                    <a:schemeClr val="bg2">
+                      <a:alpha val="50000"/>
+                    </a:schemeClr>
+                  </a:outerShdw>
+                </a:effectLst>
+              </a14:hiddenEffects>
+            </a:ext>
+          </a:extLst>
+        </p:spPr>
+        <p:txBody>
+          <a:bodyPr anchor="ctr"/>
+          <a:lstStyle/>
+          <a:p>
+            <a:pPr algn="l"/>
+            <a:r>
+              <a:rPr kumimoji="1" lang="ja-JP" altLang="en-US" sz="1000" b="0" dirty="0">
+                <a:latin typeface="Arial" panose="020B0604020202020204" pitchFamily="34" charset="0"/>
+                <a:ea typeface="ＭＳ Ｐゴシック" panose="020B0600070205080204" pitchFamily="50" charset="-128"/>
+              </a:rPr>
+              <a:t>抽象クラスでトランザクションを管理</a:t>
+            </a:r>
+          </a:p>
+        </p:txBody>
+      </p:sp>
+    </p:spTree>
+    <p:extLst>
+      <p:ext uri="{BB962C8B-B14F-4D97-AF65-F5344CB8AC3E}">
+        <p14:creationId xmlns:p14="http://schemas.microsoft.com/office/powerpoint/2010/main" val="262586993"/>
+      </p:ext>
+    </p:extLst>
+  </p:cSld>
+  <p:clrMapOvr>
+    <a:masterClrMapping/>
+  </p:clrMapOvr>
+</p:sld>
+</file>
+
+<file path=ppt/slides/slide5.xml><?xml version="1.0" encoding="utf-8"?>
+<p:sld xmlns:a="http://schemas.openxmlformats.org/drawingml/2006/main" xmlns:r="http://schemas.openxmlformats.org/officeDocument/2006/relationships" xmlns:p="http://schemas.openxmlformats.org/presentationml/2006/main">
+  <p:cSld>
+    <p:spTree>
+      <p:nvGrpSpPr>
+        <p:cNvPr id="1" name=""/>
+        <p:cNvGrpSpPr/>
+        <p:nvPr/>
+      </p:nvGrpSpPr>
+      <p:grpSpPr>
+        <a:xfrm>
+          <a:off x="0" y="0"/>
+          <a:ext cx="0" cy="0"/>
+          <a:chOff x="0" y="0"/>
+          <a:chExt cx="0" cy="0"/>
+        </a:xfrm>
+      </p:grpSpPr>
+      <p:sp>
+        <p:nvSpPr>
+          <p:cNvPr id="4" name="AutoShape 6"/>
+          <p:cNvSpPr>
+            <a:spLocks noChangeAspect="1" noChangeArrowheads="1"/>
+          </p:cNvSpPr>
+          <p:nvPr/>
+        </p:nvSpPr>
+        <p:spPr bwMode="auto">
+          <a:xfrm>
+            <a:off x="3420418" y="1990229"/>
+            <a:ext cx="4392613" cy="2808287"/>
+          </a:xfrm>
+          <a:prstGeom prst="roundRect">
+            <a:avLst>
+              <a:gd name="adj" fmla="val 16667"/>
+            </a:avLst>
+          </a:prstGeom>
+          <a:solidFill>
+            <a:srgbClr val="FFFF99"/>
+          </a:solidFill>
+          <a:ln w="12700">
+            <a:solidFill>
+              <a:srgbClr val="FF9900"/>
+            </a:solidFill>
+            <a:round/>
+            <a:headEnd/>
+            <a:tailEnd/>
+          </a:ln>
+          <a:effectLst>
+            <a:outerShdw dist="107763" dir="2700000" algn="ctr" rotWithShape="0">
+              <a:schemeClr val="bg2">
+                <a:alpha val="50000"/>
+              </a:schemeClr>
+            </a:outerShdw>
+          </a:effectLst>
+        </p:spPr>
+        <p:txBody>
+          <a:bodyPr wrap="none"/>
+          <a:lstStyle/>
+          <a:p>
+            <a:r>
+              <a:rPr kumimoji="1" lang="en-US" altLang="ja-JP" sz="1000" dirty="0" smtClean="0">
+                <a:latin typeface="Arial" panose="020B0604020202020204" pitchFamily="34" charset="0"/>
+                <a:ea typeface="ＭＳ Ｐゴシック" panose="020B0600070205080204" pitchFamily="50" charset="-128"/>
+              </a:rPr>
+              <a:t>BLogic</a:t>
+            </a:r>
+            <a:r>
+              <a:rPr kumimoji="1" lang="ja-JP" altLang="en-US" sz="1000" dirty="0">
+                <a:latin typeface="Arial" panose="020B0604020202020204" pitchFamily="34" charset="0"/>
+                <a:ea typeface="ＭＳ Ｐゴシック" panose="020B0600070205080204" pitchFamily="50" charset="-128"/>
+              </a:rPr>
+              <a:t>インタフェース </a:t>
+            </a:r>
+          </a:p>
+        </p:txBody>
+      </p:sp>
+      <p:sp>
+        <p:nvSpPr>
+          <p:cNvPr id="5" name="AutoShape 7"/>
+          <p:cNvSpPr>
+            <a:spLocks noChangeAspect="1" noChangeArrowheads="1"/>
+          </p:cNvSpPr>
+          <p:nvPr/>
+        </p:nvSpPr>
+        <p:spPr bwMode="auto">
+          <a:xfrm>
+            <a:off x="683568" y="2564904"/>
+            <a:ext cx="1439863" cy="1657350"/>
+          </a:xfrm>
+          <a:prstGeom prst="roundRect">
+            <a:avLst>
+              <a:gd name="adj" fmla="val 16667"/>
+            </a:avLst>
+          </a:prstGeom>
+          <a:solidFill>
+            <a:srgbClr val="FFFF99"/>
+          </a:solidFill>
+          <a:ln w="12700">
+            <a:solidFill>
+              <a:srgbClr val="FF9900"/>
+            </a:solidFill>
+            <a:round/>
+            <a:headEnd/>
+            <a:tailEnd/>
+          </a:ln>
+          <a:effectLst>
+            <a:outerShdw dist="107763" dir="2700000" algn="ctr" rotWithShape="0">
+              <a:schemeClr val="bg2">
+                <a:alpha val="50000"/>
+              </a:schemeClr>
+            </a:outerShdw>
+          </a:effectLst>
+        </p:spPr>
+        <p:txBody>
+          <a:bodyPr wrap="none"/>
+          <a:lstStyle/>
+          <a:p>
+            <a:r>
+              <a:rPr kumimoji="1" lang="en-US" altLang="en-US" sz="1000" dirty="0">
+                <a:latin typeface="Arial" panose="020B0604020202020204" pitchFamily="34" charset="0"/>
+                <a:ea typeface="ＭＳ Ｐゴシック" panose="020B0600070205080204" pitchFamily="50" charset="-128"/>
+              </a:rPr>
+              <a:t>BatchExecutor</a:t>
+            </a:r>
+            <a:endParaRPr kumimoji="1" lang="en-US" altLang="ja-JP" sz="1000" dirty="0">
+              <a:latin typeface="Arial" panose="020B0604020202020204" pitchFamily="34" charset="0"/>
+              <a:ea typeface="ＭＳ Ｐゴシック" panose="020B0600070205080204" pitchFamily="50" charset="-128"/>
+            </a:endParaRPr>
+          </a:p>
+        </p:txBody>
+      </p:sp>
+      <p:sp>
+        <p:nvSpPr>
+          <p:cNvPr id="6" name="AutoShape 8"/>
+          <p:cNvSpPr>
+            <a:spLocks noChangeAspect="1" noChangeArrowheads="1"/>
+          </p:cNvSpPr>
+          <p:nvPr/>
+        </p:nvSpPr>
+        <p:spPr bwMode="auto">
+          <a:xfrm>
+            <a:off x="3563293" y="2422029"/>
+            <a:ext cx="3960813" cy="2160587"/>
+          </a:xfrm>
+          <a:prstGeom prst="roundRect">
+            <a:avLst>
+              <a:gd name="adj" fmla="val 16667"/>
+            </a:avLst>
+          </a:prstGeom>
+          <a:solidFill>
+            <a:srgbClr val="FFFF99"/>
+          </a:solidFill>
+          <a:ln w="12700">
+            <a:solidFill>
+              <a:srgbClr val="FF9900"/>
+            </a:solidFill>
+            <a:round/>
+            <a:headEnd/>
+            <a:tailEnd/>
+          </a:ln>
+          <a:effectLst>
+            <a:outerShdw dist="107763" dir="2700000" algn="ctr" rotWithShape="0">
+              <a:schemeClr val="bg2">
+                <a:alpha val="50000"/>
+              </a:schemeClr>
+            </a:outerShdw>
+          </a:effectLst>
+        </p:spPr>
+        <p:txBody>
+          <a:bodyPr wrap="none"/>
+          <a:lstStyle/>
+          <a:p>
+            <a:r>
+              <a:rPr kumimoji="1" lang="ja-JP" altLang="en-US" sz="1000" dirty="0">
+                <a:latin typeface="Arial" panose="020B0604020202020204" pitchFamily="34" charset="0"/>
+                <a:ea typeface="ＭＳ Ｐゴシック" panose="020B0600070205080204" pitchFamily="50" charset="-128"/>
+              </a:rPr>
+              <a:t>ビジネスロジック実装クラス </a:t>
+            </a:r>
+          </a:p>
+          <a:p>
+            <a:r>
+              <a:rPr kumimoji="1" lang="en-US" altLang="ja-JP" sz="1000" dirty="0" smtClean="0">
+                <a:latin typeface="Arial" panose="020B0604020202020204" pitchFamily="34" charset="0"/>
+                <a:ea typeface="ＭＳ Ｐゴシック" panose="020B0600070205080204" pitchFamily="50" charset="-128"/>
+              </a:rPr>
+              <a:t>BLogic</a:t>
+            </a:r>
+            <a:r>
+              <a:rPr kumimoji="1" lang="ja-JP" altLang="en-US" sz="1000" dirty="0">
+                <a:latin typeface="Arial" panose="020B0604020202020204" pitchFamily="34" charset="0"/>
+                <a:ea typeface="ＭＳ Ｐゴシック" panose="020B0600070205080204" pitchFamily="50" charset="-128"/>
+              </a:rPr>
+              <a:t>インタフェース</a:t>
+            </a:r>
+            <a:r>
+              <a:rPr kumimoji="1" lang="ja-JP" altLang="en-US" sz="1000" dirty="0">
+                <a:latin typeface="Arial" panose="020B0604020202020204" pitchFamily="34" charset="0"/>
+                <a:ea typeface="ＭＳ Ｐゴシック" panose="020B0600070205080204" pitchFamily="50" charset="-128"/>
+              </a:rPr>
+              <a:t>をを</a:t>
+            </a:r>
+            <a:r>
+              <a:rPr kumimoji="1" lang="ja-JP" altLang="en-US" sz="1000" dirty="0">
+                <a:latin typeface="Arial" panose="020B0604020202020204" pitchFamily="34" charset="0"/>
+                <a:ea typeface="ＭＳ Ｐゴシック" panose="020B0600070205080204" pitchFamily="50" charset="-128"/>
+              </a:rPr>
+              <a:t>実装 </a:t>
+            </a:r>
+          </a:p>
+        </p:txBody>
+      </p:sp>
+      <p:sp>
+        <p:nvSpPr>
+          <p:cNvPr id="7" name="AutoShape 9"/>
+          <p:cNvSpPr>
+            <a:spLocks noChangeAspect="1" noChangeArrowheads="1"/>
+          </p:cNvSpPr>
+          <p:nvPr/>
+        </p:nvSpPr>
+        <p:spPr bwMode="auto">
+          <a:xfrm>
+            <a:off x="4139556" y="2925266"/>
+            <a:ext cx="3097212" cy="1512888"/>
+          </a:xfrm>
+          <a:prstGeom prst="roundRect">
+            <a:avLst>
+              <a:gd name="adj" fmla="val 16667"/>
+            </a:avLst>
+          </a:prstGeom>
+          <a:solidFill>
+            <a:srgbClr val="FFFF99"/>
+          </a:solidFill>
+          <a:ln w="12700">
+            <a:solidFill>
+              <a:srgbClr val="FF9900"/>
+            </a:solidFill>
+            <a:round/>
+            <a:headEnd/>
+            <a:tailEnd/>
+          </a:ln>
+          <a:effectLst>
+            <a:outerShdw dist="107763" dir="2700000" algn="ctr" rotWithShape="0">
+              <a:schemeClr val="bg2">
+                <a:alpha val="50000"/>
+              </a:schemeClr>
+            </a:outerShdw>
+          </a:effectLst>
+        </p:spPr>
+        <p:txBody>
+          <a:bodyPr wrap="none"/>
+          <a:lstStyle/>
+          <a:p>
+            <a:r>
+              <a:rPr kumimoji="1" lang="en-US" altLang="ja-JP" sz="1000" dirty="0">
+                <a:latin typeface="Arial" panose="020B0604020202020204" pitchFamily="34" charset="0"/>
+                <a:ea typeface="ＭＳ Ｐゴシック" panose="020B0600070205080204" pitchFamily="50" charset="-128"/>
+              </a:rPr>
+              <a:t>execute() </a:t>
+            </a:r>
+          </a:p>
+        </p:txBody>
+      </p:sp>
+      <p:sp>
+        <p:nvSpPr>
+          <p:cNvPr id="8" name="AutoShape 10"/>
+          <p:cNvSpPr>
+            <a:spLocks noChangeArrowheads="1"/>
+          </p:cNvSpPr>
+          <p:nvPr/>
+        </p:nvSpPr>
+        <p:spPr bwMode="auto">
+          <a:xfrm rot="16200000">
+            <a:off x="2748906" y="2085479"/>
+            <a:ext cx="344487" cy="1449387"/>
+          </a:xfrm>
+          <a:prstGeom prst="downArrow">
+            <a:avLst>
+              <a:gd name="adj1" fmla="val 54963"/>
+              <a:gd name="adj2" fmla="val 66948"/>
+            </a:avLst>
+          </a:prstGeom>
+          <a:solidFill>
+            <a:schemeClr val="bg1"/>
+          </a:solidFill>
+          <a:ln w="12700" algn="ctr">
+            <a:solidFill>
+              <a:schemeClr val="tx1"/>
+            </a:solidFill>
+            <a:miter lim="800000"/>
+            <a:headEnd/>
+            <a:tailEnd/>
+          </a:ln>
+          <a:effectLst>
+            <a:outerShdw dist="107763" dir="2700000" algn="ctr" rotWithShape="0">
+              <a:schemeClr val="bg2">
+                <a:alpha val="50000"/>
+              </a:schemeClr>
+            </a:outerShdw>
+          </a:effectLst>
+        </p:spPr>
+        <p:txBody>
+          <a:bodyPr vert="eaVert" wrap="none" anchor="ctr"/>
+          <a:lstStyle/>
+          <a:p>
+            <a:r>
+              <a:rPr kumimoji="1" lang="ja-JP" altLang="en-US" sz="1000" dirty="0">
+                <a:latin typeface="Arial" panose="020B0604020202020204" pitchFamily="34" charset="0"/>
+                <a:ea typeface="ＭＳ Ｐゴシック" panose="020B0600070205080204" pitchFamily="50" charset="-128"/>
+              </a:rPr>
+              <a:t>実行</a:t>
+            </a:r>
+          </a:p>
+        </p:txBody>
+      </p:sp>
+      <p:sp>
+        <p:nvSpPr>
+          <p:cNvPr id="9" name="AutoShape 11"/>
+          <p:cNvSpPr>
+            <a:spLocks noChangeArrowheads="1"/>
+          </p:cNvSpPr>
+          <p:nvPr/>
+        </p:nvSpPr>
+        <p:spPr bwMode="auto">
+          <a:xfrm>
+            <a:off x="5909618" y="3231654"/>
+            <a:ext cx="873125" cy="446087"/>
+          </a:xfrm>
+          <a:prstGeom prst="irregularSeal1">
+            <a:avLst/>
+          </a:prstGeom>
+          <a:solidFill>
+            <a:srgbClr val="C0C0C0"/>
+          </a:solidFill>
+          <a:ln w="12700" algn="ctr">
+            <a:solidFill>
+              <a:schemeClr val="tx1"/>
+            </a:solidFill>
+            <a:miter lim="800000"/>
+            <a:headEnd/>
+            <a:tailEnd/>
+          </a:ln>
+          <a:effectLst>
+            <a:outerShdw dist="107763" dir="2700000" algn="ctr" rotWithShape="0">
+              <a:schemeClr val="bg2">
+                <a:alpha val="50000"/>
+              </a:schemeClr>
+            </a:outerShdw>
+          </a:effectLst>
+        </p:spPr>
+        <p:txBody>
+          <a:bodyPr wrap="none" anchor="ctr"/>
+          <a:lstStyle/>
+          <a:p>
+            <a:endParaRPr lang="ja-JP" altLang="en-US" dirty="0"/>
+          </a:p>
+        </p:txBody>
+      </p:sp>
+      <p:sp>
+        <p:nvSpPr>
+          <p:cNvPr id="10" name="Rectangle 12"/>
+          <p:cNvSpPr>
+            <a:spLocks noChangeArrowheads="1"/>
+          </p:cNvSpPr>
+          <p:nvPr/>
+        </p:nvSpPr>
+        <p:spPr bwMode="gray">
+          <a:xfrm>
+            <a:off x="5933882" y="3332599"/>
+            <a:ext cx="1082675" cy="225425"/>
+          </a:xfrm>
+          <a:prstGeom prst="rect">
+            <a:avLst/>
+          </a:prstGeom>
+          <a:noFill/>
+          <a:ln>
+            <a:noFill/>
+          </a:ln>
+          <a:effectLst/>
+          <a:extLst>
+            <a:ext uri="{909E8E84-426E-40DD-AFC4-6F175D3DCCD1}">
+              <a14:hiddenFill xmlns:a14="http://schemas.microsoft.com/office/drawing/2010/main">
+                <a:solidFill>
+                  <a:srgbClr val="3366CC"/>
+                </a:solidFill>
+              </a14:hiddenFill>
+            </a:ext>
+            <a:ext uri="{91240B29-F687-4F45-9708-019B960494DF}">
+              <a14:hiddenLine xmlns:a14="http://schemas.microsoft.com/office/drawing/2010/main" w="28575" algn="ctr">
+                <a:solidFill>
+                  <a:srgbClr val="3366CC"/>
+                </a:solidFill>
+                <a:prstDash val="sysDot"/>
+                <a:miter lim="800000"/>
+                <a:headEnd/>
+                <a:tailEnd/>
+              </a14:hiddenLine>
+            </a:ext>
+            <a:ext uri="{AF507438-7753-43E0-B8FC-AC1667EBCBE1}">
+              <a14:hiddenEffects xmlns:a14="http://schemas.microsoft.com/office/drawing/2010/main">
+                <a:effectLst>
+                  <a:outerShdw dist="35921" dir="2700000" algn="ctr" rotWithShape="0">
+                    <a:schemeClr val="bg2"/>
+                  </a:outerShdw>
+                </a:effectLst>
+              </a14:hiddenEffects>
+            </a:ext>
+          </a:extLst>
+        </p:spPr>
+        <p:txBody>
+          <a:bodyPr lIns="36000" tIns="36000" rIns="36000" bIns="36000" anchor="ctr">
+            <a:spAutoFit/>
+          </a:bodyPr>
+          <a:lstStyle/>
+          <a:p>
+            <a:r>
+              <a:rPr kumimoji="1" lang="ja-JP" altLang="en-US" sz="1000" dirty="0">
+                <a:latin typeface="Arial" panose="020B0604020202020204" pitchFamily="34" charset="0"/>
+                <a:ea typeface="ＭＳ Ｐゴシック" panose="020B0600070205080204" pitchFamily="50" charset="-128"/>
+              </a:rPr>
+              <a:t>ロールバック</a:t>
+            </a:r>
+          </a:p>
+        </p:txBody>
+      </p:sp>
+      <p:sp>
+        <p:nvSpPr>
+          <p:cNvPr id="11" name="AutoShape 13"/>
+          <p:cNvSpPr>
+            <a:spLocks noChangeArrowheads="1"/>
+          </p:cNvSpPr>
+          <p:nvPr/>
+        </p:nvSpPr>
+        <p:spPr bwMode="auto">
+          <a:xfrm>
+            <a:off x="5963593" y="3717429"/>
+            <a:ext cx="720725" cy="576262"/>
+          </a:xfrm>
+          <a:prstGeom prst="star5">
+            <a:avLst/>
+          </a:prstGeom>
+          <a:solidFill>
+            <a:srgbClr val="FFFFFF"/>
+          </a:solidFill>
+          <a:ln w="12700" algn="ctr">
+            <a:solidFill>
+              <a:schemeClr val="tx1"/>
+            </a:solidFill>
+            <a:miter lim="800000"/>
+            <a:headEnd/>
+            <a:tailEnd/>
+          </a:ln>
+          <a:effectLst>
+            <a:outerShdw dist="107763" dir="2700000" algn="ctr" rotWithShape="0">
+              <a:schemeClr val="bg2">
+                <a:alpha val="50000"/>
+              </a:schemeClr>
+            </a:outerShdw>
+          </a:effectLst>
+        </p:spPr>
+        <p:txBody>
+          <a:bodyPr wrap="none" anchor="ctr"/>
+          <a:lstStyle/>
+          <a:p>
+            <a:endParaRPr lang="ja-JP" altLang="en-US" dirty="0"/>
+          </a:p>
+        </p:txBody>
+      </p:sp>
+      <p:sp>
+        <p:nvSpPr>
+          <p:cNvPr id="12" name="Rectangle 14"/>
+          <p:cNvSpPr>
+            <a:spLocks noChangeArrowheads="1"/>
+          </p:cNvSpPr>
+          <p:nvPr/>
+        </p:nvSpPr>
+        <p:spPr bwMode="gray">
+          <a:xfrm>
+            <a:off x="6161011" y="3947616"/>
+            <a:ext cx="1082675" cy="225425"/>
+          </a:xfrm>
+          <a:prstGeom prst="rect">
+            <a:avLst/>
+          </a:prstGeom>
+          <a:noFill/>
+          <a:ln>
+            <a:noFill/>
+          </a:ln>
+          <a:effectLst/>
+          <a:extLst>
+            <a:ext uri="{909E8E84-426E-40DD-AFC4-6F175D3DCCD1}">
+              <a14:hiddenFill xmlns:a14="http://schemas.microsoft.com/office/drawing/2010/main">
+                <a:solidFill>
+                  <a:srgbClr val="3366CC"/>
+                </a:solidFill>
+              </a14:hiddenFill>
+            </a:ext>
+            <a:ext uri="{91240B29-F687-4F45-9708-019B960494DF}">
+              <a14:hiddenLine xmlns:a14="http://schemas.microsoft.com/office/drawing/2010/main" w="28575" algn="ctr">
+                <a:solidFill>
+                  <a:srgbClr val="3366CC"/>
+                </a:solidFill>
+                <a:prstDash val="sysDot"/>
+                <a:miter lim="800000"/>
+                <a:headEnd/>
+                <a:tailEnd/>
+              </a14:hiddenLine>
+            </a:ext>
+            <a:ext uri="{AF507438-7753-43E0-B8FC-AC1667EBCBE1}">
+              <a14:hiddenEffects xmlns:a14="http://schemas.microsoft.com/office/drawing/2010/main">
+                <a:effectLst>
+                  <a:outerShdw dist="35921" dir="2700000" algn="ctr" rotWithShape="0">
+                    <a:schemeClr val="bg2"/>
+                  </a:outerShdw>
+                </a:effectLst>
+              </a14:hiddenEffects>
+            </a:ext>
+          </a:extLst>
+        </p:spPr>
+        <p:txBody>
+          <a:bodyPr lIns="36000" tIns="36000" rIns="36000" bIns="36000" anchor="ctr">
+            <a:spAutoFit/>
+          </a:bodyPr>
+          <a:lstStyle/>
+          <a:p>
+            <a:r>
+              <a:rPr kumimoji="1" lang="ja-JP" altLang="en-US" sz="1000" dirty="0">
+                <a:latin typeface="Arial" panose="020B0604020202020204" pitchFamily="34" charset="0"/>
+                <a:ea typeface="ＭＳ Ｐゴシック" panose="020B0600070205080204" pitchFamily="50" charset="-128"/>
+              </a:rPr>
+              <a:t>コミット</a:t>
+            </a:r>
+          </a:p>
+        </p:txBody>
+      </p:sp>
+      <p:sp>
+        <p:nvSpPr>
+          <p:cNvPr id="13" name="AutoShape 15"/>
+          <p:cNvSpPr>
+            <a:spLocks noChangeArrowheads="1"/>
+          </p:cNvSpPr>
+          <p:nvPr/>
+        </p:nvSpPr>
+        <p:spPr bwMode="auto">
+          <a:xfrm>
+            <a:off x="2196456" y="3860304"/>
+            <a:ext cx="1366837" cy="288925"/>
+          </a:xfrm>
+          <a:prstGeom prst="leftArrow">
+            <a:avLst>
+              <a:gd name="adj1" fmla="val 61537"/>
+              <a:gd name="adj2" fmla="val 73743"/>
+            </a:avLst>
+          </a:prstGeom>
+          <a:solidFill>
+            <a:srgbClr val="FFFFFF"/>
+          </a:solidFill>
+          <a:ln w="12700" algn="ctr">
+            <a:solidFill>
+              <a:schemeClr val="tx1"/>
+            </a:solidFill>
+            <a:miter lim="800000"/>
+            <a:headEnd/>
+            <a:tailEnd/>
+          </a:ln>
+          <a:effectLst>
+            <a:outerShdw dist="107763" dir="2700000" algn="ctr" rotWithShape="0">
+              <a:schemeClr val="bg2">
+                <a:alpha val="50000"/>
+              </a:schemeClr>
+            </a:outerShdw>
+          </a:effectLst>
+        </p:spPr>
+        <p:txBody>
+          <a:bodyPr wrap="none" anchor="ctr"/>
+          <a:lstStyle/>
+          <a:p>
+            <a:r>
+              <a:rPr kumimoji="1" lang="ja-JP" altLang="en-US" sz="1000" dirty="0">
+                <a:latin typeface="Arial" panose="020B0604020202020204" pitchFamily="34" charset="0"/>
+                <a:ea typeface="ＭＳ Ｐゴシック" panose="020B0600070205080204" pitchFamily="50" charset="-128"/>
+              </a:rPr>
+              <a:t>正常終了</a:t>
+            </a:r>
+          </a:p>
+        </p:txBody>
+      </p:sp>
+      <p:sp>
+        <p:nvSpPr>
+          <p:cNvPr id="14" name="Oval 16"/>
+          <p:cNvSpPr>
+            <a:spLocks noChangeArrowheads="1"/>
+          </p:cNvSpPr>
+          <p:nvPr/>
+        </p:nvSpPr>
+        <p:spPr bwMode="auto">
+          <a:xfrm>
+            <a:off x="4355456" y="3357066"/>
+            <a:ext cx="1008062" cy="865188"/>
+          </a:xfrm>
+          <a:prstGeom prst="ellipse">
+            <a:avLst/>
+          </a:prstGeom>
+          <a:solidFill>
+            <a:srgbClr val="FFFFFF"/>
+          </a:solidFill>
+          <a:ln w="12700" algn="ctr">
+            <a:solidFill>
+              <a:schemeClr val="tx1"/>
+            </a:solidFill>
+            <a:round/>
+            <a:headEnd/>
+            <a:tailEnd/>
+          </a:ln>
+          <a:effectLst>
+            <a:outerShdw dist="107763" dir="2700000" algn="ctr" rotWithShape="0">
+              <a:schemeClr val="bg2">
+                <a:alpha val="50000"/>
+              </a:schemeClr>
+            </a:outerShdw>
+          </a:effectLst>
+        </p:spPr>
+        <p:txBody>
+          <a:bodyPr wrap="none" anchor="ctr"/>
+          <a:lstStyle/>
+          <a:p>
+            <a:pPr algn="ctr"/>
+            <a:r>
+              <a:rPr kumimoji="1" lang="ja-JP" altLang="en-US" sz="1000" dirty="0">
+                <a:latin typeface="Arial" panose="020B0604020202020204" pitchFamily="34" charset="0"/>
+                <a:ea typeface="ＭＳ Ｐゴシック" panose="020B0600070205080204" pitchFamily="50" charset="-128"/>
+              </a:rPr>
+              <a:t>トランザクション </a:t>
+            </a:r>
+          </a:p>
+          <a:p>
+            <a:pPr algn="ctr"/>
+            <a:r>
+              <a:rPr kumimoji="1" lang="ja-JP" altLang="en-US" sz="1000" dirty="0">
+                <a:latin typeface="Arial" panose="020B0604020202020204" pitchFamily="34" charset="0"/>
+                <a:ea typeface="ＭＳ Ｐゴシック" panose="020B0600070205080204" pitchFamily="50" charset="-128"/>
+              </a:rPr>
+              <a:t>開始 </a:t>
+            </a:r>
+          </a:p>
+        </p:txBody>
+      </p:sp>
+      <p:sp>
+        <p:nvSpPr>
+          <p:cNvPr id="15" name="AutoShape 17"/>
+          <p:cNvSpPr>
+            <a:spLocks noChangeArrowheads="1"/>
+          </p:cNvSpPr>
+          <p:nvPr/>
+        </p:nvSpPr>
+        <p:spPr bwMode="auto">
+          <a:xfrm rot="15067361">
+            <a:off x="5507187" y="3268960"/>
+            <a:ext cx="344488" cy="520700"/>
+          </a:xfrm>
+          <a:prstGeom prst="downArrow">
+            <a:avLst>
+              <a:gd name="adj1" fmla="val 54963"/>
+              <a:gd name="adj2" fmla="val 24051"/>
+            </a:avLst>
+          </a:prstGeom>
+          <a:solidFill>
+            <a:schemeClr val="bg1"/>
+          </a:solidFill>
+          <a:ln w="12700" algn="ctr">
+            <a:solidFill>
+              <a:schemeClr val="tx1"/>
+            </a:solidFill>
+            <a:miter lim="800000"/>
+            <a:headEnd/>
+            <a:tailEnd/>
+          </a:ln>
+          <a:effectLst>
+            <a:outerShdw dist="107763" dir="2700000" algn="ctr" rotWithShape="0">
+              <a:schemeClr val="bg2">
+                <a:alpha val="50000"/>
+              </a:schemeClr>
+            </a:outerShdw>
+          </a:effectLst>
+        </p:spPr>
+        <p:txBody>
+          <a:bodyPr vert="eaVert" wrap="none" anchor="ctr"/>
+          <a:lstStyle/>
+          <a:p>
+            <a:endParaRPr kumimoji="1" lang="ja-JP" altLang="en-US" sz="1000" dirty="0">
+              <a:latin typeface="Arial" panose="020B0604020202020204" pitchFamily="34" charset="0"/>
+              <a:ea typeface="ＭＳ Ｐゴシック" panose="020B0600070205080204" pitchFamily="50" charset="-128"/>
+            </a:endParaRPr>
+          </a:p>
+        </p:txBody>
+      </p:sp>
+      <p:sp>
+        <p:nvSpPr>
+          <p:cNvPr id="16" name="AutoShape 18"/>
+          <p:cNvSpPr>
+            <a:spLocks noChangeArrowheads="1"/>
+          </p:cNvSpPr>
+          <p:nvPr/>
+        </p:nvSpPr>
+        <p:spPr bwMode="auto">
+          <a:xfrm rot="16881892">
+            <a:off x="5535762" y="3680123"/>
+            <a:ext cx="344487" cy="520700"/>
+          </a:xfrm>
+          <a:prstGeom prst="downArrow">
+            <a:avLst>
+              <a:gd name="adj1" fmla="val 54963"/>
+              <a:gd name="adj2" fmla="val 24051"/>
+            </a:avLst>
+          </a:prstGeom>
+          <a:solidFill>
+            <a:schemeClr val="bg1"/>
+          </a:solidFill>
+          <a:ln w="12700" algn="ctr">
+            <a:solidFill>
+              <a:schemeClr val="tx1"/>
+            </a:solidFill>
+            <a:miter lim="800000"/>
+            <a:headEnd/>
+            <a:tailEnd/>
+          </a:ln>
+          <a:effectLst>
+            <a:outerShdw dist="107763" dir="2700000" algn="ctr" rotWithShape="0">
+              <a:schemeClr val="bg2">
+                <a:alpha val="50000"/>
+              </a:schemeClr>
+            </a:outerShdw>
+          </a:effectLst>
+        </p:spPr>
+        <p:txBody>
+          <a:bodyPr vert="eaVert" wrap="none" anchor="ctr"/>
+          <a:lstStyle/>
+          <a:p>
+            <a:endParaRPr kumimoji="1" lang="ja-JP" altLang="en-US" sz="1000" dirty="0">
+              <a:latin typeface="Arial" panose="020B0604020202020204" pitchFamily="34" charset="0"/>
+              <a:ea typeface="ＭＳ Ｐゴシック" panose="020B0600070205080204" pitchFamily="50" charset="-128"/>
+            </a:endParaRPr>
+          </a:p>
+        </p:txBody>
+      </p:sp>
+      <p:sp>
+        <p:nvSpPr>
+          <p:cNvPr id="17" name="AutoShape 19"/>
+          <p:cNvSpPr>
+            <a:spLocks noChangeArrowheads="1"/>
+          </p:cNvSpPr>
+          <p:nvPr/>
+        </p:nvSpPr>
+        <p:spPr bwMode="auto">
+          <a:xfrm rot="16200000">
+            <a:off x="4051449" y="3446760"/>
+            <a:ext cx="1185863" cy="720725"/>
+          </a:xfrm>
+          <a:custGeom>
+            <a:avLst/>
+            <a:gdLst>
+              <a:gd name="G0" fmla="+- 9411 0 0"/>
+              <a:gd name="G1" fmla="+- -10128315 0 0"/>
+              <a:gd name="G2" fmla="+- 0 0 -10128315"/>
+              <a:gd name="T0" fmla="*/ 0 256 1"/>
+              <a:gd name="T1" fmla="*/ 180 256 1"/>
+              <a:gd name="G3" fmla="+- -10128315 T0 T1"/>
+              <a:gd name="T2" fmla="*/ 0 256 1"/>
+              <a:gd name="T3" fmla="*/ 90 256 1"/>
+              <a:gd name="G4" fmla="+- -10128315 T2 T3"/>
+              <a:gd name="G5" fmla="*/ G4 2 1"/>
+              <a:gd name="T4" fmla="*/ 90 256 1"/>
+              <a:gd name="T5" fmla="*/ 0 256 1"/>
+              <a:gd name="G6" fmla="+- -10128315 T4 T5"/>
+              <a:gd name="G7" fmla="*/ G6 2 1"/>
+              <a:gd name="G8" fmla="abs -10128315"/>
+              <a:gd name="T6" fmla="*/ 0 256 1"/>
+              <a:gd name="T7" fmla="*/ 90 256 1"/>
+              <a:gd name="G9" fmla="+- G8 T6 T7"/>
+              <a:gd name="G10" fmla="?: G9 G7 G5"/>
+              <a:gd name="T8" fmla="*/ 0 256 1"/>
+              <a:gd name="T9" fmla="*/ 360 256 1"/>
+              <a:gd name="G11" fmla="+- G10 T8 T9"/>
+              <a:gd name="G12" fmla="?: G10 G11 G10"/>
+              <a:gd name="T10" fmla="*/ 0 256 1"/>
+              <a:gd name="T11" fmla="*/ 360 256 1"/>
+              <a:gd name="G13" fmla="+- G12 T10 T11"/>
+              <a:gd name="G14" fmla="?: G12 G13 G12"/>
+              <a:gd name="G15" fmla="+- 0 0 G14"/>
+              <a:gd name="G16" fmla="+- 10800 0 0"/>
+              <a:gd name="G17" fmla="+- 10800 0 9411"/>
+              <a:gd name="G18" fmla="*/ 9411 1 2"/>
+              <a:gd name="G19" fmla="+- G18 5400 0"/>
+              <a:gd name="G20" fmla="cos G19 -10128315"/>
+              <a:gd name="G21" fmla="sin G19 -10128315"/>
+              <a:gd name="G22" fmla="+- G20 10800 0"/>
+              <a:gd name="G23" fmla="+- G21 10800 0"/>
+              <a:gd name="G24" fmla="+- 10800 0 G20"/>
+              <a:gd name="G25" fmla="+- 9411 10800 0"/>
+              <a:gd name="G26" fmla="?: G9 G17 G25"/>
+              <a:gd name="G27" fmla="?: G9 0 21600"/>
+              <a:gd name="G28" fmla="cos 10800 -10128315"/>
+              <a:gd name="G29" fmla="sin 10800 -10128315"/>
+              <a:gd name="G30" fmla="sin 9411 -10128315"/>
+              <a:gd name="G31" fmla="+- G28 10800 0"/>
+              <a:gd name="G32" fmla="+- G29 10800 0"/>
+              <a:gd name="G33" fmla="+- G30 10800 0"/>
+              <a:gd name="G34" fmla="?: G4 0 G31"/>
+              <a:gd name="G35" fmla="?: -10128315 G34 0"/>
+              <a:gd name="G36" fmla="?: G6 G35 G31"/>
+              <a:gd name="G37" fmla="+- 21600 0 G36"/>
+              <a:gd name="G38" fmla="?: G4 0 G33"/>
+              <a:gd name="G39" fmla="?: -10128315 G38 G32"/>
+              <a:gd name="G40" fmla="?: G6 G39 0"/>
+              <a:gd name="G41" fmla="?: G4 G32 21600"/>
+              <a:gd name="G42" fmla="?: G6 G41 G33"/>
+              <a:gd name="T12" fmla="*/ 10800 w 21600"/>
+              <a:gd name="T13" fmla="*/ 0 h 21600"/>
+              <a:gd name="T14" fmla="*/ 1674 w 21600"/>
+              <a:gd name="T15" fmla="*/ 6456 h 21600"/>
+              <a:gd name="T16" fmla="*/ 10800 w 21600"/>
+              <a:gd name="T17" fmla="*/ 1389 h 21600"/>
+              <a:gd name="T18" fmla="*/ 19926 w 21600"/>
+              <a:gd name="T19" fmla="*/ 6456 h 21600"/>
+              <a:gd name="T20" fmla="*/ G36 w 21600"/>
+              <a:gd name="T21" fmla="*/ G40 h 21600"/>
+              <a:gd name="T22" fmla="*/ G37 w 21600"/>
+              <a:gd name="T23" fmla="*/ G42 h 21600"/>
+            </a:gdLst>
+            <a:ahLst/>
+            <a:cxnLst>
+              <a:cxn ang="0">
+                <a:pos x="T12" y="T13"/>
+              </a:cxn>
+              <a:cxn ang="0">
+                <a:pos x="T14" y="T15"/>
+              </a:cxn>
+              <a:cxn ang="0">
+                <a:pos x="T16" y="T17"/>
+              </a:cxn>
+              <a:cxn ang="0">
+                <a:pos x="T18" y="T19"/>
+              </a:cxn>
+            </a:cxnLst>
+            <a:rect l="T20" t="T21" r="T22" b="T23"/>
+            <a:pathLst>
+              <a:path w="21600" h="21600">
+                <a:moveTo>
+                  <a:pt x="2302" y="6755"/>
+                </a:moveTo>
+                <a:cubicBezTo>
+                  <a:pt x="3862" y="3477"/>
+                  <a:pt x="7169" y="1389"/>
+                  <a:pt x="10800" y="1389"/>
+                </a:cubicBezTo>
+                <a:cubicBezTo>
+                  <a:pt x="14430" y="1389"/>
+                  <a:pt x="17737" y="3477"/>
+                  <a:pt x="19297" y="6755"/>
+                </a:cubicBezTo>
+                <a:lnTo>
+                  <a:pt x="20551" y="6158"/>
+                </a:lnTo>
+                <a:cubicBezTo>
+                  <a:pt x="18761" y="2396"/>
+                  <a:pt x="14966" y="0"/>
+                  <a:pt x="10799" y="0"/>
+                </a:cubicBezTo>
+                <a:cubicBezTo>
+                  <a:pt x="6633" y="0"/>
+                  <a:pt x="2838" y="2396"/>
+                  <a:pt x="1048" y="6158"/>
+                </a:cubicBezTo>
+                <a:close/>
+              </a:path>
+            </a:pathLst>
+          </a:custGeom>
+          <a:solidFill>
+            <a:srgbClr val="FF0000"/>
+          </a:solidFill>
+          <a:ln w="12700" algn="ctr">
+            <a:solidFill>
+              <a:schemeClr val="tx1"/>
+            </a:solidFill>
+            <a:miter lim="800000"/>
+            <a:headEnd/>
+            <a:tailEnd/>
+          </a:ln>
+          <a:effectLst>
+            <a:outerShdw dist="107763" dir="2700000" algn="ctr" rotWithShape="0">
+              <a:schemeClr val="bg2">
+                <a:alpha val="50000"/>
+              </a:schemeClr>
+            </a:outerShdw>
+          </a:effectLst>
+        </p:spPr>
+        <p:txBody>
+          <a:bodyPr wrap="none" anchor="ctr"/>
+          <a:lstStyle/>
+          <a:p>
+            <a:endParaRPr lang="ja-JP" altLang="en-US" dirty="0"/>
+          </a:p>
+        </p:txBody>
+      </p:sp>
+      <p:sp>
+        <p:nvSpPr>
+          <p:cNvPr id="18" name="AutoShape 20"/>
+          <p:cNvSpPr>
+            <a:spLocks noChangeArrowheads="1"/>
+          </p:cNvSpPr>
+          <p:nvPr/>
+        </p:nvSpPr>
+        <p:spPr bwMode="auto">
+          <a:xfrm>
+            <a:off x="3822056" y="5073154"/>
+            <a:ext cx="2138362" cy="415925"/>
+          </a:xfrm>
+          <a:prstGeom prst="wedgeRoundRectCallout">
+            <a:avLst>
+              <a:gd name="adj1" fmla="val 23718"/>
+              <a:gd name="adj2" fmla="val -212597"/>
+              <a:gd name="adj3" fmla="val 16667"/>
+            </a:avLst>
+          </a:prstGeom>
+          <a:solidFill>
+            <a:schemeClr val="bg1"/>
+          </a:solidFill>
+          <a:ln w="12700" algn="ctr">
+            <a:solidFill>
+              <a:schemeClr val="tx1"/>
+            </a:solidFill>
+            <a:miter lim="800000"/>
+            <a:headEnd/>
+            <a:tailEnd/>
+          </a:ln>
+          <a:effectLst/>
+          <a:extLst>
+            <a:ext uri="{AF507438-7753-43E0-B8FC-AC1667EBCBE1}">
+              <a14:hiddenEffects xmlns:a14="http://schemas.microsoft.com/office/drawing/2010/main">
+                <a:effectLst>
+                  <a:outerShdw dist="107763" dir="2700000" algn="ctr" rotWithShape="0">
+                    <a:schemeClr val="bg2">
+                      <a:alpha val="50000"/>
+                    </a:schemeClr>
+                  </a:outerShdw>
+                </a:effectLst>
+              </a14:hiddenEffects>
+            </a:ext>
+          </a:extLst>
+        </p:spPr>
+        <p:txBody>
+          <a:bodyPr anchor="ctr"/>
+          <a:lstStyle/>
+          <a:p>
+            <a:pPr algn="l"/>
+            <a:r>
+              <a:rPr kumimoji="1" lang="ja-JP" altLang="en-US" sz="1000" b="0" dirty="0">
+                <a:latin typeface="Arial" panose="020B0604020202020204" pitchFamily="34" charset="0"/>
+                <a:ea typeface="ＭＳ Ｐゴシック" panose="020B0600070205080204" pitchFamily="50" charset="-128"/>
+              </a:rPr>
+              <a:t>ビジネスロジックのコーディングで</a:t>
+            </a:r>
+          </a:p>
+          <a:p>
+            <a:pPr algn="l"/>
+            <a:r>
+              <a:rPr kumimoji="1" lang="ja-JP" altLang="en-US" sz="1000" b="0" dirty="0">
+                <a:latin typeface="Arial" panose="020B0604020202020204" pitchFamily="34" charset="0"/>
+                <a:ea typeface="ＭＳ Ｐゴシック" panose="020B0600070205080204" pitchFamily="50" charset="-128"/>
+              </a:rPr>
+              <a:t>トランザクションを管理</a:t>
+            </a:r>
+          </a:p>
+        </p:txBody>
+      </p:sp>
+    </p:spTree>
+    <p:extLst>
+      <p:ext uri="{BB962C8B-B14F-4D97-AF65-F5344CB8AC3E}">
+        <p14:creationId xmlns:p14="http://schemas.microsoft.com/office/powerpoint/2010/main" val="2209340279"/>
+      </p:ext>
+    </p:extLst>
+  </p:cSld>
+  <p:clrMapOvr>
+    <a:masterClrMapping/>
+  </p:clrMapOvr>
+</p:sld>
+</file>
+
+<file path=ppt/slides/slide6.xml><?xml version="1.0" encoding="utf-8"?>
+<p:sld xmlns:a="http://schemas.openxmlformats.org/drawingml/2006/main" xmlns:r="http://schemas.openxmlformats.org/officeDocument/2006/relationships" xmlns:p="http://schemas.openxmlformats.org/presentationml/2006/main">
+  <p:cSld>
+    <p:spTree>
+      <p:nvGrpSpPr>
+        <p:cNvPr id="1" name=""/>
+        <p:cNvGrpSpPr/>
+        <p:nvPr/>
+      </p:nvGrpSpPr>
+      <p:grpSpPr>
+        <a:xfrm>
+          <a:off x="0" y="0"/>
+          <a:ext cx="0" cy="0"/>
+          <a:chOff x="0" y="0"/>
+          <a:chExt cx="0" cy="0"/>
+        </a:xfrm>
+      </p:grpSpPr>
+      <p:sp>
+        <p:nvSpPr>
+          <p:cNvPr id="4" name="AutoShape 8"/>
+          <p:cNvSpPr>
+            <a:spLocks noChangeArrowheads="1"/>
+          </p:cNvSpPr>
+          <p:nvPr/>
+        </p:nvSpPr>
+        <p:spPr bwMode="auto">
+          <a:xfrm rot="16200000">
+            <a:off x="5702201" y="2534543"/>
+            <a:ext cx="504825" cy="1222375"/>
+          </a:xfrm>
+          <a:prstGeom prst="downArrow">
+            <a:avLst>
+              <a:gd name="adj1" fmla="val 50000"/>
+              <a:gd name="adj2" fmla="val 60535"/>
+            </a:avLst>
+          </a:prstGeom>
+          <a:solidFill>
+            <a:schemeClr val="bg1"/>
+          </a:solidFill>
+          <a:ln w="12700" algn="ctr">
+            <a:solidFill>
+              <a:schemeClr val="tx1"/>
+            </a:solidFill>
+            <a:miter lim="800000"/>
+            <a:headEnd/>
+            <a:tailEnd/>
+          </a:ln>
+          <a:effectLst>
+            <a:outerShdw dist="107763" dir="2700000" algn="ctr" rotWithShape="0">
+              <a:schemeClr val="bg2">
+                <a:alpha val="50000"/>
+              </a:schemeClr>
+            </a:outerShdw>
+          </a:effectLst>
+        </p:spPr>
+        <p:txBody>
+          <a:bodyPr vert="eaVert" wrap="none" anchor="ctr"/>
+          <a:lstStyle/>
+          <a:p>
+            <a:r>
+              <a:rPr kumimoji="1" lang="ja-JP" altLang="en-US" sz="1000" dirty="0">
+                <a:latin typeface="Arial" panose="020B0604020202020204" pitchFamily="34" charset="0"/>
+                <a:ea typeface="ＭＳ Ｐゴシック" panose="020B0600070205080204" pitchFamily="50" charset="-128"/>
+              </a:rPr>
+              <a:t>実行</a:t>
+            </a:r>
+          </a:p>
+        </p:txBody>
+      </p:sp>
+      <p:sp>
+        <p:nvSpPr>
+          <p:cNvPr id="5" name="AutoShape 9"/>
+          <p:cNvSpPr>
+            <a:spLocks noChangeAspect="1" noChangeArrowheads="1"/>
+          </p:cNvSpPr>
+          <p:nvPr/>
+        </p:nvSpPr>
+        <p:spPr bwMode="auto">
+          <a:xfrm>
+            <a:off x="6711851" y="2964755"/>
+            <a:ext cx="1728787" cy="649288"/>
+          </a:xfrm>
+          <a:prstGeom prst="roundRect">
+            <a:avLst>
+              <a:gd name="adj" fmla="val 16667"/>
+            </a:avLst>
+          </a:prstGeom>
+          <a:solidFill>
+            <a:srgbClr val="FFFF99"/>
+          </a:solidFill>
+          <a:ln w="12700">
+            <a:solidFill>
+              <a:srgbClr val="FF9900"/>
+            </a:solidFill>
+            <a:round/>
+            <a:headEnd/>
+            <a:tailEnd/>
+          </a:ln>
+          <a:effectLst>
+            <a:outerShdw dist="107763" dir="2700000" algn="ctr" rotWithShape="0">
+              <a:schemeClr val="bg2">
+                <a:alpha val="50000"/>
+              </a:schemeClr>
+            </a:outerShdw>
+          </a:effectLst>
+        </p:spPr>
+        <p:txBody>
+          <a:bodyPr wrap="none" anchor="ctr" anchorCtr="1"/>
+          <a:lstStyle/>
+          <a:p>
+            <a:r>
+              <a:rPr kumimoji="1" lang="ja-JP" altLang="en-US" sz="1000" dirty="0">
+                <a:latin typeface="Arial" panose="020B0604020202020204" pitchFamily="34" charset="0"/>
+                <a:ea typeface="ＭＳ Ｐゴシック" panose="020B0600070205080204" pitchFamily="50" charset="-128"/>
+              </a:rPr>
+              <a:t>ビジネスロジック実装クラス</a:t>
+            </a:r>
+          </a:p>
+        </p:txBody>
+      </p:sp>
+      <p:sp>
+        <p:nvSpPr>
+          <p:cNvPr id="6" name="AutoShape 10"/>
+          <p:cNvSpPr>
+            <a:spLocks noChangeArrowheads="1"/>
+          </p:cNvSpPr>
+          <p:nvPr/>
+        </p:nvSpPr>
+        <p:spPr bwMode="auto">
+          <a:xfrm>
+            <a:off x="5345013" y="3325118"/>
+            <a:ext cx="1152525" cy="431800"/>
+          </a:xfrm>
+          <a:prstGeom prst="leftArrow">
+            <a:avLst>
+              <a:gd name="adj1" fmla="val 50000"/>
+              <a:gd name="adj2" fmla="val 66728"/>
+            </a:avLst>
+          </a:prstGeom>
+          <a:solidFill>
+            <a:schemeClr val="bg1"/>
+          </a:solidFill>
+          <a:ln w="12700" algn="ctr">
+            <a:solidFill>
+              <a:schemeClr val="tx1"/>
+            </a:solidFill>
+            <a:miter lim="800000"/>
+            <a:headEnd/>
+            <a:tailEnd/>
+          </a:ln>
+          <a:effectLst>
+            <a:outerShdw dist="107763" dir="2700000" algn="ctr" rotWithShape="0">
+              <a:schemeClr val="bg2">
+                <a:alpha val="50000"/>
+              </a:schemeClr>
+            </a:outerShdw>
+          </a:effectLst>
+        </p:spPr>
+        <p:txBody>
+          <a:bodyPr wrap="none" anchor="ctr"/>
+          <a:lstStyle/>
+          <a:p>
+            <a:r>
+              <a:rPr kumimoji="1" lang="ja-JP" altLang="en-US" sz="1000" dirty="0">
+                <a:latin typeface="Arial" panose="020B0604020202020204" pitchFamily="34" charset="0"/>
+                <a:ea typeface="ＭＳ Ｐゴシック" panose="020B0600070205080204" pitchFamily="50" charset="-128"/>
+              </a:rPr>
+              <a:t>例外</a:t>
+            </a:r>
+          </a:p>
+        </p:txBody>
+      </p:sp>
+      <p:sp>
+        <p:nvSpPr>
+          <p:cNvPr id="7" name="AutoShape 11"/>
+          <p:cNvSpPr>
+            <a:spLocks noChangeAspect="1" noChangeArrowheads="1"/>
+          </p:cNvSpPr>
+          <p:nvPr/>
+        </p:nvSpPr>
+        <p:spPr bwMode="auto">
+          <a:xfrm>
+            <a:off x="3730526" y="2977455"/>
+            <a:ext cx="1558925" cy="649288"/>
+          </a:xfrm>
+          <a:prstGeom prst="roundRect">
+            <a:avLst>
+              <a:gd name="adj" fmla="val 16667"/>
+            </a:avLst>
+          </a:prstGeom>
+          <a:solidFill>
+            <a:srgbClr val="FFFF99"/>
+          </a:solidFill>
+          <a:ln w="12700">
+            <a:solidFill>
+              <a:srgbClr val="FF9900"/>
+            </a:solidFill>
+            <a:round/>
+            <a:headEnd/>
+            <a:tailEnd/>
+          </a:ln>
+          <a:effectLst>
+            <a:outerShdw dist="107763" dir="2700000" algn="ctr" rotWithShape="0">
+              <a:schemeClr val="bg2">
+                <a:alpha val="50000"/>
+              </a:schemeClr>
+            </a:outerShdw>
+          </a:effectLst>
+        </p:spPr>
+        <p:txBody>
+          <a:bodyPr wrap="none" anchor="ctr" anchorCtr="1"/>
+          <a:lstStyle/>
+          <a:p>
+            <a:pPr algn="ctr"/>
+            <a:r>
+              <a:rPr kumimoji="1" lang="ja-JP" altLang="en-US" sz="1000" dirty="0" smtClean="0">
+                <a:latin typeface="Arial" panose="020B0604020202020204" pitchFamily="34" charset="0"/>
+                <a:ea typeface="ＭＳ Ｐゴシック" panose="020B0600070205080204" pitchFamily="50" charset="-128"/>
+              </a:rPr>
+              <a:t>ビジネスロジック実行クラス</a:t>
+            </a:r>
+            <a:endParaRPr kumimoji="1" lang="en-US" altLang="ja-JP" sz="1000" dirty="0" smtClean="0">
+              <a:latin typeface="Arial" panose="020B0604020202020204" pitchFamily="34" charset="0"/>
+              <a:ea typeface="ＭＳ Ｐゴシック" panose="020B0600070205080204" pitchFamily="50" charset="-128"/>
+            </a:endParaRPr>
+          </a:p>
+          <a:p>
+            <a:pPr algn="ctr"/>
+            <a:r>
+              <a:rPr lang="en-US" altLang="ja-JP" sz="1000" dirty="0" smtClean="0">
+                <a:latin typeface="Arial" panose="020B0604020202020204" pitchFamily="34" charset="0"/>
+                <a:ea typeface="ＭＳ Ｐゴシック" panose="020B0600070205080204" pitchFamily="50" charset="-128"/>
+              </a:rPr>
+              <a:t>(</a:t>
+            </a:r>
+            <a:r>
+              <a:rPr lang="ja-JP" altLang="en-US" sz="1000" dirty="0" smtClean="0">
+                <a:latin typeface="Arial" panose="020B0604020202020204" pitchFamily="34" charset="0"/>
+                <a:ea typeface="ＭＳ Ｐゴシック" panose="020B0600070205080204" pitchFamily="50" charset="-128"/>
+              </a:rPr>
+              <a:t>フレームワーク提供</a:t>
+            </a:r>
+            <a:r>
+              <a:rPr lang="en-US" altLang="ja-JP" sz="1000" dirty="0" smtClean="0">
+                <a:latin typeface="Arial" panose="020B0604020202020204" pitchFamily="34" charset="0"/>
+                <a:ea typeface="ＭＳ Ｐゴシック" panose="020B0600070205080204" pitchFamily="50" charset="-128"/>
+              </a:rPr>
+              <a:t>)</a:t>
+            </a:r>
+            <a:endParaRPr kumimoji="1" lang="en-US" altLang="ja-JP" sz="1000" dirty="0">
+              <a:latin typeface="Arial" panose="020B0604020202020204" pitchFamily="34" charset="0"/>
+              <a:ea typeface="ＭＳ Ｐゴシック" panose="020B0600070205080204" pitchFamily="50" charset="-128"/>
+            </a:endParaRPr>
+          </a:p>
+        </p:txBody>
+      </p:sp>
+      <p:sp>
+        <p:nvSpPr>
+          <p:cNvPr id="8" name="Rectangle 12"/>
+          <p:cNvSpPr>
+            <a:spLocks noChangeArrowheads="1"/>
+          </p:cNvSpPr>
+          <p:nvPr/>
+        </p:nvSpPr>
+        <p:spPr bwMode="gray">
+          <a:xfrm>
+            <a:off x="5922863" y="3707705"/>
+            <a:ext cx="1641475" cy="377825"/>
+          </a:xfrm>
+          <a:prstGeom prst="rect">
+            <a:avLst/>
+          </a:prstGeom>
+          <a:noFill/>
+          <a:ln>
+            <a:noFill/>
+          </a:ln>
+          <a:effectLst/>
+          <a:extLst>
+            <a:ext uri="{909E8E84-426E-40DD-AFC4-6F175D3DCCD1}">
+              <a14:hiddenFill xmlns:a14="http://schemas.microsoft.com/office/drawing/2010/main">
+                <a:solidFill>
+                  <a:srgbClr val="3366CC"/>
+                </a:solidFill>
+              </a14:hiddenFill>
+            </a:ext>
+            <a:ext uri="{91240B29-F687-4F45-9708-019B960494DF}">
+              <a14:hiddenLine xmlns:a14="http://schemas.microsoft.com/office/drawing/2010/main" w="28575" algn="ctr">
+                <a:solidFill>
+                  <a:srgbClr val="3366CC"/>
+                </a:solidFill>
+                <a:prstDash val="sysDot"/>
+                <a:miter lim="800000"/>
+                <a:headEnd/>
+                <a:tailEnd/>
+              </a14:hiddenLine>
+            </a:ext>
+            <a:ext uri="{AF507438-7753-43E0-B8FC-AC1667EBCBE1}">
+              <a14:hiddenEffects xmlns:a14="http://schemas.microsoft.com/office/drawing/2010/main">
+                <a:effectLst>
+                  <a:outerShdw dist="35921" dir="2700000" algn="ctr" rotWithShape="0">
+                    <a:schemeClr val="bg2"/>
+                  </a:outerShdw>
+                </a:effectLst>
+              </a14:hiddenEffects>
+            </a:ext>
+          </a:extLst>
+        </p:spPr>
+        <p:txBody>
+          <a:bodyPr lIns="36000" tIns="36000" rIns="36000" bIns="36000" anchor="ctr">
+            <a:spAutoFit/>
+          </a:bodyPr>
+          <a:lstStyle/>
+          <a:p>
+            <a:r>
+              <a:rPr kumimoji="1" lang="ja-JP" altLang="en-US" sz="1000" dirty="0">
+                <a:latin typeface="Arial" panose="020B0604020202020204" pitchFamily="34" charset="0"/>
+                <a:ea typeface="ＭＳ Ｐゴシック" panose="020B0600070205080204" pitchFamily="50" charset="-128"/>
+              </a:rPr>
+              <a:t>①ビジネスロジック内で</a:t>
+            </a:r>
+          </a:p>
+          <a:p>
+            <a:r>
+              <a:rPr kumimoji="1" lang="ja-JP" altLang="en-US" sz="1000" dirty="0">
+                <a:latin typeface="Arial" panose="020B0604020202020204" pitchFamily="34" charset="0"/>
+                <a:ea typeface="ＭＳ Ｐゴシック" panose="020B0600070205080204" pitchFamily="50" charset="-128"/>
+              </a:rPr>
+              <a:t>実行時例外がスローされる</a:t>
+            </a:r>
+            <a:endParaRPr kumimoji="1" lang="en-US" altLang="ja-JP" sz="1000" dirty="0">
+              <a:latin typeface="Arial" panose="020B0604020202020204" pitchFamily="34" charset="0"/>
+              <a:ea typeface="ＭＳ Ｐゴシック" panose="020B0600070205080204" pitchFamily="50" charset="-128"/>
+            </a:endParaRPr>
+          </a:p>
+        </p:txBody>
+      </p:sp>
+      <p:graphicFrame>
+        <p:nvGraphicFramePr>
+          <p:cNvPr id="9" name="Object 13"/>
+          <p:cNvGraphicFramePr>
+            <a:graphicFrameLocks noChangeAspect="1"/>
+          </p:cNvGraphicFramePr>
+          <p:nvPr>
+            <p:extLst>
+              <p:ext uri="{D42A27DB-BD31-4B8C-83A1-F6EECF244321}">
+                <p14:modId xmlns:p14="http://schemas.microsoft.com/office/powerpoint/2010/main" val="2618853489"/>
+              </p:ext>
+            </p:extLst>
+          </p:nvPr>
+        </p:nvGraphicFramePr>
+        <p:xfrm>
+          <a:off x="1144488" y="3472755"/>
+          <a:ext cx="1368425" cy="730250"/>
+        </p:xfrm>
+        <a:graphic>
+          <a:graphicData uri="http://schemas.openxmlformats.org/presentationml/2006/ole">
+            <mc:AlternateContent xmlns:mc="http://schemas.openxmlformats.org/markup-compatibility/2006">
+              <mc:Choice xmlns:v="urn:schemas-microsoft-com:vml" Requires="v">
+                <p:oleObj spid="_x0000_s2077" name="Visio" r:id="rId3" imgW="1046607" imgH="1232154" progId="Visio.Drawing.11">
+                  <p:embed/>
+                </p:oleObj>
+              </mc:Choice>
+              <mc:Fallback>
+                <p:oleObj name="Visio" r:id="rId3" imgW="1046607" imgH="1232154" progId="Visio.Drawing.11">
+                  <p:embed/>
+                  <p:pic>
+                    <p:nvPicPr>
+                      <p:cNvPr id="0" name=""/>
+                      <p:cNvPicPr>
+                        <a:picLocks noChangeAspect="1" noChangeArrowheads="1"/>
+                      </p:cNvPicPr>
+                      <p:nvPr/>
+                    </p:nvPicPr>
+                    <p:blipFill>
+                      <a:blip r:embed="rId4">
+                        <a:extLst>
+                          <a:ext uri="{28A0092B-C50C-407E-A947-70E740481C1C}">
+                            <a14:useLocalDpi xmlns:a14="http://schemas.microsoft.com/office/drawing/2010/main" val="0"/>
+                          </a:ext>
+                        </a:extLst>
+                      </a:blip>
+                      <a:srcRect/>
+                      <a:stretch>
+                        <a:fillRect/>
+                      </a:stretch>
+                    </p:blipFill>
+                    <p:spPr bwMode="auto">
+                      <a:xfrm>
+                        <a:off x="1144488" y="3472755"/>
+                        <a:ext cx="1368425" cy="730250"/>
+                      </a:xfrm>
+                      <a:prstGeom prst="rect">
+                        <a:avLst/>
+                      </a:prstGeom>
+                      <a:noFill/>
+                      <a:ln>
+                        <a:noFill/>
+                      </a:ln>
+                      <a:effectLst/>
+                      <a:extLst>
+                        <a:ext uri="{909E8E84-426E-40DD-AFC4-6F175D3DCCD1}">
+                          <a14:hiddenFill xmlns:a14="http://schemas.microsoft.com/office/drawing/2010/main">
+                            <a:solidFill>
+                              <a:schemeClr val="accent1"/>
+                            </a:solidFill>
+                          </a14:hiddenFill>
+                        </a:ext>
+                        <a:ext uri="{91240B29-F687-4F45-9708-019B960494DF}">
+                          <a14:hiddenLine xmlns:a14="http://schemas.microsoft.com/office/drawing/2010/main" w="12700" algn="ctr">
+                            <a:solidFill>
+                              <a:schemeClr val="tx1"/>
+                            </a:solidFill>
+                            <a:miter lim="800000"/>
+                            <a:headEnd/>
+                            <a:tailEnd/>
+                          </a14:hiddenLine>
+                        </a:ext>
+                        <a:ext uri="{AF507438-7753-43E0-B8FC-AC1667EBCBE1}">
+                          <a14:hiddenEffects xmlns:a14="http://schemas.microsoft.com/office/drawing/2010/main">
+                            <a:effectLst>
+                              <a:outerShdw dist="107763" dir="2700000" algn="ctr" rotWithShape="0">
+                                <a:schemeClr val="bg2">
+                                  <a:alpha val="50000"/>
+                                </a:schemeClr>
+                              </a:outerShdw>
+                            </a:effectLst>
+                          </a14:hiddenEffects>
+                        </a:ext>
+                      </a:extLst>
+                    </p:spPr>
+                  </p:pic>
+                </p:oleObj>
+              </mc:Fallback>
+            </mc:AlternateContent>
+          </a:graphicData>
+        </a:graphic>
+      </p:graphicFrame>
+      <p:sp>
+        <p:nvSpPr>
+          <p:cNvPr id="10" name="Rectangle 15"/>
+          <p:cNvSpPr>
+            <a:spLocks noChangeArrowheads="1"/>
+          </p:cNvSpPr>
+          <p:nvPr/>
+        </p:nvSpPr>
+        <p:spPr bwMode="gray">
+          <a:xfrm>
+            <a:off x="1301651" y="3550543"/>
+            <a:ext cx="936625" cy="225425"/>
+          </a:xfrm>
+          <a:prstGeom prst="rect">
+            <a:avLst/>
+          </a:prstGeom>
+          <a:noFill/>
+          <a:ln>
+            <a:noFill/>
+          </a:ln>
+          <a:effectLst/>
+          <a:extLst>
+            <a:ext uri="{909E8E84-426E-40DD-AFC4-6F175D3DCCD1}">
+              <a14:hiddenFill xmlns:a14="http://schemas.microsoft.com/office/drawing/2010/main">
+                <a:solidFill>
+                  <a:srgbClr val="3366CC"/>
+                </a:solidFill>
+              </a14:hiddenFill>
+            </a:ext>
+            <a:ext uri="{91240B29-F687-4F45-9708-019B960494DF}">
+              <a14:hiddenLine xmlns:a14="http://schemas.microsoft.com/office/drawing/2010/main" w="28575" algn="ctr">
+                <a:solidFill>
+                  <a:srgbClr val="3366CC"/>
+                </a:solidFill>
+                <a:prstDash val="sysDot"/>
+                <a:miter lim="800000"/>
+                <a:headEnd/>
+                <a:tailEnd/>
+              </a14:hiddenLine>
+            </a:ext>
+            <a:ext uri="{AF507438-7753-43E0-B8FC-AC1667EBCBE1}">
+              <a14:hiddenEffects xmlns:a14="http://schemas.microsoft.com/office/drawing/2010/main">
+                <a:effectLst>
+                  <a:outerShdw dist="35921" dir="2700000" algn="ctr" rotWithShape="0">
+                    <a:schemeClr val="bg2"/>
+                  </a:outerShdw>
+                </a:effectLst>
+              </a14:hiddenEffects>
+            </a:ext>
+          </a:extLst>
+        </p:spPr>
+        <p:txBody>
+          <a:bodyPr lIns="36000" tIns="36000" rIns="36000" bIns="36000" anchor="ctr">
+            <a:spAutoFit/>
+          </a:bodyPr>
+          <a:lstStyle/>
+          <a:p>
+            <a:r>
+              <a:rPr kumimoji="1" lang="ja-JP" altLang="en-US" sz="1000" dirty="0">
+                <a:latin typeface="Arial" panose="020B0604020202020204" pitchFamily="34" charset="0"/>
+                <a:ea typeface="ＭＳ Ｐゴシック" panose="020B0600070205080204" pitchFamily="50" charset="-128"/>
+              </a:rPr>
+              <a:t>ジョブ管理情報 </a:t>
+            </a:r>
+          </a:p>
+        </p:txBody>
+      </p:sp>
+      <p:sp>
+        <p:nvSpPr>
+          <p:cNvPr id="11" name="AutoShape 17"/>
+          <p:cNvSpPr>
+            <a:spLocks noChangeAspect="1" noChangeArrowheads="1"/>
+          </p:cNvSpPr>
+          <p:nvPr/>
+        </p:nvSpPr>
+        <p:spPr bwMode="auto">
+          <a:xfrm>
+            <a:off x="766663" y="2844105"/>
+            <a:ext cx="1830388" cy="393700"/>
+          </a:xfrm>
+          <a:prstGeom prst="roundRect">
+            <a:avLst>
+              <a:gd name="adj" fmla="val 16667"/>
+            </a:avLst>
+          </a:prstGeom>
+          <a:solidFill>
+            <a:srgbClr val="FFFF99"/>
+          </a:solidFill>
+          <a:ln w="12700">
+            <a:solidFill>
+              <a:srgbClr val="FF9900"/>
+            </a:solidFill>
+            <a:round/>
+            <a:headEnd/>
+            <a:tailEnd/>
+          </a:ln>
+          <a:effectLst>
+            <a:outerShdw dist="107763" dir="2700000" algn="ctr" rotWithShape="0">
+              <a:schemeClr val="bg2">
+                <a:alpha val="50000"/>
+              </a:schemeClr>
+            </a:outerShdw>
+          </a:effectLst>
+        </p:spPr>
+        <p:txBody>
+          <a:bodyPr wrap="none" anchor="ctr" anchorCtr="1"/>
+          <a:lstStyle/>
+          <a:p>
+            <a:r>
+              <a:rPr kumimoji="1" lang="ja-JP" altLang="en-US" sz="1000" dirty="0">
+                <a:latin typeface="Arial" panose="020B0604020202020204" pitchFamily="34" charset="0"/>
+                <a:ea typeface="ＭＳ Ｐゴシック" panose="020B0600070205080204" pitchFamily="50" charset="-128"/>
+              </a:rPr>
+              <a:t>ジョブスケジューラ、シェルなど</a:t>
+            </a:r>
+            <a:endParaRPr kumimoji="1" lang="en-US" altLang="ja-JP" sz="1000" dirty="0">
+              <a:latin typeface="Arial" panose="020B0604020202020204" pitchFamily="34" charset="0"/>
+              <a:ea typeface="ＭＳ Ｐゴシック" panose="020B0600070205080204" pitchFamily="50" charset="-128"/>
+            </a:endParaRPr>
+          </a:p>
+        </p:txBody>
+      </p:sp>
+      <p:sp>
+        <p:nvSpPr>
+          <p:cNvPr id="12" name="Rectangle 18"/>
+          <p:cNvSpPr>
+            <a:spLocks noChangeArrowheads="1"/>
+          </p:cNvSpPr>
+          <p:nvPr/>
+        </p:nvSpPr>
+        <p:spPr bwMode="gray">
+          <a:xfrm>
+            <a:off x="827584" y="2474478"/>
+            <a:ext cx="2696567" cy="380480"/>
+          </a:xfrm>
+          <a:prstGeom prst="rect">
+            <a:avLst/>
+          </a:prstGeom>
+          <a:noFill/>
+          <a:ln>
+            <a:noFill/>
+          </a:ln>
+          <a:effectLst/>
+          <a:extLst>
+            <a:ext uri="{909E8E84-426E-40DD-AFC4-6F175D3DCCD1}">
+              <a14:hiddenFill xmlns:a14="http://schemas.microsoft.com/office/drawing/2010/main">
+                <a:solidFill>
+                  <a:srgbClr val="3366CC"/>
+                </a:solidFill>
+              </a14:hiddenFill>
+            </a:ext>
+            <a:ext uri="{91240B29-F687-4F45-9708-019B960494DF}">
+              <a14:hiddenLine xmlns:a14="http://schemas.microsoft.com/office/drawing/2010/main" w="28575" algn="ctr">
+                <a:solidFill>
+                  <a:srgbClr val="3366CC"/>
+                </a:solidFill>
+                <a:prstDash val="sysDot"/>
+                <a:miter lim="800000"/>
+                <a:headEnd/>
+                <a:tailEnd/>
+              </a14:hiddenLine>
+            </a:ext>
+            <a:ext uri="{AF507438-7753-43E0-B8FC-AC1667EBCBE1}">
+              <a14:hiddenEffects xmlns:a14="http://schemas.microsoft.com/office/drawing/2010/main">
+                <a:effectLst>
+                  <a:outerShdw dist="35921" dir="2700000" algn="ctr" rotWithShape="0">
+                    <a:schemeClr val="bg2"/>
+                  </a:outerShdw>
+                </a:effectLst>
+              </a14:hiddenEffects>
+            </a:ext>
+          </a:extLst>
+        </p:spPr>
+        <p:txBody>
+          <a:bodyPr wrap="square" lIns="36000" tIns="36000" rIns="36000" bIns="36000" anchor="ctr">
+            <a:spAutoFit/>
+          </a:bodyPr>
+          <a:lstStyle/>
+          <a:p>
+            <a:r>
+              <a:rPr kumimoji="1" lang="ja-JP" altLang="en-US" sz="1000" dirty="0">
+                <a:latin typeface="Arial" panose="020B0604020202020204" pitchFamily="34" charset="0"/>
+                <a:ea typeface="ＭＳ Ｐゴシック" panose="020B0600070205080204" pitchFamily="50" charset="-128"/>
+              </a:rPr>
+              <a:t>④例外ハンドラによって変換</a:t>
+            </a:r>
+            <a:r>
+              <a:rPr kumimoji="1" lang="ja-JP" altLang="en-US" sz="1000" dirty="0" smtClean="0">
+                <a:latin typeface="Arial" panose="020B0604020202020204" pitchFamily="34" charset="0"/>
+                <a:ea typeface="ＭＳ Ｐゴシック" panose="020B0600070205080204" pitchFamily="50" charset="-128"/>
+              </a:rPr>
+              <a:t>された実行結果</a:t>
+            </a:r>
+            <a:endParaRPr kumimoji="1" lang="en-US" altLang="ja-JP" sz="1000" dirty="0" smtClean="0">
+              <a:latin typeface="Arial" panose="020B0604020202020204" pitchFamily="34" charset="0"/>
+              <a:ea typeface="ＭＳ Ｐゴシック" panose="020B0600070205080204" pitchFamily="50" charset="-128"/>
+            </a:endParaRPr>
+          </a:p>
+          <a:p>
+            <a:r>
+              <a:rPr kumimoji="1" lang="ja-JP" altLang="en-US" sz="1000" dirty="0" smtClean="0">
+                <a:latin typeface="Arial" panose="020B0604020202020204" pitchFamily="34" charset="0"/>
+                <a:ea typeface="ＭＳ Ｐゴシック" panose="020B0600070205080204" pitchFamily="50" charset="-128"/>
+              </a:rPr>
+              <a:t>ステータスが</a:t>
+            </a:r>
+            <a:r>
+              <a:rPr lang="ja-JP" altLang="en-US" sz="1000" dirty="0" smtClean="0">
+                <a:latin typeface="Arial" panose="020B0604020202020204" pitchFamily="34" charset="0"/>
+                <a:ea typeface="ＭＳ Ｐゴシック" panose="020B0600070205080204" pitchFamily="50" charset="-128"/>
+              </a:rPr>
+              <a:t>ジョブ</a:t>
+            </a:r>
+            <a:r>
+              <a:rPr lang="ja-JP" altLang="en-US" sz="1000" dirty="0">
+                <a:latin typeface="Arial" panose="020B0604020202020204" pitchFamily="34" charset="0"/>
+                <a:ea typeface="ＭＳ Ｐゴシック" panose="020B0600070205080204" pitchFamily="50" charset="-128"/>
+              </a:rPr>
+              <a:t>終了</a:t>
+            </a:r>
+            <a:r>
+              <a:rPr kumimoji="1" lang="ja-JP" altLang="en-US" sz="1000" dirty="0" smtClean="0">
+                <a:latin typeface="Arial" panose="020B0604020202020204" pitchFamily="34" charset="0"/>
+                <a:ea typeface="ＭＳ Ｐゴシック" panose="020B0600070205080204" pitchFamily="50" charset="-128"/>
+              </a:rPr>
+              <a:t>コード</a:t>
+            </a:r>
+            <a:r>
+              <a:rPr kumimoji="1" lang="ja-JP" altLang="en-US" sz="1000" dirty="0">
+                <a:latin typeface="Arial" panose="020B0604020202020204" pitchFamily="34" charset="0"/>
+                <a:ea typeface="ＭＳ Ｐゴシック" panose="020B0600070205080204" pitchFamily="50" charset="-128"/>
+              </a:rPr>
+              <a:t>として返却される</a:t>
+            </a:r>
+            <a:endParaRPr kumimoji="1" lang="en-US" altLang="ja-JP" sz="1000" dirty="0">
+              <a:latin typeface="Arial" panose="020B0604020202020204" pitchFamily="34" charset="0"/>
+              <a:ea typeface="ＭＳ Ｐゴシック" panose="020B0600070205080204" pitchFamily="50" charset="-128"/>
+            </a:endParaRPr>
+          </a:p>
+        </p:txBody>
+      </p:sp>
+      <p:sp>
+        <p:nvSpPr>
+          <p:cNvPr id="13" name="AutoShape 19"/>
+          <p:cNvSpPr>
+            <a:spLocks noChangeArrowheads="1"/>
+          </p:cNvSpPr>
+          <p:nvPr/>
+        </p:nvSpPr>
+        <p:spPr bwMode="auto">
+          <a:xfrm>
+            <a:off x="2555776" y="3140968"/>
+            <a:ext cx="1152525" cy="431800"/>
+          </a:xfrm>
+          <a:prstGeom prst="leftArrow">
+            <a:avLst>
+              <a:gd name="adj1" fmla="val 50000"/>
+              <a:gd name="adj2" fmla="val 66728"/>
+            </a:avLst>
+          </a:prstGeom>
+          <a:solidFill>
+            <a:schemeClr val="bg1"/>
+          </a:solidFill>
+          <a:ln w="12700" algn="ctr">
+            <a:solidFill>
+              <a:schemeClr val="tx1"/>
+            </a:solidFill>
+            <a:miter lim="800000"/>
+            <a:headEnd/>
+            <a:tailEnd/>
+          </a:ln>
+          <a:effectLst>
+            <a:outerShdw dist="107763" dir="2700000" algn="ctr" rotWithShape="0">
+              <a:schemeClr val="bg2">
+                <a:alpha val="50000"/>
+              </a:schemeClr>
+            </a:outerShdw>
+          </a:effectLst>
+        </p:spPr>
+        <p:txBody>
+          <a:bodyPr wrap="none" anchor="ctr"/>
+          <a:lstStyle/>
+          <a:p>
+            <a:r>
+              <a:rPr kumimoji="1" lang="ja-JP" altLang="en-US" sz="1000" dirty="0">
+                <a:latin typeface="Arial" panose="020B0604020202020204" pitchFamily="34" charset="0"/>
+                <a:ea typeface="ＭＳ Ｐゴシック" panose="020B0600070205080204" pitchFamily="50" charset="-128"/>
+              </a:rPr>
+              <a:t>結果</a:t>
+            </a:r>
+          </a:p>
+        </p:txBody>
+      </p:sp>
+      <p:sp>
+        <p:nvSpPr>
+          <p:cNvPr id="14" name="Rectangle 21"/>
+          <p:cNvSpPr>
+            <a:spLocks noChangeArrowheads="1"/>
+          </p:cNvSpPr>
+          <p:nvPr/>
+        </p:nvSpPr>
+        <p:spPr bwMode="auto">
+          <a:xfrm>
+            <a:off x="1628676" y="3250505"/>
+            <a:ext cx="307975" cy="244475"/>
+          </a:xfrm>
+          <a:prstGeom prst="rect">
+            <a:avLst/>
+          </a:prstGeom>
+          <a:noFill/>
+          <a:ln>
+            <a:noFill/>
+          </a:ln>
+          <a:effectLst/>
+          <a:extLst>
+            <a:ext uri="{909E8E84-426E-40DD-AFC4-6F175D3DCCD1}">
+              <a14:hiddenFill xmlns:a14="http://schemas.microsoft.com/office/drawing/2010/main">
+                <a:solidFill>
+                  <a:srgbClr val="0000FF"/>
+                </a:solidFill>
+              </a14:hiddenFill>
+            </a:ext>
+            <a:ext uri="{91240B29-F687-4F45-9708-019B960494DF}">
+              <a14:hiddenLine xmlns:a14="http://schemas.microsoft.com/office/drawing/2010/main" w="9525" algn="ctr">
+                <a:solidFill>
+                  <a:schemeClr val="tx1"/>
+                </a:solidFill>
+                <a:miter lim="800000"/>
+                <a:headEnd/>
+                <a:tailEnd/>
+              </a14:hiddenLine>
+            </a:ext>
+            <a:ext uri="{AF507438-7753-43E0-B8FC-AC1667EBCBE1}">
+              <a14:hiddenEffects xmlns:a14="http://schemas.microsoft.com/office/drawing/2010/main">
+                <a:effectLst>
+                  <a:outerShdw dist="35921" dir="2700000" algn="ctr" rotWithShape="0">
+                    <a:schemeClr val="bg2"/>
+                  </a:outerShdw>
+                </a:effectLst>
+              </a14:hiddenEffects>
+            </a:ext>
+          </a:extLst>
+        </p:spPr>
+        <p:txBody>
+          <a:bodyPr wrap="none" lIns="90000" tIns="46800" rIns="90000" bIns="46800">
+            <a:spAutoFit/>
+          </a:bodyPr>
+          <a:lstStyle/>
+          <a:p>
+            <a:r>
+              <a:rPr kumimoji="1" lang="en-US" altLang="ja-JP" sz="1000" dirty="0">
+                <a:latin typeface="Arial" panose="020B0604020202020204" pitchFamily="34" charset="0"/>
+                <a:ea typeface="ＭＳ Ｐゴシック" panose="020B0600070205080204" pitchFamily="50" charset="-128"/>
+              </a:rPr>
+              <a:t>or</a:t>
+            </a:r>
+            <a:endParaRPr kumimoji="1" lang="ja-JP" altLang="en-US" sz="1000" dirty="0">
+              <a:latin typeface="Arial" panose="020B0604020202020204" pitchFamily="34" charset="0"/>
+              <a:ea typeface="ＭＳ Ｐゴシック" panose="020B0600070205080204" pitchFamily="50" charset="-128"/>
+            </a:endParaRPr>
+          </a:p>
+        </p:txBody>
+      </p:sp>
+      <p:sp>
+        <p:nvSpPr>
+          <p:cNvPr id="15" name="AutoShape 22"/>
+          <p:cNvSpPr>
+            <a:spLocks noChangeArrowheads="1"/>
+          </p:cNvSpPr>
+          <p:nvPr/>
+        </p:nvSpPr>
+        <p:spPr bwMode="auto">
+          <a:xfrm rot="16200000">
+            <a:off x="3508276" y="2952055"/>
+            <a:ext cx="800100" cy="720725"/>
+          </a:xfrm>
+          <a:custGeom>
+            <a:avLst/>
+            <a:gdLst>
+              <a:gd name="G0" fmla="+- 9411 0 0"/>
+              <a:gd name="G1" fmla="+- -10128315 0 0"/>
+              <a:gd name="G2" fmla="+- 0 0 -10128315"/>
+              <a:gd name="T0" fmla="*/ 0 256 1"/>
+              <a:gd name="T1" fmla="*/ 180 256 1"/>
+              <a:gd name="G3" fmla="+- -10128315 T0 T1"/>
+              <a:gd name="T2" fmla="*/ 0 256 1"/>
+              <a:gd name="T3" fmla="*/ 90 256 1"/>
+              <a:gd name="G4" fmla="+- -10128315 T2 T3"/>
+              <a:gd name="G5" fmla="*/ G4 2 1"/>
+              <a:gd name="T4" fmla="*/ 90 256 1"/>
+              <a:gd name="T5" fmla="*/ 0 256 1"/>
+              <a:gd name="G6" fmla="+- -10128315 T4 T5"/>
+              <a:gd name="G7" fmla="*/ G6 2 1"/>
+              <a:gd name="G8" fmla="abs -10128315"/>
+              <a:gd name="T6" fmla="*/ 0 256 1"/>
+              <a:gd name="T7" fmla="*/ 90 256 1"/>
+              <a:gd name="G9" fmla="+- G8 T6 T7"/>
+              <a:gd name="G10" fmla="?: G9 G7 G5"/>
+              <a:gd name="T8" fmla="*/ 0 256 1"/>
+              <a:gd name="T9" fmla="*/ 360 256 1"/>
+              <a:gd name="G11" fmla="+- G10 T8 T9"/>
+              <a:gd name="G12" fmla="?: G10 G11 G10"/>
+              <a:gd name="T10" fmla="*/ 0 256 1"/>
+              <a:gd name="T11" fmla="*/ 360 256 1"/>
+              <a:gd name="G13" fmla="+- G12 T10 T11"/>
+              <a:gd name="G14" fmla="?: G12 G13 G12"/>
+              <a:gd name="G15" fmla="+- 0 0 G14"/>
+              <a:gd name="G16" fmla="+- 10800 0 0"/>
+              <a:gd name="G17" fmla="+- 10800 0 9411"/>
+              <a:gd name="G18" fmla="*/ 9411 1 2"/>
+              <a:gd name="G19" fmla="+- G18 5400 0"/>
+              <a:gd name="G20" fmla="cos G19 -10128315"/>
+              <a:gd name="G21" fmla="sin G19 -10128315"/>
+              <a:gd name="G22" fmla="+- G20 10800 0"/>
+              <a:gd name="G23" fmla="+- G21 10800 0"/>
+              <a:gd name="G24" fmla="+- 10800 0 G20"/>
+              <a:gd name="G25" fmla="+- 9411 10800 0"/>
+              <a:gd name="G26" fmla="?: G9 G17 G25"/>
+              <a:gd name="G27" fmla="?: G9 0 21600"/>
+              <a:gd name="G28" fmla="cos 10800 -10128315"/>
+              <a:gd name="G29" fmla="sin 10800 -10128315"/>
+              <a:gd name="G30" fmla="sin 9411 -10128315"/>
+              <a:gd name="G31" fmla="+- G28 10800 0"/>
+              <a:gd name="G32" fmla="+- G29 10800 0"/>
+              <a:gd name="G33" fmla="+- G30 10800 0"/>
+              <a:gd name="G34" fmla="?: G4 0 G31"/>
+              <a:gd name="G35" fmla="?: -10128315 G34 0"/>
+              <a:gd name="G36" fmla="?: G6 G35 G31"/>
+              <a:gd name="G37" fmla="+- 21600 0 G36"/>
+              <a:gd name="G38" fmla="?: G4 0 G33"/>
+              <a:gd name="G39" fmla="?: -10128315 G38 G32"/>
+              <a:gd name="G40" fmla="?: G6 G39 0"/>
+              <a:gd name="G41" fmla="?: G4 G32 21600"/>
+              <a:gd name="G42" fmla="?: G6 G41 G33"/>
+              <a:gd name="T12" fmla="*/ 10800 w 21600"/>
+              <a:gd name="T13" fmla="*/ 0 h 21600"/>
+              <a:gd name="T14" fmla="*/ 1674 w 21600"/>
+              <a:gd name="T15" fmla="*/ 6456 h 21600"/>
+              <a:gd name="T16" fmla="*/ 10800 w 21600"/>
+              <a:gd name="T17" fmla="*/ 1389 h 21600"/>
+              <a:gd name="T18" fmla="*/ 19926 w 21600"/>
+              <a:gd name="T19" fmla="*/ 6456 h 21600"/>
+              <a:gd name="T20" fmla="*/ G36 w 21600"/>
+              <a:gd name="T21" fmla="*/ G40 h 21600"/>
+              <a:gd name="T22" fmla="*/ G37 w 21600"/>
+              <a:gd name="T23" fmla="*/ G42 h 21600"/>
+            </a:gdLst>
+            <a:ahLst/>
+            <a:cxnLst>
+              <a:cxn ang="0">
+                <a:pos x="T12" y="T13"/>
+              </a:cxn>
+              <a:cxn ang="0">
+                <a:pos x="T14" y="T15"/>
+              </a:cxn>
+              <a:cxn ang="0">
+                <a:pos x="T16" y="T17"/>
+              </a:cxn>
+              <a:cxn ang="0">
+                <a:pos x="T18" y="T19"/>
+              </a:cxn>
+            </a:cxnLst>
+            <a:rect l="T20" t="T21" r="T22" b="T23"/>
+            <a:pathLst>
+              <a:path w="21600" h="21600">
+                <a:moveTo>
+                  <a:pt x="2302" y="6755"/>
+                </a:moveTo>
+                <a:cubicBezTo>
+                  <a:pt x="3862" y="3477"/>
+                  <a:pt x="7169" y="1389"/>
+                  <a:pt x="10800" y="1389"/>
+                </a:cubicBezTo>
+                <a:cubicBezTo>
+                  <a:pt x="14430" y="1389"/>
+                  <a:pt x="17737" y="3477"/>
+                  <a:pt x="19297" y="6755"/>
+                </a:cubicBezTo>
+                <a:lnTo>
+                  <a:pt x="20551" y="6158"/>
+                </a:lnTo>
+                <a:cubicBezTo>
+                  <a:pt x="18761" y="2396"/>
+                  <a:pt x="14966" y="0"/>
+                  <a:pt x="10799" y="0"/>
+                </a:cubicBezTo>
+                <a:cubicBezTo>
+                  <a:pt x="6633" y="0"/>
+                  <a:pt x="2838" y="2396"/>
+                  <a:pt x="1048" y="6158"/>
+                </a:cubicBezTo>
+                <a:close/>
+              </a:path>
+            </a:pathLst>
+          </a:custGeom>
+          <a:solidFill>
+            <a:srgbClr val="FF0000"/>
+          </a:solidFill>
+          <a:ln w="12700" algn="ctr">
+            <a:solidFill>
+              <a:schemeClr val="tx1"/>
+            </a:solidFill>
+            <a:miter lim="800000"/>
+            <a:headEnd/>
+            <a:tailEnd/>
+          </a:ln>
+          <a:effectLst>
+            <a:outerShdw dist="107763" dir="2700000" algn="ctr" rotWithShape="0">
+              <a:schemeClr val="bg2">
+                <a:alpha val="50000"/>
+              </a:schemeClr>
+            </a:outerShdw>
+          </a:effectLst>
+        </p:spPr>
+        <p:txBody>
+          <a:bodyPr wrap="none" anchor="ctr"/>
+          <a:lstStyle/>
+          <a:p>
+            <a:endParaRPr lang="ja-JP" altLang="en-US" dirty="0"/>
+          </a:p>
+        </p:txBody>
+      </p:sp>
+      <p:sp>
+        <p:nvSpPr>
+          <p:cNvPr id="16" name="AutoShape 23"/>
+          <p:cNvSpPr>
+            <a:spLocks noChangeArrowheads="1"/>
+          </p:cNvSpPr>
+          <p:nvPr/>
+        </p:nvSpPr>
+        <p:spPr bwMode="auto">
+          <a:xfrm flipH="1">
+            <a:off x="3463826" y="3647380"/>
+            <a:ext cx="376237" cy="1016000"/>
+          </a:xfrm>
+          <a:prstGeom prst="curvedUpArrow">
+            <a:avLst>
+              <a:gd name="adj1" fmla="val 20000"/>
+              <a:gd name="adj2" fmla="val 40000"/>
+              <a:gd name="adj3" fmla="val 90014"/>
+            </a:avLst>
+          </a:prstGeom>
+          <a:noFill/>
+          <a:ln w="9525">
+            <a:solidFill>
+              <a:schemeClr val="tx1"/>
+            </a:solidFill>
+            <a:miter lim="800000"/>
+            <a:headEnd/>
+            <a:tailEnd/>
+          </a:ln>
+          <a:effectLst/>
+          <a:extLst>
+            <a:ext uri="{909E8E84-426E-40DD-AFC4-6F175D3DCCD1}">
+              <a14:hiddenFill xmlns:a14="http://schemas.microsoft.com/office/drawing/2010/main">
+                <a:solidFill>
+                  <a:srgbClr val="0000FF"/>
+                </a:solidFill>
+              </a14:hiddenFill>
+            </a:ext>
+            <a:ext uri="{AF507438-7753-43E0-B8FC-AC1667EBCBE1}">
+              <a14:hiddenEffects xmlns:a14="http://schemas.microsoft.com/office/drawing/2010/main">
+                <a:effectLst>
+                  <a:outerShdw dist="35921" dir="2700000" algn="ctr" rotWithShape="0">
+                    <a:schemeClr val="bg2"/>
+                  </a:outerShdw>
+                </a:effectLst>
+              </a14:hiddenEffects>
+            </a:ext>
+          </a:extLst>
+        </p:spPr>
+        <p:txBody>
+          <a:bodyPr wrap="none" lIns="90000" tIns="46800" rIns="90000" bIns="46800" anchor="ctr"/>
+          <a:lstStyle/>
+          <a:p>
+            <a:endParaRPr lang="ja-JP" altLang="en-US" dirty="0"/>
+          </a:p>
+        </p:txBody>
+      </p:sp>
+      <p:sp>
+        <p:nvSpPr>
+          <p:cNvPr id="17" name="AutoShape 24"/>
+          <p:cNvSpPr>
+            <a:spLocks noChangeAspect="1" noChangeArrowheads="1"/>
+          </p:cNvSpPr>
+          <p:nvPr/>
+        </p:nvSpPr>
+        <p:spPr bwMode="auto">
+          <a:xfrm>
+            <a:off x="2917726" y="4688780"/>
+            <a:ext cx="1558925" cy="393700"/>
+          </a:xfrm>
+          <a:prstGeom prst="roundRect">
+            <a:avLst>
+              <a:gd name="adj" fmla="val 16667"/>
+            </a:avLst>
+          </a:prstGeom>
+          <a:solidFill>
+            <a:srgbClr val="FFFF99"/>
+          </a:solidFill>
+          <a:ln w="12700">
+            <a:solidFill>
+              <a:srgbClr val="FF9900"/>
+            </a:solidFill>
+            <a:round/>
+            <a:headEnd/>
+            <a:tailEnd/>
+          </a:ln>
+          <a:effectLst>
+            <a:outerShdw dist="107763" dir="2700000" algn="ctr" rotWithShape="0">
+              <a:schemeClr val="bg2">
+                <a:alpha val="50000"/>
+              </a:schemeClr>
+            </a:outerShdw>
+          </a:effectLst>
+        </p:spPr>
+        <p:txBody>
+          <a:bodyPr wrap="none" anchor="ctr" anchorCtr="1"/>
+          <a:lstStyle/>
+          <a:p>
+            <a:r>
+              <a:rPr kumimoji="1" lang="en-US" altLang="ja-JP" sz="1000" dirty="0">
+                <a:latin typeface="Arial" panose="020B0604020202020204" pitchFamily="34" charset="0"/>
+                <a:ea typeface="ＭＳ Ｐゴシック" panose="020B0600070205080204" pitchFamily="50" charset="-128"/>
+              </a:rPr>
+              <a:t>ExceptionHandler</a:t>
+            </a:r>
+          </a:p>
+        </p:txBody>
+      </p:sp>
+      <p:sp>
+        <p:nvSpPr>
+          <p:cNvPr id="18" name="Rectangle 25"/>
+          <p:cNvSpPr>
+            <a:spLocks noChangeArrowheads="1"/>
+          </p:cNvSpPr>
+          <p:nvPr/>
+        </p:nvSpPr>
+        <p:spPr bwMode="gray">
+          <a:xfrm>
+            <a:off x="3813076" y="3846922"/>
+            <a:ext cx="1851025" cy="534368"/>
+          </a:xfrm>
+          <a:prstGeom prst="rect">
+            <a:avLst/>
+          </a:prstGeom>
+          <a:noFill/>
+          <a:ln>
+            <a:noFill/>
+          </a:ln>
+          <a:effectLst/>
+          <a:extLst>
+            <a:ext uri="{909E8E84-426E-40DD-AFC4-6F175D3DCCD1}">
+              <a14:hiddenFill xmlns:a14="http://schemas.microsoft.com/office/drawing/2010/main">
+                <a:solidFill>
+                  <a:srgbClr val="3366CC"/>
+                </a:solidFill>
+              </a14:hiddenFill>
+            </a:ext>
+            <a:ext uri="{91240B29-F687-4F45-9708-019B960494DF}">
+              <a14:hiddenLine xmlns:a14="http://schemas.microsoft.com/office/drawing/2010/main" w="28575" algn="ctr">
+                <a:solidFill>
+                  <a:srgbClr val="3366CC"/>
+                </a:solidFill>
+                <a:prstDash val="sysDot"/>
+                <a:miter lim="800000"/>
+                <a:headEnd/>
+                <a:tailEnd/>
+              </a14:hiddenLine>
+            </a:ext>
+            <a:ext uri="{AF507438-7753-43E0-B8FC-AC1667EBCBE1}">
+              <a14:hiddenEffects xmlns:a14="http://schemas.microsoft.com/office/drawing/2010/main">
+                <a:effectLst>
+                  <a:outerShdw dist="35921" dir="2700000" algn="ctr" rotWithShape="0">
+                    <a:schemeClr val="bg2"/>
+                  </a:outerShdw>
+                </a:effectLst>
+              </a14:hiddenEffects>
+            </a:ext>
+          </a:extLst>
+        </p:spPr>
+        <p:txBody>
+          <a:bodyPr wrap="square" lIns="36000" tIns="36000" rIns="36000" bIns="36000" anchor="ctr">
+            <a:spAutoFit/>
+          </a:bodyPr>
+          <a:lstStyle/>
+          <a:p>
+            <a:r>
+              <a:rPr kumimoji="1" lang="ja-JP" altLang="en-US" sz="1000" dirty="0" smtClean="0">
+                <a:latin typeface="Arial" panose="020B0604020202020204" pitchFamily="34" charset="0"/>
+                <a:ea typeface="ＭＳ Ｐゴシック" panose="020B0600070205080204" pitchFamily="50" charset="-128"/>
+              </a:rPr>
+              <a:t>②</a:t>
+            </a:r>
+            <a:r>
+              <a:rPr lang="ja-JP" altLang="en-US" sz="1000" dirty="0" smtClean="0">
+                <a:latin typeface="Arial" panose="020B0604020202020204" pitchFamily="34" charset="0"/>
+                <a:ea typeface="ＭＳ Ｐゴシック" panose="020B0600070205080204" pitchFamily="50" charset="-128"/>
+              </a:rPr>
+              <a:t>ビジネスロジック実行クラスはスローされた</a:t>
+            </a:r>
+            <a:r>
+              <a:rPr kumimoji="1" lang="ja-JP" altLang="en-US" sz="1000" dirty="0" smtClean="0">
+                <a:latin typeface="Arial" panose="020B0604020202020204" pitchFamily="34" charset="0"/>
+                <a:ea typeface="ＭＳ Ｐゴシック" panose="020B0600070205080204" pitchFamily="50" charset="-128"/>
+              </a:rPr>
+              <a:t>例外をキャッチし、例外ハンドラ</a:t>
+            </a:r>
+            <a:r>
+              <a:rPr lang="ja-JP" altLang="en-US" sz="1000" dirty="0" smtClean="0">
+                <a:latin typeface="Arial" panose="020B0604020202020204" pitchFamily="34" charset="0"/>
+                <a:ea typeface="ＭＳ Ｐゴシック" panose="020B0600070205080204" pitchFamily="50" charset="-128"/>
+              </a:rPr>
+              <a:t>に処理を</a:t>
+            </a:r>
+            <a:r>
+              <a:rPr kumimoji="1" lang="ja-JP" altLang="en-US" sz="1000" dirty="0" smtClean="0">
+                <a:latin typeface="Arial" panose="020B0604020202020204" pitchFamily="34" charset="0"/>
+                <a:ea typeface="ＭＳ Ｐゴシック" panose="020B0600070205080204" pitchFamily="50" charset="-128"/>
+              </a:rPr>
+              <a:t>委譲</a:t>
+            </a:r>
+            <a:r>
+              <a:rPr kumimoji="1" lang="ja-JP" altLang="en-US" sz="1000" dirty="0">
+                <a:latin typeface="Arial" panose="020B0604020202020204" pitchFamily="34" charset="0"/>
+                <a:ea typeface="ＭＳ Ｐゴシック" panose="020B0600070205080204" pitchFamily="50" charset="-128"/>
+              </a:rPr>
+              <a:t>する</a:t>
+            </a:r>
+          </a:p>
+        </p:txBody>
+      </p:sp>
+      <p:sp>
+        <p:nvSpPr>
+          <p:cNvPr id="19" name="Rectangle 26"/>
+          <p:cNvSpPr>
+            <a:spLocks noChangeArrowheads="1"/>
+          </p:cNvSpPr>
+          <p:nvPr/>
+        </p:nvSpPr>
+        <p:spPr bwMode="gray">
+          <a:xfrm>
+            <a:off x="1639788" y="4311216"/>
+            <a:ext cx="1941513" cy="380480"/>
+          </a:xfrm>
+          <a:prstGeom prst="rect">
+            <a:avLst/>
+          </a:prstGeom>
+          <a:noFill/>
+          <a:ln>
+            <a:noFill/>
+          </a:ln>
+          <a:effectLst/>
+          <a:extLst>
+            <a:ext uri="{909E8E84-426E-40DD-AFC4-6F175D3DCCD1}">
+              <a14:hiddenFill xmlns:a14="http://schemas.microsoft.com/office/drawing/2010/main">
+                <a:solidFill>
+                  <a:srgbClr val="3366CC"/>
+                </a:solidFill>
+              </a14:hiddenFill>
+            </a:ext>
+            <a:ext uri="{91240B29-F687-4F45-9708-019B960494DF}">
+              <a14:hiddenLine xmlns:a14="http://schemas.microsoft.com/office/drawing/2010/main" w="28575" algn="ctr">
+                <a:solidFill>
+                  <a:srgbClr val="3366CC"/>
+                </a:solidFill>
+                <a:prstDash val="sysDot"/>
+                <a:miter lim="800000"/>
+                <a:headEnd/>
+                <a:tailEnd/>
+              </a14:hiddenLine>
+            </a:ext>
+            <a:ext uri="{AF507438-7753-43E0-B8FC-AC1667EBCBE1}">
+              <a14:hiddenEffects xmlns:a14="http://schemas.microsoft.com/office/drawing/2010/main">
+                <a:effectLst>
+                  <a:outerShdw dist="35921" dir="2700000" algn="ctr" rotWithShape="0">
+                    <a:schemeClr val="bg2"/>
+                  </a:outerShdw>
+                </a:effectLst>
+              </a14:hiddenEffects>
+            </a:ext>
+          </a:extLst>
+        </p:spPr>
+        <p:txBody>
+          <a:bodyPr wrap="square" lIns="36000" tIns="36000" rIns="36000" bIns="36000" anchor="ctr">
+            <a:spAutoFit/>
+          </a:bodyPr>
+          <a:lstStyle/>
+          <a:p>
+            <a:r>
+              <a:rPr kumimoji="1" lang="ja-JP" altLang="en-US" sz="1000" dirty="0">
+                <a:latin typeface="Arial" panose="020B0604020202020204" pitchFamily="34" charset="0"/>
+                <a:ea typeface="ＭＳ Ｐゴシック" panose="020B0600070205080204" pitchFamily="50" charset="-128"/>
+              </a:rPr>
+              <a:t>③例外</a:t>
+            </a:r>
+            <a:r>
+              <a:rPr kumimoji="1" lang="ja-JP" altLang="en-US" sz="1000" dirty="0" smtClean="0">
+                <a:latin typeface="Arial" panose="020B0604020202020204" pitchFamily="34" charset="0"/>
+                <a:ea typeface="ＭＳ Ｐゴシック" panose="020B0600070205080204" pitchFamily="50" charset="-128"/>
+              </a:rPr>
+              <a:t>ハンドラは例外をもとに</a:t>
+            </a:r>
+            <a:endParaRPr kumimoji="1" lang="en-US" altLang="ja-JP" sz="1000" dirty="0" smtClean="0">
+              <a:latin typeface="Arial" panose="020B0604020202020204" pitchFamily="34" charset="0"/>
+              <a:ea typeface="ＭＳ Ｐゴシック" panose="020B0600070205080204" pitchFamily="50" charset="-128"/>
+            </a:endParaRPr>
+          </a:p>
+          <a:p>
+            <a:r>
+              <a:rPr kumimoji="1" lang="ja-JP" altLang="en-US" sz="1000" dirty="0" smtClean="0">
+                <a:latin typeface="Arial" panose="020B0604020202020204" pitchFamily="34" charset="0"/>
+                <a:ea typeface="ＭＳ Ｐゴシック" panose="020B0600070205080204" pitchFamily="50" charset="-128"/>
+              </a:rPr>
+              <a:t>実行結果</a:t>
+            </a:r>
+            <a:r>
+              <a:rPr kumimoji="1" lang="ja-JP" altLang="en-US" sz="1000" dirty="0">
+                <a:latin typeface="Arial" panose="020B0604020202020204" pitchFamily="34" charset="0"/>
+                <a:ea typeface="ＭＳ Ｐゴシック" panose="020B0600070205080204" pitchFamily="50" charset="-128"/>
+              </a:rPr>
+              <a:t>ステータスに変換する</a:t>
+            </a:r>
+          </a:p>
+        </p:txBody>
+      </p:sp>
+    </p:spTree>
+    <p:extLst>
+      <p:ext uri="{BB962C8B-B14F-4D97-AF65-F5344CB8AC3E}">
+        <p14:creationId xmlns:p14="http://schemas.microsoft.com/office/powerpoint/2010/main" val="407540211"/>
       </p:ext>
     </p:extLst>
   </p:cSld>

--- a/function/素材/BL-01～BL05 TERASOLUNA Batch Framework for Java ver3.x本体説明書の図.pptx
+++ b/function/素材/BL-01～BL05 TERASOLUNA Batch Framework for Java ver3.x本体説明書の図.pptx
@@ -213,7 +213,7 @@
           <a:p>
             <a:fld id="{C5C6E172-D878-4286-ACAF-9C12F4A7F772}" type="datetimeFigureOut">
               <a:rPr kumimoji="1" lang="ja-JP" altLang="en-US" smtClean="0"/>
-              <a:t>2015/12/22</a:t>
+              <a:t>2016/2/23</a:t>
             </a:fld>
             <a:endParaRPr kumimoji="1" lang="ja-JP" altLang="en-US" dirty="0"/>
           </a:p>
@@ -979,7 +979,7 @@
           <a:p>
             <a:fld id="{E90ED720-0104-4369-84BC-D37694168613}" type="datetimeFigureOut">
               <a:rPr kumimoji="1" lang="ja-JP" altLang="en-US" smtClean="0"/>
-              <a:t>2015/12/22</a:t>
+              <a:t>2016/2/23</a:t>
             </a:fld>
             <a:endParaRPr kumimoji="1" lang="ja-JP" altLang="en-US" dirty="0"/>
           </a:p>
@@ -1176,7 +1176,7 @@
           <a:p>
             <a:fld id="{E90ED720-0104-4369-84BC-D37694168613}" type="datetimeFigureOut">
               <a:rPr kumimoji="1" lang="ja-JP" altLang="en-US" smtClean="0"/>
-              <a:t>2015/12/22</a:t>
+              <a:t>2016/2/23</a:t>
             </a:fld>
             <a:endParaRPr kumimoji="1" lang="ja-JP" altLang="en-US" dirty="0"/>
           </a:p>
@@ -1383,7 +1383,7 @@
           <a:p>
             <a:fld id="{E90ED720-0104-4369-84BC-D37694168613}" type="datetimeFigureOut">
               <a:rPr kumimoji="1" lang="ja-JP" altLang="en-US" smtClean="0"/>
-              <a:t>2015/12/22</a:t>
+              <a:t>2016/2/23</a:t>
             </a:fld>
             <a:endParaRPr kumimoji="1" lang="ja-JP" altLang="en-US" dirty="0"/>
           </a:p>
@@ -1580,7 +1580,7 @@
           <a:p>
             <a:fld id="{E90ED720-0104-4369-84BC-D37694168613}" type="datetimeFigureOut">
               <a:rPr kumimoji="1" lang="ja-JP" altLang="en-US" smtClean="0"/>
-              <a:t>2015/12/22</a:t>
+              <a:t>2016/2/23</a:t>
             </a:fld>
             <a:endParaRPr kumimoji="1" lang="ja-JP" altLang="en-US" dirty="0"/>
           </a:p>
@@ -1821,7 +1821,7 @@
           <a:p>
             <a:fld id="{E90ED720-0104-4369-84BC-D37694168613}" type="datetimeFigureOut">
               <a:rPr kumimoji="1" lang="ja-JP" altLang="en-US" smtClean="0"/>
-              <a:t>2015/12/22</a:t>
+              <a:t>2016/2/23</a:t>
             </a:fld>
             <a:endParaRPr kumimoji="1" lang="ja-JP" altLang="en-US" dirty="0"/>
           </a:p>
@@ -2168,7 +2168,7 @@
           <a:p>
             <a:fld id="{E90ED720-0104-4369-84BC-D37694168613}" type="datetimeFigureOut">
               <a:rPr kumimoji="1" lang="ja-JP" altLang="en-US" smtClean="0"/>
-              <a:t>2015/12/22</a:t>
+              <a:t>2016/2/23</a:t>
             </a:fld>
             <a:endParaRPr kumimoji="1" lang="ja-JP" altLang="en-US" dirty="0"/>
           </a:p>
@@ -2649,7 +2649,7 @@
           <a:p>
             <a:fld id="{E90ED720-0104-4369-84BC-D37694168613}" type="datetimeFigureOut">
               <a:rPr kumimoji="1" lang="ja-JP" altLang="en-US" smtClean="0"/>
-              <a:t>2015/12/22</a:t>
+              <a:t>2016/2/23</a:t>
             </a:fld>
             <a:endParaRPr kumimoji="1" lang="ja-JP" altLang="en-US" dirty="0"/>
           </a:p>
@@ -2762,7 +2762,7 @@
           <a:p>
             <a:fld id="{E90ED720-0104-4369-84BC-D37694168613}" type="datetimeFigureOut">
               <a:rPr kumimoji="1" lang="ja-JP" altLang="en-US" smtClean="0"/>
-              <a:t>2015/12/22</a:t>
+              <a:t>2016/2/23</a:t>
             </a:fld>
             <a:endParaRPr kumimoji="1" lang="ja-JP" altLang="en-US" dirty="0"/>
           </a:p>
@@ -2852,7 +2852,7 @@
           <a:p>
             <a:fld id="{E90ED720-0104-4369-84BC-D37694168613}" type="datetimeFigureOut">
               <a:rPr kumimoji="1" lang="ja-JP" altLang="en-US" smtClean="0"/>
-              <a:t>2015/12/22</a:t>
+              <a:t>2016/2/23</a:t>
             </a:fld>
             <a:endParaRPr kumimoji="1" lang="ja-JP" altLang="en-US" dirty="0"/>
           </a:p>
@@ -3156,7 +3156,7 @@
           <a:p>
             <a:fld id="{E90ED720-0104-4369-84BC-D37694168613}" type="datetimeFigureOut">
               <a:rPr kumimoji="1" lang="ja-JP" altLang="en-US" smtClean="0"/>
-              <a:t>2015/12/22</a:t>
+              <a:t>2016/2/23</a:t>
             </a:fld>
             <a:endParaRPr kumimoji="1" lang="ja-JP" altLang="en-US" dirty="0"/>
           </a:p>
@@ -3404,7 +3404,7 @@
           <a:p>
             <a:fld id="{E90ED720-0104-4369-84BC-D37694168613}" type="datetimeFigureOut">
               <a:rPr kumimoji="1" lang="ja-JP" altLang="en-US" smtClean="0"/>
-              <a:t>2015/12/22</a:t>
+              <a:t>2016/2/23</a:t>
             </a:fld>
             <a:endParaRPr kumimoji="1" lang="ja-JP" altLang="en-US" dirty="0"/>
           </a:p>
@@ -3644,7 +3644,7 @@
           <a:p>
             <a:fld id="{E90ED720-0104-4369-84BC-D37694168613}" type="datetimeFigureOut">
               <a:rPr kumimoji="1" lang="ja-JP" altLang="en-US" smtClean="0"/>
-              <a:t>2015/12/22</a:t>
+              <a:t>2016/2/23</a:t>
             </a:fld>
             <a:endParaRPr kumimoji="1" lang="ja-JP" altLang="en-US" dirty="0"/>
           </a:p>
@@ -9966,14 +9966,7 @@
                 <a:latin typeface="Arial" charset="0"/>
                 <a:ea typeface="ＭＳ Ｐゴシック" charset="-128"/>
               </a:rPr>
-              <a:t>、</a:t>
-            </a:r>
-            <a:r>
-              <a:rPr kumimoji="1" lang="ja-JP" altLang="en-US" sz="1000" dirty="0">
-                <a:latin typeface="Arial" charset="0"/>
-                <a:ea typeface="ＭＳ Ｐゴシック" charset="-128"/>
-              </a:rPr>
-              <a:t>ジョブスケジューラ、手動など </a:t>
+              <a:t>、ジョブスケジューラ、手動など </a:t>
             </a:r>
           </a:p>
           <a:p>
@@ -10199,14 +10192,7 @@
                 <a:latin typeface="Arial" charset="0"/>
                 <a:ea typeface="ＭＳ Ｐゴシック" charset="-128"/>
               </a:rPr>
-              <a:t>を</a:t>
-            </a:r>
-            <a:r>
-              <a:rPr kumimoji="1" lang="ja-JP" altLang="en-US" sz="1000" dirty="0" smtClean="0">
-                <a:latin typeface="Arial" charset="0"/>
-                <a:ea typeface="ＭＳ Ｐゴシック" charset="-128"/>
-              </a:rPr>
-              <a:t>実行する</a:t>
+              <a:t>を実行する</a:t>
             </a:r>
             <a:endParaRPr kumimoji="1" lang="ja-JP" altLang="en-US" sz="1000" dirty="0">
               <a:latin typeface="Arial" charset="0"/>
@@ -12723,14 +12709,7 @@
                 <a:latin typeface="Arial" charset="0"/>
                 <a:ea typeface="ＭＳ Ｐゴシック" charset="-128"/>
               </a:rPr>
-              <a:t>は</a:t>
-            </a:r>
-            <a:r>
-              <a:rPr kumimoji="1" lang="ja-JP" altLang="en-US" sz="1000" dirty="0" smtClean="0">
-                <a:latin typeface="Arial" charset="0"/>
-                <a:ea typeface="ＭＳ Ｐゴシック" charset="-128"/>
-              </a:rPr>
-              <a:t>例外</a:t>
+              <a:t>は例外</a:t>
             </a:r>
             <a:r>
               <a:rPr lang="ja-JP" altLang="en-US" sz="1000" dirty="0" smtClean="0">
@@ -13576,10 +13555,6 @@
               </a:rPr>
               <a:t>JobOperator</a:t>
             </a:r>
-            <a:endParaRPr kumimoji="1" lang="en-US" altLang="ja-JP" sz="1000" dirty="0" smtClean="0">
-              <a:latin typeface="Arial" charset="0"/>
-              <a:ea typeface="ＭＳ Ｐゴシック" charset="-128"/>
-            </a:endParaRPr>
           </a:p>
           <a:p>
             <a:pPr algn="ctr" eaLnBrk="1" hangingPunct="1"/>
@@ -13588,21 +13563,7 @@
                 <a:latin typeface="Arial" charset="0"/>
                 <a:ea typeface="ＭＳ Ｐゴシック" charset="-128"/>
               </a:rPr>
-              <a:t>(</a:t>
-            </a:r>
-            <a:r>
-              <a:rPr lang="en-US" altLang="ja-JP" sz="1000" dirty="0" smtClean="0">
-                <a:latin typeface="Arial" charset="0"/>
-                <a:ea typeface="ＭＳ Ｐゴシック" charset="-128"/>
-              </a:rPr>
-              <a:t>AsyncJobOperatorImpl</a:t>
-            </a:r>
-            <a:r>
-              <a:rPr lang="en-US" altLang="ja-JP" sz="1000" dirty="0" smtClean="0">
-                <a:latin typeface="Arial" charset="0"/>
-                <a:ea typeface="ＭＳ Ｐゴシック" charset="-128"/>
-              </a:rPr>
-              <a:t>)</a:t>
+              <a:t>(AsyncJobOperatorImpl)</a:t>
             </a:r>
             <a:endParaRPr kumimoji="1" lang="en-US" altLang="ja-JP" sz="1000" dirty="0">
               <a:latin typeface="Arial" charset="0"/>
@@ -13815,7 +13776,7 @@
           <a:graphicData uri="http://schemas.openxmlformats.org/presentationml/2006/ole">
             <mc:AlternateContent xmlns:mc="http://schemas.openxmlformats.org/markup-compatibility/2006">
               <mc:Choice xmlns:v="urn:schemas-microsoft-com:vml" Requires="v">
-                <p:oleObj spid="_x0000_s1082" name="Visio" r:id="rId4" imgW="1028666" imgH="1219320" progId="Visio.Drawing.11">
+                <p:oleObj spid="_x0000_s1084" name="Visio" r:id="rId4" imgW="1028666" imgH="1219320" progId="Visio.Drawing.11">
                   <p:embed/>
                 </p:oleObj>
               </mc:Choice>
@@ -14255,14 +14216,7 @@
                 <a:latin typeface="Arial" charset="0"/>
                 <a:ea typeface="ＭＳ Ｐゴシック" charset="-128"/>
               </a:rPr>
-              <a:t>を</a:t>
-            </a:r>
-            <a:r>
-              <a:rPr kumimoji="1" lang="ja-JP" altLang="en-US" sz="1000" dirty="0" smtClean="0">
-                <a:latin typeface="Arial" charset="0"/>
-                <a:ea typeface="ＭＳ Ｐゴシック" charset="-128"/>
-              </a:rPr>
-              <a:t>実行する</a:t>
+              <a:t>を実行する</a:t>
             </a:r>
             <a:endParaRPr kumimoji="1" lang="ja-JP" altLang="en-US" sz="1000" dirty="0">
               <a:latin typeface="Arial" charset="0"/>
@@ -19498,7 +19452,7 @@
                 <a:latin typeface="Arial" charset="0"/>
                 <a:ea typeface="ＭＳ Ｐゴシック" charset="-128"/>
               </a:rPr>
-              <a:t>③</a:t>
+              <a:t>④</a:t>
             </a:r>
             <a:r>
               <a:rPr kumimoji="1" lang="ja-JP" altLang="en-US" sz="1000" dirty="0" smtClean="0">
@@ -20024,164 +19978,6 @@
       </p:sp>
       <p:sp>
         <p:nvSpPr>
-          <p:cNvPr id="19501" name="AutoShape 68"/>
-          <p:cNvSpPr>
-            <a:spLocks noChangeArrowheads="1"/>
-          </p:cNvSpPr>
-          <p:nvPr/>
-        </p:nvSpPr>
-        <p:spPr bwMode="auto">
-          <a:xfrm>
-            <a:off x="4592332" y="2147225"/>
-            <a:ext cx="104897" cy="2743415"/>
-          </a:xfrm>
-          <a:prstGeom prst="upArrow">
-            <a:avLst>
-              <a:gd name="adj1" fmla="val 50000"/>
-              <a:gd name="adj2" fmla="val 272024"/>
-            </a:avLst>
-          </a:prstGeom>
-          <a:solidFill>
-            <a:schemeClr val="bg1"/>
-          </a:solidFill>
-          <a:ln w="9525">
-            <a:solidFill>
-              <a:schemeClr val="tx1"/>
-            </a:solidFill>
-            <a:miter lim="800000"/>
-            <a:headEnd/>
-            <a:tailEnd/>
-          </a:ln>
-          <a:effectLst/>
-          <a:extLst>
-            <a:ext uri="{AF507438-7753-43E0-B8FC-AC1667EBCBE1}">
-              <a14:hiddenEffects xmlns:a14="http://schemas.microsoft.com/office/drawing/2010/main">
-                <a:effectLst>
-                  <a:outerShdw dist="35921" dir="2700000" algn="ctr" rotWithShape="0">
-                    <a:schemeClr val="bg2"/>
-                  </a:outerShdw>
-                </a:effectLst>
-              </a14:hiddenEffects>
-            </a:ext>
-          </a:extLst>
-        </p:spPr>
-        <p:txBody>
-          <a:bodyPr wrap="none" lIns="90000" tIns="46800" rIns="90000" bIns="46800" anchor="ctr"/>
-          <a:lstStyle>
-            <a:lvl1pPr eaLnBrk="0" hangingPunct="0">
-              <a:defRPr sz="900" b="1">
-                <a:solidFill>
-                  <a:schemeClr val="tx1"/>
-                </a:solidFill>
-                <a:latin typeface="Times New Roman" pitchFamily="18" charset="0"/>
-                <a:ea typeface="ＭＳ Ｐ明朝" charset="-128"/>
-              </a:defRPr>
-            </a:lvl1pPr>
-            <a:lvl2pPr marL="742950" indent="-285750" eaLnBrk="0" hangingPunct="0">
-              <a:defRPr sz="900" b="1">
-                <a:solidFill>
-                  <a:schemeClr val="tx1"/>
-                </a:solidFill>
-                <a:latin typeface="Times New Roman" pitchFamily="18" charset="0"/>
-                <a:ea typeface="ＭＳ Ｐ明朝" charset="-128"/>
-              </a:defRPr>
-            </a:lvl2pPr>
-            <a:lvl3pPr marL="1143000" indent="-228600" eaLnBrk="0" hangingPunct="0">
-              <a:defRPr sz="900" b="1">
-                <a:solidFill>
-                  <a:schemeClr val="tx1"/>
-                </a:solidFill>
-                <a:latin typeface="Times New Roman" pitchFamily="18" charset="0"/>
-                <a:ea typeface="ＭＳ Ｐ明朝" charset="-128"/>
-              </a:defRPr>
-            </a:lvl3pPr>
-            <a:lvl4pPr marL="1600200" indent="-228600" eaLnBrk="0" hangingPunct="0">
-              <a:defRPr sz="900" b="1">
-                <a:solidFill>
-                  <a:schemeClr val="tx1"/>
-                </a:solidFill>
-                <a:latin typeface="Times New Roman" pitchFamily="18" charset="0"/>
-                <a:ea typeface="ＭＳ Ｐ明朝" charset="-128"/>
-              </a:defRPr>
-            </a:lvl4pPr>
-            <a:lvl5pPr marL="2057400" indent="-228600" eaLnBrk="0" hangingPunct="0">
-              <a:defRPr sz="900" b="1">
-                <a:solidFill>
-                  <a:schemeClr val="tx1"/>
-                </a:solidFill>
-                <a:latin typeface="Times New Roman" pitchFamily="18" charset="0"/>
-                <a:ea typeface="ＭＳ Ｐ明朝" charset="-128"/>
-              </a:defRPr>
-            </a:lvl5pPr>
-            <a:lvl6pPr marL="2514600" indent="-228600" algn="ctr" eaLnBrk="0" fontAlgn="base" hangingPunct="0">
-              <a:spcBef>
-                <a:spcPct val="0"/>
-              </a:spcBef>
-              <a:spcAft>
-                <a:spcPct val="0"/>
-              </a:spcAft>
-              <a:defRPr sz="900" b="1">
-                <a:solidFill>
-                  <a:schemeClr val="tx1"/>
-                </a:solidFill>
-                <a:latin typeface="Times New Roman" pitchFamily="18" charset="0"/>
-                <a:ea typeface="ＭＳ Ｐ明朝" charset="-128"/>
-              </a:defRPr>
-            </a:lvl6pPr>
-            <a:lvl7pPr marL="2971800" indent="-228600" algn="ctr" eaLnBrk="0" fontAlgn="base" hangingPunct="0">
-              <a:spcBef>
-                <a:spcPct val="0"/>
-              </a:spcBef>
-              <a:spcAft>
-                <a:spcPct val="0"/>
-              </a:spcAft>
-              <a:defRPr sz="900" b="1">
-                <a:solidFill>
-                  <a:schemeClr val="tx1"/>
-                </a:solidFill>
-                <a:latin typeface="Times New Roman" pitchFamily="18" charset="0"/>
-                <a:ea typeface="ＭＳ Ｐ明朝" charset="-128"/>
-              </a:defRPr>
-            </a:lvl7pPr>
-            <a:lvl8pPr marL="3429000" indent="-228600" algn="ctr" eaLnBrk="0" fontAlgn="base" hangingPunct="0">
-              <a:spcBef>
-                <a:spcPct val="0"/>
-              </a:spcBef>
-              <a:spcAft>
-                <a:spcPct val="0"/>
-              </a:spcAft>
-              <a:defRPr sz="900" b="1">
-                <a:solidFill>
-                  <a:schemeClr val="tx1"/>
-                </a:solidFill>
-                <a:latin typeface="Times New Roman" pitchFamily="18" charset="0"/>
-                <a:ea typeface="ＭＳ Ｐ明朝" charset="-128"/>
-              </a:defRPr>
-            </a:lvl8pPr>
-            <a:lvl9pPr marL="3886200" indent="-228600" algn="ctr" eaLnBrk="0" fontAlgn="base" hangingPunct="0">
-              <a:spcBef>
-                <a:spcPct val="0"/>
-              </a:spcBef>
-              <a:spcAft>
-                <a:spcPct val="0"/>
-              </a:spcAft>
-              <a:defRPr sz="900" b="1">
-                <a:solidFill>
-                  <a:schemeClr val="tx1"/>
-                </a:solidFill>
-                <a:latin typeface="Times New Roman" pitchFamily="18" charset="0"/>
-                <a:ea typeface="ＭＳ Ｐ明朝" charset="-128"/>
-              </a:defRPr>
-            </a:lvl9pPr>
-          </a:lstStyle>
-          <a:p>
-            <a:pPr eaLnBrk="1" hangingPunct="1"/>
-            <a:endParaRPr lang="ja-JP" altLang="en-US" dirty="0"/>
-          </a:p>
-        </p:txBody>
-      </p:sp>
-      <p:sp>
-        <p:nvSpPr>
           <p:cNvPr id="19503" name="Rectangle 67"/>
           <p:cNvSpPr>
             <a:spLocks noChangeArrowheads="1"/>
@@ -20349,7 +20145,7 @@
                 <a:latin typeface="Arial" charset="0"/>
                 <a:ea typeface="ＭＳ Ｐゴシック" charset="-128"/>
               </a:rPr>
-              <a:t>④</a:t>
+              <a:t>③</a:t>
             </a:r>
             <a:r>
               <a:rPr kumimoji="1" lang="ja-JP" altLang="en-US" sz="1000" dirty="0" smtClean="0">
@@ -21828,7 +21624,257 @@
       </p:sp>
       <p:sp>
         <p:nvSpPr>
-          <p:cNvPr id="157" name="AutoShape 68"/>
+          <p:cNvPr id="155" name="Line 73"/>
+          <p:cNvSpPr>
+            <a:spLocks noChangeShapeType="1"/>
+          </p:cNvSpPr>
+          <p:nvPr/>
+        </p:nvSpPr>
+        <p:spPr bwMode="auto">
+          <a:xfrm flipV="1">
+            <a:off x="4396957" y="2312288"/>
+            <a:ext cx="960182" cy="419100"/>
+          </a:xfrm>
+          <a:prstGeom prst="line">
+            <a:avLst/>
+          </a:prstGeom>
+          <a:noFill/>
+          <a:ln w="9525">
+            <a:solidFill>
+              <a:schemeClr val="tx1"/>
+            </a:solidFill>
+            <a:round/>
+            <a:headEnd/>
+            <a:tailEnd/>
+          </a:ln>
+          <a:effectLst/>
+          <a:extLst>
+            <a:ext uri="{909E8E84-426E-40DD-AFC4-6F175D3DCCD1}">
+              <a14:hiddenFill xmlns:a14="http://schemas.microsoft.com/office/drawing/2010/main">
+                <a:noFill/>
+              </a14:hiddenFill>
+            </a:ext>
+            <a:ext uri="{AF507438-7753-43E0-B8FC-AC1667EBCBE1}">
+              <a14:hiddenEffects xmlns:a14="http://schemas.microsoft.com/office/drawing/2010/main">
+                <a:effectLst>
+                  <a:outerShdw dist="35921" dir="2700000" algn="ctr" rotWithShape="0">
+                    <a:schemeClr val="bg2"/>
+                  </a:outerShdw>
+                </a:effectLst>
+              </a14:hiddenEffects>
+            </a:ext>
+          </a:extLst>
+        </p:spPr>
+        <p:txBody>
+          <a:bodyPr wrap="none" lIns="90000" tIns="46800" rIns="90000" bIns="46800" anchor="ctr"/>
+          <a:lstStyle/>
+          <a:p>
+            <a:endParaRPr lang="ja-JP" altLang="en-US" dirty="0"/>
+          </a:p>
+        </p:txBody>
+      </p:sp>
+      <p:sp>
+        <p:nvSpPr>
+          <p:cNvPr id="158" name="Rectangle 11"/>
+          <p:cNvSpPr>
+            <a:spLocks noChangeArrowheads="1"/>
+          </p:cNvSpPr>
+          <p:nvPr/>
+        </p:nvSpPr>
+        <p:spPr bwMode="gray">
+          <a:xfrm>
+            <a:off x="2355181" y="1489631"/>
+            <a:ext cx="2127380" cy="226591"/>
+          </a:xfrm>
+          <a:prstGeom prst="rect">
+            <a:avLst/>
+          </a:prstGeom>
+          <a:noFill/>
+          <a:ln>
+            <a:noFill/>
+          </a:ln>
+          <a:effectLst/>
+          <a:extLst>
+            <a:ext uri="{909E8E84-426E-40DD-AFC4-6F175D3DCCD1}">
+              <a14:hiddenFill xmlns:a14="http://schemas.microsoft.com/office/drawing/2010/main">
+                <a:solidFill>
+                  <a:srgbClr val="3366CC"/>
+                </a:solidFill>
+              </a14:hiddenFill>
+            </a:ext>
+            <a:ext uri="{91240B29-F687-4F45-9708-019B960494DF}">
+              <a14:hiddenLine xmlns:a14="http://schemas.microsoft.com/office/drawing/2010/main" w="28575" algn="ctr">
+                <a:solidFill>
+                  <a:srgbClr val="3366CC"/>
+                </a:solidFill>
+                <a:prstDash val="sysDot"/>
+                <a:miter lim="800000"/>
+                <a:headEnd/>
+                <a:tailEnd/>
+              </a14:hiddenLine>
+            </a:ext>
+            <a:ext uri="{AF507438-7753-43E0-B8FC-AC1667EBCBE1}">
+              <a14:hiddenEffects xmlns:a14="http://schemas.microsoft.com/office/drawing/2010/main">
+                <a:effectLst>
+                  <a:outerShdw dist="35921" dir="2700000" algn="ctr" rotWithShape="0">
+                    <a:schemeClr val="bg2"/>
+                  </a:outerShdw>
+                </a:effectLst>
+              </a14:hiddenEffects>
+            </a:ext>
+          </a:extLst>
+        </p:spPr>
+        <p:txBody>
+          <a:bodyPr wrap="square" lIns="36000" tIns="36000" rIns="36000" bIns="36000" anchor="ctr">
+            <a:spAutoFit/>
+          </a:bodyPr>
+          <a:lstStyle>
+            <a:lvl1pPr eaLnBrk="0" hangingPunct="0">
+              <a:defRPr sz="900" b="1">
+                <a:solidFill>
+                  <a:schemeClr val="tx1"/>
+                </a:solidFill>
+                <a:latin typeface="Times New Roman" pitchFamily="18" charset="0"/>
+                <a:ea typeface="ＭＳ Ｐ明朝" charset="-128"/>
+              </a:defRPr>
+            </a:lvl1pPr>
+            <a:lvl2pPr marL="742950" indent="-285750" eaLnBrk="0" hangingPunct="0">
+              <a:defRPr sz="900" b="1">
+                <a:solidFill>
+                  <a:schemeClr val="tx1"/>
+                </a:solidFill>
+                <a:latin typeface="Times New Roman" pitchFamily="18" charset="0"/>
+                <a:ea typeface="ＭＳ Ｐ明朝" charset="-128"/>
+              </a:defRPr>
+            </a:lvl2pPr>
+            <a:lvl3pPr marL="1143000" indent="-228600" eaLnBrk="0" hangingPunct="0">
+              <a:defRPr sz="900" b="1">
+                <a:solidFill>
+                  <a:schemeClr val="tx1"/>
+                </a:solidFill>
+                <a:latin typeface="Times New Roman" pitchFamily="18" charset="0"/>
+                <a:ea typeface="ＭＳ Ｐ明朝" charset="-128"/>
+              </a:defRPr>
+            </a:lvl3pPr>
+            <a:lvl4pPr marL="1600200" indent="-228600" eaLnBrk="0" hangingPunct="0">
+              <a:defRPr sz="900" b="1">
+                <a:solidFill>
+                  <a:schemeClr val="tx1"/>
+                </a:solidFill>
+                <a:latin typeface="Times New Roman" pitchFamily="18" charset="0"/>
+                <a:ea typeface="ＭＳ Ｐ明朝" charset="-128"/>
+              </a:defRPr>
+            </a:lvl4pPr>
+            <a:lvl5pPr marL="2057400" indent="-228600" eaLnBrk="0" hangingPunct="0">
+              <a:defRPr sz="900" b="1">
+                <a:solidFill>
+                  <a:schemeClr val="tx1"/>
+                </a:solidFill>
+                <a:latin typeface="Times New Roman" pitchFamily="18" charset="0"/>
+                <a:ea typeface="ＭＳ Ｐ明朝" charset="-128"/>
+              </a:defRPr>
+            </a:lvl5pPr>
+            <a:lvl6pPr marL="2514600" indent="-228600" algn="ctr" eaLnBrk="0" fontAlgn="base" hangingPunct="0">
+              <a:spcBef>
+                <a:spcPct val="0"/>
+              </a:spcBef>
+              <a:spcAft>
+                <a:spcPct val="0"/>
+              </a:spcAft>
+              <a:defRPr sz="900" b="1">
+                <a:solidFill>
+                  <a:schemeClr val="tx1"/>
+                </a:solidFill>
+                <a:latin typeface="Times New Roman" pitchFamily="18" charset="0"/>
+                <a:ea typeface="ＭＳ Ｐ明朝" charset="-128"/>
+              </a:defRPr>
+            </a:lvl6pPr>
+            <a:lvl7pPr marL="2971800" indent="-228600" algn="ctr" eaLnBrk="0" fontAlgn="base" hangingPunct="0">
+              <a:spcBef>
+                <a:spcPct val="0"/>
+              </a:spcBef>
+              <a:spcAft>
+                <a:spcPct val="0"/>
+              </a:spcAft>
+              <a:defRPr sz="900" b="1">
+                <a:solidFill>
+                  <a:schemeClr val="tx1"/>
+                </a:solidFill>
+                <a:latin typeface="Times New Roman" pitchFamily="18" charset="0"/>
+                <a:ea typeface="ＭＳ Ｐ明朝" charset="-128"/>
+              </a:defRPr>
+            </a:lvl7pPr>
+            <a:lvl8pPr marL="3429000" indent="-228600" algn="ctr" eaLnBrk="0" fontAlgn="base" hangingPunct="0">
+              <a:spcBef>
+                <a:spcPct val="0"/>
+              </a:spcBef>
+              <a:spcAft>
+                <a:spcPct val="0"/>
+              </a:spcAft>
+              <a:defRPr sz="900" b="1">
+                <a:solidFill>
+                  <a:schemeClr val="tx1"/>
+                </a:solidFill>
+                <a:latin typeface="Times New Roman" pitchFamily="18" charset="0"/>
+                <a:ea typeface="ＭＳ Ｐ明朝" charset="-128"/>
+              </a:defRPr>
+            </a:lvl8pPr>
+            <a:lvl9pPr marL="3886200" indent="-228600" algn="ctr" eaLnBrk="0" fontAlgn="base" hangingPunct="0">
+              <a:spcBef>
+                <a:spcPct val="0"/>
+              </a:spcBef>
+              <a:spcAft>
+                <a:spcPct val="0"/>
+              </a:spcAft>
+              <a:defRPr sz="900" b="1">
+                <a:solidFill>
+                  <a:schemeClr val="tx1"/>
+                </a:solidFill>
+                <a:latin typeface="Times New Roman" pitchFamily="18" charset="0"/>
+                <a:ea typeface="ＭＳ Ｐ明朝" charset="-128"/>
+              </a:defRPr>
+            </a:lvl9pPr>
+          </a:lstStyle>
+          <a:p>
+            <a:pPr eaLnBrk="1" hangingPunct="1"/>
+            <a:r>
+              <a:rPr lang="ja-JP" altLang="en-US" sz="1000" dirty="0" smtClean="0">
+                <a:latin typeface="Arial" charset="0"/>
+                <a:ea typeface="ＭＳ Ｐゴシック" charset="-128"/>
+              </a:rPr>
+              <a:t>⑨</a:t>
+            </a:r>
+            <a:r>
+              <a:rPr lang="en-US" altLang="ja-JP" sz="1000" dirty="0" err="1" smtClean="0">
+                <a:latin typeface="Arial" charset="0"/>
+                <a:ea typeface="ＭＳ Ｐゴシック" charset="-128"/>
+              </a:rPr>
+              <a:t>JobOperator</a:t>
+            </a:r>
+            <a:r>
+              <a:rPr lang="ja-JP" altLang="en-US" sz="1000" dirty="0" err="1" smtClean="0">
+                <a:latin typeface="Arial" charset="0"/>
+                <a:ea typeface="ＭＳ Ｐゴシック" charset="-128"/>
+              </a:rPr>
+              <a:t>を停</a:t>
+            </a:r>
+            <a:r>
+              <a:rPr lang="ja-JP" altLang="en-US" sz="1000" dirty="0" smtClean="0">
+                <a:latin typeface="Arial" charset="0"/>
+                <a:ea typeface="ＭＳ Ｐゴシック" charset="-128"/>
+              </a:rPr>
+              <a:t>止させる</a:t>
+            </a:r>
+            <a:endParaRPr kumimoji="1" lang="ja-JP" altLang="en-US" sz="1000" dirty="0">
+              <a:latin typeface="Arial" charset="0"/>
+              <a:ea typeface="ＭＳ Ｐゴシック" charset="-128"/>
+            </a:endParaRPr>
+          </a:p>
+        </p:txBody>
+      </p:sp>
+      <p:sp>
+        <p:nvSpPr>
+          <p:cNvPr id="58" name="AutoShape 68"/>
           <p:cNvSpPr>
             <a:spLocks noChangeArrowheads="1"/>
           </p:cNvSpPr>
@@ -21836,13 +21882,172 @@
         </p:nvSpPr>
         <p:spPr bwMode="auto">
           <a:xfrm>
-            <a:off x="4777583" y="2163138"/>
-            <a:ext cx="104897" cy="2743415"/>
+            <a:off x="4476169" y="2162848"/>
+            <a:ext cx="246907" cy="2178153"/>
+          </a:xfrm>
+          <a:prstGeom prst="bentUpArrow">
+            <a:avLst>
+              <a:gd name="adj1" fmla="val 25000"/>
+              <a:gd name="adj2" fmla="val 27957"/>
+              <a:gd name="adj3" fmla="val 50000"/>
+            </a:avLst>
+          </a:prstGeom>
+          <a:solidFill>
+            <a:schemeClr val="bg1"/>
+          </a:solidFill>
+          <a:ln w="9525">
+            <a:solidFill>
+              <a:schemeClr val="tx1"/>
+            </a:solidFill>
+            <a:miter lim="800000"/>
+            <a:headEnd/>
+            <a:tailEnd/>
+          </a:ln>
+          <a:effectLst/>
+          <a:extLst>
+            <a:ext uri="{AF507438-7753-43E0-B8FC-AC1667EBCBE1}">
+              <a14:hiddenEffects xmlns:a14="http://schemas.microsoft.com/office/drawing/2010/main">
+                <a:effectLst>
+                  <a:outerShdw dist="35921" dir="2700000" algn="ctr" rotWithShape="0">
+                    <a:schemeClr val="bg2"/>
+                  </a:outerShdw>
+                </a:effectLst>
+              </a14:hiddenEffects>
+            </a:ext>
+          </a:extLst>
+        </p:spPr>
+        <p:txBody>
+          <a:bodyPr wrap="none" lIns="90000" tIns="46800" rIns="90000" bIns="46800" anchor="ctr"/>
+          <a:lstStyle>
+            <a:lvl1pPr eaLnBrk="0" hangingPunct="0">
+              <a:defRPr sz="900" b="1">
+                <a:solidFill>
+                  <a:schemeClr val="tx1"/>
+                </a:solidFill>
+                <a:latin typeface="Times New Roman" pitchFamily="18" charset="0"/>
+                <a:ea typeface="ＭＳ Ｐ明朝" charset="-128"/>
+              </a:defRPr>
+            </a:lvl1pPr>
+            <a:lvl2pPr marL="742950" indent="-285750" eaLnBrk="0" hangingPunct="0">
+              <a:defRPr sz="900" b="1">
+                <a:solidFill>
+                  <a:schemeClr val="tx1"/>
+                </a:solidFill>
+                <a:latin typeface="Times New Roman" pitchFamily="18" charset="0"/>
+                <a:ea typeface="ＭＳ Ｐ明朝" charset="-128"/>
+              </a:defRPr>
+            </a:lvl2pPr>
+            <a:lvl3pPr marL="1143000" indent="-228600" eaLnBrk="0" hangingPunct="0">
+              <a:defRPr sz="900" b="1">
+                <a:solidFill>
+                  <a:schemeClr val="tx1"/>
+                </a:solidFill>
+                <a:latin typeface="Times New Roman" pitchFamily="18" charset="0"/>
+                <a:ea typeface="ＭＳ Ｐ明朝" charset="-128"/>
+              </a:defRPr>
+            </a:lvl3pPr>
+            <a:lvl4pPr marL="1600200" indent="-228600" eaLnBrk="0" hangingPunct="0">
+              <a:defRPr sz="900" b="1">
+                <a:solidFill>
+                  <a:schemeClr val="tx1"/>
+                </a:solidFill>
+                <a:latin typeface="Times New Roman" pitchFamily="18" charset="0"/>
+                <a:ea typeface="ＭＳ Ｐ明朝" charset="-128"/>
+              </a:defRPr>
+            </a:lvl4pPr>
+            <a:lvl5pPr marL="2057400" indent="-228600" eaLnBrk="0" hangingPunct="0">
+              <a:defRPr sz="900" b="1">
+                <a:solidFill>
+                  <a:schemeClr val="tx1"/>
+                </a:solidFill>
+                <a:latin typeface="Times New Roman" pitchFamily="18" charset="0"/>
+                <a:ea typeface="ＭＳ Ｐ明朝" charset="-128"/>
+              </a:defRPr>
+            </a:lvl5pPr>
+            <a:lvl6pPr marL="2514600" indent="-228600" algn="ctr" eaLnBrk="0" fontAlgn="base" hangingPunct="0">
+              <a:spcBef>
+                <a:spcPct val="0"/>
+              </a:spcBef>
+              <a:spcAft>
+                <a:spcPct val="0"/>
+              </a:spcAft>
+              <a:defRPr sz="900" b="1">
+                <a:solidFill>
+                  <a:schemeClr val="tx1"/>
+                </a:solidFill>
+                <a:latin typeface="Times New Roman" pitchFamily="18" charset="0"/>
+                <a:ea typeface="ＭＳ Ｐ明朝" charset="-128"/>
+              </a:defRPr>
+            </a:lvl6pPr>
+            <a:lvl7pPr marL="2971800" indent="-228600" algn="ctr" eaLnBrk="0" fontAlgn="base" hangingPunct="0">
+              <a:spcBef>
+                <a:spcPct val="0"/>
+              </a:spcBef>
+              <a:spcAft>
+                <a:spcPct val="0"/>
+              </a:spcAft>
+              <a:defRPr sz="900" b="1">
+                <a:solidFill>
+                  <a:schemeClr val="tx1"/>
+                </a:solidFill>
+                <a:latin typeface="Times New Roman" pitchFamily="18" charset="0"/>
+                <a:ea typeface="ＭＳ Ｐ明朝" charset="-128"/>
+              </a:defRPr>
+            </a:lvl7pPr>
+            <a:lvl8pPr marL="3429000" indent="-228600" algn="ctr" eaLnBrk="0" fontAlgn="base" hangingPunct="0">
+              <a:spcBef>
+                <a:spcPct val="0"/>
+              </a:spcBef>
+              <a:spcAft>
+                <a:spcPct val="0"/>
+              </a:spcAft>
+              <a:defRPr sz="900" b="1">
+                <a:solidFill>
+                  <a:schemeClr val="tx1"/>
+                </a:solidFill>
+                <a:latin typeface="Times New Roman" pitchFamily="18" charset="0"/>
+                <a:ea typeface="ＭＳ Ｐ明朝" charset="-128"/>
+              </a:defRPr>
+            </a:lvl8pPr>
+            <a:lvl9pPr marL="3886200" indent="-228600" algn="ctr" eaLnBrk="0" fontAlgn="base" hangingPunct="0">
+              <a:spcBef>
+                <a:spcPct val="0"/>
+              </a:spcBef>
+              <a:spcAft>
+                <a:spcPct val="0"/>
+              </a:spcAft>
+              <a:defRPr sz="900" b="1">
+                <a:solidFill>
+                  <a:schemeClr val="tx1"/>
+                </a:solidFill>
+                <a:latin typeface="Times New Roman" pitchFamily="18" charset="0"/>
+                <a:ea typeface="ＭＳ Ｐ明朝" charset="-128"/>
+              </a:defRPr>
+            </a:lvl9pPr>
+          </a:lstStyle>
+          <a:p>
+            <a:pPr eaLnBrk="1" hangingPunct="1"/>
+            <a:endParaRPr lang="ja-JP" altLang="en-US" dirty="0"/>
+          </a:p>
+        </p:txBody>
+      </p:sp>
+      <p:sp>
+        <p:nvSpPr>
+          <p:cNvPr id="59" name="AutoShape 68"/>
+          <p:cNvSpPr>
+            <a:spLocks noChangeArrowheads="1"/>
+          </p:cNvSpPr>
+          <p:nvPr/>
+        </p:nvSpPr>
+        <p:spPr bwMode="auto">
+          <a:xfrm>
+            <a:off x="4765603" y="2162848"/>
+            <a:ext cx="121567" cy="2743415"/>
           </a:xfrm>
           <a:prstGeom prst="upArrow">
             <a:avLst>
               <a:gd name="adj1" fmla="val 50000"/>
-              <a:gd name="adj2" fmla="val 272024"/>
+              <a:gd name="adj2" fmla="val 103798"/>
             </a:avLst>
           </a:prstGeom>
           <a:solidFill>
@@ -22032,263 +22237,6 @@
           <a:lstStyle/>
           <a:p>
             <a:endParaRPr lang="ja-JP" altLang="en-US" dirty="0"/>
-          </a:p>
-        </p:txBody>
-      </p:sp>
-      <p:sp>
-        <p:nvSpPr>
-          <p:cNvPr id="155" name="Line 73"/>
-          <p:cNvSpPr>
-            <a:spLocks noChangeShapeType="1"/>
-          </p:cNvSpPr>
-          <p:nvPr/>
-        </p:nvSpPr>
-        <p:spPr bwMode="auto">
-          <a:xfrm flipV="1">
-            <a:off x="4396957" y="2312288"/>
-            <a:ext cx="960182" cy="419100"/>
-          </a:xfrm>
-          <a:prstGeom prst="line">
-            <a:avLst/>
-          </a:prstGeom>
-          <a:noFill/>
-          <a:ln w="9525">
-            <a:solidFill>
-              <a:schemeClr val="tx1"/>
-            </a:solidFill>
-            <a:round/>
-            <a:headEnd/>
-            <a:tailEnd/>
-          </a:ln>
-          <a:effectLst/>
-          <a:extLst>
-            <a:ext uri="{909E8E84-426E-40DD-AFC4-6F175D3DCCD1}">
-              <a14:hiddenFill xmlns:a14="http://schemas.microsoft.com/office/drawing/2010/main">
-                <a:noFill/>
-              </a14:hiddenFill>
-            </a:ext>
-            <a:ext uri="{AF507438-7753-43E0-B8FC-AC1667EBCBE1}">
-              <a14:hiddenEffects xmlns:a14="http://schemas.microsoft.com/office/drawing/2010/main">
-                <a:effectLst>
-                  <a:outerShdw dist="35921" dir="2700000" algn="ctr" rotWithShape="0">
-                    <a:schemeClr val="bg2"/>
-                  </a:outerShdw>
-                </a:effectLst>
-              </a14:hiddenEffects>
-            </a:ext>
-          </a:extLst>
-        </p:spPr>
-        <p:txBody>
-          <a:bodyPr wrap="none" lIns="90000" tIns="46800" rIns="90000" bIns="46800" anchor="ctr"/>
-          <a:lstStyle/>
-          <a:p>
-            <a:endParaRPr lang="ja-JP" altLang="en-US" dirty="0"/>
-          </a:p>
-        </p:txBody>
-      </p:sp>
-      <p:sp>
-        <p:nvSpPr>
-          <p:cNvPr id="158" name="Rectangle 11"/>
-          <p:cNvSpPr>
-            <a:spLocks noChangeArrowheads="1"/>
-          </p:cNvSpPr>
-          <p:nvPr/>
-        </p:nvSpPr>
-        <p:spPr bwMode="gray">
-          <a:xfrm>
-            <a:off x="2355181" y="1489631"/>
-            <a:ext cx="2127380" cy="226591"/>
-          </a:xfrm>
-          <a:prstGeom prst="rect">
-            <a:avLst/>
-          </a:prstGeom>
-          <a:noFill/>
-          <a:ln>
-            <a:noFill/>
-          </a:ln>
-          <a:effectLst/>
-          <a:extLst>
-            <a:ext uri="{909E8E84-426E-40DD-AFC4-6F175D3DCCD1}">
-              <a14:hiddenFill xmlns:a14="http://schemas.microsoft.com/office/drawing/2010/main">
-                <a:solidFill>
-                  <a:srgbClr val="3366CC"/>
-                </a:solidFill>
-              </a14:hiddenFill>
-            </a:ext>
-            <a:ext uri="{91240B29-F687-4F45-9708-019B960494DF}">
-              <a14:hiddenLine xmlns:a14="http://schemas.microsoft.com/office/drawing/2010/main" w="28575" algn="ctr">
-                <a:solidFill>
-                  <a:srgbClr val="3366CC"/>
-                </a:solidFill>
-                <a:prstDash val="sysDot"/>
-                <a:miter lim="800000"/>
-                <a:headEnd/>
-                <a:tailEnd/>
-              </a14:hiddenLine>
-            </a:ext>
-            <a:ext uri="{AF507438-7753-43E0-B8FC-AC1667EBCBE1}">
-              <a14:hiddenEffects xmlns:a14="http://schemas.microsoft.com/office/drawing/2010/main">
-                <a:effectLst>
-                  <a:outerShdw dist="35921" dir="2700000" algn="ctr" rotWithShape="0">
-                    <a:schemeClr val="bg2"/>
-                  </a:outerShdw>
-                </a:effectLst>
-              </a14:hiddenEffects>
-            </a:ext>
-          </a:extLst>
-        </p:spPr>
-        <p:txBody>
-          <a:bodyPr wrap="square" lIns="36000" tIns="36000" rIns="36000" bIns="36000" anchor="ctr">
-            <a:spAutoFit/>
-          </a:bodyPr>
-          <a:lstStyle>
-            <a:lvl1pPr eaLnBrk="0" hangingPunct="0">
-              <a:defRPr sz="900" b="1">
-                <a:solidFill>
-                  <a:schemeClr val="tx1"/>
-                </a:solidFill>
-                <a:latin typeface="Times New Roman" pitchFamily="18" charset="0"/>
-                <a:ea typeface="ＭＳ Ｐ明朝" charset="-128"/>
-              </a:defRPr>
-            </a:lvl1pPr>
-            <a:lvl2pPr marL="742950" indent="-285750" eaLnBrk="0" hangingPunct="0">
-              <a:defRPr sz="900" b="1">
-                <a:solidFill>
-                  <a:schemeClr val="tx1"/>
-                </a:solidFill>
-                <a:latin typeface="Times New Roman" pitchFamily="18" charset="0"/>
-                <a:ea typeface="ＭＳ Ｐ明朝" charset="-128"/>
-              </a:defRPr>
-            </a:lvl2pPr>
-            <a:lvl3pPr marL="1143000" indent="-228600" eaLnBrk="0" hangingPunct="0">
-              <a:defRPr sz="900" b="1">
-                <a:solidFill>
-                  <a:schemeClr val="tx1"/>
-                </a:solidFill>
-                <a:latin typeface="Times New Roman" pitchFamily="18" charset="0"/>
-                <a:ea typeface="ＭＳ Ｐ明朝" charset="-128"/>
-              </a:defRPr>
-            </a:lvl3pPr>
-            <a:lvl4pPr marL="1600200" indent="-228600" eaLnBrk="0" hangingPunct="0">
-              <a:defRPr sz="900" b="1">
-                <a:solidFill>
-                  <a:schemeClr val="tx1"/>
-                </a:solidFill>
-                <a:latin typeface="Times New Roman" pitchFamily="18" charset="0"/>
-                <a:ea typeface="ＭＳ Ｐ明朝" charset="-128"/>
-              </a:defRPr>
-            </a:lvl4pPr>
-            <a:lvl5pPr marL="2057400" indent="-228600" eaLnBrk="0" hangingPunct="0">
-              <a:defRPr sz="900" b="1">
-                <a:solidFill>
-                  <a:schemeClr val="tx1"/>
-                </a:solidFill>
-                <a:latin typeface="Times New Roman" pitchFamily="18" charset="0"/>
-                <a:ea typeface="ＭＳ Ｐ明朝" charset="-128"/>
-              </a:defRPr>
-            </a:lvl5pPr>
-            <a:lvl6pPr marL="2514600" indent="-228600" algn="ctr" eaLnBrk="0" fontAlgn="base" hangingPunct="0">
-              <a:spcBef>
-                <a:spcPct val="0"/>
-              </a:spcBef>
-              <a:spcAft>
-                <a:spcPct val="0"/>
-              </a:spcAft>
-              <a:defRPr sz="900" b="1">
-                <a:solidFill>
-                  <a:schemeClr val="tx1"/>
-                </a:solidFill>
-                <a:latin typeface="Times New Roman" pitchFamily="18" charset="0"/>
-                <a:ea typeface="ＭＳ Ｐ明朝" charset="-128"/>
-              </a:defRPr>
-            </a:lvl6pPr>
-            <a:lvl7pPr marL="2971800" indent="-228600" algn="ctr" eaLnBrk="0" fontAlgn="base" hangingPunct="0">
-              <a:spcBef>
-                <a:spcPct val="0"/>
-              </a:spcBef>
-              <a:spcAft>
-                <a:spcPct val="0"/>
-              </a:spcAft>
-              <a:defRPr sz="900" b="1">
-                <a:solidFill>
-                  <a:schemeClr val="tx1"/>
-                </a:solidFill>
-                <a:latin typeface="Times New Roman" pitchFamily="18" charset="0"/>
-                <a:ea typeface="ＭＳ Ｐ明朝" charset="-128"/>
-              </a:defRPr>
-            </a:lvl7pPr>
-            <a:lvl8pPr marL="3429000" indent="-228600" algn="ctr" eaLnBrk="0" fontAlgn="base" hangingPunct="0">
-              <a:spcBef>
-                <a:spcPct val="0"/>
-              </a:spcBef>
-              <a:spcAft>
-                <a:spcPct val="0"/>
-              </a:spcAft>
-              <a:defRPr sz="900" b="1">
-                <a:solidFill>
-                  <a:schemeClr val="tx1"/>
-                </a:solidFill>
-                <a:latin typeface="Times New Roman" pitchFamily="18" charset="0"/>
-                <a:ea typeface="ＭＳ Ｐ明朝" charset="-128"/>
-              </a:defRPr>
-            </a:lvl8pPr>
-            <a:lvl9pPr marL="3886200" indent="-228600" algn="ctr" eaLnBrk="0" fontAlgn="base" hangingPunct="0">
-              <a:spcBef>
-                <a:spcPct val="0"/>
-              </a:spcBef>
-              <a:spcAft>
-                <a:spcPct val="0"/>
-              </a:spcAft>
-              <a:defRPr sz="900" b="1">
-                <a:solidFill>
-                  <a:schemeClr val="tx1"/>
-                </a:solidFill>
-                <a:latin typeface="Times New Roman" pitchFamily="18" charset="0"/>
-                <a:ea typeface="ＭＳ Ｐ明朝" charset="-128"/>
-              </a:defRPr>
-            </a:lvl9pPr>
-          </a:lstStyle>
-          <a:p>
-            <a:pPr eaLnBrk="1" hangingPunct="1"/>
-            <a:r>
-              <a:rPr lang="ja-JP" altLang="en-US" sz="1000" dirty="0" smtClean="0">
-                <a:latin typeface="Arial" charset="0"/>
-                <a:ea typeface="ＭＳ Ｐゴシック" charset="-128"/>
-              </a:rPr>
-              <a:t>⑨</a:t>
-            </a:r>
-            <a:r>
-              <a:rPr lang="en-US" altLang="ja-JP" sz="1000" dirty="0" err="1" smtClean="0">
-                <a:latin typeface="Arial" charset="0"/>
-                <a:ea typeface="ＭＳ Ｐゴシック" charset="-128"/>
-              </a:rPr>
-              <a:t>JobOperator</a:t>
-            </a:r>
-            <a:r>
-              <a:rPr lang="ja-JP" altLang="en-US" sz="1000" dirty="0" err="1" smtClean="0">
-                <a:latin typeface="Arial" charset="0"/>
-                <a:ea typeface="ＭＳ Ｐゴシック" charset="-128"/>
-              </a:rPr>
-              <a:t>を</a:t>
-            </a:r>
-            <a:r>
-              <a:rPr lang="ja-JP" altLang="en-US" sz="1000" dirty="0" err="1" smtClean="0">
-                <a:latin typeface="Arial" charset="0"/>
-                <a:ea typeface="ＭＳ Ｐゴシック" charset="-128"/>
-              </a:rPr>
-              <a:t>停</a:t>
-            </a:r>
-            <a:r>
-              <a:rPr lang="ja-JP" altLang="en-US" sz="1000" dirty="0" smtClean="0">
-                <a:latin typeface="Arial" charset="0"/>
-                <a:ea typeface="ＭＳ Ｐゴシック" charset="-128"/>
-              </a:rPr>
-              <a:t>止させる</a:t>
-            </a:r>
-            <a:endParaRPr kumimoji="1" lang="ja-JP" altLang="en-US" sz="1000" dirty="0">
-              <a:latin typeface="Arial" charset="0"/>
-              <a:ea typeface="ＭＳ Ｐゴシック" charset="-128"/>
-            </a:endParaRPr>
           </a:p>
         </p:txBody>
       </p:sp>
@@ -22377,10 +22325,6 @@
               </a:rPr>
               <a:t>AbstructTransactionBLogic</a:t>
             </a:r>
-            <a:endParaRPr kumimoji="1" lang="en-US" altLang="ja-JP" sz="1000" dirty="0" smtClean="0">
-              <a:latin typeface="Arial" panose="020B0604020202020204" pitchFamily="34" charset="0"/>
-              <a:ea typeface="ＭＳ Ｐゴシック" panose="020B0600070205080204" pitchFamily="50" charset="-128"/>
-            </a:endParaRPr>
           </a:p>
         </p:txBody>
       </p:sp>
@@ -23628,21 +23572,7 @@
                 <a:latin typeface="Arial" panose="020B0604020202020204" pitchFamily="34" charset="0"/>
                 <a:ea typeface="ＭＳ Ｐゴシック" panose="020B0600070205080204" pitchFamily="50" charset="-128"/>
               </a:rPr>
-              <a:t>インタフェース</a:t>
-            </a:r>
-            <a:r>
-              <a:rPr kumimoji="1" lang="ja-JP" altLang="en-US" sz="1000" dirty="0">
-                <a:latin typeface="Arial" panose="020B0604020202020204" pitchFamily="34" charset="0"/>
-                <a:ea typeface="ＭＳ Ｐゴシック" panose="020B0600070205080204" pitchFamily="50" charset="-128"/>
-              </a:rPr>
-              <a:t>をを</a:t>
-            </a:r>
-            <a:r>
-              <a:rPr kumimoji="1" lang="ja-JP" altLang="en-US" sz="1000" dirty="0">
-                <a:latin typeface="Arial" panose="020B0604020202020204" pitchFamily="34" charset="0"/>
-                <a:ea typeface="ＭＳ Ｐゴシック" panose="020B0600070205080204" pitchFamily="50" charset="-128"/>
-              </a:rPr>
-              <a:t>実装 </a:t>
+              <a:t>インタフェースをを実装 </a:t>
             </a:r>
           </a:p>
         </p:txBody>
@@ -24781,7 +24711,7 @@
           <a:graphicData uri="http://schemas.openxmlformats.org/presentationml/2006/ole">
             <mc:AlternateContent xmlns:mc="http://schemas.openxmlformats.org/markup-compatibility/2006">
               <mc:Choice xmlns:v="urn:schemas-microsoft-com:vml" Requires="v">
-                <p:oleObj spid="_x0000_s2077" name="Visio" r:id="rId3" imgW="1046607" imgH="1232154" progId="Visio.Drawing.11">
+                <p:oleObj spid="_x0000_s2079" name="Visio" r:id="rId3" imgW="1046607" imgH="1232154" progId="Visio.Drawing.11">
                   <p:embed/>
                 </p:oleObj>
               </mc:Choice>

--- a/function/素材/BL-01～BL05 TERASOLUNA Batch Framework for Java ver3.x本体説明書の図.pptx
+++ b/function/素材/BL-01～BL05 TERASOLUNA Batch Framework for Java ver3.x本体説明書の図.pptx
@@ -13776,7 +13776,7 @@
           <a:graphicData uri="http://schemas.openxmlformats.org/presentationml/2006/ole">
             <mc:AlternateContent xmlns:mc="http://schemas.openxmlformats.org/markup-compatibility/2006">
               <mc:Choice xmlns:v="urn:schemas-microsoft-com:vml" Requires="v">
-                <p:oleObj spid="_x0000_s1084" name="Visio" r:id="rId4" imgW="1028666" imgH="1219320" progId="Visio.Drawing.11">
+                <p:oleObj spid="_x0000_s1086" name="Visio" r:id="rId4" imgW="1028666" imgH="1219320" progId="Visio.Drawing.11">
                   <p:embed/>
                 </p:oleObj>
               </mc:Choice>
@@ -23572,8 +23572,19 @@
                 <a:latin typeface="Arial" panose="020B0604020202020204" pitchFamily="34" charset="0"/>
                 <a:ea typeface="ＭＳ Ｐゴシック" panose="020B0600070205080204" pitchFamily="50" charset="-128"/>
               </a:rPr>
-              <a:t>インタフェースをを実装 </a:t>
-            </a:r>
+              <a:t>インタフェース</a:t>
+            </a:r>
+            <a:r>
+              <a:rPr kumimoji="1" lang="ja-JP" altLang="en-US" sz="1000" dirty="0" smtClean="0">
+                <a:latin typeface="Arial" panose="020B0604020202020204" pitchFamily="34" charset="0"/>
+                <a:ea typeface="ＭＳ Ｐゴシック" panose="020B0600070205080204" pitchFamily="50" charset="-128"/>
+              </a:rPr>
+              <a:t>を実装 </a:t>
+            </a:r>
+            <a:endParaRPr kumimoji="1" lang="ja-JP" altLang="en-US" sz="1000" dirty="0">
+              <a:latin typeface="Arial" panose="020B0604020202020204" pitchFamily="34" charset="0"/>
+              <a:ea typeface="ＭＳ Ｐゴシック" panose="020B0600070205080204" pitchFamily="50" charset="-128"/>
+            </a:endParaRPr>
           </a:p>
         </p:txBody>
       </p:sp>
@@ -24711,7 +24722,7 @@
           <a:graphicData uri="http://schemas.openxmlformats.org/presentationml/2006/ole">
             <mc:AlternateContent xmlns:mc="http://schemas.openxmlformats.org/markup-compatibility/2006">
               <mc:Choice xmlns:v="urn:schemas-microsoft-com:vml" Requires="v">
-                <p:oleObj spid="_x0000_s2079" name="Visio" r:id="rId3" imgW="1046607" imgH="1232154" progId="Visio.Drawing.11">
+                <p:oleObj spid="_x0000_s2081" name="Visio" r:id="rId3" imgW="1046607" imgH="1232154" progId="Visio.Drawing.11">
                   <p:embed/>
                 </p:oleObj>
               </mc:Choice>
